--- a/Rendu/Support Prez OPC 9.pptx
+++ b/Rendu/Support Prez OPC 9.pptx
@@ -5,7 +5,7 @@
     <p:sldMasterId id="2147483648" r:id="rId1"/>
   </p:sldMasterIdLst>
   <p:notesMasterIdLst>
-    <p:notesMasterId r:id="rId27"/>
+    <p:notesMasterId r:id="rId29"/>
   </p:notesMasterIdLst>
   <p:sldIdLst>
     <p:sldId id="256" r:id="rId2"/>
@@ -13,26 +13,28 @@
     <p:sldId id="268" r:id="rId4"/>
     <p:sldId id="260" r:id="rId5"/>
     <p:sldId id="269" r:id="rId6"/>
-    <p:sldId id="261" r:id="rId7"/>
-    <p:sldId id="262" r:id="rId8"/>
-    <p:sldId id="263" r:id="rId9"/>
-    <p:sldId id="264" r:id="rId10"/>
-    <p:sldId id="265" r:id="rId11"/>
-    <p:sldId id="266" r:id="rId12"/>
-    <p:sldId id="267" r:id="rId13"/>
-    <p:sldId id="270" r:id="rId14"/>
-    <p:sldId id="272" r:id="rId15"/>
-    <p:sldId id="275" r:id="rId16"/>
-    <p:sldId id="276" r:id="rId17"/>
-    <p:sldId id="277" r:id="rId18"/>
-    <p:sldId id="279" r:id="rId19"/>
-    <p:sldId id="280" r:id="rId20"/>
-    <p:sldId id="281" r:id="rId21"/>
-    <p:sldId id="278" r:id="rId22"/>
-    <p:sldId id="271" r:id="rId23"/>
-    <p:sldId id="273" r:id="rId24"/>
-    <p:sldId id="274" r:id="rId25"/>
-    <p:sldId id="282" r:id="rId26"/>
+    <p:sldId id="284" r:id="rId7"/>
+    <p:sldId id="283" r:id="rId8"/>
+    <p:sldId id="261" r:id="rId9"/>
+    <p:sldId id="262" r:id="rId10"/>
+    <p:sldId id="263" r:id="rId11"/>
+    <p:sldId id="264" r:id="rId12"/>
+    <p:sldId id="265" r:id="rId13"/>
+    <p:sldId id="266" r:id="rId14"/>
+    <p:sldId id="267" r:id="rId15"/>
+    <p:sldId id="270" r:id="rId16"/>
+    <p:sldId id="272" r:id="rId17"/>
+    <p:sldId id="275" r:id="rId18"/>
+    <p:sldId id="276" r:id="rId19"/>
+    <p:sldId id="277" r:id="rId20"/>
+    <p:sldId id="279" r:id="rId21"/>
+    <p:sldId id="280" r:id="rId22"/>
+    <p:sldId id="281" r:id="rId23"/>
+    <p:sldId id="278" r:id="rId24"/>
+    <p:sldId id="271" r:id="rId25"/>
+    <p:sldId id="273" r:id="rId26"/>
+    <p:sldId id="274" r:id="rId27"/>
+    <p:sldId id="282" r:id="rId28"/>
   </p:sldIdLst>
   <p:sldSz cx="12192000" cy="6858000"/>
   <p:notesSz cx="6858000" cy="9144000"/>
@@ -221,7 +223,7 @@
           <a:p>
             <a:fld id="{650B98A8-F180-40CF-BF30-2EC54DA043DF}" type="datetimeFigureOut">
               <a:rPr lang="fr-FR" smtClean="0"/>
-              <a:t>06/12/2022</a:t>
+              <a:t>07/12/2022</a:t>
             </a:fld>
             <a:endParaRPr lang="fr-FR"/>
           </a:p>
@@ -1880,7 +1882,7 @@
           <a:p>
             <a:fld id="{BF0BFECF-4F0F-413E-BF29-FC8C36CE0F7A}" type="datetime1">
               <a:rPr lang="fr-FR" smtClean="0"/>
-              <a:t>06/12/2022</a:t>
+              <a:t>07/12/2022</a:t>
             </a:fld>
             <a:endParaRPr lang="fr-FR"/>
           </a:p>
@@ -2342,7 +2344,7 @@
                   <a:schemeClr val="tx1"/>
                 </a:solidFill>
               </a:rPr>
-              <a:t>mardi 6 décembre 2022</a:t>
+              <a:t>mercredi 7 décembre 2022</a:t>
             </a:fld>
             <a:endParaRPr lang="fr-FR" sz="4000" b="1" dirty="0">
               <a:solidFill>
@@ -2400,8 +2402,8 @@
         </p:nvSpPr>
         <p:spPr>
           <a:xfrm>
-            <a:off x="139148" y="1244600"/>
-            <a:ext cx="11887199" cy="493627"/>
+            <a:off x="139147" y="2961861"/>
+            <a:ext cx="7553738" cy="3224212"/>
           </a:xfrm>
         </p:spPr>
         <p:txBody>
@@ -2410,47 +2412,681 @@
           </a:bodyPr>
           <a:lstStyle/>
           <a:p>
-            <a:pPr>
-              <a:lnSpc>
-                <a:spcPct val="100000"/>
-              </a:lnSpc>
-            </a:pPr>
-            <a:r>
-              <a:rPr lang="fr-FR" dirty="0"/>
-              <a:t>Dans le cas ou l’utilisateur bypass l’attribut </a:t>
-            </a:r>
-            <a:r>
-              <a:rPr lang="fr-FR" sz="2400" b="1" u="sng" dirty="0" err="1">
+            <a:r>
+              <a:rPr lang="fr-FR" sz="1600" b="0" dirty="0">
+                <a:solidFill>
+                  <a:srgbClr val="9CDCFE"/>
+                </a:solidFill>
+                <a:effectLst/>
+                <a:latin typeface="Menlo" panose="020B0609030804020204" pitchFamily="49" charset="0"/>
+              </a:rPr>
+              <a:t>email:</a:t>
+            </a:r>
+            <a:r>
+              <a:rPr lang="fr-FR" sz="1600" b="0" dirty="0">
+                <a:solidFill>
+                  <a:srgbClr val="D4D4D4"/>
+                </a:solidFill>
+                <a:effectLst/>
+                <a:latin typeface="Menlo" panose="020B0609030804020204" pitchFamily="49" charset="0"/>
+              </a:rPr>
+              <a:t> </a:t>
+            </a:r>
+            <a:r>
+              <a:rPr lang="fr-FR" sz="1600" b="0" dirty="0" err="1">
+                <a:solidFill>
+                  <a:srgbClr val="9CDCFE"/>
+                </a:solidFill>
+                <a:effectLst/>
+                <a:latin typeface="Menlo" panose="020B0609030804020204" pitchFamily="49" charset="0"/>
+              </a:rPr>
+              <a:t>e</a:t>
+            </a:r>
+            <a:r>
+              <a:rPr lang="fr-FR" sz="1600" b="0" dirty="0" err="1">
+                <a:solidFill>
+                  <a:srgbClr val="D4D4D4"/>
+                </a:solidFill>
+                <a:effectLst/>
+                <a:latin typeface="Menlo" panose="020B0609030804020204" pitchFamily="49" charset="0"/>
+              </a:rPr>
+              <a:t>.</a:t>
+            </a:r>
+            <a:r>
+              <a:rPr lang="fr-FR" sz="1600" b="0" dirty="0" err="1">
+                <a:solidFill>
+                  <a:srgbClr val="9CDCFE"/>
+                </a:solidFill>
+                <a:effectLst/>
+                <a:latin typeface="Menlo" panose="020B0609030804020204" pitchFamily="49" charset="0"/>
+              </a:rPr>
+              <a:t>target</a:t>
+            </a:r>
+            <a:r>
+              <a:rPr lang="fr-FR" sz="1600" b="0" dirty="0" err="1">
+                <a:solidFill>
+                  <a:srgbClr val="D4D4D4"/>
+                </a:solidFill>
+                <a:effectLst/>
+                <a:latin typeface="Menlo" panose="020B0609030804020204" pitchFamily="49" charset="0"/>
+              </a:rPr>
+              <a:t>.</a:t>
+            </a:r>
+            <a:r>
+              <a:rPr lang="fr-FR" sz="1600" b="0" dirty="0" err="1">
+                <a:solidFill>
+                  <a:srgbClr val="DCDCAA"/>
+                </a:solidFill>
+                <a:effectLst/>
+                <a:latin typeface="Menlo" panose="020B0609030804020204" pitchFamily="49" charset="0"/>
+              </a:rPr>
+              <a:t>querySelector</a:t>
+            </a:r>
+            <a:r>
+              <a:rPr lang="fr-FR" sz="1600" b="0" dirty="0">
+                <a:solidFill>
+                  <a:srgbClr val="D4D4D4"/>
+                </a:solidFill>
+                <a:effectLst/>
+                <a:latin typeface="Menlo" panose="020B0609030804020204" pitchFamily="49" charset="0"/>
+              </a:rPr>
+              <a:t>(</a:t>
+            </a:r>
+            <a:r>
+              <a:rPr lang="fr-FR" sz="1600" b="0" dirty="0">
                 <a:solidFill>
                   <a:srgbClr val="CE9178"/>
                 </a:solidFill>
                 <a:effectLst/>
                 <a:latin typeface="Menlo" panose="020B0609030804020204" pitchFamily="49" charset="0"/>
               </a:rPr>
-              <a:t>accept</a:t>
-            </a:r>
-            <a:r>
-              <a:rPr lang="fr-FR" sz="2400" b="1" u="sng" dirty="0">
+              <a:t>`input[data-</a:t>
+            </a:r>
+            <a:r>
+              <a:rPr lang="fr-FR" sz="1600" b="0" dirty="0" err="1">
                 <a:solidFill>
                   <a:srgbClr val="CE9178"/>
                 </a:solidFill>
                 <a:effectLst/>
                 <a:latin typeface="Menlo" panose="020B0609030804020204" pitchFamily="49" charset="0"/>
               </a:rPr>
-              <a:t>="image/*</a:t>
-            </a:r>
-            <a:r>
-              <a:rPr lang="fr-FR" dirty="0"/>
-              <a:t> , mise en place du code JS :</a:t>
-            </a:r>
-          </a:p>
-          <a:p>
-            <a:pPr>
-              <a:lnSpc>
-                <a:spcPct val="100000"/>
-              </a:lnSpc>
-            </a:pPr>
-            <a:endParaRPr lang="fr-FR" dirty="0"/>
+              <a:t>testid</a:t>
+            </a:r>
+            <a:r>
+              <a:rPr lang="fr-FR" sz="1600" b="0" dirty="0">
+                <a:solidFill>
+                  <a:srgbClr val="CE9178"/>
+                </a:solidFill>
+                <a:effectLst/>
+                <a:latin typeface="Menlo" panose="020B0609030804020204" pitchFamily="49" charset="0"/>
+              </a:rPr>
+              <a:t>="</a:t>
+            </a:r>
+            <a:r>
+              <a:rPr lang="fr-FR" sz="1600" b="0" dirty="0" err="1">
+                <a:solidFill>
+                  <a:srgbClr val="CE9178"/>
+                </a:solidFill>
+                <a:effectLst/>
+                <a:latin typeface="Menlo" panose="020B0609030804020204" pitchFamily="49" charset="0"/>
+              </a:rPr>
+              <a:t>employee</a:t>
+            </a:r>
+            <a:r>
+              <a:rPr lang="fr-FR" sz="1600" b="0" dirty="0">
+                <a:solidFill>
+                  <a:srgbClr val="CE9178"/>
+                </a:solidFill>
+                <a:effectLst/>
+                <a:latin typeface="Menlo" panose="020B0609030804020204" pitchFamily="49" charset="0"/>
+              </a:rPr>
+              <a:t>-email-input"]`</a:t>
+            </a:r>
+            <a:r>
+              <a:rPr lang="fr-FR" sz="1600" b="0" dirty="0">
+                <a:solidFill>
+                  <a:srgbClr val="D4D4D4"/>
+                </a:solidFill>
+                <a:effectLst/>
+                <a:latin typeface="Menlo" panose="020B0609030804020204" pitchFamily="49" charset="0"/>
+              </a:rPr>
+              <a:t>).</a:t>
+            </a:r>
+            <a:r>
+              <a:rPr lang="fr-FR" sz="1600" b="0" dirty="0">
+                <a:solidFill>
+                  <a:srgbClr val="9CDCFE"/>
+                </a:solidFill>
+                <a:effectLst/>
+                <a:latin typeface="Menlo" panose="020B0609030804020204" pitchFamily="49" charset="0"/>
+              </a:rPr>
+              <a:t>value</a:t>
+            </a:r>
+            <a:r>
+              <a:rPr lang="fr-FR" sz="1600" b="0" dirty="0">
+                <a:solidFill>
+                  <a:srgbClr val="D4D4D4"/>
+                </a:solidFill>
+                <a:effectLst/>
+                <a:latin typeface="Menlo" panose="020B0609030804020204" pitchFamily="49" charset="0"/>
+              </a:rPr>
+              <a:t>,</a:t>
+            </a:r>
+          </a:p>
+          <a:p>
+            <a:r>
+              <a:rPr lang="fr-FR" sz="1600" b="0" dirty="0" err="1">
+                <a:solidFill>
+                  <a:srgbClr val="9CDCFE"/>
+                </a:solidFill>
+                <a:effectLst/>
+                <a:latin typeface="Menlo" panose="020B0609030804020204" pitchFamily="49" charset="0"/>
+              </a:rPr>
+              <a:t>password</a:t>
+            </a:r>
+            <a:r>
+              <a:rPr lang="fr-FR" sz="1600" b="0" dirty="0">
+                <a:solidFill>
+                  <a:srgbClr val="9CDCFE"/>
+                </a:solidFill>
+                <a:effectLst/>
+                <a:latin typeface="Menlo" panose="020B0609030804020204" pitchFamily="49" charset="0"/>
+              </a:rPr>
+              <a:t>:</a:t>
+            </a:r>
+            <a:r>
+              <a:rPr lang="fr-FR" sz="1600" b="0" dirty="0">
+                <a:solidFill>
+                  <a:srgbClr val="D4D4D4"/>
+                </a:solidFill>
+                <a:effectLst/>
+                <a:latin typeface="Menlo" panose="020B0609030804020204" pitchFamily="49" charset="0"/>
+              </a:rPr>
+              <a:t> </a:t>
+            </a:r>
+            <a:r>
+              <a:rPr lang="fr-FR" sz="1600" b="0" dirty="0" err="1">
+                <a:solidFill>
+                  <a:srgbClr val="9CDCFE"/>
+                </a:solidFill>
+                <a:effectLst/>
+                <a:latin typeface="Menlo" panose="020B0609030804020204" pitchFamily="49" charset="0"/>
+              </a:rPr>
+              <a:t>e</a:t>
+            </a:r>
+            <a:r>
+              <a:rPr lang="fr-FR" sz="1600" b="0" dirty="0" err="1">
+                <a:solidFill>
+                  <a:srgbClr val="D4D4D4"/>
+                </a:solidFill>
+                <a:effectLst/>
+                <a:latin typeface="Menlo" panose="020B0609030804020204" pitchFamily="49" charset="0"/>
+              </a:rPr>
+              <a:t>.</a:t>
+            </a:r>
+            <a:r>
+              <a:rPr lang="fr-FR" sz="1600" b="0" dirty="0" err="1">
+                <a:solidFill>
+                  <a:srgbClr val="9CDCFE"/>
+                </a:solidFill>
+                <a:effectLst/>
+                <a:latin typeface="Menlo" panose="020B0609030804020204" pitchFamily="49" charset="0"/>
+              </a:rPr>
+              <a:t>target</a:t>
+            </a:r>
+            <a:r>
+              <a:rPr lang="fr-FR" sz="1600" b="0" dirty="0" err="1">
+                <a:solidFill>
+                  <a:srgbClr val="D4D4D4"/>
+                </a:solidFill>
+                <a:effectLst/>
+                <a:latin typeface="Menlo" panose="020B0609030804020204" pitchFamily="49" charset="0"/>
+              </a:rPr>
+              <a:t>.</a:t>
+            </a:r>
+            <a:r>
+              <a:rPr lang="fr-FR" sz="1600" b="0" dirty="0" err="1">
+                <a:solidFill>
+                  <a:srgbClr val="DCDCAA"/>
+                </a:solidFill>
+                <a:effectLst/>
+                <a:latin typeface="Menlo" panose="020B0609030804020204" pitchFamily="49" charset="0"/>
+              </a:rPr>
+              <a:t>querySelector</a:t>
+            </a:r>
+            <a:r>
+              <a:rPr lang="fr-FR" sz="1600" b="0" dirty="0">
+                <a:solidFill>
+                  <a:srgbClr val="D4D4D4"/>
+                </a:solidFill>
+                <a:effectLst/>
+                <a:latin typeface="Menlo" panose="020B0609030804020204" pitchFamily="49" charset="0"/>
+              </a:rPr>
+              <a:t>(</a:t>
+            </a:r>
+            <a:r>
+              <a:rPr lang="fr-FR" sz="1600" b="0" dirty="0">
+                <a:solidFill>
+                  <a:srgbClr val="CE9178"/>
+                </a:solidFill>
+                <a:effectLst/>
+                <a:latin typeface="Menlo" panose="020B0609030804020204" pitchFamily="49" charset="0"/>
+              </a:rPr>
+              <a:t>`input[data-</a:t>
+            </a:r>
+            <a:r>
+              <a:rPr lang="fr-FR" sz="1600" b="0" dirty="0" err="1">
+                <a:solidFill>
+                  <a:srgbClr val="CE9178"/>
+                </a:solidFill>
+                <a:effectLst/>
+                <a:latin typeface="Menlo" panose="020B0609030804020204" pitchFamily="49" charset="0"/>
+              </a:rPr>
+              <a:t>testid</a:t>
+            </a:r>
+            <a:r>
+              <a:rPr lang="fr-FR" sz="1600" b="0" dirty="0">
+                <a:solidFill>
+                  <a:srgbClr val="CE9178"/>
+                </a:solidFill>
+                <a:effectLst/>
+                <a:latin typeface="Menlo" panose="020B0609030804020204" pitchFamily="49" charset="0"/>
+              </a:rPr>
+              <a:t>="</a:t>
+            </a:r>
+            <a:r>
+              <a:rPr lang="fr-FR" sz="1600" b="0" dirty="0" err="1">
+                <a:solidFill>
+                  <a:srgbClr val="CE9178"/>
+                </a:solidFill>
+                <a:effectLst/>
+                <a:latin typeface="Menlo" panose="020B0609030804020204" pitchFamily="49" charset="0"/>
+              </a:rPr>
+              <a:t>employee</a:t>
+            </a:r>
+            <a:r>
+              <a:rPr lang="fr-FR" sz="1600" b="0" dirty="0">
+                <a:solidFill>
+                  <a:srgbClr val="CE9178"/>
+                </a:solidFill>
+                <a:effectLst/>
+                <a:latin typeface="Menlo" panose="020B0609030804020204" pitchFamily="49" charset="0"/>
+              </a:rPr>
+              <a:t>-</a:t>
+            </a:r>
+            <a:r>
+              <a:rPr lang="fr-FR" sz="1600" b="0" dirty="0" err="1">
+                <a:solidFill>
+                  <a:srgbClr val="CE9178"/>
+                </a:solidFill>
+                <a:effectLst/>
+                <a:latin typeface="Menlo" panose="020B0609030804020204" pitchFamily="49" charset="0"/>
+              </a:rPr>
+              <a:t>password</a:t>
+            </a:r>
+            <a:r>
+              <a:rPr lang="fr-FR" sz="1600" b="0" dirty="0">
+                <a:solidFill>
+                  <a:srgbClr val="CE9178"/>
+                </a:solidFill>
+                <a:effectLst/>
+                <a:latin typeface="Menlo" panose="020B0609030804020204" pitchFamily="49" charset="0"/>
+              </a:rPr>
+              <a:t>-input"]`</a:t>
+            </a:r>
+            <a:r>
+              <a:rPr lang="fr-FR" sz="1600" b="0" dirty="0">
+                <a:solidFill>
+                  <a:srgbClr val="D4D4D4"/>
+                </a:solidFill>
+                <a:effectLst/>
+                <a:latin typeface="Menlo" panose="020B0609030804020204" pitchFamily="49" charset="0"/>
+              </a:rPr>
+              <a:t>).</a:t>
+            </a:r>
+            <a:r>
+              <a:rPr lang="fr-FR" sz="1600" b="0" dirty="0">
+                <a:solidFill>
+                  <a:srgbClr val="9CDCFE"/>
+                </a:solidFill>
+                <a:effectLst/>
+                <a:latin typeface="Menlo" panose="020B0609030804020204" pitchFamily="49" charset="0"/>
+              </a:rPr>
+              <a:t>value</a:t>
+            </a:r>
+            <a:r>
+              <a:rPr lang="fr-FR" sz="1600" b="0" dirty="0">
+                <a:solidFill>
+                  <a:srgbClr val="D4D4D4"/>
+                </a:solidFill>
+                <a:effectLst/>
+                <a:latin typeface="Menlo" panose="020B0609030804020204" pitchFamily="49" charset="0"/>
+              </a:rPr>
+              <a:t>,</a:t>
+            </a:r>
+          </a:p>
+          <a:p>
+            <a:endParaRPr lang="fr-FR" b="0" dirty="0">
+              <a:solidFill>
+                <a:srgbClr val="D4D4D4"/>
+              </a:solidFill>
+              <a:effectLst/>
+              <a:latin typeface="Menlo" panose="020B0609030804020204" pitchFamily="49" charset="0"/>
+            </a:endParaRPr>
+          </a:p>
+          <a:p>
+            <a:r>
+              <a:rPr lang="fr-FR" sz="1600" b="0" dirty="0">
+                <a:solidFill>
+                  <a:srgbClr val="9CDCFE"/>
+                </a:solidFill>
+                <a:effectLst/>
+                <a:latin typeface="Menlo" panose="020B0609030804020204" pitchFamily="49" charset="0"/>
+              </a:rPr>
+              <a:t>email:</a:t>
+            </a:r>
+            <a:r>
+              <a:rPr lang="fr-FR" sz="1600" b="0" dirty="0">
+                <a:solidFill>
+                  <a:srgbClr val="D4D4D4"/>
+                </a:solidFill>
+                <a:effectLst/>
+                <a:latin typeface="Menlo" panose="020B0609030804020204" pitchFamily="49" charset="0"/>
+              </a:rPr>
+              <a:t> </a:t>
+            </a:r>
+            <a:r>
+              <a:rPr lang="fr-FR" sz="1600" b="0" dirty="0" err="1">
+                <a:solidFill>
+                  <a:srgbClr val="9CDCFE"/>
+                </a:solidFill>
+                <a:effectLst/>
+                <a:latin typeface="Menlo" panose="020B0609030804020204" pitchFamily="49" charset="0"/>
+              </a:rPr>
+              <a:t>e</a:t>
+            </a:r>
+            <a:r>
+              <a:rPr lang="fr-FR" sz="1600" b="0" dirty="0" err="1">
+                <a:solidFill>
+                  <a:srgbClr val="D4D4D4"/>
+                </a:solidFill>
+                <a:effectLst/>
+                <a:latin typeface="Menlo" panose="020B0609030804020204" pitchFamily="49" charset="0"/>
+              </a:rPr>
+              <a:t>.</a:t>
+            </a:r>
+            <a:r>
+              <a:rPr lang="fr-FR" sz="1600" b="0" dirty="0" err="1">
+                <a:solidFill>
+                  <a:srgbClr val="9CDCFE"/>
+                </a:solidFill>
+                <a:effectLst/>
+                <a:latin typeface="Menlo" panose="020B0609030804020204" pitchFamily="49" charset="0"/>
+              </a:rPr>
+              <a:t>target</a:t>
+            </a:r>
+            <a:r>
+              <a:rPr lang="fr-FR" sz="1600" b="0" dirty="0" err="1">
+                <a:solidFill>
+                  <a:srgbClr val="D4D4D4"/>
+                </a:solidFill>
+                <a:effectLst/>
+                <a:latin typeface="Menlo" panose="020B0609030804020204" pitchFamily="49" charset="0"/>
+              </a:rPr>
+              <a:t>.</a:t>
+            </a:r>
+            <a:r>
+              <a:rPr lang="fr-FR" sz="1600" b="0" dirty="0" err="1">
+                <a:solidFill>
+                  <a:srgbClr val="DCDCAA"/>
+                </a:solidFill>
+                <a:effectLst/>
+                <a:latin typeface="Menlo" panose="020B0609030804020204" pitchFamily="49" charset="0"/>
+              </a:rPr>
+              <a:t>querySelector</a:t>
+            </a:r>
+            <a:r>
+              <a:rPr lang="fr-FR" sz="1600" b="0" dirty="0">
+                <a:solidFill>
+                  <a:srgbClr val="D4D4D4"/>
+                </a:solidFill>
+                <a:effectLst/>
+                <a:latin typeface="Menlo" panose="020B0609030804020204" pitchFamily="49" charset="0"/>
+              </a:rPr>
+              <a:t>(</a:t>
+            </a:r>
+            <a:r>
+              <a:rPr lang="fr-FR" sz="1600" b="0" dirty="0">
+                <a:solidFill>
+                  <a:srgbClr val="CE9178"/>
+                </a:solidFill>
+                <a:effectLst/>
+                <a:latin typeface="Menlo" panose="020B0609030804020204" pitchFamily="49" charset="0"/>
+              </a:rPr>
+              <a:t>`input[data-</a:t>
+            </a:r>
+            <a:r>
+              <a:rPr lang="fr-FR" sz="1600" b="0" dirty="0" err="1">
+                <a:solidFill>
+                  <a:srgbClr val="CE9178"/>
+                </a:solidFill>
+                <a:effectLst/>
+                <a:latin typeface="Menlo" panose="020B0609030804020204" pitchFamily="49" charset="0"/>
+              </a:rPr>
+              <a:t>testid</a:t>
+            </a:r>
+            <a:r>
+              <a:rPr lang="fr-FR" sz="1600" b="0" dirty="0">
+                <a:solidFill>
+                  <a:srgbClr val="CE9178"/>
+                </a:solidFill>
+                <a:effectLst/>
+                <a:latin typeface="Menlo" panose="020B0609030804020204" pitchFamily="49" charset="0"/>
+              </a:rPr>
+              <a:t>="admin-email-input"]`</a:t>
+            </a:r>
+            <a:r>
+              <a:rPr lang="fr-FR" sz="1600" b="0" dirty="0">
+                <a:solidFill>
+                  <a:srgbClr val="D4D4D4"/>
+                </a:solidFill>
+                <a:effectLst/>
+                <a:latin typeface="Menlo" panose="020B0609030804020204" pitchFamily="49" charset="0"/>
+              </a:rPr>
+              <a:t>).</a:t>
+            </a:r>
+            <a:r>
+              <a:rPr lang="fr-FR" sz="1600" b="0" dirty="0">
+                <a:solidFill>
+                  <a:srgbClr val="9CDCFE"/>
+                </a:solidFill>
+                <a:effectLst/>
+                <a:latin typeface="Menlo" panose="020B0609030804020204" pitchFamily="49" charset="0"/>
+              </a:rPr>
+              <a:t>value</a:t>
+            </a:r>
+            <a:r>
+              <a:rPr lang="fr-FR" sz="1600" b="0" dirty="0">
+                <a:solidFill>
+                  <a:srgbClr val="D4D4D4"/>
+                </a:solidFill>
+                <a:effectLst/>
+                <a:latin typeface="Menlo" panose="020B0609030804020204" pitchFamily="49" charset="0"/>
+              </a:rPr>
+              <a:t>,</a:t>
+            </a:r>
+          </a:p>
+          <a:p>
+            <a:r>
+              <a:rPr lang="fr-FR" sz="1600" b="0" dirty="0" err="1">
+                <a:solidFill>
+                  <a:srgbClr val="9CDCFE"/>
+                </a:solidFill>
+                <a:effectLst/>
+                <a:latin typeface="Menlo" panose="020B0609030804020204" pitchFamily="49" charset="0"/>
+              </a:rPr>
+              <a:t>password</a:t>
+            </a:r>
+            <a:r>
+              <a:rPr lang="fr-FR" sz="1600" b="0" dirty="0">
+                <a:solidFill>
+                  <a:srgbClr val="9CDCFE"/>
+                </a:solidFill>
+                <a:effectLst/>
+                <a:latin typeface="Menlo" panose="020B0609030804020204" pitchFamily="49" charset="0"/>
+              </a:rPr>
+              <a:t>:</a:t>
+            </a:r>
+            <a:r>
+              <a:rPr lang="fr-FR" sz="1600" b="0" dirty="0">
+                <a:solidFill>
+                  <a:srgbClr val="D4D4D4"/>
+                </a:solidFill>
+                <a:effectLst/>
+                <a:latin typeface="Menlo" panose="020B0609030804020204" pitchFamily="49" charset="0"/>
+              </a:rPr>
+              <a:t> </a:t>
+            </a:r>
+            <a:r>
+              <a:rPr lang="fr-FR" sz="1600" b="0" dirty="0" err="1">
+                <a:solidFill>
+                  <a:srgbClr val="9CDCFE"/>
+                </a:solidFill>
+                <a:effectLst/>
+                <a:latin typeface="Menlo" panose="020B0609030804020204" pitchFamily="49" charset="0"/>
+              </a:rPr>
+              <a:t>e</a:t>
+            </a:r>
+            <a:r>
+              <a:rPr lang="fr-FR" sz="1600" b="0" dirty="0" err="1">
+                <a:solidFill>
+                  <a:srgbClr val="D4D4D4"/>
+                </a:solidFill>
+                <a:effectLst/>
+                <a:latin typeface="Menlo" panose="020B0609030804020204" pitchFamily="49" charset="0"/>
+              </a:rPr>
+              <a:t>.</a:t>
+            </a:r>
+            <a:r>
+              <a:rPr lang="fr-FR" sz="1600" b="0" dirty="0" err="1">
+                <a:solidFill>
+                  <a:srgbClr val="9CDCFE"/>
+                </a:solidFill>
+                <a:effectLst/>
+                <a:latin typeface="Menlo" panose="020B0609030804020204" pitchFamily="49" charset="0"/>
+              </a:rPr>
+              <a:t>target</a:t>
+            </a:r>
+            <a:r>
+              <a:rPr lang="fr-FR" sz="1600" b="0" dirty="0" err="1">
+                <a:solidFill>
+                  <a:srgbClr val="D4D4D4"/>
+                </a:solidFill>
+                <a:effectLst/>
+                <a:latin typeface="Menlo" panose="020B0609030804020204" pitchFamily="49" charset="0"/>
+              </a:rPr>
+              <a:t>.</a:t>
+            </a:r>
+            <a:r>
+              <a:rPr lang="fr-FR" sz="1600" b="0" dirty="0" err="1">
+                <a:solidFill>
+                  <a:srgbClr val="DCDCAA"/>
+                </a:solidFill>
+                <a:effectLst/>
+                <a:latin typeface="Menlo" panose="020B0609030804020204" pitchFamily="49" charset="0"/>
+              </a:rPr>
+              <a:t>querySelector</a:t>
+            </a:r>
+            <a:r>
+              <a:rPr lang="fr-FR" sz="1600" b="0" dirty="0">
+                <a:solidFill>
+                  <a:srgbClr val="D4D4D4"/>
+                </a:solidFill>
+                <a:effectLst/>
+                <a:latin typeface="Menlo" panose="020B0609030804020204" pitchFamily="49" charset="0"/>
+              </a:rPr>
+              <a:t>(</a:t>
+            </a:r>
+            <a:r>
+              <a:rPr lang="fr-FR" sz="1600" b="0" dirty="0">
+                <a:solidFill>
+                  <a:srgbClr val="CE9178"/>
+                </a:solidFill>
+                <a:effectLst/>
+                <a:latin typeface="Menlo" panose="020B0609030804020204" pitchFamily="49" charset="0"/>
+              </a:rPr>
+              <a:t>`input[data-</a:t>
+            </a:r>
+            <a:r>
+              <a:rPr lang="fr-FR" sz="1600" b="0" dirty="0" err="1">
+                <a:solidFill>
+                  <a:srgbClr val="CE9178"/>
+                </a:solidFill>
+                <a:effectLst/>
+                <a:latin typeface="Menlo" panose="020B0609030804020204" pitchFamily="49" charset="0"/>
+              </a:rPr>
+              <a:t>testid</a:t>
+            </a:r>
+            <a:r>
+              <a:rPr lang="fr-FR" sz="1600" b="0" dirty="0">
+                <a:solidFill>
+                  <a:srgbClr val="CE9178"/>
+                </a:solidFill>
+                <a:effectLst/>
+                <a:latin typeface="Menlo" panose="020B0609030804020204" pitchFamily="49" charset="0"/>
+              </a:rPr>
+              <a:t>="admin-</a:t>
+            </a:r>
+            <a:r>
+              <a:rPr lang="fr-FR" sz="1600" b="0" dirty="0" err="1">
+                <a:solidFill>
+                  <a:srgbClr val="CE9178"/>
+                </a:solidFill>
+                <a:effectLst/>
+                <a:latin typeface="Menlo" panose="020B0609030804020204" pitchFamily="49" charset="0"/>
+              </a:rPr>
+              <a:t>password</a:t>
+            </a:r>
+            <a:r>
+              <a:rPr lang="fr-FR" sz="1600" b="0" dirty="0">
+                <a:solidFill>
+                  <a:srgbClr val="CE9178"/>
+                </a:solidFill>
+                <a:effectLst/>
+                <a:latin typeface="Menlo" panose="020B0609030804020204" pitchFamily="49" charset="0"/>
+              </a:rPr>
+              <a:t>-input"]`</a:t>
+            </a:r>
+            <a:r>
+              <a:rPr lang="fr-FR" sz="1600" b="0" dirty="0">
+                <a:solidFill>
+                  <a:srgbClr val="D4D4D4"/>
+                </a:solidFill>
+                <a:effectLst/>
+                <a:latin typeface="Menlo" panose="020B0609030804020204" pitchFamily="49" charset="0"/>
+              </a:rPr>
+              <a:t>).</a:t>
+            </a:r>
+            <a:r>
+              <a:rPr lang="fr-FR" sz="1600" b="0" dirty="0">
+                <a:solidFill>
+                  <a:srgbClr val="9CDCFE"/>
+                </a:solidFill>
+                <a:effectLst/>
+                <a:latin typeface="Menlo" panose="020B0609030804020204" pitchFamily="49" charset="0"/>
+              </a:rPr>
+              <a:t>value</a:t>
+            </a:r>
+            <a:r>
+              <a:rPr lang="fr-FR" sz="1600" b="0" dirty="0">
+                <a:solidFill>
+                  <a:srgbClr val="D4D4D4"/>
+                </a:solidFill>
+                <a:effectLst/>
+                <a:latin typeface="Menlo" panose="020B0609030804020204" pitchFamily="49" charset="0"/>
+              </a:rPr>
+              <a:t>,</a:t>
+            </a:r>
           </a:p>
           <a:p>
             <a:pPr>
@@ -2459,6 +3095,31 @@
               </a:lnSpc>
             </a:pPr>
             <a:endParaRPr lang="fr-FR" sz="2400" dirty="0"/>
+          </a:p>
+          <a:p>
+            <a:pPr marL="342900" indent="-342900">
+              <a:lnSpc>
+                <a:spcPct val="100000"/>
+              </a:lnSpc>
+              <a:buFont typeface="Arial" panose="020B0604020202020204" pitchFamily="34" charset="0"/>
+              <a:buChar char="•"/>
+            </a:pPr>
+            <a:endParaRPr lang="fr-FR" sz="2400" dirty="0"/>
+          </a:p>
+          <a:p>
+            <a:pPr>
+              <a:lnSpc>
+                <a:spcPct val="100000"/>
+              </a:lnSpc>
+            </a:pPr>
+            <a:endParaRPr lang="fr-FR" sz="3000" dirty="0"/>
+          </a:p>
+          <a:p>
+            <a:pPr marL="457200" indent="-457200">
+              <a:buFont typeface="+mj-lt"/>
+              <a:buAutoNum type="arabicPeriod"/>
+            </a:pPr>
+            <a:endParaRPr lang="fr-FR" dirty="0"/>
           </a:p>
         </p:txBody>
       </p:sp>
@@ -2519,8 +3180,8 @@
         </p:nvSpPr>
         <p:spPr>
           <a:xfrm>
-            <a:off x="418273" y="15945"/>
-            <a:ext cx="7831203" cy="942975"/>
+            <a:off x="418274" y="15945"/>
+            <a:ext cx="7048500" cy="942975"/>
           </a:xfrm>
         </p:spPr>
         <p:txBody>
@@ -2534,7 +3195,7 @@
             </a:pPr>
             <a:r>
               <a:rPr lang="fr-FR" sz="4000" dirty="0"/>
-              <a:t>Justificatif uniquement image</a:t>
+              <a:t>anomalie de login ADMIN</a:t>
             </a:r>
           </a:p>
         </p:txBody>
@@ -2611,12 +3272,42 @@
           </a:extLst>
         </p:spPr>
       </p:pic>
+      <p:pic>
+        <p:nvPicPr>
+          <p:cNvPr id="7" name="Image 6">
+            <a:extLst>
+              <a:ext uri="{FF2B5EF4-FFF2-40B4-BE49-F238E27FC236}">
+                <a16:creationId xmlns:a16="http://schemas.microsoft.com/office/drawing/2014/main" id="{736178D3-38AC-8CEB-4A14-F300DDA9753A}"/>
+              </a:ext>
+            </a:extLst>
+          </p:cNvPr>
+          <p:cNvPicPr>
+            <a:picLocks noChangeAspect="1"/>
+          </p:cNvPicPr>
+          <p:nvPr/>
+        </p:nvPicPr>
+        <p:blipFill>
+          <a:blip r:embed="rId4"/>
+          <a:stretch>
+            <a:fillRect/>
+          </a:stretch>
+        </p:blipFill>
+        <p:spPr>
+          <a:xfrm>
+            <a:off x="7803322" y="1860479"/>
+            <a:ext cx="4570896" cy="4176853"/>
+          </a:xfrm>
+          <a:prstGeom prst="rect">
+            <a:avLst/>
+          </a:prstGeom>
+        </p:spPr>
+      </p:pic>
       <p:sp>
         <p:nvSpPr>
           <p:cNvPr id="8" name="Espace réservé du texte 1">
             <a:extLst>
               <a:ext uri="{FF2B5EF4-FFF2-40B4-BE49-F238E27FC236}">
-                <a16:creationId xmlns:a16="http://schemas.microsoft.com/office/drawing/2014/main" id="{C8D45674-E976-6715-1905-DF6A66B084FC}"/>
+                <a16:creationId xmlns:a16="http://schemas.microsoft.com/office/drawing/2014/main" id="{A7944711-98BE-EF19-C5A3-3F0FCBF6ABE3}"/>
               </a:ext>
             </a:extLst>
           </p:cNvPr>
@@ -2627,8 +3318,8 @@
         </p:nvSpPr>
         <p:spPr>
           <a:xfrm>
-            <a:off x="139148" y="2260264"/>
-            <a:ext cx="5854148" cy="3353135"/>
+            <a:off x="139148" y="1244599"/>
+            <a:ext cx="12235069" cy="5408612"/>
           </a:xfrm>
           <a:prstGeom prst="rect">
             <a:avLst/>
@@ -2636,7 +3327,7 @@
         </p:spPr>
         <p:txBody>
           <a:bodyPr vert="horz" lIns="91440" tIns="45720" rIns="91440" bIns="45720" rtlCol="0">
-            <a:normAutofit fontScale="92500"/>
+            <a:normAutofit/>
           </a:bodyPr>
           <a:lstStyle>
             <a:lvl1pPr marL="0" indent="0" algn="l" defTabSz="914400" rtl="0" eaLnBrk="1" latinLnBrk="0" hangingPunct="1">
@@ -2666,7 +3357,7 @@
               </a:spcBef>
               <a:buFontTx/>
               <a:buBlip>
-                <a:blip r:embed="rId4"/>
+                <a:blip r:embed="rId5"/>
               </a:buBlip>
               <a:defRPr sz="2400" kern="1200" baseline="0">
                 <a:solidFill>
@@ -2689,7 +3380,7 @@
               </a:buClr>
               <a:buFontTx/>
               <a:buBlip>
-                <a:blip r:embed="rId4"/>
+                <a:blip r:embed="rId5"/>
               </a:buBlip>
               <a:defRPr sz="2400" kern="1200" baseline="0">
                 <a:solidFill>
@@ -2709,7 +3400,7 @@
               </a:spcBef>
               <a:buFontTx/>
               <a:buBlip>
-                <a:blip r:embed="rId4"/>
+                <a:blip r:embed="rId5"/>
               </a:buBlip>
               <a:defRPr sz="2400" kern="1200">
                 <a:solidFill>
@@ -2812,392 +3503,24 @@
             </a:lvl9pPr>
           </a:lstStyle>
           <a:p>
-            <a:pPr marL="457200" indent="-457200">
-              <a:lnSpc>
-                <a:spcPct val="100000"/>
-              </a:lnSpc>
-              <a:buFont typeface="+mj-lt"/>
-              <a:buAutoNum type="arabicPeriod"/>
-            </a:pPr>
-            <a:r>
-              <a:rPr lang="fr-FR" dirty="0"/>
-              <a:t>Récupération de l’extension du fichier (</a:t>
-            </a:r>
-            <a:r>
-              <a:rPr lang="fr-FR" dirty="0" err="1"/>
-              <a:t>fileExt</a:t>
-            </a:r>
-            <a:r>
-              <a:rPr lang="fr-FR" dirty="0"/>
-              <a:t>)</a:t>
-            </a:r>
-          </a:p>
-          <a:p>
-            <a:pPr marL="457200" indent="-457200">
-              <a:lnSpc>
-                <a:spcPct val="100000"/>
-              </a:lnSpc>
-              <a:buFont typeface="+mj-lt"/>
-              <a:buAutoNum type="arabicPeriod"/>
-            </a:pPr>
-            <a:r>
-              <a:rPr lang="fr-FR" dirty="0"/>
-              <a:t>Création tab </a:t>
-            </a:r>
-            <a:r>
-              <a:rPr lang="fr-FR" dirty="0" err="1"/>
-              <a:t>leau</a:t>
-            </a:r>
-            <a:r>
-              <a:rPr lang="fr-FR" dirty="0"/>
-              <a:t> extension autorisé (</a:t>
-            </a:r>
-            <a:r>
-              <a:rPr lang="fr-FR" dirty="0" err="1"/>
-              <a:t>extAutorise</a:t>
-            </a:r>
-            <a:r>
-              <a:rPr lang="fr-FR" dirty="0"/>
-              <a:t>)</a:t>
-            </a:r>
-          </a:p>
-          <a:p>
-            <a:pPr marL="457200" indent="-457200">
-              <a:lnSpc>
-                <a:spcPct val="100000"/>
-              </a:lnSpc>
-              <a:buFont typeface="+mj-lt"/>
-              <a:buAutoNum type="arabicPeriod"/>
-            </a:pPr>
-            <a:r>
-              <a:rPr lang="fr-FR" dirty="0"/>
-              <a:t>Vérification présence extension dans tableau méthode </a:t>
-            </a:r>
-            <a:r>
-              <a:rPr lang="fr-FR" dirty="0" err="1"/>
-              <a:t>includes</a:t>
-            </a:r>
-            <a:r>
-              <a:rPr lang="fr-FR" dirty="0"/>
-              <a:t>() (</a:t>
-            </a:r>
-            <a:r>
-              <a:rPr lang="fr-FR" dirty="0" err="1"/>
-              <a:t>checkFormat</a:t>
-            </a:r>
-            <a:r>
-              <a:rPr lang="fr-FR" dirty="0"/>
-              <a:t>)</a:t>
-            </a:r>
-          </a:p>
-          <a:p>
-            <a:pPr marL="457200" indent="-457200">
-              <a:lnSpc>
-                <a:spcPct val="100000"/>
-              </a:lnSpc>
-              <a:buFont typeface="+mj-lt"/>
-              <a:buAutoNum type="arabicPeriod"/>
-            </a:pPr>
-            <a:r>
-              <a:rPr lang="fr-FR" dirty="0"/>
-              <a:t>Si </a:t>
-            </a:r>
-            <a:r>
-              <a:rPr lang="fr-FR" dirty="0" err="1"/>
-              <a:t>checkFormat</a:t>
-            </a:r>
-            <a:r>
-              <a:rPr lang="fr-FR" dirty="0"/>
-              <a:t> false </a:t>
-            </a:r>
-          </a:p>
-          <a:p>
-            <a:pPr marL="1028700" lvl="1" indent="-342900">
-              <a:lnSpc>
-                <a:spcPct val="100000"/>
-              </a:lnSpc>
-              <a:buFont typeface="Arial" panose="020B0604020202020204" pitchFamily="34" charset="0"/>
-              <a:buChar char="•"/>
-            </a:pPr>
-            <a:r>
-              <a:rPr lang="fr-FR" dirty="0" err="1"/>
-              <a:t>disable</a:t>
-            </a:r>
-            <a:r>
-              <a:rPr lang="fr-FR" dirty="0"/>
-              <a:t> </a:t>
-            </a:r>
-            <a:r>
-              <a:rPr lang="fr-FR" dirty="0" err="1"/>
-              <a:t>submit</a:t>
-            </a:r>
-            <a:r>
-              <a:rPr lang="fr-FR" dirty="0"/>
-              <a:t> </a:t>
-            </a:r>
-            <a:r>
-              <a:rPr lang="fr-FR" dirty="0" err="1"/>
-              <a:t>btn</a:t>
-            </a:r>
-            <a:endParaRPr lang="fr-FR" dirty="0"/>
-          </a:p>
-          <a:p>
-            <a:pPr marL="1028700" lvl="1" indent="-342900">
-              <a:lnSpc>
-                <a:spcPct val="100000"/>
-              </a:lnSpc>
-              <a:buFont typeface="Arial" panose="020B0604020202020204" pitchFamily="34" charset="0"/>
-              <a:buChar char="•"/>
-            </a:pPr>
-            <a:r>
-              <a:rPr lang="fr-FR" dirty="0"/>
-              <a:t>end of </a:t>
-            </a:r>
-            <a:r>
-              <a:rPr lang="fr-FR" dirty="0" err="1"/>
-              <a:t>function</a:t>
-            </a:r>
-            <a:endParaRPr lang="fr-FR" dirty="0"/>
-          </a:p>
-          <a:p>
             <a:pPr>
               <a:lnSpc>
                 <a:spcPct val="100000"/>
               </a:lnSpc>
             </a:pPr>
-            <a:endParaRPr lang="fr-FR" dirty="0"/>
-          </a:p>
-        </p:txBody>
-      </p:sp>
-      <p:pic>
-        <p:nvPicPr>
-          <p:cNvPr id="9" name="Image 8">
-            <a:extLst>
-              <a:ext uri="{FF2B5EF4-FFF2-40B4-BE49-F238E27FC236}">
-                <a16:creationId xmlns:a16="http://schemas.microsoft.com/office/drawing/2014/main" id="{98CC8107-6E4D-A9FF-DB6C-37249268DC86}"/>
-              </a:ext>
-            </a:extLst>
-          </p:cNvPr>
-          <p:cNvPicPr>
-            <a:picLocks noChangeAspect="1"/>
-          </p:cNvPicPr>
-          <p:nvPr/>
-        </p:nvPicPr>
-        <p:blipFill rotWithShape="1">
-          <a:blip r:embed="rId5"/>
-          <a:srcRect r="25575"/>
-          <a:stretch/>
-        </p:blipFill>
-        <p:spPr>
-          <a:xfrm>
-            <a:off x="6407426" y="1829172"/>
-            <a:ext cx="5784574" cy="4671391"/>
-          </a:xfrm>
-          <a:prstGeom prst="rect">
-            <a:avLst/>
-          </a:prstGeom>
-        </p:spPr>
-      </p:pic>
-      <p:sp>
-        <p:nvSpPr>
-          <p:cNvPr id="10" name="Espace réservé du texte 1">
-            <a:extLst>
-              <a:ext uri="{FF2B5EF4-FFF2-40B4-BE49-F238E27FC236}">
-                <a16:creationId xmlns:a16="http://schemas.microsoft.com/office/drawing/2014/main" id="{5B1DE8EA-A26B-5A8F-6ECC-EAF1214C6C85}"/>
-              </a:ext>
-            </a:extLst>
-          </p:cNvPr>
-          <p:cNvSpPr txBox="1">
-            <a:spLocks/>
-          </p:cNvSpPr>
-          <p:nvPr/>
-        </p:nvSpPr>
-        <p:spPr>
-          <a:xfrm>
-            <a:off x="0" y="5903843"/>
-            <a:ext cx="5854148" cy="686172"/>
-          </a:xfrm>
-          <a:prstGeom prst="rect">
-            <a:avLst/>
-          </a:prstGeom>
-        </p:spPr>
-        <p:txBody>
-          <a:bodyPr vert="horz" lIns="91440" tIns="45720" rIns="91440" bIns="45720" rtlCol="0">
-            <a:normAutofit fontScale="92500" lnSpcReduction="20000"/>
-          </a:bodyPr>
-          <a:lstStyle>
-            <a:lvl1pPr marL="0" indent="0" algn="l" defTabSz="914400" rtl="0" eaLnBrk="1" latinLnBrk="0" hangingPunct="1">
-              <a:lnSpc>
-                <a:spcPct val="90000"/>
-              </a:lnSpc>
-              <a:spcBef>
-                <a:spcPts val="1000"/>
-              </a:spcBef>
-              <a:buFont typeface="Arial" panose="020B0604020202020204" pitchFamily="34" charset="0"/>
-              <a:buNone/>
-              <a:defRPr sz="2400" kern="1200">
-                <a:solidFill>
-                  <a:srgbClr val="546D79"/>
-                </a:solidFill>
-                <a:latin typeface="+mn-lt"/>
-                <a:ea typeface="+mn-ea"/>
-                <a:cs typeface="+mn-cs"/>
-              </a:defRPr>
-            </a:lvl1pPr>
-            <a:lvl2pPr marL="685800" indent="-228600" algn="l" defTabSz="914400" rtl="0" eaLnBrk="1" latinLnBrk="0" hangingPunct="1">
-              <a:lnSpc>
-                <a:spcPct val="90000"/>
-              </a:lnSpc>
-              <a:spcBef>
-                <a:spcPts val="500"/>
-              </a:spcBef>
-              <a:buFontTx/>
-              <a:buBlip>
-                <a:blip r:embed="rId4"/>
-              </a:buBlip>
-              <a:defRPr sz="2400" kern="1200" baseline="0">
-                <a:solidFill>
-                  <a:srgbClr val="546D79"/>
-                </a:solidFill>
-                <a:latin typeface="+mn-lt"/>
-                <a:ea typeface="+mn-ea"/>
-                <a:cs typeface="+mn-cs"/>
-              </a:defRPr>
-            </a:lvl2pPr>
-            <a:lvl3pPr marL="1143000" indent="-228600" algn="l" defTabSz="914400" rtl="0" eaLnBrk="1" latinLnBrk="0" hangingPunct="1">
-              <a:lnSpc>
-                <a:spcPct val="90000"/>
-              </a:lnSpc>
-              <a:spcBef>
-                <a:spcPts val="500"/>
-              </a:spcBef>
-              <a:buClr>
-                <a:srgbClr val="39A9DC"/>
-              </a:buClr>
-              <a:buFontTx/>
-              <a:buBlip>
-                <a:blip r:embed="rId4"/>
-              </a:buBlip>
-              <a:defRPr sz="2400" kern="1200" baseline="0">
-                <a:solidFill>
-                  <a:srgbClr val="546D79"/>
-                </a:solidFill>
-                <a:latin typeface="+mn-lt"/>
-                <a:ea typeface="+mn-ea"/>
-                <a:cs typeface="+mn-cs"/>
-              </a:defRPr>
-            </a:lvl3pPr>
-            <a:lvl4pPr marL="1600200" indent="-228600" algn="l" defTabSz="914400" rtl="0" eaLnBrk="1" latinLnBrk="0" hangingPunct="1">
-              <a:lnSpc>
-                <a:spcPct val="90000"/>
-              </a:lnSpc>
-              <a:spcBef>
-                <a:spcPts val="500"/>
-              </a:spcBef>
-              <a:buFontTx/>
-              <a:buBlip>
-                <a:blip r:embed="rId4"/>
-              </a:buBlip>
-              <a:defRPr sz="2400" kern="1200">
-                <a:solidFill>
-                  <a:srgbClr val="546D79"/>
-                </a:solidFill>
-                <a:latin typeface="+mn-lt"/>
-                <a:ea typeface="+mn-ea"/>
-                <a:cs typeface="+mn-cs"/>
-              </a:defRPr>
-            </a:lvl4pPr>
-            <a:lvl5pPr marL="2057400" indent="-228600" algn="l" defTabSz="914400" rtl="0" eaLnBrk="1" latinLnBrk="0" hangingPunct="1">
-              <a:lnSpc>
-                <a:spcPct val="90000"/>
-              </a:lnSpc>
-              <a:spcBef>
-                <a:spcPts val="500"/>
-              </a:spcBef>
-              <a:buFont typeface="Arial" panose="020B0604020202020204" pitchFamily="34" charset="0"/>
-              <a:buChar char="•"/>
-              <a:defRPr sz="1800" kern="1200">
-                <a:solidFill>
-                  <a:schemeClr val="tx1"/>
-                </a:solidFill>
-                <a:latin typeface="+mn-lt"/>
-                <a:ea typeface="+mn-ea"/>
-                <a:cs typeface="+mn-cs"/>
-              </a:defRPr>
-            </a:lvl5pPr>
-            <a:lvl6pPr marL="2514600" indent="-228600" algn="l" defTabSz="914400" rtl="0" eaLnBrk="1" latinLnBrk="0" hangingPunct="1">
-              <a:lnSpc>
-                <a:spcPct val="90000"/>
-              </a:lnSpc>
-              <a:spcBef>
-                <a:spcPts val="500"/>
-              </a:spcBef>
-              <a:buFont typeface="Arial" panose="020B0604020202020204" pitchFamily="34" charset="0"/>
-              <a:buChar char="•"/>
-              <a:defRPr sz="1800" kern="1200">
-                <a:solidFill>
-                  <a:schemeClr val="tx1"/>
-                </a:solidFill>
-                <a:latin typeface="+mn-lt"/>
-                <a:ea typeface="+mn-ea"/>
-                <a:cs typeface="+mn-cs"/>
-              </a:defRPr>
-            </a:lvl6pPr>
-            <a:lvl7pPr marL="2971800" indent="-228600" algn="l" defTabSz="914400" rtl="0" eaLnBrk="1" latinLnBrk="0" hangingPunct="1">
-              <a:lnSpc>
-                <a:spcPct val="90000"/>
-              </a:lnSpc>
-              <a:spcBef>
-                <a:spcPts val="500"/>
-              </a:spcBef>
-              <a:buFont typeface="Arial" panose="020B0604020202020204" pitchFamily="34" charset="0"/>
-              <a:buChar char="•"/>
-              <a:defRPr sz="1800" kern="1200">
-                <a:solidFill>
-                  <a:schemeClr val="tx1"/>
-                </a:solidFill>
-                <a:latin typeface="+mn-lt"/>
-                <a:ea typeface="+mn-ea"/>
-                <a:cs typeface="+mn-cs"/>
-              </a:defRPr>
-            </a:lvl7pPr>
-            <a:lvl8pPr marL="3429000" indent="-228600" algn="l" defTabSz="914400" rtl="0" eaLnBrk="1" latinLnBrk="0" hangingPunct="1">
-              <a:lnSpc>
-                <a:spcPct val="90000"/>
-              </a:lnSpc>
-              <a:spcBef>
-                <a:spcPts val="500"/>
-              </a:spcBef>
-              <a:buFont typeface="Arial" panose="020B0604020202020204" pitchFamily="34" charset="0"/>
-              <a:buChar char="•"/>
-              <a:defRPr sz="1800" kern="1200">
-                <a:solidFill>
-                  <a:schemeClr val="tx1"/>
-                </a:solidFill>
-                <a:latin typeface="+mn-lt"/>
-                <a:ea typeface="+mn-ea"/>
-                <a:cs typeface="+mn-cs"/>
-              </a:defRPr>
-            </a:lvl8pPr>
-            <a:lvl9pPr marL="3886200" indent="-228600" algn="l" defTabSz="914400" rtl="0" eaLnBrk="1" latinLnBrk="0" hangingPunct="1">
-              <a:lnSpc>
-                <a:spcPct val="90000"/>
-              </a:lnSpc>
-              <a:spcBef>
-                <a:spcPts val="500"/>
-              </a:spcBef>
-              <a:buFont typeface="Arial" panose="020B0604020202020204" pitchFamily="34" charset="0"/>
-              <a:buChar char="•"/>
-              <a:defRPr sz="1800" kern="1200">
-                <a:solidFill>
-                  <a:schemeClr val="tx1"/>
-                </a:solidFill>
-                <a:latin typeface="+mn-lt"/>
-                <a:ea typeface="+mn-ea"/>
-                <a:cs typeface="+mn-cs"/>
-              </a:defRPr>
-            </a:lvl9pPr>
-          </a:lstStyle>
+            <a:r>
+              <a:rPr lang="fr-FR" dirty="0"/>
+              <a:t>Lorsque qu’un administrateur souhaite se connecter sur sa vue,  une fois le mail et le </a:t>
+            </a:r>
+            <a:r>
+              <a:rPr lang="fr-FR" dirty="0" err="1"/>
+              <a:t>mdp</a:t>
+            </a:r>
+            <a:r>
+              <a:rPr lang="fr-FR" dirty="0"/>
+              <a:t> saisie rien ne se passe. </a:t>
+            </a:r>
+          </a:p>
           <a:p>
             <a:pPr>
               <a:lnSpc>
@@ -3206,15 +3529,7 @@
             </a:pPr>
             <a:r>
               <a:rPr lang="fr-FR" dirty="0"/>
-              <a:t>Correction d’un bug qui créer une </a:t>
-            </a:r>
-            <a:r>
-              <a:rPr lang="fr-FR" dirty="0" err="1"/>
-              <a:t>Ndf</a:t>
-            </a:r>
-            <a:r>
-              <a:rPr lang="fr-FR" dirty="0"/>
-              <a:t> lors chargement un document</a:t>
+              <a:t>Pour corriger il faut remplacer :</a:t>
             </a:r>
           </a:p>
         </p:txBody>
@@ -3222,7 +3537,7 @@
     </p:spTree>
     <p:extLst>
       <p:ext uri="{BB962C8B-B14F-4D97-AF65-F5344CB8AC3E}">
-        <p14:creationId xmlns:p14="http://schemas.microsoft.com/office/powerpoint/2010/main" val="1139728283"/>
+        <p14:creationId xmlns:p14="http://schemas.microsoft.com/office/powerpoint/2010/main" val="4083013375"/>
       </p:ext>
     </p:extLst>
   </p:cSld>
@@ -3284,35 +3599,7 @@
             </a:pPr>
             <a:r>
               <a:rPr lang="fr-FR" dirty="0"/>
-              <a:t>Comportement attendus :</a:t>
-            </a:r>
-          </a:p>
-          <a:p>
-            <a:pPr marL="342900" indent="-342900">
-              <a:buFont typeface="Arial" panose="020B0604020202020204" pitchFamily="34" charset="0"/>
-              <a:buChar char="•"/>
-            </a:pPr>
-            <a:r>
-              <a:rPr lang="fr-FR" dirty="0"/>
-              <a:t>la modale doit afficher l'image.</a:t>
-            </a:r>
-          </a:p>
-          <a:p>
-            <a:pPr marL="342900" indent="-342900">
-              <a:buFont typeface="Arial" panose="020B0604020202020204" pitchFamily="34" charset="0"/>
-              <a:buChar char="•"/>
-            </a:pPr>
-            <a:r>
-              <a:rPr lang="fr-FR" dirty="0"/>
-              <a:t>dans le </a:t>
-            </a:r>
-            <a:r>
-              <a:rPr lang="fr-FR" dirty="0" err="1"/>
-              <a:t>dashboard</a:t>
-            </a:r>
-            <a:r>
-              <a:rPr lang="fr-FR" dirty="0"/>
-              <a:t>, le formulaire correspondant au ticket doit afficher le nom du fichier.</a:t>
+              <a:t>Lorsqu’un salarié dépose un justificatif, il n’est pas restreint qu’en au type de celui-ci. Hors si il n’est pas une image, cela occasionne des anomalies pour l’affichage de l’image et du nom du fichier.</a:t>
             </a:r>
           </a:p>
           <a:p>
@@ -3321,6 +3608,152 @@
                 <a:spcPct val="100000"/>
               </a:lnSpc>
             </a:pPr>
+            <a:br>
+              <a:rPr lang="fr-FR" sz="2400" dirty="0"/>
+            </a:br>
+            <a:r>
+              <a:rPr lang="fr-FR" sz="2400" dirty="0"/>
+              <a:t>Pour cela : </a:t>
+            </a:r>
+          </a:p>
+          <a:p>
+            <a:pPr>
+              <a:lnSpc>
+                <a:spcPct val="100000"/>
+              </a:lnSpc>
+            </a:pPr>
+            <a:r>
+              <a:rPr lang="fr-FR" dirty="0"/>
+              <a:t>Dans la construction du formulaire</a:t>
+            </a:r>
+            <a:endParaRPr lang="fr-FR" sz="2400" dirty="0"/>
+          </a:p>
+          <a:p>
+            <a:pPr>
+              <a:lnSpc>
+                <a:spcPct val="100000"/>
+              </a:lnSpc>
+            </a:pPr>
+            <a:r>
+              <a:rPr lang="fr-FR" sz="1800" b="0" dirty="0">
+                <a:solidFill>
+                  <a:srgbClr val="CE9178"/>
+                </a:solidFill>
+                <a:effectLst/>
+                <a:latin typeface="Menlo" panose="020B0609030804020204" pitchFamily="49" charset="0"/>
+              </a:rPr>
+              <a:t>&lt;input </a:t>
+            </a:r>
+            <a:r>
+              <a:rPr lang="fr-FR" sz="1800" b="0" dirty="0" err="1">
+                <a:solidFill>
+                  <a:srgbClr val="CE9178"/>
+                </a:solidFill>
+                <a:effectLst/>
+                <a:latin typeface="Menlo" panose="020B0609030804020204" pitchFamily="49" charset="0"/>
+              </a:rPr>
+              <a:t>required</a:t>
+            </a:r>
+            <a:r>
+              <a:rPr lang="fr-FR" sz="1800" b="0" dirty="0">
+                <a:solidFill>
+                  <a:srgbClr val="CE9178"/>
+                </a:solidFill>
+                <a:effectLst/>
+                <a:latin typeface="Menlo" panose="020B0609030804020204" pitchFamily="49" charset="0"/>
+              </a:rPr>
+              <a:t> type="file" class="</a:t>
+            </a:r>
+            <a:r>
+              <a:rPr lang="fr-FR" sz="1800" b="0" dirty="0" err="1">
+                <a:solidFill>
+                  <a:srgbClr val="CE9178"/>
+                </a:solidFill>
+                <a:effectLst/>
+                <a:latin typeface="Menlo" panose="020B0609030804020204" pitchFamily="49" charset="0"/>
+              </a:rPr>
+              <a:t>form</a:t>
+            </a:r>
+            <a:r>
+              <a:rPr lang="fr-FR" sz="1800" b="0" dirty="0">
+                <a:solidFill>
+                  <a:srgbClr val="CE9178"/>
+                </a:solidFill>
+                <a:effectLst/>
+                <a:latin typeface="Menlo" panose="020B0609030804020204" pitchFamily="49" charset="0"/>
+              </a:rPr>
+              <a:t>-control </a:t>
+            </a:r>
+            <a:r>
+              <a:rPr lang="fr-FR" sz="1800" b="0" dirty="0" err="1">
+                <a:solidFill>
+                  <a:srgbClr val="CE9178"/>
+                </a:solidFill>
+                <a:effectLst/>
+                <a:latin typeface="Menlo" panose="020B0609030804020204" pitchFamily="49" charset="0"/>
+              </a:rPr>
+              <a:t>blue</a:t>
+            </a:r>
+            <a:r>
+              <a:rPr lang="fr-FR" sz="1800" b="0" dirty="0">
+                <a:solidFill>
+                  <a:srgbClr val="CE9178"/>
+                </a:solidFill>
+                <a:effectLst/>
+                <a:latin typeface="Menlo" panose="020B0609030804020204" pitchFamily="49" charset="0"/>
+              </a:rPr>
+              <a:t>-border" data-</a:t>
+            </a:r>
+            <a:r>
+              <a:rPr lang="fr-FR" sz="1800" b="0" dirty="0" err="1">
+                <a:solidFill>
+                  <a:srgbClr val="CE9178"/>
+                </a:solidFill>
+                <a:effectLst/>
+                <a:latin typeface="Menlo" panose="020B0609030804020204" pitchFamily="49" charset="0"/>
+              </a:rPr>
+              <a:t>testid</a:t>
+            </a:r>
+            <a:r>
+              <a:rPr lang="fr-FR" sz="1800" b="0" dirty="0">
+                <a:solidFill>
+                  <a:srgbClr val="CE9178"/>
+                </a:solidFill>
+                <a:effectLst/>
+                <a:latin typeface="Menlo" panose="020B0609030804020204" pitchFamily="49" charset="0"/>
+              </a:rPr>
+              <a:t>="file" </a:t>
+            </a:r>
+            <a:r>
+              <a:rPr lang="fr-FR" sz="1800" b="1" u="sng" dirty="0" err="1">
+                <a:solidFill>
+                  <a:srgbClr val="CE9178"/>
+                </a:solidFill>
+                <a:effectLst/>
+                <a:latin typeface="Menlo" panose="020B0609030804020204" pitchFamily="49" charset="0"/>
+              </a:rPr>
+              <a:t>accept</a:t>
+            </a:r>
+            <a:r>
+              <a:rPr lang="fr-FR" sz="1800" b="1" u="sng" dirty="0">
+                <a:solidFill>
+                  <a:srgbClr val="CE9178"/>
+                </a:solidFill>
+                <a:effectLst/>
+                <a:latin typeface="Menlo" panose="020B0609030804020204" pitchFamily="49" charset="0"/>
+              </a:rPr>
+              <a:t>="image/*"</a:t>
+            </a:r>
+            <a:r>
+              <a:rPr lang="fr-FR" sz="1800" b="0" dirty="0">
+                <a:solidFill>
+                  <a:srgbClr val="CE9178"/>
+                </a:solidFill>
+                <a:effectLst/>
+                <a:latin typeface="Menlo" panose="020B0609030804020204" pitchFamily="49" charset="0"/>
+              </a:rPr>
+              <a:t>/&gt;</a:t>
+            </a:r>
             <a:endParaRPr lang="fr-FR" dirty="0"/>
           </a:p>
           <a:p>
@@ -3363,6 +3796,1136 @@
               </a:rPr>
               <a:pPr algn="ctr"/>
               <a:t>11</a:t>
+            </a:fld>
+            <a:endParaRPr lang="fr-FR" b="1" dirty="0">
+              <a:solidFill>
+                <a:schemeClr val="bg1"/>
+              </a:solidFill>
+            </a:endParaRPr>
+          </a:p>
+        </p:txBody>
+      </p:sp>
+      <p:sp>
+        <p:nvSpPr>
+          <p:cNvPr id="4" name="Espace réservé du texte 3">
+            <a:extLst>
+              <a:ext uri="{FF2B5EF4-FFF2-40B4-BE49-F238E27FC236}">
+                <a16:creationId xmlns:a16="http://schemas.microsoft.com/office/drawing/2014/main" id="{4DFE6111-D752-4C54-7640-383CC9CB73C8}"/>
+              </a:ext>
+            </a:extLst>
+          </p:cNvPr>
+          <p:cNvSpPr>
+            <a:spLocks noGrp="1"/>
+          </p:cNvSpPr>
+          <p:nvPr>
+            <p:ph type="body" sz="quarter" idx="17"/>
+          </p:nvPr>
+        </p:nvSpPr>
+        <p:spPr>
+          <a:xfrm>
+            <a:off x="418273" y="15945"/>
+            <a:ext cx="7831203" cy="942975"/>
+          </a:xfrm>
+        </p:spPr>
+        <p:txBody>
+          <a:bodyPr/>
+          <a:lstStyle/>
+          <a:p>
+            <a:pPr>
+              <a:lnSpc>
+                <a:spcPct val="150000"/>
+              </a:lnSpc>
+            </a:pPr>
+            <a:r>
+              <a:rPr lang="fr-FR" sz="4000" dirty="0"/>
+              <a:t>Justificatif uniquement image</a:t>
+            </a:r>
+          </a:p>
+        </p:txBody>
+      </p:sp>
+      <p:pic>
+        <p:nvPicPr>
+          <p:cNvPr id="5" name="Picture 2">
+            <a:extLst>
+              <a:ext uri="{FF2B5EF4-FFF2-40B4-BE49-F238E27FC236}">
+                <a16:creationId xmlns:a16="http://schemas.microsoft.com/office/drawing/2014/main" id="{A6651D3A-6BA0-7CBB-4E84-B4C0257C6737}"/>
+              </a:ext>
+            </a:extLst>
+          </p:cNvPr>
+          <p:cNvPicPr>
+            <a:picLocks noChangeAspect="1" noChangeArrowheads="1"/>
+          </p:cNvPicPr>
+          <p:nvPr/>
+        </p:nvPicPr>
+        <p:blipFill>
+          <a:blip r:embed="rId2">
+            <a:extLst>
+              <a:ext uri="{BEBA8EAE-BF5A-486C-A8C5-ECC9F3942E4B}">
+                <a14:imgProps xmlns:a14="http://schemas.microsoft.com/office/drawing/2010/main">
+                  <a14:imgLayer r:embed="rId3">
+                    <a14:imgEffect>
+                      <a14:backgroundRemoval t="10000" b="90000" l="10000" r="90000">
+                        <a14:foregroundMark x1="21362" y1="39583" x2="21362" y2="39583"/>
+                        <a14:foregroundMark x1="27230" y1="39583" x2="27230" y2="39583"/>
+                        <a14:foregroundMark x1="20657" y1="45313" x2="20657" y2="45313"/>
+                        <a14:foregroundMark x1="21127" y1="52604" x2="21127" y2="52604"/>
+                        <a14:foregroundMark x1="20892" y1="59896" x2="20892" y2="59896"/>
+                        <a14:foregroundMark x1="28169" y1="58333" x2="28169" y2="58333"/>
+                        <a14:foregroundMark x1="27700" y1="52604" x2="27700" y2="52604"/>
+                        <a14:foregroundMark x1="27230" y1="46354" x2="27230" y2="46354"/>
+                        <a14:foregroundMark x1="42723" y1="45833" x2="42723" y2="45833"/>
+                        <a14:foregroundMark x1="54460" y1="48438" x2="54460" y2="48438"/>
+                        <a14:foregroundMark x1="59624" y1="42188" x2="59624" y2="42188"/>
+                        <a14:foregroundMark x1="64789" y1="39583" x2="64789" y2="39583"/>
+                        <a14:foregroundMark x1="68779" y1="50000" x2="68779" y2="50000"/>
+                        <a14:foregroundMark x1="78873" y1="50521" x2="78873" y2="50521"/>
+                        <a14:foregroundMark x1="54460" y1="36458" x2="54460" y2="36458"/>
+                      </a14:backgroundRemoval>
+                    </a14:imgEffect>
+                  </a14:imgLayer>
+                </a14:imgProps>
+              </a:ext>
+              <a:ext uri="{28A0092B-C50C-407E-A947-70E740481C1C}">
+                <a14:useLocalDpi xmlns:a14="http://schemas.microsoft.com/office/drawing/2010/main" val="0"/>
+              </a:ext>
+            </a:extLst>
+          </a:blip>
+          <a:srcRect/>
+          <a:stretch>
+            <a:fillRect/>
+          </a:stretch>
+        </p:blipFill>
+        <p:spPr bwMode="auto">
+          <a:xfrm>
+            <a:off x="8249477" y="17004"/>
+            <a:ext cx="2320787" cy="1045989"/>
+          </a:xfrm>
+          <a:prstGeom prst="rect">
+            <a:avLst/>
+          </a:prstGeom>
+          <a:noFill/>
+          <a:extLst>
+            <a:ext uri="{909E8E84-426E-40DD-AFC4-6F175D3DCCD1}">
+              <a14:hiddenFill xmlns:a14="http://schemas.microsoft.com/office/drawing/2010/main">
+                <a:solidFill>
+                  <a:srgbClr val="FFFFFF"/>
+                </a:solidFill>
+              </a14:hiddenFill>
+            </a:ext>
+          </a:extLst>
+        </p:spPr>
+      </p:pic>
+    </p:spTree>
+    <p:extLst>
+      <p:ext uri="{BB962C8B-B14F-4D97-AF65-F5344CB8AC3E}">
+        <p14:creationId xmlns:p14="http://schemas.microsoft.com/office/powerpoint/2010/main" val="3213611534"/>
+      </p:ext>
+    </p:extLst>
+  </p:cSld>
+  <p:clrMapOvr>
+    <a:masterClrMapping/>
+  </p:clrMapOvr>
+</p:sld>
+</file>
+
+<file path=ppt/slides/slide12.xml><?xml version="1.0" encoding="utf-8"?>
+<p:sld xmlns:a="http://schemas.openxmlformats.org/drawingml/2006/main" xmlns:r="http://schemas.openxmlformats.org/officeDocument/2006/relationships" xmlns:p="http://schemas.openxmlformats.org/presentationml/2006/main">
+  <p:cSld>
+    <p:spTree>
+      <p:nvGrpSpPr>
+        <p:cNvPr id="1" name=""/>
+        <p:cNvGrpSpPr/>
+        <p:nvPr/>
+      </p:nvGrpSpPr>
+      <p:grpSpPr>
+        <a:xfrm>
+          <a:off x="0" y="0"/>
+          <a:ext cx="0" cy="0"/>
+          <a:chOff x="0" y="0"/>
+          <a:chExt cx="0" cy="0"/>
+        </a:xfrm>
+      </p:grpSpPr>
+      <p:sp>
+        <p:nvSpPr>
+          <p:cNvPr id="2" name="Espace réservé du texte 1">
+            <a:extLst>
+              <a:ext uri="{FF2B5EF4-FFF2-40B4-BE49-F238E27FC236}">
+                <a16:creationId xmlns:a16="http://schemas.microsoft.com/office/drawing/2014/main" id="{AB22C5B3-911B-6062-4672-FF29B3E09BB7}"/>
+              </a:ext>
+            </a:extLst>
+          </p:cNvPr>
+          <p:cNvSpPr>
+            <a:spLocks noGrp="1"/>
+          </p:cNvSpPr>
+          <p:nvPr>
+            <p:ph type="body" sz="quarter" idx="15"/>
+          </p:nvPr>
+        </p:nvSpPr>
+        <p:spPr>
+          <a:xfrm>
+            <a:off x="139148" y="1244600"/>
+            <a:ext cx="11887199" cy="493627"/>
+          </a:xfrm>
+        </p:spPr>
+        <p:txBody>
+          <a:bodyPr>
+            <a:normAutofit/>
+          </a:bodyPr>
+          <a:lstStyle/>
+          <a:p>
+            <a:pPr>
+              <a:lnSpc>
+                <a:spcPct val="100000"/>
+              </a:lnSpc>
+            </a:pPr>
+            <a:r>
+              <a:rPr lang="fr-FR" dirty="0"/>
+              <a:t>Dans le cas ou l’utilisateur bypass l’attribut </a:t>
+            </a:r>
+            <a:r>
+              <a:rPr lang="fr-FR" sz="2400" b="1" u="sng" dirty="0" err="1">
+                <a:solidFill>
+                  <a:srgbClr val="CE9178"/>
+                </a:solidFill>
+                <a:effectLst/>
+                <a:latin typeface="Menlo" panose="020B0609030804020204" pitchFamily="49" charset="0"/>
+              </a:rPr>
+              <a:t>accept</a:t>
+            </a:r>
+            <a:r>
+              <a:rPr lang="fr-FR" sz="2400" b="1" u="sng" dirty="0">
+                <a:solidFill>
+                  <a:srgbClr val="CE9178"/>
+                </a:solidFill>
+                <a:effectLst/>
+                <a:latin typeface="Menlo" panose="020B0609030804020204" pitchFamily="49" charset="0"/>
+              </a:rPr>
+              <a:t>="image/*</a:t>
+            </a:r>
+            <a:r>
+              <a:rPr lang="fr-FR" dirty="0"/>
+              <a:t> , mise en place du code JS :</a:t>
+            </a:r>
+          </a:p>
+          <a:p>
+            <a:pPr>
+              <a:lnSpc>
+                <a:spcPct val="100000"/>
+              </a:lnSpc>
+            </a:pPr>
+            <a:endParaRPr lang="fr-FR" dirty="0"/>
+          </a:p>
+          <a:p>
+            <a:pPr>
+              <a:lnSpc>
+                <a:spcPct val="100000"/>
+              </a:lnSpc>
+            </a:pPr>
+            <a:endParaRPr lang="fr-FR" sz="2400" dirty="0"/>
+          </a:p>
+        </p:txBody>
+      </p:sp>
+      <p:sp>
+        <p:nvSpPr>
+          <p:cNvPr id="3" name="Espace réservé du numéro de diapositive 2">
+            <a:extLst>
+              <a:ext uri="{FF2B5EF4-FFF2-40B4-BE49-F238E27FC236}">
+                <a16:creationId xmlns:a16="http://schemas.microsoft.com/office/drawing/2014/main" id="{2B89D54C-48EC-0D5F-26B8-7F9E0910704D}"/>
+              </a:ext>
+            </a:extLst>
+          </p:cNvPr>
+          <p:cNvSpPr>
+            <a:spLocks noGrp="1"/>
+          </p:cNvSpPr>
+          <p:nvPr>
+            <p:ph type="sldNum" sz="quarter" idx="12"/>
+          </p:nvPr>
+        </p:nvSpPr>
+        <p:spPr/>
+        <p:txBody>
+          <a:bodyPr/>
+          <a:lstStyle/>
+          <a:p>
+            <a:pPr algn="ctr"/>
+            <a:fld id="{D2A31418-1713-4700-81B9-AFE7E79F3A99}" type="slidenum">
+              <a:rPr lang="fr-FR" sz="2800" b="1" smtClean="0">
+                <a:solidFill>
+                  <a:schemeClr val="bg1"/>
+                </a:solidFill>
+              </a:rPr>
+              <a:pPr algn="ctr"/>
+              <a:t>12</a:t>
+            </a:fld>
+            <a:endParaRPr lang="fr-FR" b="1" dirty="0">
+              <a:solidFill>
+                <a:schemeClr val="bg1"/>
+              </a:solidFill>
+            </a:endParaRPr>
+          </a:p>
+        </p:txBody>
+      </p:sp>
+      <p:sp>
+        <p:nvSpPr>
+          <p:cNvPr id="4" name="Espace réservé du texte 3">
+            <a:extLst>
+              <a:ext uri="{FF2B5EF4-FFF2-40B4-BE49-F238E27FC236}">
+                <a16:creationId xmlns:a16="http://schemas.microsoft.com/office/drawing/2014/main" id="{4DFE6111-D752-4C54-7640-383CC9CB73C8}"/>
+              </a:ext>
+            </a:extLst>
+          </p:cNvPr>
+          <p:cNvSpPr>
+            <a:spLocks noGrp="1"/>
+          </p:cNvSpPr>
+          <p:nvPr>
+            <p:ph type="body" sz="quarter" idx="17"/>
+          </p:nvPr>
+        </p:nvSpPr>
+        <p:spPr>
+          <a:xfrm>
+            <a:off x="418273" y="15945"/>
+            <a:ext cx="7831203" cy="942975"/>
+          </a:xfrm>
+        </p:spPr>
+        <p:txBody>
+          <a:bodyPr/>
+          <a:lstStyle/>
+          <a:p>
+            <a:pPr>
+              <a:lnSpc>
+                <a:spcPct val="150000"/>
+              </a:lnSpc>
+            </a:pPr>
+            <a:r>
+              <a:rPr lang="fr-FR" sz="4000" dirty="0"/>
+              <a:t>Justificatif uniquement image</a:t>
+            </a:r>
+          </a:p>
+        </p:txBody>
+      </p:sp>
+      <p:pic>
+        <p:nvPicPr>
+          <p:cNvPr id="5" name="Picture 2">
+            <a:extLst>
+              <a:ext uri="{FF2B5EF4-FFF2-40B4-BE49-F238E27FC236}">
+                <a16:creationId xmlns:a16="http://schemas.microsoft.com/office/drawing/2014/main" id="{A6651D3A-6BA0-7CBB-4E84-B4C0257C6737}"/>
+              </a:ext>
+            </a:extLst>
+          </p:cNvPr>
+          <p:cNvPicPr>
+            <a:picLocks noChangeAspect="1" noChangeArrowheads="1"/>
+          </p:cNvPicPr>
+          <p:nvPr/>
+        </p:nvPicPr>
+        <p:blipFill>
+          <a:blip r:embed="rId2">
+            <a:extLst>
+              <a:ext uri="{BEBA8EAE-BF5A-486C-A8C5-ECC9F3942E4B}">
+                <a14:imgProps xmlns:a14="http://schemas.microsoft.com/office/drawing/2010/main">
+                  <a14:imgLayer r:embed="rId3">
+                    <a14:imgEffect>
+                      <a14:backgroundRemoval t="10000" b="90000" l="10000" r="90000">
+                        <a14:foregroundMark x1="21362" y1="39583" x2="21362" y2="39583"/>
+                        <a14:foregroundMark x1="27230" y1="39583" x2="27230" y2="39583"/>
+                        <a14:foregroundMark x1="20657" y1="45313" x2="20657" y2="45313"/>
+                        <a14:foregroundMark x1="21127" y1="52604" x2="21127" y2="52604"/>
+                        <a14:foregroundMark x1="20892" y1="59896" x2="20892" y2="59896"/>
+                        <a14:foregroundMark x1="28169" y1="58333" x2="28169" y2="58333"/>
+                        <a14:foregroundMark x1="27700" y1="52604" x2="27700" y2="52604"/>
+                        <a14:foregroundMark x1="27230" y1="46354" x2="27230" y2="46354"/>
+                        <a14:foregroundMark x1="42723" y1="45833" x2="42723" y2="45833"/>
+                        <a14:foregroundMark x1="54460" y1="48438" x2="54460" y2="48438"/>
+                        <a14:foregroundMark x1="59624" y1="42188" x2="59624" y2="42188"/>
+                        <a14:foregroundMark x1="64789" y1="39583" x2="64789" y2="39583"/>
+                        <a14:foregroundMark x1="68779" y1="50000" x2="68779" y2="50000"/>
+                        <a14:foregroundMark x1="78873" y1="50521" x2="78873" y2="50521"/>
+                        <a14:foregroundMark x1="54460" y1="36458" x2="54460" y2="36458"/>
+                      </a14:backgroundRemoval>
+                    </a14:imgEffect>
+                  </a14:imgLayer>
+                </a14:imgProps>
+              </a:ext>
+              <a:ext uri="{28A0092B-C50C-407E-A947-70E740481C1C}">
+                <a14:useLocalDpi xmlns:a14="http://schemas.microsoft.com/office/drawing/2010/main" val="0"/>
+              </a:ext>
+            </a:extLst>
+          </a:blip>
+          <a:srcRect/>
+          <a:stretch>
+            <a:fillRect/>
+          </a:stretch>
+        </p:blipFill>
+        <p:spPr bwMode="auto">
+          <a:xfrm>
+            <a:off x="8249477" y="17004"/>
+            <a:ext cx="2320787" cy="1045989"/>
+          </a:xfrm>
+          <a:prstGeom prst="rect">
+            <a:avLst/>
+          </a:prstGeom>
+          <a:noFill/>
+          <a:extLst>
+            <a:ext uri="{909E8E84-426E-40DD-AFC4-6F175D3DCCD1}">
+              <a14:hiddenFill xmlns:a14="http://schemas.microsoft.com/office/drawing/2010/main">
+                <a:solidFill>
+                  <a:srgbClr val="FFFFFF"/>
+                </a:solidFill>
+              </a14:hiddenFill>
+            </a:ext>
+          </a:extLst>
+        </p:spPr>
+      </p:pic>
+      <p:sp>
+        <p:nvSpPr>
+          <p:cNvPr id="8" name="Espace réservé du texte 1">
+            <a:extLst>
+              <a:ext uri="{FF2B5EF4-FFF2-40B4-BE49-F238E27FC236}">
+                <a16:creationId xmlns:a16="http://schemas.microsoft.com/office/drawing/2014/main" id="{C8D45674-E976-6715-1905-DF6A66B084FC}"/>
+              </a:ext>
+            </a:extLst>
+          </p:cNvPr>
+          <p:cNvSpPr txBox="1">
+            <a:spLocks/>
+          </p:cNvSpPr>
+          <p:nvPr/>
+        </p:nvSpPr>
+        <p:spPr>
+          <a:xfrm>
+            <a:off x="139148" y="2260264"/>
+            <a:ext cx="5854148" cy="3353135"/>
+          </a:xfrm>
+          <a:prstGeom prst="rect">
+            <a:avLst/>
+          </a:prstGeom>
+        </p:spPr>
+        <p:txBody>
+          <a:bodyPr vert="horz" lIns="91440" tIns="45720" rIns="91440" bIns="45720" rtlCol="0">
+            <a:normAutofit fontScale="92500"/>
+          </a:bodyPr>
+          <a:lstStyle>
+            <a:lvl1pPr marL="0" indent="0" algn="l" defTabSz="914400" rtl="0" eaLnBrk="1" latinLnBrk="0" hangingPunct="1">
+              <a:lnSpc>
+                <a:spcPct val="90000"/>
+              </a:lnSpc>
+              <a:spcBef>
+                <a:spcPts val="1000"/>
+              </a:spcBef>
+              <a:buFont typeface="Arial" panose="020B0604020202020204" pitchFamily="34" charset="0"/>
+              <a:buNone/>
+              <a:defRPr sz="2400" kern="1200">
+                <a:solidFill>
+                  <a:srgbClr val="546D79"/>
+                </a:solidFill>
+                <a:latin typeface="+mn-lt"/>
+                <a:ea typeface="+mn-ea"/>
+                <a:cs typeface="+mn-cs"/>
+              </a:defRPr>
+            </a:lvl1pPr>
+            <a:lvl2pPr marL="685800" indent="-228600" algn="l" defTabSz="914400" rtl="0" eaLnBrk="1" latinLnBrk="0" hangingPunct="1">
+              <a:lnSpc>
+                <a:spcPct val="90000"/>
+              </a:lnSpc>
+              <a:spcBef>
+                <a:spcPts val="500"/>
+              </a:spcBef>
+              <a:buFontTx/>
+              <a:buBlip>
+                <a:blip r:embed="rId4"/>
+              </a:buBlip>
+              <a:defRPr sz="2400" kern="1200" baseline="0">
+                <a:solidFill>
+                  <a:srgbClr val="546D79"/>
+                </a:solidFill>
+                <a:latin typeface="+mn-lt"/>
+                <a:ea typeface="+mn-ea"/>
+                <a:cs typeface="+mn-cs"/>
+              </a:defRPr>
+            </a:lvl2pPr>
+            <a:lvl3pPr marL="1143000" indent="-228600" algn="l" defTabSz="914400" rtl="0" eaLnBrk="1" latinLnBrk="0" hangingPunct="1">
+              <a:lnSpc>
+                <a:spcPct val="90000"/>
+              </a:lnSpc>
+              <a:spcBef>
+                <a:spcPts val="500"/>
+              </a:spcBef>
+              <a:buClr>
+                <a:srgbClr val="39A9DC"/>
+              </a:buClr>
+              <a:buFontTx/>
+              <a:buBlip>
+                <a:blip r:embed="rId4"/>
+              </a:buBlip>
+              <a:defRPr sz="2400" kern="1200" baseline="0">
+                <a:solidFill>
+                  <a:srgbClr val="546D79"/>
+                </a:solidFill>
+                <a:latin typeface="+mn-lt"/>
+                <a:ea typeface="+mn-ea"/>
+                <a:cs typeface="+mn-cs"/>
+              </a:defRPr>
+            </a:lvl3pPr>
+            <a:lvl4pPr marL="1600200" indent="-228600" algn="l" defTabSz="914400" rtl="0" eaLnBrk="1" latinLnBrk="0" hangingPunct="1">
+              <a:lnSpc>
+                <a:spcPct val="90000"/>
+              </a:lnSpc>
+              <a:spcBef>
+                <a:spcPts val="500"/>
+              </a:spcBef>
+              <a:buFontTx/>
+              <a:buBlip>
+                <a:blip r:embed="rId4"/>
+              </a:buBlip>
+              <a:defRPr sz="2400" kern="1200">
+                <a:solidFill>
+                  <a:srgbClr val="546D79"/>
+                </a:solidFill>
+                <a:latin typeface="+mn-lt"/>
+                <a:ea typeface="+mn-ea"/>
+                <a:cs typeface="+mn-cs"/>
+              </a:defRPr>
+            </a:lvl4pPr>
+            <a:lvl5pPr marL="2057400" indent="-228600" algn="l" defTabSz="914400" rtl="0" eaLnBrk="1" latinLnBrk="0" hangingPunct="1">
+              <a:lnSpc>
+                <a:spcPct val="90000"/>
+              </a:lnSpc>
+              <a:spcBef>
+                <a:spcPts val="500"/>
+              </a:spcBef>
+              <a:buFont typeface="Arial" panose="020B0604020202020204" pitchFamily="34" charset="0"/>
+              <a:buChar char="•"/>
+              <a:defRPr sz="1800" kern="1200">
+                <a:solidFill>
+                  <a:schemeClr val="tx1"/>
+                </a:solidFill>
+                <a:latin typeface="+mn-lt"/>
+                <a:ea typeface="+mn-ea"/>
+                <a:cs typeface="+mn-cs"/>
+              </a:defRPr>
+            </a:lvl5pPr>
+            <a:lvl6pPr marL="2514600" indent="-228600" algn="l" defTabSz="914400" rtl="0" eaLnBrk="1" latinLnBrk="0" hangingPunct="1">
+              <a:lnSpc>
+                <a:spcPct val="90000"/>
+              </a:lnSpc>
+              <a:spcBef>
+                <a:spcPts val="500"/>
+              </a:spcBef>
+              <a:buFont typeface="Arial" panose="020B0604020202020204" pitchFamily="34" charset="0"/>
+              <a:buChar char="•"/>
+              <a:defRPr sz="1800" kern="1200">
+                <a:solidFill>
+                  <a:schemeClr val="tx1"/>
+                </a:solidFill>
+                <a:latin typeface="+mn-lt"/>
+                <a:ea typeface="+mn-ea"/>
+                <a:cs typeface="+mn-cs"/>
+              </a:defRPr>
+            </a:lvl6pPr>
+            <a:lvl7pPr marL="2971800" indent="-228600" algn="l" defTabSz="914400" rtl="0" eaLnBrk="1" latinLnBrk="0" hangingPunct="1">
+              <a:lnSpc>
+                <a:spcPct val="90000"/>
+              </a:lnSpc>
+              <a:spcBef>
+                <a:spcPts val="500"/>
+              </a:spcBef>
+              <a:buFont typeface="Arial" panose="020B0604020202020204" pitchFamily="34" charset="0"/>
+              <a:buChar char="•"/>
+              <a:defRPr sz="1800" kern="1200">
+                <a:solidFill>
+                  <a:schemeClr val="tx1"/>
+                </a:solidFill>
+                <a:latin typeface="+mn-lt"/>
+                <a:ea typeface="+mn-ea"/>
+                <a:cs typeface="+mn-cs"/>
+              </a:defRPr>
+            </a:lvl7pPr>
+            <a:lvl8pPr marL="3429000" indent="-228600" algn="l" defTabSz="914400" rtl="0" eaLnBrk="1" latinLnBrk="0" hangingPunct="1">
+              <a:lnSpc>
+                <a:spcPct val="90000"/>
+              </a:lnSpc>
+              <a:spcBef>
+                <a:spcPts val="500"/>
+              </a:spcBef>
+              <a:buFont typeface="Arial" panose="020B0604020202020204" pitchFamily="34" charset="0"/>
+              <a:buChar char="•"/>
+              <a:defRPr sz="1800" kern="1200">
+                <a:solidFill>
+                  <a:schemeClr val="tx1"/>
+                </a:solidFill>
+                <a:latin typeface="+mn-lt"/>
+                <a:ea typeface="+mn-ea"/>
+                <a:cs typeface="+mn-cs"/>
+              </a:defRPr>
+            </a:lvl8pPr>
+            <a:lvl9pPr marL="3886200" indent="-228600" algn="l" defTabSz="914400" rtl="0" eaLnBrk="1" latinLnBrk="0" hangingPunct="1">
+              <a:lnSpc>
+                <a:spcPct val="90000"/>
+              </a:lnSpc>
+              <a:spcBef>
+                <a:spcPts val="500"/>
+              </a:spcBef>
+              <a:buFont typeface="Arial" panose="020B0604020202020204" pitchFamily="34" charset="0"/>
+              <a:buChar char="•"/>
+              <a:defRPr sz="1800" kern="1200">
+                <a:solidFill>
+                  <a:schemeClr val="tx1"/>
+                </a:solidFill>
+                <a:latin typeface="+mn-lt"/>
+                <a:ea typeface="+mn-ea"/>
+                <a:cs typeface="+mn-cs"/>
+              </a:defRPr>
+            </a:lvl9pPr>
+          </a:lstStyle>
+          <a:p>
+            <a:pPr marL="457200" indent="-457200">
+              <a:lnSpc>
+                <a:spcPct val="100000"/>
+              </a:lnSpc>
+              <a:buFont typeface="+mj-lt"/>
+              <a:buAutoNum type="arabicPeriod"/>
+            </a:pPr>
+            <a:r>
+              <a:rPr lang="fr-FR" dirty="0"/>
+              <a:t>Récupération de l’extension du fichier (</a:t>
+            </a:r>
+            <a:r>
+              <a:rPr lang="fr-FR" dirty="0" err="1"/>
+              <a:t>fileExt</a:t>
+            </a:r>
+            <a:r>
+              <a:rPr lang="fr-FR" dirty="0"/>
+              <a:t>)</a:t>
+            </a:r>
+          </a:p>
+          <a:p>
+            <a:pPr marL="457200" indent="-457200">
+              <a:lnSpc>
+                <a:spcPct val="100000"/>
+              </a:lnSpc>
+              <a:buFont typeface="+mj-lt"/>
+              <a:buAutoNum type="arabicPeriod"/>
+            </a:pPr>
+            <a:r>
+              <a:rPr lang="fr-FR" dirty="0"/>
+              <a:t>Création tab </a:t>
+            </a:r>
+            <a:r>
+              <a:rPr lang="fr-FR" dirty="0" err="1"/>
+              <a:t>leau</a:t>
+            </a:r>
+            <a:r>
+              <a:rPr lang="fr-FR" dirty="0"/>
+              <a:t> extension autorisé (</a:t>
+            </a:r>
+            <a:r>
+              <a:rPr lang="fr-FR" dirty="0" err="1"/>
+              <a:t>extAutorise</a:t>
+            </a:r>
+            <a:r>
+              <a:rPr lang="fr-FR" dirty="0"/>
+              <a:t>)</a:t>
+            </a:r>
+          </a:p>
+          <a:p>
+            <a:pPr marL="457200" indent="-457200">
+              <a:lnSpc>
+                <a:spcPct val="100000"/>
+              </a:lnSpc>
+              <a:buFont typeface="+mj-lt"/>
+              <a:buAutoNum type="arabicPeriod"/>
+            </a:pPr>
+            <a:r>
+              <a:rPr lang="fr-FR" dirty="0"/>
+              <a:t>Vérification présence extension dans tableau méthode </a:t>
+            </a:r>
+            <a:r>
+              <a:rPr lang="fr-FR" dirty="0" err="1"/>
+              <a:t>includes</a:t>
+            </a:r>
+            <a:r>
+              <a:rPr lang="fr-FR" dirty="0"/>
+              <a:t>() (</a:t>
+            </a:r>
+            <a:r>
+              <a:rPr lang="fr-FR" dirty="0" err="1"/>
+              <a:t>checkFormat</a:t>
+            </a:r>
+            <a:r>
+              <a:rPr lang="fr-FR" dirty="0"/>
+              <a:t>)</a:t>
+            </a:r>
+          </a:p>
+          <a:p>
+            <a:pPr marL="457200" indent="-457200">
+              <a:lnSpc>
+                <a:spcPct val="100000"/>
+              </a:lnSpc>
+              <a:buFont typeface="+mj-lt"/>
+              <a:buAutoNum type="arabicPeriod"/>
+            </a:pPr>
+            <a:r>
+              <a:rPr lang="fr-FR" dirty="0"/>
+              <a:t>Si </a:t>
+            </a:r>
+            <a:r>
+              <a:rPr lang="fr-FR" dirty="0" err="1"/>
+              <a:t>checkFormat</a:t>
+            </a:r>
+            <a:r>
+              <a:rPr lang="fr-FR" dirty="0"/>
+              <a:t> false </a:t>
+            </a:r>
+          </a:p>
+          <a:p>
+            <a:pPr marL="1028700" lvl="1" indent="-342900">
+              <a:lnSpc>
+                <a:spcPct val="100000"/>
+              </a:lnSpc>
+              <a:buFont typeface="Arial" panose="020B0604020202020204" pitchFamily="34" charset="0"/>
+              <a:buChar char="•"/>
+            </a:pPr>
+            <a:r>
+              <a:rPr lang="fr-FR" dirty="0" err="1"/>
+              <a:t>disable</a:t>
+            </a:r>
+            <a:r>
+              <a:rPr lang="fr-FR" dirty="0"/>
+              <a:t> </a:t>
+            </a:r>
+            <a:r>
+              <a:rPr lang="fr-FR" dirty="0" err="1"/>
+              <a:t>submit</a:t>
+            </a:r>
+            <a:r>
+              <a:rPr lang="fr-FR" dirty="0"/>
+              <a:t> </a:t>
+            </a:r>
+            <a:r>
+              <a:rPr lang="fr-FR" dirty="0" err="1"/>
+              <a:t>btn</a:t>
+            </a:r>
+            <a:endParaRPr lang="fr-FR" dirty="0"/>
+          </a:p>
+          <a:p>
+            <a:pPr marL="1028700" lvl="1" indent="-342900">
+              <a:lnSpc>
+                <a:spcPct val="100000"/>
+              </a:lnSpc>
+              <a:buFont typeface="Arial" panose="020B0604020202020204" pitchFamily="34" charset="0"/>
+              <a:buChar char="•"/>
+            </a:pPr>
+            <a:r>
+              <a:rPr lang="fr-FR" dirty="0"/>
+              <a:t>end of </a:t>
+            </a:r>
+            <a:r>
+              <a:rPr lang="fr-FR" dirty="0" err="1"/>
+              <a:t>function</a:t>
+            </a:r>
+            <a:endParaRPr lang="fr-FR" dirty="0"/>
+          </a:p>
+          <a:p>
+            <a:pPr>
+              <a:lnSpc>
+                <a:spcPct val="100000"/>
+              </a:lnSpc>
+            </a:pPr>
+            <a:endParaRPr lang="fr-FR" dirty="0"/>
+          </a:p>
+        </p:txBody>
+      </p:sp>
+      <p:pic>
+        <p:nvPicPr>
+          <p:cNvPr id="9" name="Image 8">
+            <a:extLst>
+              <a:ext uri="{FF2B5EF4-FFF2-40B4-BE49-F238E27FC236}">
+                <a16:creationId xmlns:a16="http://schemas.microsoft.com/office/drawing/2014/main" id="{98CC8107-6E4D-A9FF-DB6C-37249268DC86}"/>
+              </a:ext>
+            </a:extLst>
+          </p:cNvPr>
+          <p:cNvPicPr>
+            <a:picLocks noChangeAspect="1"/>
+          </p:cNvPicPr>
+          <p:nvPr/>
+        </p:nvPicPr>
+        <p:blipFill rotWithShape="1">
+          <a:blip r:embed="rId5"/>
+          <a:srcRect r="25575"/>
+          <a:stretch/>
+        </p:blipFill>
+        <p:spPr>
+          <a:xfrm>
+            <a:off x="6407426" y="1829172"/>
+            <a:ext cx="5784574" cy="4671391"/>
+          </a:xfrm>
+          <a:prstGeom prst="rect">
+            <a:avLst/>
+          </a:prstGeom>
+        </p:spPr>
+      </p:pic>
+      <p:sp>
+        <p:nvSpPr>
+          <p:cNvPr id="10" name="Espace réservé du texte 1">
+            <a:extLst>
+              <a:ext uri="{FF2B5EF4-FFF2-40B4-BE49-F238E27FC236}">
+                <a16:creationId xmlns:a16="http://schemas.microsoft.com/office/drawing/2014/main" id="{5B1DE8EA-A26B-5A8F-6ECC-EAF1214C6C85}"/>
+              </a:ext>
+            </a:extLst>
+          </p:cNvPr>
+          <p:cNvSpPr txBox="1">
+            <a:spLocks/>
+          </p:cNvSpPr>
+          <p:nvPr/>
+        </p:nvSpPr>
+        <p:spPr>
+          <a:xfrm>
+            <a:off x="0" y="5903843"/>
+            <a:ext cx="5854148" cy="686172"/>
+          </a:xfrm>
+          <a:prstGeom prst="rect">
+            <a:avLst/>
+          </a:prstGeom>
+        </p:spPr>
+        <p:txBody>
+          <a:bodyPr vert="horz" lIns="91440" tIns="45720" rIns="91440" bIns="45720" rtlCol="0">
+            <a:normAutofit fontScale="92500" lnSpcReduction="20000"/>
+          </a:bodyPr>
+          <a:lstStyle>
+            <a:lvl1pPr marL="0" indent="0" algn="l" defTabSz="914400" rtl="0" eaLnBrk="1" latinLnBrk="0" hangingPunct="1">
+              <a:lnSpc>
+                <a:spcPct val="90000"/>
+              </a:lnSpc>
+              <a:spcBef>
+                <a:spcPts val="1000"/>
+              </a:spcBef>
+              <a:buFont typeface="Arial" panose="020B0604020202020204" pitchFamily="34" charset="0"/>
+              <a:buNone/>
+              <a:defRPr sz="2400" kern="1200">
+                <a:solidFill>
+                  <a:srgbClr val="546D79"/>
+                </a:solidFill>
+                <a:latin typeface="+mn-lt"/>
+                <a:ea typeface="+mn-ea"/>
+                <a:cs typeface="+mn-cs"/>
+              </a:defRPr>
+            </a:lvl1pPr>
+            <a:lvl2pPr marL="685800" indent="-228600" algn="l" defTabSz="914400" rtl="0" eaLnBrk="1" latinLnBrk="0" hangingPunct="1">
+              <a:lnSpc>
+                <a:spcPct val="90000"/>
+              </a:lnSpc>
+              <a:spcBef>
+                <a:spcPts val="500"/>
+              </a:spcBef>
+              <a:buFontTx/>
+              <a:buBlip>
+                <a:blip r:embed="rId4"/>
+              </a:buBlip>
+              <a:defRPr sz="2400" kern="1200" baseline="0">
+                <a:solidFill>
+                  <a:srgbClr val="546D79"/>
+                </a:solidFill>
+                <a:latin typeface="+mn-lt"/>
+                <a:ea typeface="+mn-ea"/>
+                <a:cs typeface="+mn-cs"/>
+              </a:defRPr>
+            </a:lvl2pPr>
+            <a:lvl3pPr marL="1143000" indent="-228600" algn="l" defTabSz="914400" rtl="0" eaLnBrk="1" latinLnBrk="0" hangingPunct="1">
+              <a:lnSpc>
+                <a:spcPct val="90000"/>
+              </a:lnSpc>
+              <a:spcBef>
+                <a:spcPts val="500"/>
+              </a:spcBef>
+              <a:buClr>
+                <a:srgbClr val="39A9DC"/>
+              </a:buClr>
+              <a:buFontTx/>
+              <a:buBlip>
+                <a:blip r:embed="rId4"/>
+              </a:buBlip>
+              <a:defRPr sz="2400" kern="1200" baseline="0">
+                <a:solidFill>
+                  <a:srgbClr val="546D79"/>
+                </a:solidFill>
+                <a:latin typeface="+mn-lt"/>
+                <a:ea typeface="+mn-ea"/>
+                <a:cs typeface="+mn-cs"/>
+              </a:defRPr>
+            </a:lvl3pPr>
+            <a:lvl4pPr marL="1600200" indent="-228600" algn="l" defTabSz="914400" rtl="0" eaLnBrk="1" latinLnBrk="0" hangingPunct="1">
+              <a:lnSpc>
+                <a:spcPct val="90000"/>
+              </a:lnSpc>
+              <a:spcBef>
+                <a:spcPts val="500"/>
+              </a:spcBef>
+              <a:buFontTx/>
+              <a:buBlip>
+                <a:blip r:embed="rId4"/>
+              </a:buBlip>
+              <a:defRPr sz="2400" kern="1200">
+                <a:solidFill>
+                  <a:srgbClr val="546D79"/>
+                </a:solidFill>
+                <a:latin typeface="+mn-lt"/>
+                <a:ea typeface="+mn-ea"/>
+                <a:cs typeface="+mn-cs"/>
+              </a:defRPr>
+            </a:lvl4pPr>
+            <a:lvl5pPr marL="2057400" indent="-228600" algn="l" defTabSz="914400" rtl="0" eaLnBrk="1" latinLnBrk="0" hangingPunct="1">
+              <a:lnSpc>
+                <a:spcPct val="90000"/>
+              </a:lnSpc>
+              <a:spcBef>
+                <a:spcPts val="500"/>
+              </a:spcBef>
+              <a:buFont typeface="Arial" panose="020B0604020202020204" pitchFamily="34" charset="0"/>
+              <a:buChar char="•"/>
+              <a:defRPr sz="1800" kern="1200">
+                <a:solidFill>
+                  <a:schemeClr val="tx1"/>
+                </a:solidFill>
+                <a:latin typeface="+mn-lt"/>
+                <a:ea typeface="+mn-ea"/>
+                <a:cs typeface="+mn-cs"/>
+              </a:defRPr>
+            </a:lvl5pPr>
+            <a:lvl6pPr marL="2514600" indent="-228600" algn="l" defTabSz="914400" rtl="0" eaLnBrk="1" latinLnBrk="0" hangingPunct="1">
+              <a:lnSpc>
+                <a:spcPct val="90000"/>
+              </a:lnSpc>
+              <a:spcBef>
+                <a:spcPts val="500"/>
+              </a:spcBef>
+              <a:buFont typeface="Arial" panose="020B0604020202020204" pitchFamily="34" charset="0"/>
+              <a:buChar char="•"/>
+              <a:defRPr sz="1800" kern="1200">
+                <a:solidFill>
+                  <a:schemeClr val="tx1"/>
+                </a:solidFill>
+                <a:latin typeface="+mn-lt"/>
+                <a:ea typeface="+mn-ea"/>
+                <a:cs typeface="+mn-cs"/>
+              </a:defRPr>
+            </a:lvl6pPr>
+            <a:lvl7pPr marL="2971800" indent="-228600" algn="l" defTabSz="914400" rtl="0" eaLnBrk="1" latinLnBrk="0" hangingPunct="1">
+              <a:lnSpc>
+                <a:spcPct val="90000"/>
+              </a:lnSpc>
+              <a:spcBef>
+                <a:spcPts val="500"/>
+              </a:spcBef>
+              <a:buFont typeface="Arial" panose="020B0604020202020204" pitchFamily="34" charset="0"/>
+              <a:buChar char="•"/>
+              <a:defRPr sz="1800" kern="1200">
+                <a:solidFill>
+                  <a:schemeClr val="tx1"/>
+                </a:solidFill>
+                <a:latin typeface="+mn-lt"/>
+                <a:ea typeface="+mn-ea"/>
+                <a:cs typeface="+mn-cs"/>
+              </a:defRPr>
+            </a:lvl7pPr>
+            <a:lvl8pPr marL="3429000" indent="-228600" algn="l" defTabSz="914400" rtl="0" eaLnBrk="1" latinLnBrk="0" hangingPunct="1">
+              <a:lnSpc>
+                <a:spcPct val="90000"/>
+              </a:lnSpc>
+              <a:spcBef>
+                <a:spcPts val="500"/>
+              </a:spcBef>
+              <a:buFont typeface="Arial" panose="020B0604020202020204" pitchFamily="34" charset="0"/>
+              <a:buChar char="•"/>
+              <a:defRPr sz="1800" kern="1200">
+                <a:solidFill>
+                  <a:schemeClr val="tx1"/>
+                </a:solidFill>
+                <a:latin typeface="+mn-lt"/>
+                <a:ea typeface="+mn-ea"/>
+                <a:cs typeface="+mn-cs"/>
+              </a:defRPr>
+            </a:lvl8pPr>
+            <a:lvl9pPr marL="3886200" indent="-228600" algn="l" defTabSz="914400" rtl="0" eaLnBrk="1" latinLnBrk="0" hangingPunct="1">
+              <a:lnSpc>
+                <a:spcPct val="90000"/>
+              </a:lnSpc>
+              <a:spcBef>
+                <a:spcPts val="500"/>
+              </a:spcBef>
+              <a:buFont typeface="Arial" panose="020B0604020202020204" pitchFamily="34" charset="0"/>
+              <a:buChar char="•"/>
+              <a:defRPr sz="1800" kern="1200">
+                <a:solidFill>
+                  <a:schemeClr val="tx1"/>
+                </a:solidFill>
+                <a:latin typeface="+mn-lt"/>
+                <a:ea typeface="+mn-ea"/>
+                <a:cs typeface="+mn-cs"/>
+              </a:defRPr>
+            </a:lvl9pPr>
+          </a:lstStyle>
+          <a:p>
+            <a:pPr>
+              <a:lnSpc>
+                <a:spcPct val="100000"/>
+              </a:lnSpc>
+            </a:pPr>
+            <a:r>
+              <a:rPr lang="fr-FR" dirty="0"/>
+              <a:t>Correction d’un bug qui créer une </a:t>
+            </a:r>
+            <a:r>
+              <a:rPr lang="fr-FR" dirty="0" err="1"/>
+              <a:t>Ndf</a:t>
+            </a:r>
+            <a:r>
+              <a:rPr lang="fr-FR" dirty="0"/>
+              <a:t> lors chargement un document</a:t>
+            </a:r>
+          </a:p>
+        </p:txBody>
+      </p:sp>
+    </p:spTree>
+    <p:extLst>
+      <p:ext uri="{BB962C8B-B14F-4D97-AF65-F5344CB8AC3E}">
+        <p14:creationId xmlns:p14="http://schemas.microsoft.com/office/powerpoint/2010/main" val="1139728283"/>
+      </p:ext>
+    </p:extLst>
+  </p:cSld>
+  <p:clrMapOvr>
+    <a:masterClrMapping/>
+  </p:clrMapOvr>
+</p:sld>
+</file>
+
+<file path=ppt/slides/slide13.xml><?xml version="1.0" encoding="utf-8"?>
+<p:sld xmlns:a="http://schemas.openxmlformats.org/drawingml/2006/main" xmlns:r="http://schemas.openxmlformats.org/officeDocument/2006/relationships" xmlns:p="http://schemas.openxmlformats.org/presentationml/2006/main">
+  <p:cSld>
+    <p:spTree>
+      <p:nvGrpSpPr>
+        <p:cNvPr id="1" name=""/>
+        <p:cNvGrpSpPr/>
+        <p:nvPr/>
+      </p:nvGrpSpPr>
+      <p:grpSpPr>
+        <a:xfrm>
+          <a:off x="0" y="0"/>
+          <a:ext cx="0" cy="0"/>
+          <a:chOff x="0" y="0"/>
+          <a:chExt cx="0" cy="0"/>
+        </a:xfrm>
+      </p:grpSpPr>
+      <p:sp>
+        <p:nvSpPr>
+          <p:cNvPr id="2" name="Espace réservé du texte 1">
+            <a:extLst>
+              <a:ext uri="{FF2B5EF4-FFF2-40B4-BE49-F238E27FC236}">
+                <a16:creationId xmlns:a16="http://schemas.microsoft.com/office/drawing/2014/main" id="{AB22C5B3-911B-6062-4672-FF29B3E09BB7}"/>
+              </a:ext>
+            </a:extLst>
+          </p:cNvPr>
+          <p:cNvSpPr>
+            <a:spLocks noGrp="1"/>
+          </p:cNvSpPr>
+          <p:nvPr>
+            <p:ph type="body" sz="quarter" idx="15"/>
+          </p:nvPr>
+        </p:nvSpPr>
+        <p:spPr>
+          <a:xfrm>
+            <a:off x="139149" y="1244600"/>
+            <a:ext cx="11450514" cy="5408612"/>
+          </a:xfrm>
+        </p:spPr>
+        <p:txBody>
+          <a:bodyPr>
+            <a:normAutofit/>
+          </a:bodyPr>
+          <a:lstStyle/>
+          <a:p>
+            <a:pPr>
+              <a:lnSpc>
+                <a:spcPct val="100000"/>
+              </a:lnSpc>
+            </a:pPr>
+            <a:r>
+              <a:rPr lang="fr-FR" dirty="0"/>
+              <a:t>Comportement attendus :</a:t>
+            </a:r>
+          </a:p>
+          <a:p>
+            <a:pPr marL="342900" indent="-342900">
+              <a:buFont typeface="Arial" panose="020B0604020202020204" pitchFamily="34" charset="0"/>
+              <a:buChar char="•"/>
+            </a:pPr>
+            <a:r>
+              <a:rPr lang="fr-FR" dirty="0"/>
+              <a:t>la modale doit afficher l'image.</a:t>
+            </a:r>
+          </a:p>
+          <a:p>
+            <a:pPr marL="342900" indent="-342900">
+              <a:buFont typeface="Arial" panose="020B0604020202020204" pitchFamily="34" charset="0"/>
+              <a:buChar char="•"/>
+            </a:pPr>
+            <a:r>
+              <a:rPr lang="fr-FR" dirty="0"/>
+              <a:t>dans le </a:t>
+            </a:r>
+            <a:r>
+              <a:rPr lang="fr-FR" dirty="0" err="1"/>
+              <a:t>dashboard</a:t>
+            </a:r>
+            <a:r>
+              <a:rPr lang="fr-FR" dirty="0"/>
+              <a:t>, le formulaire correspondant au ticket doit afficher le nom du fichier.</a:t>
+            </a:r>
+          </a:p>
+          <a:p>
+            <a:pPr>
+              <a:lnSpc>
+                <a:spcPct val="100000"/>
+              </a:lnSpc>
+            </a:pPr>
+            <a:endParaRPr lang="fr-FR" dirty="0"/>
+          </a:p>
+          <a:p>
+            <a:pPr>
+              <a:lnSpc>
+                <a:spcPct val="100000"/>
+              </a:lnSpc>
+            </a:pPr>
+            <a:endParaRPr lang="fr-FR" sz="2400" dirty="0"/>
+          </a:p>
+        </p:txBody>
+      </p:sp>
+      <p:sp>
+        <p:nvSpPr>
+          <p:cNvPr id="3" name="Espace réservé du numéro de diapositive 2">
+            <a:extLst>
+              <a:ext uri="{FF2B5EF4-FFF2-40B4-BE49-F238E27FC236}">
+                <a16:creationId xmlns:a16="http://schemas.microsoft.com/office/drawing/2014/main" id="{2B89D54C-48EC-0D5F-26B8-7F9E0910704D}"/>
+              </a:ext>
+            </a:extLst>
+          </p:cNvPr>
+          <p:cNvSpPr>
+            <a:spLocks noGrp="1"/>
+          </p:cNvSpPr>
+          <p:nvPr>
+            <p:ph type="sldNum" sz="quarter" idx="12"/>
+          </p:nvPr>
+        </p:nvSpPr>
+        <p:spPr/>
+        <p:txBody>
+          <a:bodyPr/>
+          <a:lstStyle/>
+          <a:p>
+            <a:pPr algn="ctr"/>
+            <a:fld id="{D2A31418-1713-4700-81B9-AFE7E79F3A99}" type="slidenum">
+              <a:rPr lang="fr-FR" sz="2800" b="1" smtClean="0">
+                <a:solidFill>
+                  <a:schemeClr val="bg1"/>
+                </a:solidFill>
+              </a:rPr>
+              <a:pPr algn="ctr"/>
+              <a:t>13</a:t>
             </a:fld>
             <a:endParaRPr lang="fr-FR" b="1" dirty="0">
               <a:solidFill>
@@ -3555,7 +5118,7 @@
 </p:sld>
 </file>
 
-<file path=ppt/slides/slide12.xml><?xml version="1.0" encoding="utf-8"?>
+<file path=ppt/slides/slide14.xml><?xml version="1.0" encoding="utf-8"?>
 <p:sld xmlns:a="http://schemas.openxmlformats.org/drawingml/2006/main" xmlns:r="http://schemas.openxmlformats.org/officeDocument/2006/relationships" xmlns:p="http://schemas.openxmlformats.org/presentationml/2006/main">
   <p:cSld>
     <p:spTree>
@@ -3601,7 +5164,7 @@
                 </a:solidFill>
               </a:rPr>
               <a:pPr algn="ctr"/>
-              <a:t>12</a:t>
+              <a:t>14</a:t>
             </a:fld>
             <a:endParaRPr lang="fr-FR" b="1" dirty="0">
               <a:solidFill>
@@ -4965,7 +6528,7 @@
 </p:sld>
 </file>
 
-<file path=ppt/slides/slide13.xml><?xml version="1.0" encoding="utf-8"?>
+<file path=ppt/slides/slide15.xml><?xml version="1.0" encoding="utf-8"?>
 <p:sld xmlns:a="http://schemas.openxmlformats.org/drawingml/2006/main" xmlns:r="http://schemas.openxmlformats.org/officeDocument/2006/relationships" xmlns:p="http://schemas.openxmlformats.org/presentationml/2006/main">
   <p:cSld>
     <p:spTree>
@@ -5026,855 +6589,6 @@
     <p:extLst>
       <p:ext uri="{BB962C8B-B14F-4D97-AF65-F5344CB8AC3E}">
         <p14:creationId xmlns:p14="http://schemas.microsoft.com/office/powerpoint/2010/main" val="3286995167"/>
-      </p:ext>
-    </p:extLst>
-  </p:cSld>
-  <p:clrMapOvr>
-    <a:masterClrMapping/>
-  </p:clrMapOvr>
-</p:sld>
-</file>
-
-<file path=ppt/slides/slide14.xml><?xml version="1.0" encoding="utf-8"?>
-<p:sld xmlns:a="http://schemas.openxmlformats.org/drawingml/2006/main" xmlns:r="http://schemas.openxmlformats.org/officeDocument/2006/relationships" xmlns:p="http://schemas.openxmlformats.org/presentationml/2006/main">
-  <p:cSld>
-    <p:spTree>
-      <p:nvGrpSpPr>
-        <p:cNvPr id="1" name=""/>
-        <p:cNvGrpSpPr/>
-        <p:nvPr/>
-      </p:nvGrpSpPr>
-      <p:grpSpPr>
-        <a:xfrm>
-          <a:off x="0" y="0"/>
-          <a:ext cx="0" cy="0"/>
-          <a:chOff x="0" y="0"/>
-          <a:chExt cx="0" cy="0"/>
-        </a:xfrm>
-      </p:grpSpPr>
-      <p:sp>
-        <p:nvSpPr>
-          <p:cNvPr id="3" name="Espace réservé du texte 2"/>
-          <p:cNvSpPr>
-            <a:spLocks noGrp="1"/>
-          </p:cNvSpPr>
-          <p:nvPr>
-            <p:ph type="body" sz="quarter" idx="15"/>
-          </p:nvPr>
-        </p:nvSpPr>
-        <p:spPr>
-          <a:xfrm>
-            <a:off x="0" y="1522896"/>
-            <a:ext cx="11312525" cy="5408612"/>
-          </a:xfrm>
-        </p:spPr>
-        <p:txBody>
-          <a:bodyPr>
-            <a:normAutofit lnSpcReduction="10000"/>
-          </a:bodyPr>
-          <a:lstStyle/>
-          <a:p>
-            <a:pPr marL="457200" lvl="1" indent="-457200">
-              <a:buFont typeface="+mj-lt"/>
-              <a:buAutoNum type="arabicPeriod"/>
-            </a:pPr>
-            <a:r>
-              <a:rPr lang="fr-FR" dirty="0"/>
-              <a:t>Sur le composant </a:t>
-            </a:r>
-            <a:r>
-              <a:rPr lang="fr-FR" dirty="0" err="1"/>
-              <a:t>views</a:t>
-            </a:r>
-            <a:r>
-              <a:rPr lang="fr-FR" dirty="0"/>
-              <a:t>/Bills : Le taux de couverture est de 100%</a:t>
-            </a:r>
-          </a:p>
-          <a:p>
-            <a:pPr marL="800100" lvl="2" indent="-342900">
-              <a:buFont typeface="Arial" panose="020B0604020202020204" pitchFamily="34" charset="0"/>
-              <a:buChar char="•"/>
-            </a:pPr>
-            <a:r>
-              <a:rPr lang="fr-FR" dirty="0"/>
-              <a:t>Rajout la mention « </a:t>
-            </a:r>
-            <a:r>
-              <a:rPr lang="fr-FR" dirty="0" err="1"/>
-              <a:t>expect</a:t>
-            </a:r>
-            <a:r>
-              <a:rPr lang="fr-FR" dirty="0"/>
-              <a:t> »</a:t>
-            </a:r>
-          </a:p>
-          <a:p>
-            <a:pPr marL="457200" lvl="2" indent="0">
-              <a:buNone/>
-            </a:pPr>
-            <a:endParaRPr lang="fr-FR" dirty="0"/>
-          </a:p>
-          <a:p>
-            <a:pPr marL="457200" lvl="1" indent="-457200">
-              <a:buFont typeface="+mj-lt"/>
-              <a:buAutoNum type="arabicPeriod"/>
-            </a:pPr>
-            <a:r>
-              <a:rPr lang="fr-FR" dirty="0"/>
-              <a:t>Sur le composant container/Bills :</a:t>
-            </a:r>
-          </a:p>
-          <a:p>
-            <a:pPr marL="800100" lvl="2" indent="-342900">
-              <a:buFont typeface="Arial" panose="020B0604020202020204" pitchFamily="34" charset="0"/>
-              <a:buChar char="•"/>
-            </a:pPr>
-            <a:r>
-              <a:rPr lang="fr-FR" dirty="0"/>
-              <a:t>Faire passer le rapport de couvertures du fichier au vert</a:t>
-            </a:r>
-          </a:p>
-          <a:p>
-            <a:pPr marL="800100" lvl="2" indent="-342900">
-              <a:buFont typeface="Arial" panose="020B0604020202020204" pitchFamily="34" charset="0"/>
-              <a:buChar char="•"/>
-            </a:pPr>
-            <a:r>
-              <a:rPr lang="fr-FR" dirty="0"/>
-              <a:t>Taux de couverture d’environ 80%</a:t>
-            </a:r>
-          </a:p>
-          <a:p>
-            <a:pPr marL="800100" lvl="2" indent="-342900">
-              <a:buFont typeface="Arial" panose="020B0604020202020204" pitchFamily="34" charset="0"/>
-              <a:buChar char="•"/>
-            </a:pPr>
-            <a:r>
-              <a:rPr lang="fr-FR" dirty="0"/>
-              <a:t>Ajouter un test d’intégration GET Bills</a:t>
-            </a:r>
-          </a:p>
-          <a:p>
-            <a:pPr marL="800100" lvl="2" indent="-342900">
-              <a:buFont typeface="Arial" panose="020B0604020202020204" pitchFamily="34" charset="0"/>
-              <a:buChar char="•"/>
-            </a:pPr>
-            <a:endParaRPr lang="fr-FR" dirty="0"/>
-          </a:p>
-          <a:p>
-            <a:pPr marL="457200" lvl="1" indent="-457200">
-              <a:buFont typeface="+mj-lt"/>
-              <a:buAutoNum type="arabicPeriod"/>
-            </a:pPr>
-            <a:r>
-              <a:rPr lang="fr-FR" dirty="0"/>
-              <a:t>Sur le composant container/</a:t>
-            </a:r>
-            <a:r>
-              <a:rPr lang="fr-FR" dirty="0" err="1"/>
-              <a:t>NewBill</a:t>
-            </a:r>
-            <a:r>
-              <a:rPr lang="fr-FR" dirty="0"/>
-              <a:t> :</a:t>
-            </a:r>
-          </a:p>
-          <a:p>
-            <a:pPr marL="800100" lvl="2" indent="-342900">
-              <a:buFont typeface="Arial" panose="020B0604020202020204" pitchFamily="34" charset="0"/>
-              <a:buChar char="•"/>
-            </a:pPr>
-            <a:r>
-              <a:rPr lang="fr-FR" dirty="0"/>
-              <a:t>Faire passer le rapport de couvertures du fichier au vert</a:t>
-            </a:r>
-          </a:p>
-          <a:p>
-            <a:pPr marL="800100" lvl="2" indent="-342900">
-              <a:buFont typeface="Arial" panose="020B0604020202020204" pitchFamily="34" charset="0"/>
-              <a:buChar char="•"/>
-            </a:pPr>
-            <a:r>
-              <a:rPr lang="fr-FR" dirty="0"/>
-              <a:t>Taux de couverture d’environ 80%</a:t>
-            </a:r>
-          </a:p>
-          <a:p>
-            <a:pPr marL="800100" lvl="2" indent="-342900">
-              <a:buFont typeface="Arial" panose="020B0604020202020204" pitchFamily="34" charset="0"/>
-              <a:buChar char="•"/>
-            </a:pPr>
-            <a:r>
-              <a:rPr lang="fr-FR" dirty="0"/>
-              <a:t>Ajouter un test d’intégration POST Bills</a:t>
-            </a:r>
-          </a:p>
-          <a:p>
-            <a:pPr marL="800100" lvl="2" indent="-342900">
-              <a:buFont typeface="Arial" panose="020B0604020202020204" pitchFamily="34" charset="0"/>
-              <a:buChar char="•"/>
-            </a:pPr>
-            <a:endParaRPr lang="fr-FR" dirty="0"/>
-          </a:p>
-          <a:p>
-            <a:pPr marL="457200" lvl="1" indent="-457200">
-              <a:buFont typeface="+mj-lt"/>
-              <a:buAutoNum type="arabicPeriod"/>
-            </a:pPr>
-            <a:r>
-              <a:rPr lang="fr-FR" dirty="0"/>
-              <a:t>Création de test pour la survenue d’une erreur 404 ou 500</a:t>
-            </a:r>
-          </a:p>
-          <a:p>
-            <a:pPr marL="457200" lvl="2" indent="0">
-              <a:buNone/>
-            </a:pPr>
-            <a:endParaRPr lang="fr-FR" dirty="0"/>
-          </a:p>
-          <a:p>
-            <a:pPr marL="457200" lvl="2" indent="0">
-              <a:buNone/>
-            </a:pPr>
-            <a:endParaRPr lang="fr-FR" dirty="0"/>
-          </a:p>
-          <a:p>
-            <a:pPr marL="0" lvl="1" indent="0">
-              <a:buNone/>
-            </a:pPr>
-            <a:endParaRPr lang="fr-FR" dirty="0"/>
-          </a:p>
-        </p:txBody>
-      </p:sp>
-      <p:sp>
-        <p:nvSpPr>
-          <p:cNvPr id="4" name="Espace réservé du numéro de diapositive 3"/>
-          <p:cNvSpPr>
-            <a:spLocks noGrp="1"/>
-          </p:cNvSpPr>
-          <p:nvPr>
-            <p:ph type="sldNum" sz="quarter" idx="12"/>
-          </p:nvPr>
-        </p:nvSpPr>
-        <p:spPr/>
-        <p:txBody>
-          <a:bodyPr/>
-          <a:lstStyle/>
-          <a:p>
-            <a:pPr algn="ctr"/>
-            <a:fld id="{D2A31418-1713-4700-81B9-AFE7E79F3A99}" type="slidenum">
-              <a:rPr lang="fr-FR" sz="2800" b="1" smtClean="0">
-                <a:solidFill>
-                  <a:schemeClr val="bg1"/>
-                </a:solidFill>
-              </a:rPr>
-              <a:pPr algn="ctr"/>
-              <a:t>14</a:t>
-            </a:fld>
-            <a:endParaRPr lang="fr-FR" b="1" dirty="0">
-              <a:solidFill>
-                <a:schemeClr val="bg1"/>
-              </a:solidFill>
-            </a:endParaRPr>
-          </a:p>
-        </p:txBody>
-      </p:sp>
-      <p:sp>
-        <p:nvSpPr>
-          <p:cNvPr id="6" name="Espace réservé du texte 5"/>
-          <p:cNvSpPr>
-            <a:spLocks noGrp="1"/>
-          </p:cNvSpPr>
-          <p:nvPr>
-            <p:ph type="body" sz="quarter" idx="17"/>
-          </p:nvPr>
-        </p:nvSpPr>
-        <p:spPr>
-          <a:xfrm>
-            <a:off x="-168965" y="204788"/>
-            <a:ext cx="8096940" cy="942975"/>
-          </a:xfrm>
-        </p:spPr>
-        <p:txBody>
-          <a:bodyPr/>
-          <a:lstStyle/>
-          <a:p>
-            <a:r>
-              <a:rPr lang="fr-FR" dirty="0"/>
-              <a:t>Ajout de testes unitaires et d’</a:t>
-            </a:r>
-            <a:r>
-              <a:rPr lang="fr-FR" dirty="0" err="1"/>
-              <a:t>integration</a:t>
-            </a:r>
-            <a:endParaRPr lang="fr-FR" dirty="0"/>
-          </a:p>
-        </p:txBody>
-      </p:sp>
-      <p:pic>
-        <p:nvPicPr>
-          <p:cNvPr id="2" name="Picture 2">
-            <a:extLst>
-              <a:ext uri="{FF2B5EF4-FFF2-40B4-BE49-F238E27FC236}">
-                <a16:creationId xmlns:a16="http://schemas.microsoft.com/office/drawing/2014/main" id="{17615C60-5E06-9DE0-6A42-7B4D96C83B85}"/>
-              </a:ext>
-            </a:extLst>
-          </p:cNvPr>
-          <p:cNvPicPr>
-            <a:picLocks noChangeAspect="1" noChangeArrowheads="1"/>
-          </p:cNvPicPr>
-          <p:nvPr/>
-        </p:nvPicPr>
-        <p:blipFill>
-          <a:blip r:embed="rId2">
-            <a:extLst>
-              <a:ext uri="{BEBA8EAE-BF5A-486C-A8C5-ECC9F3942E4B}">
-                <a14:imgProps xmlns:a14="http://schemas.microsoft.com/office/drawing/2010/main">
-                  <a14:imgLayer r:embed="rId3">
-                    <a14:imgEffect>
-                      <a14:backgroundRemoval t="10000" b="90000" l="10000" r="90000">
-                        <a14:foregroundMark x1="21362" y1="39583" x2="21362" y2="39583"/>
-                        <a14:foregroundMark x1="27230" y1="39583" x2="27230" y2="39583"/>
-                        <a14:foregroundMark x1="20657" y1="45313" x2="20657" y2="45313"/>
-                        <a14:foregroundMark x1="21127" y1="52604" x2="21127" y2="52604"/>
-                        <a14:foregroundMark x1="20892" y1="59896" x2="20892" y2="59896"/>
-                        <a14:foregroundMark x1="28169" y1="58333" x2="28169" y2="58333"/>
-                        <a14:foregroundMark x1="27700" y1="52604" x2="27700" y2="52604"/>
-                        <a14:foregroundMark x1="27230" y1="46354" x2="27230" y2="46354"/>
-                        <a14:foregroundMark x1="42723" y1="45833" x2="42723" y2="45833"/>
-                        <a14:foregroundMark x1="54460" y1="48438" x2="54460" y2="48438"/>
-                        <a14:foregroundMark x1="59624" y1="42188" x2="59624" y2="42188"/>
-                        <a14:foregroundMark x1="64789" y1="39583" x2="64789" y2="39583"/>
-                        <a14:foregroundMark x1="68779" y1="50000" x2="68779" y2="50000"/>
-                        <a14:foregroundMark x1="78873" y1="50521" x2="78873" y2="50521"/>
-                        <a14:foregroundMark x1="54460" y1="36458" x2="54460" y2="36458"/>
-                      </a14:backgroundRemoval>
-                    </a14:imgEffect>
-                  </a14:imgLayer>
-                </a14:imgProps>
-              </a:ext>
-              <a:ext uri="{28A0092B-C50C-407E-A947-70E740481C1C}">
-                <a14:useLocalDpi xmlns:a14="http://schemas.microsoft.com/office/drawing/2010/main" val="0"/>
-              </a:ext>
-            </a:extLst>
-          </a:blip>
-          <a:srcRect/>
-          <a:stretch>
-            <a:fillRect/>
-          </a:stretch>
-        </p:blipFill>
-        <p:spPr bwMode="auto">
-          <a:xfrm>
-            <a:off x="8249477" y="17004"/>
-            <a:ext cx="2320787" cy="1045989"/>
-          </a:xfrm>
-          <a:prstGeom prst="rect">
-            <a:avLst/>
-          </a:prstGeom>
-          <a:noFill/>
-          <a:extLst>
-            <a:ext uri="{909E8E84-426E-40DD-AFC4-6F175D3DCCD1}">
-              <a14:hiddenFill xmlns:a14="http://schemas.microsoft.com/office/drawing/2010/main">
-                <a:solidFill>
-                  <a:srgbClr val="FFFFFF"/>
-                </a:solidFill>
-              </a14:hiddenFill>
-            </a:ext>
-          </a:extLst>
-        </p:spPr>
-      </p:pic>
-    </p:spTree>
-    <p:extLst>
-      <p:ext uri="{BB962C8B-B14F-4D97-AF65-F5344CB8AC3E}">
-        <p14:creationId xmlns:p14="http://schemas.microsoft.com/office/powerpoint/2010/main" val="544519983"/>
-      </p:ext>
-    </p:extLst>
-  </p:cSld>
-  <p:clrMapOvr>
-    <a:masterClrMapping/>
-  </p:clrMapOvr>
-</p:sld>
-</file>
-
-<file path=ppt/slides/slide15.xml><?xml version="1.0" encoding="utf-8"?>
-<p:sld xmlns:a="http://schemas.openxmlformats.org/drawingml/2006/main" xmlns:r="http://schemas.openxmlformats.org/officeDocument/2006/relationships" xmlns:p="http://schemas.openxmlformats.org/presentationml/2006/main">
-  <p:cSld>
-    <p:spTree>
-      <p:nvGrpSpPr>
-        <p:cNvPr id="1" name=""/>
-        <p:cNvGrpSpPr/>
-        <p:nvPr/>
-      </p:nvGrpSpPr>
-      <p:grpSpPr>
-        <a:xfrm>
-          <a:off x="0" y="0"/>
-          <a:ext cx="0" cy="0"/>
-          <a:chOff x="0" y="0"/>
-          <a:chExt cx="0" cy="0"/>
-        </a:xfrm>
-      </p:grpSpPr>
-      <p:sp>
-        <p:nvSpPr>
-          <p:cNvPr id="3" name="Espace réservé du texte 2"/>
-          <p:cNvSpPr>
-            <a:spLocks noGrp="1"/>
-          </p:cNvSpPr>
-          <p:nvPr>
-            <p:ph type="body" sz="quarter" idx="15"/>
-          </p:nvPr>
-        </p:nvSpPr>
-        <p:spPr>
-          <a:xfrm>
-            <a:off x="0" y="1522896"/>
-            <a:ext cx="11312525" cy="5408612"/>
-          </a:xfrm>
-        </p:spPr>
-        <p:txBody>
-          <a:bodyPr>
-            <a:normAutofit/>
-          </a:bodyPr>
-          <a:lstStyle/>
-          <a:p>
-            <a:pPr marL="457200" lvl="2" indent="0">
-              <a:buNone/>
-            </a:pPr>
-            <a:r>
-              <a:rPr lang="fr-FR" dirty="0"/>
-              <a:t>Le premier test de </a:t>
-            </a:r>
-            <a:r>
-              <a:rPr lang="fr-FR" dirty="0" err="1"/>
-              <a:t>Bills.js</a:t>
-            </a:r>
-            <a:r>
-              <a:rPr lang="fr-FR" dirty="0"/>
-              <a:t> vérifie si l’icone du menu actif est </a:t>
-            </a:r>
-            <a:r>
-              <a:rPr lang="fr-FR" b="0" dirty="0" err="1">
-                <a:solidFill>
-                  <a:srgbClr val="CE9178"/>
-                </a:solidFill>
-                <a:effectLst/>
-                <a:latin typeface="Menlo" panose="020B0609030804020204" pitchFamily="49" charset="0"/>
-              </a:rPr>
-              <a:t>highlighted</a:t>
-            </a:r>
-            <a:r>
-              <a:rPr lang="fr-FR" b="0" dirty="0">
-                <a:solidFill>
-                  <a:srgbClr val="CE9178"/>
-                </a:solidFill>
-                <a:effectLst/>
-                <a:latin typeface="Menlo" panose="020B0609030804020204" pitchFamily="49" charset="0"/>
-              </a:rPr>
-              <a:t> avec le </a:t>
-            </a:r>
-            <a:r>
-              <a:rPr lang="fr-FR" dirty="0"/>
-              <a:t>le style </a:t>
-            </a:r>
-            <a:r>
-              <a:rPr lang="fr-FR" b="0" dirty="0">
-                <a:solidFill>
-                  <a:srgbClr val="CE9178"/>
-                </a:solidFill>
-                <a:effectLst/>
-                <a:latin typeface="Menlo" panose="020B0609030804020204" pitchFamily="49" charset="0"/>
-              </a:rPr>
-              <a:t>active-</a:t>
-            </a:r>
-            <a:r>
-              <a:rPr lang="fr-FR" b="0" dirty="0" err="1">
-                <a:solidFill>
-                  <a:srgbClr val="CE9178"/>
-                </a:solidFill>
-                <a:effectLst/>
-                <a:latin typeface="Menlo" panose="020B0609030804020204" pitchFamily="49" charset="0"/>
-              </a:rPr>
-              <a:t>icon</a:t>
-            </a:r>
-            <a:endParaRPr lang="fr-FR" dirty="0">
-              <a:solidFill>
-                <a:srgbClr val="CE9178"/>
-              </a:solidFill>
-              <a:latin typeface="Menlo" panose="020B0609030804020204" pitchFamily="49" charset="0"/>
-            </a:endParaRPr>
-          </a:p>
-          <a:p>
-            <a:pPr marL="457200" lvl="2" indent="0">
-              <a:buNone/>
-            </a:pPr>
-            <a:endParaRPr lang="fr-FR" b="0" dirty="0">
-              <a:solidFill>
-                <a:srgbClr val="CE9178"/>
-              </a:solidFill>
-              <a:effectLst/>
-              <a:latin typeface="Menlo" panose="020B0609030804020204" pitchFamily="49" charset="0"/>
-            </a:endParaRPr>
-          </a:p>
-          <a:p>
-            <a:pPr marL="457200" lvl="2" indent="0">
-              <a:buNone/>
-            </a:pPr>
-            <a:r>
-              <a:rPr lang="fr-FR" dirty="0"/>
-              <a:t>Pour cela : </a:t>
-            </a:r>
-          </a:p>
-          <a:p>
-            <a:pPr marL="457200" lvl="2" indent="0">
-              <a:buNone/>
-            </a:pPr>
-            <a:r>
-              <a:rPr lang="fr-FR" sz="2000" b="0" dirty="0" err="1">
-                <a:solidFill>
-                  <a:srgbClr val="DCDCAA"/>
-                </a:solidFill>
-                <a:effectLst/>
-                <a:latin typeface="Menlo" panose="020B0609030804020204" pitchFamily="49" charset="0"/>
-              </a:rPr>
-              <a:t>expect</a:t>
-            </a:r>
-            <a:r>
-              <a:rPr lang="fr-FR" sz="2000" b="0" dirty="0">
-                <a:solidFill>
-                  <a:srgbClr val="D4D4D4"/>
-                </a:solidFill>
-                <a:effectLst/>
-                <a:latin typeface="Menlo" panose="020B0609030804020204" pitchFamily="49" charset="0"/>
-              </a:rPr>
-              <a:t>(</a:t>
-            </a:r>
-            <a:r>
-              <a:rPr lang="fr-FR" sz="2000" b="0" dirty="0" err="1">
-                <a:solidFill>
-                  <a:srgbClr val="4FC1FF"/>
-                </a:solidFill>
-                <a:effectLst/>
-                <a:latin typeface="Menlo" panose="020B0609030804020204" pitchFamily="49" charset="0"/>
-              </a:rPr>
-              <a:t>windowIcon</a:t>
-            </a:r>
-            <a:r>
-              <a:rPr lang="fr-FR" sz="2000" b="0" dirty="0" err="1">
-                <a:solidFill>
-                  <a:srgbClr val="D4D4D4"/>
-                </a:solidFill>
-                <a:effectLst/>
-                <a:latin typeface="Menlo" panose="020B0609030804020204" pitchFamily="49" charset="0"/>
-              </a:rPr>
-              <a:t>.</a:t>
-            </a:r>
-            <a:r>
-              <a:rPr lang="fr-FR" sz="2000" b="0" dirty="0" err="1">
-                <a:solidFill>
-                  <a:srgbClr val="4FC1FF"/>
-                </a:solidFill>
-                <a:effectLst/>
-                <a:latin typeface="Menlo" panose="020B0609030804020204" pitchFamily="49" charset="0"/>
-              </a:rPr>
-              <a:t>classList</a:t>
-            </a:r>
-            <a:r>
-              <a:rPr lang="fr-FR" sz="2000" b="0" dirty="0" err="1">
-                <a:solidFill>
-                  <a:srgbClr val="D4D4D4"/>
-                </a:solidFill>
-                <a:effectLst/>
-                <a:latin typeface="Menlo" panose="020B0609030804020204" pitchFamily="49" charset="0"/>
-              </a:rPr>
-              <a:t>.</a:t>
-            </a:r>
-            <a:r>
-              <a:rPr lang="fr-FR" sz="2000" b="0" dirty="0" err="1">
-                <a:solidFill>
-                  <a:srgbClr val="DCDCAA"/>
-                </a:solidFill>
-                <a:effectLst/>
-                <a:latin typeface="Menlo" panose="020B0609030804020204" pitchFamily="49" charset="0"/>
-              </a:rPr>
-              <a:t>contains</a:t>
-            </a:r>
-            <a:r>
-              <a:rPr lang="fr-FR" sz="2000" b="0" dirty="0">
-                <a:solidFill>
-                  <a:srgbClr val="D4D4D4"/>
-                </a:solidFill>
-                <a:effectLst/>
-                <a:latin typeface="Menlo" panose="020B0609030804020204" pitchFamily="49" charset="0"/>
-              </a:rPr>
-              <a:t>(</a:t>
-            </a:r>
-            <a:r>
-              <a:rPr lang="fr-FR" sz="2000" b="0" dirty="0">
-                <a:solidFill>
-                  <a:srgbClr val="CE9178"/>
-                </a:solidFill>
-                <a:effectLst/>
-                <a:latin typeface="Menlo" panose="020B0609030804020204" pitchFamily="49" charset="0"/>
-              </a:rPr>
-              <a:t>"active-</a:t>
-            </a:r>
-            <a:r>
-              <a:rPr lang="fr-FR" sz="2000" b="0" dirty="0" err="1">
-                <a:solidFill>
-                  <a:srgbClr val="CE9178"/>
-                </a:solidFill>
-                <a:effectLst/>
-                <a:latin typeface="Menlo" panose="020B0609030804020204" pitchFamily="49" charset="0"/>
-              </a:rPr>
-              <a:t>icon</a:t>
-            </a:r>
-            <a:r>
-              <a:rPr lang="fr-FR" sz="2000" b="0" dirty="0">
-                <a:solidFill>
-                  <a:srgbClr val="CE9178"/>
-                </a:solidFill>
-                <a:effectLst/>
-                <a:latin typeface="Menlo" panose="020B0609030804020204" pitchFamily="49" charset="0"/>
-              </a:rPr>
-              <a:t>"</a:t>
-            </a:r>
-            <a:r>
-              <a:rPr lang="fr-FR" sz="2000" b="0" dirty="0">
-                <a:solidFill>
-                  <a:srgbClr val="D4D4D4"/>
-                </a:solidFill>
-                <a:effectLst/>
-                <a:latin typeface="Menlo" panose="020B0609030804020204" pitchFamily="49" charset="0"/>
-              </a:rPr>
-              <a:t>)).</a:t>
-            </a:r>
-            <a:r>
-              <a:rPr lang="fr-FR" sz="2000" b="0" dirty="0" err="1">
-                <a:solidFill>
-                  <a:srgbClr val="DCDCAA"/>
-                </a:solidFill>
-                <a:effectLst/>
-                <a:latin typeface="Menlo" panose="020B0609030804020204" pitchFamily="49" charset="0"/>
-              </a:rPr>
-              <a:t>toBe</a:t>
-            </a:r>
-            <a:r>
-              <a:rPr lang="fr-FR" sz="2000" b="0" dirty="0">
-                <a:solidFill>
-                  <a:srgbClr val="D4D4D4"/>
-                </a:solidFill>
-                <a:effectLst/>
-                <a:latin typeface="Menlo" panose="020B0609030804020204" pitchFamily="49" charset="0"/>
-              </a:rPr>
-              <a:t>(</a:t>
-            </a:r>
-            <a:r>
-              <a:rPr lang="fr-FR" sz="2000" b="0" dirty="0" err="1">
-                <a:solidFill>
-                  <a:srgbClr val="569CD6"/>
-                </a:solidFill>
-                <a:effectLst/>
-                <a:latin typeface="Menlo" panose="020B0609030804020204" pitchFamily="49" charset="0"/>
-              </a:rPr>
-              <a:t>true</a:t>
-            </a:r>
-            <a:r>
-              <a:rPr lang="fr-FR" sz="2000" b="0" dirty="0">
-                <a:solidFill>
-                  <a:srgbClr val="D4D4D4"/>
-                </a:solidFill>
-                <a:effectLst/>
-                <a:latin typeface="Menlo" panose="020B0609030804020204" pitchFamily="49" charset="0"/>
-              </a:rPr>
-              <a:t>);</a:t>
-            </a:r>
-          </a:p>
-          <a:p>
-            <a:pPr marL="457200" lvl="2" indent="0">
-              <a:buNone/>
-            </a:pPr>
-            <a:endParaRPr lang="fr-FR" b="0" dirty="0">
-              <a:solidFill>
-                <a:srgbClr val="CE9178"/>
-              </a:solidFill>
-              <a:effectLst/>
-              <a:latin typeface="Menlo" panose="020B0609030804020204" pitchFamily="49" charset="0"/>
-            </a:endParaRPr>
-          </a:p>
-          <a:p>
-            <a:pPr marL="457200" lvl="2" indent="0">
-              <a:buNone/>
-            </a:pPr>
-            <a:endParaRPr lang="fr-FR" dirty="0">
-              <a:solidFill>
-                <a:srgbClr val="CE9178"/>
-              </a:solidFill>
-              <a:latin typeface="Menlo" panose="020B0609030804020204" pitchFamily="49" charset="0"/>
-            </a:endParaRPr>
-          </a:p>
-          <a:p>
-            <a:pPr marL="457200" lvl="2" indent="0">
-              <a:buNone/>
-            </a:pPr>
-            <a:endParaRPr lang="fr-FR" b="0" dirty="0">
-              <a:solidFill>
-                <a:srgbClr val="D4D4D4"/>
-              </a:solidFill>
-              <a:effectLst/>
-              <a:latin typeface="Menlo" panose="020B0609030804020204" pitchFamily="49" charset="0"/>
-            </a:endParaRPr>
-          </a:p>
-          <a:p>
-            <a:pPr marL="457200" lvl="2" indent="0">
-              <a:buNone/>
-            </a:pPr>
-            <a:endParaRPr lang="fr-FR" dirty="0"/>
-          </a:p>
-        </p:txBody>
-      </p:sp>
-      <p:sp>
-        <p:nvSpPr>
-          <p:cNvPr id="4" name="Espace réservé du numéro de diapositive 3"/>
-          <p:cNvSpPr>
-            <a:spLocks noGrp="1"/>
-          </p:cNvSpPr>
-          <p:nvPr>
-            <p:ph type="sldNum" sz="quarter" idx="12"/>
-          </p:nvPr>
-        </p:nvSpPr>
-        <p:spPr/>
-        <p:txBody>
-          <a:bodyPr/>
-          <a:lstStyle/>
-          <a:p>
-            <a:pPr algn="ctr"/>
-            <a:fld id="{D2A31418-1713-4700-81B9-AFE7E79F3A99}" type="slidenum">
-              <a:rPr lang="fr-FR" sz="2800" b="1" smtClean="0">
-                <a:solidFill>
-                  <a:schemeClr val="bg1"/>
-                </a:solidFill>
-              </a:rPr>
-              <a:pPr algn="ctr"/>
-              <a:t>15</a:t>
-            </a:fld>
-            <a:endParaRPr lang="fr-FR" b="1" dirty="0">
-              <a:solidFill>
-                <a:schemeClr val="bg1"/>
-              </a:solidFill>
-            </a:endParaRPr>
-          </a:p>
-        </p:txBody>
-      </p:sp>
-      <p:sp>
-        <p:nvSpPr>
-          <p:cNvPr id="6" name="Espace réservé du texte 5"/>
-          <p:cNvSpPr>
-            <a:spLocks noGrp="1"/>
-          </p:cNvSpPr>
-          <p:nvPr>
-            <p:ph type="body" sz="quarter" idx="17"/>
-          </p:nvPr>
-        </p:nvSpPr>
-        <p:spPr>
-          <a:xfrm>
-            <a:off x="-168965" y="204788"/>
-            <a:ext cx="8096940" cy="942975"/>
-          </a:xfrm>
-        </p:spPr>
-        <p:txBody>
-          <a:bodyPr/>
-          <a:lstStyle/>
-          <a:p>
-            <a:r>
-              <a:rPr lang="fr-FR" dirty="0"/>
-              <a:t>Rajout de la mention « </a:t>
-            </a:r>
-            <a:r>
-              <a:rPr lang="fr-FR" dirty="0" err="1"/>
-              <a:t>expect</a:t>
-            </a:r>
-            <a:r>
-              <a:rPr lang="fr-FR" dirty="0"/>
-              <a:t> »</a:t>
-            </a:r>
-          </a:p>
-        </p:txBody>
-      </p:sp>
-      <p:pic>
-        <p:nvPicPr>
-          <p:cNvPr id="2" name="Picture 2">
-            <a:extLst>
-              <a:ext uri="{FF2B5EF4-FFF2-40B4-BE49-F238E27FC236}">
-                <a16:creationId xmlns:a16="http://schemas.microsoft.com/office/drawing/2014/main" id="{17615C60-5E06-9DE0-6A42-7B4D96C83B85}"/>
-              </a:ext>
-            </a:extLst>
-          </p:cNvPr>
-          <p:cNvPicPr>
-            <a:picLocks noChangeAspect="1" noChangeArrowheads="1"/>
-          </p:cNvPicPr>
-          <p:nvPr/>
-        </p:nvPicPr>
-        <p:blipFill>
-          <a:blip r:embed="rId2">
-            <a:extLst>
-              <a:ext uri="{BEBA8EAE-BF5A-486C-A8C5-ECC9F3942E4B}">
-                <a14:imgProps xmlns:a14="http://schemas.microsoft.com/office/drawing/2010/main">
-                  <a14:imgLayer r:embed="rId3">
-                    <a14:imgEffect>
-                      <a14:backgroundRemoval t="10000" b="90000" l="10000" r="90000">
-                        <a14:foregroundMark x1="21362" y1="39583" x2="21362" y2="39583"/>
-                        <a14:foregroundMark x1="27230" y1="39583" x2="27230" y2="39583"/>
-                        <a14:foregroundMark x1="20657" y1="45313" x2="20657" y2="45313"/>
-                        <a14:foregroundMark x1="21127" y1="52604" x2="21127" y2="52604"/>
-                        <a14:foregroundMark x1="20892" y1="59896" x2="20892" y2="59896"/>
-                        <a14:foregroundMark x1="28169" y1="58333" x2="28169" y2="58333"/>
-                        <a14:foregroundMark x1="27700" y1="52604" x2="27700" y2="52604"/>
-                        <a14:foregroundMark x1="27230" y1="46354" x2="27230" y2="46354"/>
-                        <a14:foregroundMark x1="42723" y1="45833" x2="42723" y2="45833"/>
-                        <a14:foregroundMark x1="54460" y1="48438" x2="54460" y2="48438"/>
-                        <a14:foregroundMark x1="59624" y1="42188" x2="59624" y2="42188"/>
-                        <a14:foregroundMark x1="64789" y1="39583" x2="64789" y2="39583"/>
-                        <a14:foregroundMark x1="68779" y1="50000" x2="68779" y2="50000"/>
-                        <a14:foregroundMark x1="78873" y1="50521" x2="78873" y2="50521"/>
-                        <a14:foregroundMark x1="54460" y1="36458" x2="54460" y2="36458"/>
-                      </a14:backgroundRemoval>
-                    </a14:imgEffect>
-                  </a14:imgLayer>
-                </a14:imgProps>
-              </a:ext>
-              <a:ext uri="{28A0092B-C50C-407E-A947-70E740481C1C}">
-                <a14:useLocalDpi xmlns:a14="http://schemas.microsoft.com/office/drawing/2010/main" val="0"/>
-              </a:ext>
-            </a:extLst>
-          </a:blip>
-          <a:srcRect/>
-          <a:stretch>
-            <a:fillRect/>
-          </a:stretch>
-        </p:blipFill>
-        <p:spPr bwMode="auto">
-          <a:xfrm>
-            <a:off x="8249477" y="17004"/>
-            <a:ext cx="2320787" cy="1045989"/>
-          </a:xfrm>
-          <a:prstGeom prst="rect">
-            <a:avLst/>
-          </a:prstGeom>
-          <a:noFill/>
-          <a:extLst>
-            <a:ext uri="{909E8E84-426E-40DD-AFC4-6F175D3DCCD1}">
-              <a14:hiddenFill xmlns:a14="http://schemas.microsoft.com/office/drawing/2010/main">
-                <a:solidFill>
-                  <a:srgbClr val="FFFFFF"/>
-                </a:solidFill>
-              </a14:hiddenFill>
-            </a:ext>
-          </a:extLst>
-        </p:spPr>
-      </p:pic>
-    </p:spTree>
-    <p:extLst>
-      <p:ext uri="{BB962C8B-B14F-4D97-AF65-F5344CB8AC3E}">
-        <p14:creationId xmlns:p14="http://schemas.microsoft.com/office/powerpoint/2010/main" val="2049427940"/>
       </p:ext>
     </p:extLst>
   </p:cSld>
@@ -5913,13 +6627,13 @@
         </p:nvSpPr>
         <p:spPr>
           <a:xfrm>
-            <a:off x="0" y="926548"/>
-            <a:ext cx="11312525" cy="1240182"/>
+            <a:off x="0" y="1522896"/>
+            <a:ext cx="11312525" cy="5408612"/>
           </a:xfrm>
         </p:spPr>
         <p:txBody>
           <a:bodyPr>
-            <a:normAutofit/>
+            <a:normAutofit lnSpcReduction="10000"/>
           </a:bodyPr>
           <a:lstStyle/>
           <a:p>
@@ -5929,8 +6643,40 @@
             </a:pPr>
             <a:r>
               <a:rPr lang="fr-FR" dirty="0"/>
-              <a:t>Faire passer le rapport de couvertures du fichier au vert</a:t>
-            </a:r>
+              <a:t>Sur le composant </a:t>
+            </a:r>
+            <a:r>
+              <a:rPr lang="fr-FR" dirty="0" err="1"/>
+              <a:t>views</a:t>
+            </a:r>
+            <a:r>
+              <a:rPr lang="fr-FR" dirty="0"/>
+              <a:t>/Bills : Le taux de couverture est de 100%</a:t>
+            </a:r>
+          </a:p>
+          <a:p>
+            <a:pPr marL="800100" lvl="2" indent="-342900">
+              <a:buFont typeface="Arial" panose="020B0604020202020204" pitchFamily="34" charset="0"/>
+              <a:buChar char="•"/>
+            </a:pPr>
+            <a:r>
+              <a:rPr lang="fr-FR" dirty="0"/>
+              <a:t>Rajout la mention « </a:t>
+            </a:r>
+            <a:r>
+              <a:rPr lang="fr-FR" dirty="0" err="1"/>
+              <a:t>expect</a:t>
+            </a:r>
+            <a:r>
+              <a:rPr lang="fr-FR" dirty="0"/>
+              <a:t> »</a:t>
+            </a:r>
+          </a:p>
+          <a:p>
+            <a:pPr marL="457200" lvl="2" indent="0">
+              <a:buNone/>
+            </a:pPr>
+            <a:endParaRPr lang="fr-FR" dirty="0"/>
           </a:p>
           <a:p>
             <a:pPr marL="457200" lvl="1" indent="-457200">
@@ -5939,8 +6685,45 @@
             </a:pPr>
             <a:r>
               <a:rPr lang="fr-FR" dirty="0"/>
+              <a:t>Sur le composant container/Bills :</a:t>
+            </a:r>
+          </a:p>
+          <a:p>
+            <a:pPr marL="800100" lvl="2" indent="-342900">
+              <a:buFont typeface="Arial" panose="020B0604020202020204" pitchFamily="34" charset="0"/>
+              <a:buChar char="•"/>
+            </a:pPr>
+            <a:r>
+              <a:rPr lang="fr-FR" dirty="0"/>
+              <a:t>Faire passer le rapport de couvertures du fichier au vert</a:t>
+            </a:r>
+          </a:p>
+          <a:p>
+            <a:pPr marL="800100" lvl="2" indent="-342900">
+              <a:buFont typeface="Arial" panose="020B0604020202020204" pitchFamily="34" charset="0"/>
+              <a:buChar char="•"/>
+            </a:pPr>
+            <a:r>
+              <a:rPr lang="fr-FR" dirty="0"/>
               <a:t>Taux de couverture d’environ 80%</a:t>
             </a:r>
+          </a:p>
+          <a:p>
+            <a:pPr marL="800100" lvl="2" indent="-342900">
+              <a:buFont typeface="Arial" panose="020B0604020202020204" pitchFamily="34" charset="0"/>
+              <a:buChar char="•"/>
+            </a:pPr>
+            <a:r>
+              <a:rPr lang="fr-FR" dirty="0"/>
+              <a:t>Ajouter un test d’intégration GET Bills</a:t>
+            </a:r>
+          </a:p>
+          <a:p>
+            <a:pPr marL="800100" lvl="2" indent="-342900">
+              <a:buFont typeface="Arial" panose="020B0604020202020204" pitchFamily="34" charset="0"/>
+              <a:buChar char="•"/>
+            </a:pPr>
+            <a:endParaRPr lang="fr-FR" dirty="0"/>
           </a:p>
           <a:p>
             <a:pPr marL="457200" lvl="1" indent="-457200">
@@ -5949,8 +6732,81 @@
             </a:pPr>
             <a:r>
               <a:rPr lang="fr-FR" dirty="0"/>
-              <a:t>Ajouter un test d’intégration GET Bills</a:t>
-            </a:r>
+              <a:t>Sur le composant container/</a:t>
+            </a:r>
+            <a:r>
+              <a:rPr lang="fr-FR" dirty="0" err="1"/>
+              <a:t>NewBill</a:t>
+            </a:r>
+            <a:r>
+              <a:rPr lang="fr-FR" dirty="0"/>
+              <a:t> :</a:t>
+            </a:r>
+          </a:p>
+          <a:p>
+            <a:pPr marL="800100" lvl="2" indent="-342900">
+              <a:buFont typeface="Arial" panose="020B0604020202020204" pitchFamily="34" charset="0"/>
+              <a:buChar char="•"/>
+            </a:pPr>
+            <a:r>
+              <a:rPr lang="fr-FR" dirty="0"/>
+              <a:t>Faire passer le rapport de couvertures du fichier au vert</a:t>
+            </a:r>
+          </a:p>
+          <a:p>
+            <a:pPr marL="800100" lvl="2" indent="-342900">
+              <a:buFont typeface="Arial" panose="020B0604020202020204" pitchFamily="34" charset="0"/>
+              <a:buChar char="•"/>
+            </a:pPr>
+            <a:r>
+              <a:rPr lang="fr-FR" dirty="0"/>
+              <a:t>Taux de couverture d’environ 80%</a:t>
+            </a:r>
+          </a:p>
+          <a:p>
+            <a:pPr marL="800100" lvl="2" indent="-342900">
+              <a:buFont typeface="Arial" panose="020B0604020202020204" pitchFamily="34" charset="0"/>
+              <a:buChar char="•"/>
+            </a:pPr>
+            <a:r>
+              <a:rPr lang="fr-FR" dirty="0"/>
+              <a:t>Ajouter un test d’intégration POST Bills</a:t>
+            </a:r>
+          </a:p>
+          <a:p>
+            <a:pPr marL="800100" lvl="2" indent="-342900">
+              <a:buFont typeface="Arial" panose="020B0604020202020204" pitchFamily="34" charset="0"/>
+              <a:buChar char="•"/>
+            </a:pPr>
+            <a:endParaRPr lang="fr-FR" dirty="0"/>
+          </a:p>
+          <a:p>
+            <a:pPr marL="457200" lvl="1" indent="-457200">
+              <a:buFont typeface="+mj-lt"/>
+              <a:buAutoNum type="arabicPeriod"/>
+            </a:pPr>
+            <a:r>
+              <a:rPr lang="fr-FR" dirty="0"/>
+              <a:t>Création de test pour la survenue d’une erreur 404 ou 500</a:t>
+            </a:r>
+          </a:p>
+          <a:p>
+            <a:pPr marL="457200" lvl="2" indent="0">
+              <a:buNone/>
+            </a:pPr>
+            <a:endParaRPr lang="fr-FR" dirty="0"/>
+          </a:p>
+          <a:p>
+            <a:pPr marL="457200" lvl="2" indent="0">
+              <a:buNone/>
+            </a:pPr>
+            <a:endParaRPr lang="fr-FR" dirty="0"/>
+          </a:p>
+          <a:p>
+            <a:pPr marL="0" lvl="1" indent="0">
+              <a:buNone/>
+            </a:pPr>
+            <a:endParaRPr lang="fr-FR" dirty="0"/>
           </a:p>
         </p:txBody>
       </p:sp>
@@ -6009,8 +6865,13 @@
           <a:p>
             <a:r>
               <a:rPr lang="fr-FR" dirty="0"/>
-              <a:t>Container Bills</a:t>
-            </a:r>
+              <a:t>Ajout de testes unitaires et d’</a:t>
+            </a:r>
+            <a:r>
+              <a:rPr lang="fr-FR" dirty="0" err="1"/>
+              <a:t>integration</a:t>
+            </a:r>
+            <a:endParaRPr lang="fr-FR" dirty="0"/>
           </a:p>
         </p:txBody>
       </p:sp>
@@ -6086,280 +6947,10 @@
           </a:extLst>
         </p:spPr>
       </p:pic>
-      <p:sp>
-        <p:nvSpPr>
-          <p:cNvPr id="7" name="Espace réservé du texte 2">
-            <a:extLst>
-              <a:ext uri="{FF2B5EF4-FFF2-40B4-BE49-F238E27FC236}">
-                <a16:creationId xmlns:a16="http://schemas.microsoft.com/office/drawing/2014/main" id="{A5A09EE6-7BC0-8113-FA70-0CFAE5F8E056}"/>
-              </a:ext>
-            </a:extLst>
-          </p:cNvPr>
-          <p:cNvSpPr txBox="1">
-            <a:spLocks/>
-          </p:cNvSpPr>
-          <p:nvPr/>
-        </p:nvSpPr>
-        <p:spPr>
-          <a:xfrm>
-            <a:off x="0" y="3011633"/>
-            <a:ext cx="11312525" cy="1240182"/>
-          </a:xfrm>
-          <a:prstGeom prst="rect">
-            <a:avLst/>
-          </a:prstGeom>
-        </p:spPr>
-        <p:txBody>
-          <a:bodyPr vert="horz" lIns="91440" tIns="45720" rIns="91440" bIns="45720" rtlCol="0">
-            <a:normAutofit/>
-          </a:bodyPr>
-          <a:lstStyle>
-            <a:lvl1pPr marL="0" indent="0" algn="l" defTabSz="914400" rtl="0" eaLnBrk="1" latinLnBrk="0" hangingPunct="1">
-              <a:lnSpc>
-                <a:spcPct val="90000"/>
-              </a:lnSpc>
-              <a:spcBef>
-                <a:spcPts val="1000"/>
-              </a:spcBef>
-              <a:buFont typeface="Arial" panose="020B0604020202020204" pitchFamily="34" charset="0"/>
-              <a:buNone/>
-              <a:defRPr sz="2400" kern="1200">
-                <a:solidFill>
-                  <a:srgbClr val="546D79"/>
-                </a:solidFill>
-                <a:latin typeface="+mn-lt"/>
-                <a:ea typeface="+mn-ea"/>
-                <a:cs typeface="+mn-cs"/>
-              </a:defRPr>
-            </a:lvl1pPr>
-            <a:lvl2pPr marL="685800" indent="-228600" algn="l" defTabSz="914400" rtl="0" eaLnBrk="1" latinLnBrk="0" hangingPunct="1">
-              <a:lnSpc>
-                <a:spcPct val="90000"/>
-              </a:lnSpc>
-              <a:spcBef>
-                <a:spcPts val="500"/>
-              </a:spcBef>
-              <a:buFontTx/>
-              <a:buBlip>
-                <a:blip r:embed="rId4"/>
-              </a:buBlip>
-              <a:defRPr sz="2400" kern="1200" baseline="0">
-                <a:solidFill>
-                  <a:srgbClr val="546D79"/>
-                </a:solidFill>
-                <a:latin typeface="+mn-lt"/>
-                <a:ea typeface="+mn-ea"/>
-                <a:cs typeface="+mn-cs"/>
-              </a:defRPr>
-            </a:lvl2pPr>
-            <a:lvl3pPr marL="1143000" indent="-228600" algn="l" defTabSz="914400" rtl="0" eaLnBrk="1" latinLnBrk="0" hangingPunct="1">
-              <a:lnSpc>
-                <a:spcPct val="90000"/>
-              </a:lnSpc>
-              <a:spcBef>
-                <a:spcPts val="500"/>
-              </a:spcBef>
-              <a:buClr>
-                <a:srgbClr val="39A9DC"/>
-              </a:buClr>
-              <a:buFontTx/>
-              <a:buBlip>
-                <a:blip r:embed="rId4"/>
-              </a:buBlip>
-              <a:defRPr sz="2400" kern="1200" baseline="0">
-                <a:solidFill>
-                  <a:srgbClr val="546D79"/>
-                </a:solidFill>
-                <a:latin typeface="+mn-lt"/>
-                <a:ea typeface="+mn-ea"/>
-                <a:cs typeface="+mn-cs"/>
-              </a:defRPr>
-            </a:lvl3pPr>
-            <a:lvl4pPr marL="1600200" indent="-228600" algn="l" defTabSz="914400" rtl="0" eaLnBrk="1" latinLnBrk="0" hangingPunct="1">
-              <a:lnSpc>
-                <a:spcPct val="90000"/>
-              </a:lnSpc>
-              <a:spcBef>
-                <a:spcPts val="500"/>
-              </a:spcBef>
-              <a:buFontTx/>
-              <a:buBlip>
-                <a:blip r:embed="rId4"/>
-              </a:buBlip>
-              <a:defRPr sz="2400" kern="1200">
-                <a:solidFill>
-                  <a:srgbClr val="546D79"/>
-                </a:solidFill>
-                <a:latin typeface="+mn-lt"/>
-                <a:ea typeface="+mn-ea"/>
-                <a:cs typeface="+mn-cs"/>
-              </a:defRPr>
-            </a:lvl4pPr>
-            <a:lvl5pPr marL="2057400" indent="-228600" algn="l" defTabSz="914400" rtl="0" eaLnBrk="1" latinLnBrk="0" hangingPunct="1">
-              <a:lnSpc>
-                <a:spcPct val="90000"/>
-              </a:lnSpc>
-              <a:spcBef>
-                <a:spcPts val="500"/>
-              </a:spcBef>
-              <a:buFont typeface="Arial" panose="020B0604020202020204" pitchFamily="34" charset="0"/>
-              <a:buChar char="•"/>
-              <a:defRPr sz="1800" kern="1200">
-                <a:solidFill>
-                  <a:schemeClr val="tx1"/>
-                </a:solidFill>
-                <a:latin typeface="+mn-lt"/>
-                <a:ea typeface="+mn-ea"/>
-                <a:cs typeface="+mn-cs"/>
-              </a:defRPr>
-            </a:lvl5pPr>
-            <a:lvl6pPr marL="2514600" indent="-228600" algn="l" defTabSz="914400" rtl="0" eaLnBrk="1" latinLnBrk="0" hangingPunct="1">
-              <a:lnSpc>
-                <a:spcPct val="90000"/>
-              </a:lnSpc>
-              <a:spcBef>
-                <a:spcPts val="500"/>
-              </a:spcBef>
-              <a:buFont typeface="Arial" panose="020B0604020202020204" pitchFamily="34" charset="0"/>
-              <a:buChar char="•"/>
-              <a:defRPr sz="1800" kern="1200">
-                <a:solidFill>
-                  <a:schemeClr val="tx1"/>
-                </a:solidFill>
-                <a:latin typeface="+mn-lt"/>
-                <a:ea typeface="+mn-ea"/>
-                <a:cs typeface="+mn-cs"/>
-              </a:defRPr>
-            </a:lvl6pPr>
-            <a:lvl7pPr marL="2971800" indent="-228600" algn="l" defTabSz="914400" rtl="0" eaLnBrk="1" latinLnBrk="0" hangingPunct="1">
-              <a:lnSpc>
-                <a:spcPct val="90000"/>
-              </a:lnSpc>
-              <a:spcBef>
-                <a:spcPts val="500"/>
-              </a:spcBef>
-              <a:buFont typeface="Arial" panose="020B0604020202020204" pitchFamily="34" charset="0"/>
-              <a:buChar char="•"/>
-              <a:defRPr sz="1800" kern="1200">
-                <a:solidFill>
-                  <a:schemeClr val="tx1"/>
-                </a:solidFill>
-                <a:latin typeface="+mn-lt"/>
-                <a:ea typeface="+mn-ea"/>
-                <a:cs typeface="+mn-cs"/>
-              </a:defRPr>
-            </a:lvl7pPr>
-            <a:lvl8pPr marL="3429000" indent="-228600" algn="l" defTabSz="914400" rtl="0" eaLnBrk="1" latinLnBrk="0" hangingPunct="1">
-              <a:lnSpc>
-                <a:spcPct val="90000"/>
-              </a:lnSpc>
-              <a:spcBef>
-                <a:spcPts val="500"/>
-              </a:spcBef>
-              <a:buFont typeface="Arial" panose="020B0604020202020204" pitchFamily="34" charset="0"/>
-              <a:buChar char="•"/>
-              <a:defRPr sz="1800" kern="1200">
-                <a:solidFill>
-                  <a:schemeClr val="tx1"/>
-                </a:solidFill>
-                <a:latin typeface="+mn-lt"/>
-                <a:ea typeface="+mn-ea"/>
-                <a:cs typeface="+mn-cs"/>
-              </a:defRPr>
-            </a:lvl8pPr>
-            <a:lvl9pPr marL="3886200" indent="-228600" algn="l" defTabSz="914400" rtl="0" eaLnBrk="1" latinLnBrk="0" hangingPunct="1">
-              <a:lnSpc>
-                <a:spcPct val="90000"/>
-              </a:lnSpc>
-              <a:spcBef>
-                <a:spcPts val="500"/>
-              </a:spcBef>
-              <a:buFont typeface="Arial" panose="020B0604020202020204" pitchFamily="34" charset="0"/>
-              <a:buChar char="•"/>
-              <a:defRPr sz="1800" kern="1200">
-                <a:solidFill>
-                  <a:schemeClr val="tx1"/>
-                </a:solidFill>
-                <a:latin typeface="+mn-lt"/>
-                <a:ea typeface="+mn-ea"/>
-                <a:cs typeface="+mn-cs"/>
-              </a:defRPr>
-            </a:lvl9pPr>
-          </a:lstStyle>
-          <a:p>
-            <a:pPr marL="800100" lvl="2" indent="-342900">
-              <a:buFont typeface="Arial" panose="020B0604020202020204" pitchFamily="34" charset="0"/>
-              <a:buChar char="•"/>
-            </a:pPr>
-            <a:r>
-              <a:rPr lang="fr-FR" dirty="0"/>
-              <a:t>Création d’un test pour ouverture de la modal (lors du clique sur l’œil)</a:t>
-            </a:r>
-          </a:p>
-          <a:p>
-            <a:pPr marL="800100" lvl="2" indent="-342900">
-              <a:buFont typeface="Arial" panose="020B0604020202020204" pitchFamily="34" charset="0"/>
-              <a:buChar char="•"/>
-            </a:pPr>
-            <a:r>
-              <a:rPr lang="fr-FR" dirty="0"/>
-              <a:t>Création d’un test pour ouvrir la page de déclaration d’une nouvelle note</a:t>
-            </a:r>
-          </a:p>
-          <a:p>
-            <a:pPr marL="800100" lvl="2" indent="-342900">
-              <a:buFont typeface="Arial" panose="020B0604020202020204" pitchFamily="34" charset="0"/>
-              <a:buChar char="•"/>
-            </a:pPr>
-            <a:r>
-              <a:rPr lang="fr-FR" dirty="0"/>
-              <a:t>Création d’un test pour </a:t>
-            </a:r>
-            <a:r>
-              <a:rPr lang="fr-FR" dirty="0" err="1"/>
-              <a:t>Get</a:t>
-            </a:r>
-            <a:r>
-              <a:rPr lang="fr-FR" dirty="0"/>
-              <a:t> les bills</a:t>
-            </a:r>
-          </a:p>
-        </p:txBody>
-      </p:sp>
-      <p:pic>
-        <p:nvPicPr>
-          <p:cNvPr id="8" name="Image 7">
-            <a:extLst>
-              <a:ext uri="{FF2B5EF4-FFF2-40B4-BE49-F238E27FC236}">
-                <a16:creationId xmlns:a16="http://schemas.microsoft.com/office/drawing/2014/main" id="{9395D675-1652-0F5B-00FD-2CFFC97E40A6}"/>
-              </a:ext>
-            </a:extLst>
-          </p:cNvPr>
-          <p:cNvPicPr>
-            <a:picLocks noChangeAspect="1"/>
-          </p:cNvPicPr>
-          <p:nvPr/>
-        </p:nvPicPr>
-        <p:blipFill>
-          <a:blip r:embed="rId5"/>
-          <a:stretch>
-            <a:fillRect/>
-          </a:stretch>
-        </p:blipFill>
-        <p:spPr>
-          <a:xfrm>
-            <a:off x="223630" y="4322004"/>
-            <a:ext cx="11744740" cy="738534"/>
-          </a:xfrm>
-          <a:prstGeom prst="rect">
-            <a:avLst/>
-          </a:prstGeom>
-        </p:spPr>
-      </p:pic>
     </p:spTree>
     <p:extLst>
       <p:ext uri="{BB962C8B-B14F-4D97-AF65-F5344CB8AC3E}">
-        <p14:creationId xmlns:p14="http://schemas.microsoft.com/office/powerpoint/2010/main" val="1460106341"/>
+        <p14:creationId xmlns:p14="http://schemas.microsoft.com/office/powerpoint/2010/main" val="544519983"/>
       </p:ext>
     </p:extLst>
   </p:cSld>
@@ -6398,8 +6989,8 @@
         </p:nvSpPr>
         <p:spPr>
           <a:xfrm>
-            <a:off x="0" y="926548"/>
-            <a:ext cx="11312525" cy="1240182"/>
+            <a:off x="0" y="1522896"/>
+            <a:ext cx="11312525" cy="5408612"/>
           </a:xfrm>
         </p:spPr>
         <p:txBody>
@@ -6408,34 +6999,298 @@
           </a:bodyPr>
           <a:lstStyle/>
           <a:p>
-            <a:pPr marL="457200" lvl="1" indent="-457200">
-              <a:buFont typeface="+mj-lt"/>
-              <a:buAutoNum type="arabicPeriod"/>
+            <a:pPr marL="457200" lvl="2" indent="0">
+              <a:buNone/>
             </a:pPr>
             <a:r>
               <a:rPr lang="fr-FR" dirty="0"/>
-              <a:t>Faire passer le rapport de couvertures du fichier au vert</a:t>
-            </a:r>
-          </a:p>
-          <a:p>
-            <a:pPr marL="457200" lvl="1" indent="-457200">
-              <a:buFont typeface="+mj-lt"/>
-              <a:buAutoNum type="arabicPeriod"/>
+              <a:t>Le premier test de </a:t>
+            </a:r>
+            <a:r>
+              <a:rPr lang="fr-FR" dirty="0" err="1"/>
+              <a:t>Bills.js</a:t>
+            </a:r>
+            <a:r>
+              <a:rPr lang="fr-FR" dirty="0"/>
+              <a:t> vérifie si l’icone du menu actif est </a:t>
+            </a:r>
+            <a:r>
+              <a:rPr lang="fr-FR" b="0" dirty="0" err="1">
+                <a:solidFill>
+                  <a:srgbClr val="CE9178"/>
+                </a:solidFill>
+                <a:effectLst/>
+                <a:latin typeface="Menlo" panose="020B0609030804020204" pitchFamily="49" charset="0"/>
+              </a:rPr>
+              <a:t>highlighted</a:t>
+            </a:r>
+            <a:r>
+              <a:rPr lang="fr-FR" b="0" dirty="0">
+                <a:solidFill>
+                  <a:srgbClr val="CE9178"/>
+                </a:solidFill>
+                <a:effectLst/>
+                <a:latin typeface="Menlo" panose="020B0609030804020204" pitchFamily="49" charset="0"/>
+              </a:rPr>
+              <a:t> avec le </a:t>
+            </a:r>
+            <a:r>
+              <a:rPr lang="fr-FR" dirty="0"/>
+              <a:t>le style </a:t>
+            </a:r>
+            <a:r>
+              <a:rPr lang="fr-FR" b="0" dirty="0">
+                <a:solidFill>
+                  <a:srgbClr val="CE9178"/>
+                </a:solidFill>
+                <a:effectLst/>
+                <a:latin typeface="Menlo" panose="020B0609030804020204" pitchFamily="49" charset="0"/>
+              </a:rPr>
+              <a:t>active-</a:t>
+            </a:r>
+            <a:r>
+              <a:rPr lang="fr-FR" b="0" dirty="0" err="1">
+                <a:solidFill>
+                  <a:srgbClr val="CE9178"/>
+                </a:solidFill>
+                <a:effectLst/>
+                <a:latin typeface="Menlo" panose="020B0609030804020204" pitchFamily="49" charset="0"/>
+              </a:rPr>
+              <a:t>icon</a:t>
+            </a:r>
+            <a:endParaRPr lang="fr-FR" dirty="0">
+              <a:solidFill>
+                <a:srgbClr val="CE9178"/>
+              </a:solidFill>
+              <a:latin typeface="Menlo" panose="020B0609030804020204" pitchFamily="49" charset="0"/>
+            </a:endParaRPr>
+          </a:p>
+          <a:p>
+            <a:pPr marL="457200" lvl="2" indent="0">
+              <a:buNone/>
             </a:pPr>
+            <a:endParaRPr lang="fr-FR" b="0" dirty="0">
+              <a:solidFill>
+                <a:srgbClr val="CE9178"/>
+              </a:solidFill>
+              <a:effectLst/>
+              <a:latin typeface="Menlo" panose="020B0609030804020204" pitchFamily="49" charset="0"/>
+            </a:endParaRPr>
+          </a:p>
+          <a:p>
+            <a:pPr marL="457200" lvl="2" indent="0">
+              <a:buNone/>
+            </a:pPr>
             <a:r>
               <a:rPr lang="fr-FR" dirty="0"/>
-              <a:t>Taux de couverture d’environ 80%</a:t>
-            </a:r>
-          </a:p>
-          <a:p>
-            <a:pPr marL="457200" lvl="1" indent="-457200">
-              <a:buFont typeface="+mj-lt"/>
-              <a:buAutoNum type="arabicPeriod"/>
+              <a:t>Pour cela : </a:t>
+            </a:r>
+          </a:p>
+          <a:p>
+            <a:pPr marL="457200" lvl="2" indent="0">
+              <a:buNone/>
             </a:pPr>
             <a:r>
-              <a:rPr lang="fr-FR" dirty="0"/>
-              <a:t>Ajouter un test d’intégration POST Bills</a:t>
-            </a:r>
+              <a:rPr lang="fr-FR" sz="2000" b="0" dirty="0" err="1">
+                <a:solidFill>
+                  <a:srgbClr val="DCDCAA"/>
+                </a:solidFill>
+                <a:effectLst/>
+                <a:latin typeface="Menlo" panose="020B0609030804020204" pitchFamily="49" charset="0"/>
+              </a:rPr>
+              <a:t>expect</a:t>
+            </a:r>
+            <a:r>
+              <a:rPr lang="fr-FR" sz="2000" b="0" dirty="0">
+                <a:solidFill>
+                  <a:srgbClr val="D4D4D4"/>
+                </a:solidFill>
+                <a:effectLst/>
+                <a:latin typeface="Menlo" panose="020B0609030804020204" pitchFamily="49" charset="0"/>
+              </a:rPr>
+              <a:t>(</a:t>
+            </a:r>
+            <a:r>
+              <a:rPr lang="fr-FR" sz="2000" b="0" dirty="0" err="1">
+                <a:solidFill>
+                  <a:srgbClr val="4FC1FF"/>
+                </a:solidFill>
+                <a:effectLst/>
+                <a:latin typeface="Menlo" panose="020B0609030804020204" pitchFamily="49" charset="0"/>
+              </a:rPr>
+              <a:t>windowIcon</a:t>
+            </a:r>
+            <a:r>
+              <a:rPr lang="fr-FR" sz="2000" b="0" dirty="0" err="1">
+                <a:solidFill>
+                  <a:srgbClr val="D4D4D4"/>
+                </a:solidFill>
+                <a:effectLst/>
+                <a:latin typeface="Menlo" panose="020B0609030804020204" pitchFamily="49" charset="0"/>
+              </a:rPr>
+              <a:t>.</a:t>
+            </a:r>
+            <a:r>
+              <a:rPr lang="fr-FR" sz="2000" b="0" dirty="0" err="1">
+                <a:solidFill>
+                  <a:srgbClr val="4FC1FF"/>
+                </a:solidFill>
+                <a:effectLst/>
+                <a:latin typeface="Menlo" panose="020B0609030804020204" pitchFamily="49" charset="0"/>
+              </a:rPr>
+              <a:t>classList</a:t>
+            </a:r>
+            <a:r>
+              <a:rPr lang="fr-FR" sz="2000" b="0" dirty="0" err="1">
+                <a:solidFill>
+                  <a:srgbClr val="D4D4D4"/>
+                </a:solidFill>
+                <a:effectLst/>
+                <a:latin typeface="Menlo" panose="020B0609030804020204" pitchFamily="49" charset="0"/>
+              </a:rPr>
+              <a:t>.</a:t>
+            </a:r>
+            <a:r>
+              <a:rPr lang="fr-FR" sz="2000" b="0" dirty="0" err="1">
+                <a:solidFill>
+                  <a:srgbClr val="DCDCAA"/>
+                </a:solidFill>
+                <a:effectLst/>
+                <a:latin typeface="Menlo" panose="020B0609030804020204" pitchFamily="49" charset="0"/>
+              </a:rPr>
+              <a:t>contains</a:t>
+            </a:r>
+            <a:r>
+              <a:rPr lang="fr-FR" sz="2000" b="0" dirty="0">
+                <a:solidFill>
+                  <a:srgbClr val="D4D4D4"/>
+                </a:solidFill>
+                <a:effectLst/>
+                <a:latin typeface="Menlo" panose="020B0609030804020204" pitchFamily="49" charset="0"/>
+              </a:rPr>
+              <a:t>(</a:t>
+            </a:r>
+            <a:r>
+              <a:rPr lang="fr-FR" sz="2000" b="0" dirty="0">
+                <a:solidFill>
+                  <a:srgbClr val="CE9178"/>
+                </a:solidFill>
+                <a:effectLst/>
+                <a:latin typeface="Menlo" panose="020B0609030804020204" pitchFamily="49" charset="0"/>
+              </a:rPr>
+              <a:t>"active-</a:t>
+            </a:r>
+            <a:r>
+              <a:rPr lang="fr-FR" sz="2000" b="0" dirty="0" err="1">
+                <a:solidFill>
+                  <a:srgbClr val="CE9178"/>
+                </a:solidFill>
+                <a:effectLst/>
+                <a:latin typeface="Menlo" panose="020B0609030804020204" pitchFamily="49" charset="0"/>
+              </a:rPr>
+              <a:t>icon</a:t>
+            </a:r>
+            <a:r>
+              <a:rPr lang="fr-FR" sz="2000" b="0" dirty="0">
+                <a:solidFill>
+                  <a:srgbClr val="CE9178"/>
+                </a:solidFill>
+                <a:effectLst/>
+                <a:latin typeface="Menlo" panose="020B0609030804020204" pitchFamily="49" charset="0"/>
+              </a:rPr>
+              <a:t>"</a:t>
+            </a:r>
+            <a:r>
+              <a:rPr lang="fr-FR" sz="2000" b="0" dirty="0">
+                <a:solidFill>
+                  <a:srgbClr val="D4D4D4"/>
+                </a:solidFill>
+                <a:effectLst/>
+                <a:latin typeface="Menlo" panose="020B0609030804020204" pitchFamily="49" charset="0"/>
+              </a:rPr>
+              <a:t>)).</a:t>
+            </a:r>
+            <a:r>
+              <a:rPr lang="fr-FR" sz="2000" b="0" dirty="0" err="1">
+                <a:solidFill>
+                  <a:srgbClr val="DCDCAA"/>
+                </a:solidFill>
+                <a:effectLst/>
+                <a:latin typeface="Menlo" panose="020B0609030804020204" pitchFamily="49" charset="0"/>
+              </a:rPr>
+              <a:t>toBe</a:t>
+            </a:r>
+            <a:r>
+              <a:rPr lang="fr-FR" sz="2000" b="0" dirty="0">
+                <a:solidFill>
+                  <a:srgbClr val="D4D4D4"/>
+                </a:solidFill>
+                <a:effectLst/>
+                <a:latin typeface="Menlo" panose="020B0609030804020204" pitchFamily="49" charset="0"/>
+              </a:rPr>
+              <a:t>(</a:t>
+            </a:r>
+            <a:r>
+              <a:rPr lang="fr-FR" sz="2000" b="0" dirty="0" err="1">
+                <a:solidFill>
+                  <a:srgbClr val="569CD6"/>
+                </a:solidFill>
+                <a:effectLst/>
+                <a:latin typeface="Menlo" panose="020B0609030804020204" pitchFamily="49" charset="0"/>
+              </a:rPr>
+              <a:t>true</a:t>
+            </a:r>
+            <a:r>
+              <a:rPr lang="fr-FR" sz="2000" b="0" dirty="0">
+                <a:solidFill>
+                  <a:srgbClr val="D4D4D4"/>
+                </a:solidFill>
+                <a:effectLst/>
+                <a:latin typeface="Menlo" panose="020B0609030804020204" pitchFamily="49" charset="0"/>
+              </a:rPr>
+              <a:t>);</a:t>
+            </a:r>
+          </a:p>
+          <a:p>
+            <a:pPr marL="457200" lvl="2" indent="0">
+              <a:buNone/>
+            </a:pPr>
+            <a:endParaRPr lang="fr-FR" b="0" dirty="0">
+              <a:solidFill>
+                <a:srgbClr val="CE9178"/>
+              </a:solidFill>
+              <a:effectLst/>
+              <a:latin typeface="Menlo" panose="020B0609030804020204" pitchFamily="49" charset="0"/>
+            </a:endParaRPr>
+          </a:p>
+          <a:p>
+            <a:pPr marL="457200" lvl="2" indent="0">
+              <a:buNone/>
+            </a:pPr>
+            <a:endParaRPr lang="fr-FR" dirty="0">
+              <a:solidFill>
+                <a:srgbClr val="CE9178"/>
+              </a:solidFill>
+              <a:latin typeface="Menlo" panose="020B0609030804020204" pitchFamily="49" charset="0"/>
+            </a:endParaRPr>
+          </a:p>
+          <a:p>
+            <a:pPr marL="457200" lvl="2" indent="0">
+              <a:buNone/>
+            </a:pPr>
+            <a:endParaRPr lang="fr-FR" b="0" dirty="0">
+              <a:solidFill>
+                <a:srgbClr val="D4D4D4"/>
+              </a:solidFill>
+              <a:effectLst/>
+              <a:latin typeface="Menlo" panose="020B0609030804020204" pitchFamily="49" charset="0"/>
+            </a:endParaRPr>
+          </a:p>
+          <a:p>
+            <a:pPr marL="457200" lvl="2" indent="0">
+              <a:buNone/>
+            </a:pPr>
+            <a:endParaRPr lang="fr-FR" dirty="0"/>
           </a:p>
         </p:txBody>
       </p:sp>
@@ -6494,13 +7349,16 @@
           <a:p>
             <a:r>
               <a:rPr lang="fr-FR" dirty="0"/>
-              <a:t>Container </a:t>
+              <a:t>Rajout de la mention « </a:t>
             </a:r>
             <a:r>
               <a:rPr lang="fr-FR" dirty="0" err="1"/>
-              <a:t>NewBill</a:t>
-            </a:r>
-            <a:endParaRPr lang="fr-FR" dirty="0"/>
+              <a:t>expect</a:t>
+            </a:r>
+            <a:r>
+              <a:rPr lang="fr-FR" dirty="0"/>
+              <a:t> »</a:t>
+            </a:r>
           </a:p>
         </p:txBody>
       </p:sp>
@@ -6576,334 +7434,10 @@
           </a:extLst>
         </p:spPr>
       </p:pic>
-      <p:sp>
-        <p:nvSpPr>
-          <p:cNvPr id="7" name="Espace réservé du texte 2">
-            <a:extLst>
-              <a:ext uri="{FF2B5EF4-FFF2-40B4-BE49-F238E27FC236}">
-                <a16:creationId xmlns:a16="http://schemas.microsoft.com/office/drawing/2014/main" id="{A5A09EE6-7BC0-8113-FA70-0CFAE5F8E056}"/>
-              </a:ext>
-            </a:extLst>
-          </p:cNvPr>
-          <p:cNvSpPr txBox="1">
-            <a:spLocks/>
-          </p:cNvSpPr>
-          <p:nvPr/>
-        </p:nvSpPr>
-        <p:spPr>
-          <a:xfrm>
-            <a:off x="0" y="3011633"/>
-            <a:ext cx="11312525" cy="1240182"/>
-          </a:xfrm>
-          <a:prstGeom prst="rect">
-            <a:avLst/>
-          </a:prstGeom>
-        </p:spPr>
-        <p:txBody>
-          <a:bodyPr vert="horz" lIns="91440" tIns="45720" rIns="91440" bIns="45720" rtlCol="0">
-            <a:normAutofit fontScale="70000" lnSpcReduction="20000"/>
-          </a:bodyPr>
-          <a:lstStyle>
-            <a:lvl1pPr marL="0" indent="0" algn="l" defTabSz="914400" rtl="0" eaLnBrk="1" latinLnBrk="0" hangingPunct="1">
-              <a:lnSpc>
-                <a:spcPct val="90000"/>
-              </a:lnSpc>
-              <a:spcBef>
-                <a:spcPts val="1000"/>
-              </a:spcBef>
-              <a:buFont typeface="Arial" panose="020B0604020202020204" pitchFamily="34" charset="0"/>
-              <a:buNone/>
-              <a:defRPr sz="2400" kern="1200">
-                <a:solidFill>
-                  <a:srgbClr val="546D79"/>
-                </a:solidFill>
-                <a:latin typeface="+mn-lt"/>
-                <a:ea typeface="+mn-ea"/>
-                <a:cs typeface="+mn-cs"/>
-              </a:defRPr>
-            </a:lvl1pPr>
-            <a:lvl2pPr marL="685800" indent="-228600" algn="l" defTabSz="914400" rtl="0" eaLnBrk="1" latinLnBrk="0" hangingPunct="1">
-              <a:lnSpc>
-                <a:spcPct val="90000"/>
-              </a:lnSpc>
-              <a:spcBef>
-                <a:spcPts val="500"/>
-              </a:spcBef>
-              <a:buFontTx/>
-              <a:buBlip>
-                <a:blip r:embed="rId4"/>
-              </a:buBlip>
-              <a:defRPr sz="2400" kern="1200" baseline="0">
-                <a:solidFill>
-                  <a:srgbClr val="546D79"/>
-                </a:solidFill>
-                <a:latin typeface="+mn-lt"/>
-                <a:ea typeface="+mn-ea"/>
-                <a:cs typeface="+mn-cs"/>
-              </a:defRPr>
-            </a:lvl2pPr>
-            <a:lvl3pPr marL="1143000" indent="-228600" algn="l" defTabSz="914400" rtl="0" eaLnBrk="1" latinLnBrk="0" hangingPunct="1">
-              <a:lnSpc>
-                <a:spcPct val="90000"/>
-              </a:lnSpc>
-              <a:spcBef>
-                <a:spcPts val="500"/>
-              </a:spcBef>
-              <a:buClr>
-                <a:srgbClr val="39A9DC"/>
-              </a:buClr>
-              <a:buFontTx/>
-              <a:buBlip>
-                <a:blip r:embed="rId4"/>
-              </a:buBlip>
-              <a:defRPr sz="2400" kern="1200" baseline="0">
-                <a:solidFill>
-                  <a:srgbClr val="546D79"/>
-                </a:solidFill>
-                <a:latin typeface="+mn-lt"/>
-                <a:ea typeface="+mn-ea"/>
-                <a:cs typeface="+mn-cs"/>
-              </a:defRPr>
-            </a:lvl3pPr>
-            <a:lvl4pPr marL="1600200" indent="-228600" algn="l" defTabSz="914400" rtl="0" eaLnBrk="1" latinLnBrk="0" hangingPunct="1">
-              <a:lnSpc>
-                <a:spcPct val="90000"/>
-              </a:lnSpc>
-              <a:spcBef>
-                <a:spcPts val="500"/>
-              </a:spcBef>
-              <a:buFontTx/>
-              <a:buBlip>
-                <a:blip r:embed="rId4"/>
-              </a:buBlip>
-              <a:defRPr sz="2400" kern="1200">
-                <a:solidFill>
-                  <a:srgbClr val="546D79"/>
-                </a:solidFill>
-                <a:latin typeface="+mn-lt"/>
-                <a:ea typeface="+mn-ea"/>
-                <a:cs typeface="+mn-cs"/>
-              </a:defRPr>
-            </a:lvl4pPr>
-            <a:lvl5pPr marL="2057400" indent="-228600" algn="l" defTabSz="914400" rtl="0" eaLnBrk="1" latinLnBrk="0" hangingPunct="1">
-              <a:lnSpc>
-                <a:spcPct val="90000"/>
-              </a:lnSpc>
-              <a:spcBef>
-                <a:spcPts val="500"/>
-              </a:spcBef>
-              <a:buFont typeface="Arial" panose="020B0604020202020204" pitchFamily="34" charset="0"/>
-              <a:buChar char="•"/>
-              <a:defRPr sz="1800" kern="1200">
-                <a:solidFill>
-                  <a:schemeClr val="tx1"/>
-                </a:solidFill>
-                <a:latin typeface="+mn-lt"/>
-                <a:ea typeface="+mn-ea"/>
-                <a:cs typeface="+mn-cs"/>
-              </a:defRPr>
-            </a:lvl5pPr>
-            <a:lvl6pPr marL="2514600" indent="-228600" algn="l" defTabSz="914400" rtl="0" eaLnBrk="1" latinLnBrk="0" hangingPunct="1">
-              <a:lnSpc>
-                <a:spcPct val="90000"/>
-              </a:lnSpc>
-              <a:spcBef>
-                <a:spcPts val="500"/>
-              </a:spcBef>
-              <a:buFont typeface="Arial" panose="020B0604020202020204" pitchFamily="34" charset="0"/>
-              <a:buChar char="•"/>
-              <a:defRPr sz="1800" kern="1200">
-                <a:solidFill>
-                  <a:schemeClr val="tx1"/>
-                </a:solidFill>
-                <a:latin typeface="+mn-lt"/>
-                <a:ea typeface="+mn-ea"/>
-                <a:cs typeface="+mn-cs"/>
-              </a:defRPr>
-            </a:lvl6pPr>
-            <a:lvl7pPr marL="2971800" indent="-228600" algn="l" defTabSz="914400" rtl="0" eaLnBrk="1" latinLnBrk="0" hangingPunct="1">
-              <a:lnSpc>
-                <a:spcPct val="90000"/>
-              </a:lnSpc>
-              <a:spcBef>
-                <a:spcPts val="500"/>
-              </a:spcBef>
-              <a:buFont typeface="Arial" panose="020B0604020202020204" pitchFamily="34" charset="0"/>
-              <a:buChar char="•"/>
-              <a:defRPr sz="1800" kern="1200">
-                <a:solidFill>
-                  <a:schemeClr val="tx1"/>
-                </a:solidFill>
-                <a:latin typeface="+mn-lt"/>
-                <a:ea typeface="+mn-ea"/>
-                <a:cs typeface="+mn-cs"/>
-              </a:defRPr>
-            </a:lvl7pPr>
-            <a:lvl8pPr marL="3429000" indent="-228600" algn="l" defTabSz="914400" rtl="0" eaLnBrk="1" latinLnBrk="0" hangingPunct="1">
-              <a:lnSpc>
-                <a:spcPct val="90000"/>
-              </a:lnSpc>
-              <a:spcBef>
-                <a:spcPts val="500"/>
-              </a:spcBef>
-              <a:buFont typeface="Arial" panose="020B0604020202020204" pitchFamily="34" charset="0"/>
-              <a:buChar char="•"/>
-              <a:defRPr sz="1800" kern="1200">
-                <a:solidFill>
-                  <a:schemeClr val="tx1"/>
-                </a:solidFill>
-                <a:latin typeface="+mn-lt"/>
-                <a:ea typeface="+mn-ea"/>
-                <a:cs typeface="+mn-cs"/>
-              </a:defRPr>
-            </a:lvl8pPr>
-            <a:lvl9pPr marL="3886200" indent="-228600" algn="l" defTabSz="914400" rtl="0" eaLnBrk="1" latinLnBrk="0" hangingPunct="1">
-              <a:lnSpc>
-                <a:spcPct val="90000"/>
-              </a:lnSpc>
-              <a:spcBef>
-                <a:spcPts val="500"/>
-              </a:spcBef>
-              <a:buFont typeface="Arial" panose="020B0604020202020204" pitchFamily="34" charset="0"/>
-              <a:buChar char="•"/>
-              <a:defRPr sz="1800" kern="1200">
-                <a:solidFill>
-                  <a:schemeClr val="tx1"/>
-                </a:solidFill>
-                <a:latin typeface="+mn-lt"/>
-                <a:ea typeface="+mn-ea"/>
-                <a:cs typeface="+mn-cs"/>
-              </a:defRPr>
-            </a:lvl9pPr>
-          </a:lstStyle>
-          <a:p>
-            <a:pPr marL="800100" lvl="2" indent="-342900">
-              <a:buFont typeface="Arial" panose="020B0604020202020204" pitchFamily="34" charset="0"/>
-              <a:buChar char="•"/>
-            </a:pPr>
-            <a:r>
-              <a:rPr lang="fr-FR" dirty="0"/>
-              <a:t>Création d’un test pour vérifier l’apparition d’un message et la désactivation du bouton </a:t>
-            </a:r>
-            <a:r>
-              <a:rPr lang="fr-FR" dirty="0" err="1"/>
-              <a:t>submit</a:t>
-            </a:r>
-            <a:r>
-              <a:rPr lang="fr-FR" dirty="0"/>
-              <a:t> lors de l’</a:t>
-            </a:r>
-            <a:r>
-              <a:rPr lang="fr-FR" dirty="0" err="1"/>
-              <a:t>upload</a:t>
-            </a:r>
-            <a:r>
-              <a:rPr lang="fr-FR" dirty="0"/>
-              <a:t> d’un fichier au mauvais format</a:t>
-            </a:r>
-          </a:p>
-          <a:p>
-            <a:pPr marL="800100" lvl="2" indent="-342900">
-              <a:buFont typeface="Arial" panose="020B0604020202020204" pitchFamily="34" charset="0"/>
-              <a:buChar char="•"/>
-            </a:pPr>
-            <a:r>
-              <a:rPr lang="fr-FR" dirty="0"/>
-              <a:t>Création d’un test pour vérifier la non apparition d’un message et la réactivation du bouton </a:t>
-            </a:r>
-            <a:r>
-              <a:rPr lang="fr-FR" dirty="0" err="1"/>
-              <a:t>submit</a:t>
-            </a:r>
-            <a:r>
-              <a:rPr lang="fr-FR" dirty="0"/>
-              <a:t> lors de l’</a:t>
-            </a:r>
-            <a:r>
-              <a:rPr lang="fr-FR" dirty="0" err="1"/>
-              <a:t>upload</a:t>
-            </a:r>
-            <a:r>
-              <a:rPr lang="fr-FR" dirty="0"/>
-              <a:t> d’un fichier au bon format et l’envoi de la note (retour page bills)</a:t>
-            </a:r>
-          </a:p>
-          <a:p>
-            <a:pPr marL="800100" lvl="2" indent="-342900">
-              <a:buFont typeface="Arial" panose="020B0604020202020204" pitchFamily="34" charset="0"/>
-              <a:buChar char="•"/>
-            </a:pPr>
-            <a:r>
-              <a:rPr lang="fr-FR" dirty="0"/>
-              <a:t>Création d’un test pour post une bill</a:t>
-            </a:r>
-          </a:p>
-        </p:txBody>
-      </p:sp>
-      <p:pic>
-        <p:nvPicPr>
-          <p:cNvPr id="5" name="Image 4">
-            <a:extLst>
-              <a:ext uri="{FF2B5EF4-FFF2-40B4-BE49-F238E27FC236}">
-                <a16:creationId xmlns:a16="http://schemas.microsoft.com/office/drawing/2014/main" id="{4E58E656-B519-C36B-B10B-123D3308DEF0}"/>
-              </a:ext>
-            </a:extLst>
-          </p:cNvPr>
-          <p:cNvPicPr>
-            <a:picLocks noChangeAspect="1"/>
-          </p:cNvPicPr>
-          <p:nvPr/>
-        </p:nvPicPr>
-        <p:blipFill>
-          <a:blip r:embed="rId5"/>
-          <a:stretch>
-            <a:fillRect/>
-          </a:stretch>
-        </p:blipFill>
-        <p:spPr>
-          <a:xfrm>
-            <a:off x="155575" y="4517496"/>
-            <a:ext cx="7772400" cy="849184"/>
-          </a:xfrm>
-          <a:prstGeom prst="rect">
-            <a:avLst/>
-          </a:prstGeom>
-        </p:spPr>
-      </p:pic>
-      <p:pic>
-        <p:nvPicPr>
-          <p:cNvPr id="8" name="Image 7">
-            <a:extLst>
-              <a:ext uri="{FF2B5EF4-FFF2-40B4-BE49-F238E27FC236}">
-                <a16:creationId xmlns:a16="http://schemas.microsoft.com/office/drawing/2014/main" id="{CD14F674-EA28-A7D7-388E-AD960C1046CE}"/>
-              </a:ext>
-            </a:extLst>
-          </p:cNvPr>
-          <p:cNvPicPr>
-            <a:picLocks noChangeAspect="1"/>
-          </p:cNvPicPr>
-          <p:nvPr/>
-        </p:nvPicPr>
-        <p:blipFill>
-          <a:blip r:embed="rId6"/>
-          <a:stretch>
-            <a:fillRect/>
-          </a:stretch>
-        </p:blipFill>
-        <p:spPr>
-          <a:xfrm>
-            <a:off x="6006353" y="4469943"/>
-            <a:ext cx="6071544" cy="2030620"/>
-          </a:xfrm>
-          <a:prstGeom prst="rect">
-            <a:avLst/>
-          </a:prstGeom>
-        </p:spPr>
-      </p:pic>
     </p:spTree>
     <p:extLst>
       <p:ext uri="{BB962C8B-B14F-4D97-AF65-F5344CB8AC3E}">
-        <p14:creationId xmlns:p14="http://schemas.microsoft.com/office/powerpoint/2010/main" val="1418223188"/>
+        <p14:creationId xmlns:p14="http://schemas.microsoft.com/office/powerpoint/2010/main" val="2049427940"/>
       </p:ext>
     </p:extLst>
   </p:cSld>
@@ -6952,28 +7486,33 @@
           </a:bodyPr>
           <a:lstStyle/>
           <a:p>
-            <a:pPr marL="457200" lvl="2" indent="0">
-              <a:buNone/>
+            <a:pPr marL="457200" lvl="1" indent="-457200">
+              <a:buFont typeface="+mj-lt"/>
+              <a:buAutoNum type="arabicPeriod"/>
             </a:pPr>
             <a:r>
               <a:rPr lang="fr-FR" dirty="0"/>
-              <a:t>Création d’un test pour vérifier l’apparition d’un message et la désactivation du bouton </a:t>
-            </a:r>
-            <a:r>
-              <a:rPr lang="fr-FR" dirty="0" err="1"/>
-              <a:t>submit</a:t>
-            </a:r>
+              <a:t>Faire passer le rapport de couvertures du fichier au vert</a:t>
+            </a:r>
+          </a:p>
+          <a:p>
+            <a:pPr marL="457200" lvl="1" indent="-457200">
+              <a:buFont typeface="+mj-lt"/>
+              <a:buAutoNum type="arabicPeriod"/>
+            </a:pPr>
             <a:r>
               <a:rPr lang="fr-FR" dirty="0"/>
-              <a:t> lors de l’</a:t>
-            </a:r>
-            <a:r>
-              <a:rPr lang="fr-FR" dirty="0" err="1"/>
-              <a:t>upload</a:t>
-            </a:r>
+              <a:t>Taux de couverture d’environ 80%</a:t>
+            </a:r>
+          </a:p>
+          <a:p>
+            <a:pPr marL="457200" lvl="1" indent="-457200">
+              <a:buFont typeface="+mj-lt"/>
+              <a:buAutoNum type="arabicPeriod"/>
+            </a:pPr>
             <a:r>
               <a:rPr lang="fr-FR" dirty="0"/>
-              <a:t> d’un fichier au mauvais format</a:t>
+              <a:t>Ajouter un test d’intégration GET Bills</a:t>
             </a:r>
           </a:p>
         </p:txBody>
@@ -7033,13 +7572,8 @@
           <a:p>
             <a:r>
               <a:rPr lang="fr-FR" dirty="0"/>
-              <a:t>Container </a:t>
-            </a:r>
-            <a:r>
-              <a:rPr lang="fr-FR" dirty="0" err="1"/>
-              <a:t>NewBill</a:t>
-            </a:r>
-            <a:endParaRPr lang="fr-FR" dirty="0"/>
+              <a:t>Container Bills</a:t>
+            </a:r>
           </a:p>
         </p:txBody>
       </p:sp>
@@ -7115,12 +7649,252 @@
           </a:extLst>
         </p:spPr>
       </p:pic>
+      <p:sp>
+        <p:nvSpPr>
+          <p:cNvPr id="7" name="Espace réservé du texte 2">
+            <a:extLst>
+              <a:ext uri="{FF2B5EF4-FFF2-40B4-BE49-F238E27FC236}">
+                <a16:creationId xmlns:a16="http://schemas.microsoft.com/office/drawing/2014/main" id="{A5A09EE6-7BC0-8113-FA70-0CFAE5F8E056}"/>
+              </a:ext>
+            </a:extLst>
+          </p:cNvPr>
+          <p:cNvSpPr txBox="1">
+            <a:spLocks/>
+          </p:cNvSpPr>
+          <p:nvPr/>
+        </p:nvSpPr>
+        <p:spPr>
+          <a:xfrm>
+            <a:off x="0" y="3011633"/>
+            <a:ext cx="11312525" cy="1240182"/>
+          </a:xfrm>
+          <a:prstGeom prst="rect">
+            <a:avLst/>
+          </a:prstGeom>
+        </p:spPr>
+        <p:txBody>
+          <a:bodyPr vert="horz" lIns="91440" tIns="45720" rIns="91440" bIns="45720" rtlCol="0">
+            <a:normAutofit/>
+          </a:bodyPr>
+          <a:lstStyle>
+            <a:lvl1pPr marL="0" indent="0" algn="l" defTabSz="914400" rtl="0" eaLnBrk="1" latinLnBrk="0" hangingPunct="1">
+              <a:lnSpc>
+                <a:spcPct val="90000"/>
+              </a:lnSpc>
+              <a:spcBef>
+                <a:spcPts val="1000"/>
+              </a:spcBef>
+              <a:buFont typeface="Arial" panose="020B0604020202020204" pitchFamily="34" charset="0"/>
+              <a:buNone/>
+              <a:defRPr sz="2400" kern="1200">
+                <a:solidFill>
+                  <a:srgbClr val="546D79"/>
+                </a:solidFill>
+                <a:latin typeface="+mn-lt"/>
+                <a:ea typeface="+mn-ea"/>
+                <a:cs typeface="+mn-cs"/>
+              </a:defRPr>
+            </a:lvl1pPr>
+            <a:lvl2pPr marL="685800" indent="-228600" algn="l" defTabSz="914400" rtl="0" eaLnBrk="1" latinLnBrk="0" hangingPunct="1">
+              <a:lnSpc>
+                <a:spcPct val="90000"/>
+              </a:lnSpc>
+              <a:spcBef>
+                <a:spcPts val="500"/>
+              </a:spcBef>
+              <a:buFontTx/>
+              <a:buBlip>
+                <a:blip r:embed="rId4"/>
+              </a:buBlip>
+              <a:defRPr sz="2400" kern="1200" baseline="0">
+                <a:solidFill>
+                  <a:srgbClr val="546D79"/>
+                </a:solidFill>
+                <a:latin typeface="+mn-lt"/>
+                <a:ea typeface="+mn-ea"/>
+                <a:cs typeface="+mn-cs"/>
+              </a:defRPr>
+            </a:lvl2pPr>
+            <a:lvl3pPr marL="1143000" indent="-228600" algn="l" defTabSz="914400" rtl="0" eaLnBrk="1" latinLnBrk="0" hangingPunct="1">
+              <a:lnSpc>
+                <a:spcPct val="90000"/>
+              </a:lnSpc>
+              <a:spcBef>
+                <a:spcPts val="500"/>
+              </a:spcBef>
+              <a:buClr>
+                <a:srgbClr val="39A9DC"/>
+              </a:buClr>
+              <a:buFontTx/>
+              <a:buBlip>
+                <a:blip r:embed="rId4"/>
+              </a:buBlip>
+              <a:defRPr sz="2400" kern="1200" baseline="0">
+                <a:solidFill>
+                  <a:srgbClr val="546D79"/>
+                </a:solidFill>
+                <a:latin typeface="+mn-lt"/>
+                <a:ea typeface="+mn-ea"/>
+                <a:cs typeface="+mn-cs"/>
+              </a:defRPr>
+            </a:lvl3pPr>
+            <a:lvl4pPr marL="1600200" indent="-228600" algn="l" defTabSz="914400" rtl="0" eaLnBrk="1" latinLnBrk="0" hangingPunct="1">
+              <a:lnSpc>
+                <a:spcPct val="90000"/>
+              </a:lnSpc>
+              <a:spcBef>
+                <a:spcPts val="500"/>
+              </a:spcBef>
+              <a:buFontTx/>
+              <a:buBlip>
+                <a:blip r:embed="rId4"/>
+              </a:buBlip>
+              <a:defRPr sz="2400" kern="1200">
+                <a:solidFill>
+                  <a:srgbClr val="546D79"/>
+                </a:solidFill>
+                <a:latin typeface="+mn-lt"/>
+                <a:ea typeface="+mn-ea"/>
+                <a:cs typeface="+mn-cs"/>
+              </a:defRPr>
+            </a:lvl4pPr>
+            <a:lvl5pPr marL="2057400" indent="-228600" algn="l" defTabSz="914400" rtl="0" eaLnBrk="1" latinLnBrk="0" hangingPunct="1">
+              <a:lnSpc>
+                <a:spcPct val="90000"/>
+              </a:lnSpc>
+              <a:spcBef>
+                <a:spcPts val="500"/>
+              </a:spcBef>
+              <a:buFont typeface="Arial" panose="020B0604020202020204" pitchFamily="34" charset="0"/>
+              <a:buChar char="•"/>
+              <a:defRPr sz="1800" kern="1200">
+                <a:solidFill>
+                  <a:schemeClr val="tx1"/>
+                </a:solidFill>
+                <a:latin typeface="+mn-lt"/>
+                <a:ea typeface="+mn-ea"/>
+                <a:cs typeface="+mn-cs"/>
+              </a:defRPr>
+            </a:lvl5pPr>
+            <a:lvl6pPr marL="2514600" indent="-228600" algn="l" defTabSz="914400" rtl="0" eaLnBrk="1" latinLnBrk="0" hangingPunct="1">
+              <a:lnSpc>
+                <a:spcPct val="90000"/>
+              </a:lnSpc>
+              <a:spcBef>
+                <a:spcPts val="500"/>
+              </a:spcBef>
+              <a:buFont typeface="Arial" panose="020B0604020202020204" pitchFamily="34" charset="0"/>
+              <a:buChar char="•"/>
+              <a:defRPr sz="1800" kern="1200">
+                <a:solidFill>
+                  <a:schemeClr val="tx1"/>
+                </a:solidFill>
+                <a:latin typeface="+mn-lt"/>
+                <a:ea typeface="+mn-ea"/>
+                <a:cs typeface="+mn-cs"/>
+              </a:defRPr>
+            </a:lvl6pPr>
+            <a:lvl7pPr marL="2971800" indent="-228600" algn="l" defTabSz="914400" rtl="0" eaLnBrk="1" latinLnBrk="0" hangingPunct="1">
+              <a:lnSpc>
+                <a:spcPct val="90000"/>
+              </a:lnSpc>
+              <a:spcBef>
+                <a:spcPts val="500"/>
+              </a:spcBef>
+              <a:buFont typeface="Arial" panose="020B0604020202020204" pitchFamily="34" charset="0"/>
+              <a:buChar char="•"/>
+              <a:defRPr sz="1800" kern="1200">
+                <a:solidFill>
+                  <a:schemeClr val="tx1"/>
+                </a:solidFill>
+                <a:latin typeface="+mn-lt"/>
+                <a:ea typeface="+mn-ea"/>
+                <a:cs typeface="+mn-cs"/>
+              </a:defRPr>
+            </a:lvl7pPr>
+            <a:lvl8pPr marL="3429000" indent="-228600" algn="l" defTabSz="914400" rtl="0" eaLnBrk="1" latinLnBrk="0" hangingPunct="1">
+              <a:lnSpc>
+                <a:spcPct val="90000"/>
+              </a:lnSpc>
+              <a:spcBef>
+                <a:spcPts val="500"/>
+              </a:spcBef>
+              <a:buFont typeface="Arial" panose="020B0604020202020204" pitchFamily="34" charset="0"/>
+              <a:buChar char="•"/>
+              <a:defRPr sz="1800" kern="1200">
+                <a:solidFill>
+                  <a:schemeClr val="tx1"/>
+                </a:solidFill>
+                <a:latin typeface="+mn-lt"/>
+                <a:ea typeface="+mn-ea"/>
+                <a:cs typeface="+mn-cs"/>
+              </a:defRPr>
+            </a:lvl8pPr>
+            <a:lvl9pPr marL="3886200" indent="-228600" algn="l" defTabSz="914400" rtl="0" eaLnBrk="1" latinLnBrk="0" hangingPunct="1">
+              <a:lnSpc>
+                <a:spcPct val="90000"/>
+              </a:lnSpc>
+              <a:spcBef>
+                <a:spcPts val="500"/>
+              </a:spcBef>
+              <a:buFont typeface="Arial" panose="020B0604020202020204" pitchFamily="34" charset="0"/>
+              <a:buChar char="•"/>
+              <a:defRPr sz="1800" kern="1200">
+                <a:solidFill>
+                  <a:schemeClr val="tx1"/>
+                </a:solidFill>
+                <a:latin typeface="+mn-lt"/>
+                <a:ea typeface="+mn-ea"/>
+                <a:cs typeface="+mn-cs"/>
+              </a:defRPr>
+            </a:lvl9pPr>
+          </a:lstStyle>
+          <a:p>
+            <a:pPr marL="800100" lvl="2" indent="-342900">
+              <a:buFont typeface="Arial" panose="020B0604020202020204" pitchFamily="34" charset="0"/>
+              <a:buChar char="•"/>
+            </a:pPr>
+            <a:r>
+              <a:rPr lang="fr-FR" dirty="0"/>
+              <a:t>Création d’un test pour ouverture de la modal (lors du clique sur l’œil)</a:t>
+            </a:r>
+          </a:p>
+          <a:p>
+            <a:pPr marL="800100" lvl="2" indent="-342900">
+              <a:buFont typeface="Arial" panose="020B0604020202020204" pitchFamily="34" charset="0"/>
+              <a:buChar char="•"/>
+            </a:pPr>
+            <a:r>
+              <a:rPr lang="fr-FR" dirty="0"/>
+              <a:t>Création d’un test pour ouvrir la page de déclaration d’une nouvelle note</a:t>
+            </a:r>
+          </a:p>
+          <a:p>
+            <a:pPr marL="800100" lvl="2" indent="-342900">
+              <a:buFont typeface="Arial" panose="020B0604020202020204" pitchFamily="34" charset="0"/>
+              <a:buChar char="•"/>
+            </a:pPr>
+            <a:r>
+              <a:rPr lang="fr-FR" dirty="0"/>
+              <a:t>Création d’un test pour </a:t>
+            </a:r>
+            <a:r>
+              <a:rPr lang="fr-FR" dirty="0" err="1"/>
+              <a:t>Get</a:t>
+            </a:r>
+            <a:r>
+              <a:rPr lang="fr-FR" dirty="0"/>
+              <a:t> les bills</a:t>
+            </a:r>
+          </a:p>
+        </p:txBody>
+      </p:sp>
       <p:pic>
         <p:nvPicPr>
-          <p:cNvPr id="10" name="Image 9">
+          <p:cNvPr id="8" name="Image 7">
             <a:extLst>
               <a:ext uri="{FF2B5EF4-FFF2-40B4-BE49-F238E27FC236}">
-                <a16:creationId xmlns:a16="http://schemas.microsoft.com/office/drawing/2014/main" id="{D5053295-DD6E-1FB4-6D82-C6DA729A39F4}"/>
+                <a16:creationId xmlns:a16="http://schemas.microsoft.com/office/drawing/2014/main" id="{9395D675-1652-0F5B-00FD-2CFFC97E40A6}"/>
               </a:ext>
             </a:extLst>
           </p:cNvPr>
@@ -7130,15 +7904,15 @@
           <p:nvPr/>
         </p:nvPicPr>
         <p:blipFill>
-          <a:blip r:embed="rId4"/>
+          <a:blip r:embed="rId5"/>
           <a:stretch>
             <a:fillRect/>
           </a:stretch>
         </p:blipFill>
         <p:spPr>
           <a:xfrm>
-            <a:off x="1476158" y="1869524"/>
-            <a:ext cx="8904971" cy="4474748"/>
+            <a:off x="223630" y="4322004"/>
+            <a:ext cx="11744740" cy="738534"/>
           </a:xfrm>
           <a:prstGeom prst="rect">
             <a:avLst/>
@@ -7148,7 +7922,7 @@
     </p:spTree>
     <p:extLst>
       <p:ext uri="{BB962C8B-B14F-4D97-AF65-F5344CB8AC3E}">
-        <p14:creationId xmlns:p14="http://schemas.microsoft.com/office/powerpoint/2010/main" val="3070358742"/>
+        <p14:creationId xmlns:p14="http://schemas.microsoft.com/office/powerpoint/2010/main" val="1460106341"/>
       </p:ext>
     </p:extLst>
   </p:cSld>
@@ -7197,28 +7971,33 @@
           </a:bodyPr>
           <a:lstStyle/>
           <a:p>
-            <a:pPr marL="457200" lvl="2" indent="0">
-              <a:buNone/>
+            <a:pPr marL="457200" lvl="1" indent="-457200">
+              <a:buFont typeface="+mj-lt"/>
+              <a:buAutoNum type="arabicPeriod"/>
             </a:pPr>
             <a:r>
               <a:rPr lang="fr-FR" dirty="0"/>
-              <a:t>Création d’un test pour vérifier la non apparition d’un message et la réactivation du bouton </a:t>
-            </a:r>
-            <a:r>
-              <a:rPr lang="fr-FR" dirty="0" err="1"/>
-              <a:t>submit</a:t>
-            </a:r>
+              <a:t>Faire passer le rapport de couvertures du fichier au vert</a:t>
+            </a:r>
+          </a:p>
+          <a:p>
+            <a:pPr marL="457200" lvl="1" indent="-457200">
+              <a:buFont typeface="+mj-lt"/>
+              <a:buAutoNum type="arabicPeriod"/>
+            </a:pPr>
             <a:r>
               <a:rPr lang="fr-FR" dirty="0"/>
-              <a:t> lors de l’</a:t>
-            </a:r>
-            <a:r>
-              <a:rPr lang="fr-FR" dirty="0" err="1"/>
-              <a:t>upload</a:t>
-            </a:r>
+              <a:t>Taux de couverture d’environ 80%</a:t>
+            </a:r>
+          </a:p>
+          <a:p>
+            <a:pPr marL="457200" lvl="1" indent="-457200">
+              <a:buFont typeface="+mj-lt"/>
+              <a:buAutoNum type="arabicPeriod"/>
+            </a:pPr>
             <a:r>
               <a:rPr lang="fr-FR" dirty="0"/>
-              <a:t> d’un fichier au bon format et l’envoi de la note (retour page bills)</a:t>
+              <a:t>Ajouter un test d’intégration POST Bills</a:t>
             </a:r>
           </a:p>
         </p:txBody>
@@ -7360,12 +8139,276 @@
           </a:extLst>
         </p:spPr>
       </p:pic>
+      <p:sp>
+        <p:nvSpPr>
+          <p:cNvPr id="7" name="Espace réservé du texte 2">
+            <a:extLst>
+              <a:ext uri="{FF2B5EF4-FFF2-40B4-BE49-F238E27FC236}">
+                <a16:creationId xmlns:a16="http://schemas.microsoft.com/office/drawing/2014/main" id="{A5A09EE6-7BC0-8113-FA70-0CFAE5F8E056}"/>
+              </a:ext>
+            </a:extLst>
+          </p:cNvPr>
+          <p:cNvSpPr txBox="1">
+            <a:spLocks/>
+          </p:cNvSpPr>
+          <p:nvPr/>
+        </p:nvSpPr>
+        <p:spPr>
+          <a:xfrm>
+            <a:off x="0" y="3011633"/>
+            <a:ext cx="11312525" cy="1240182"/>
+          </a:xfrm>
+          <a:prstGeom prst="rect">
+            <a:avLst/>
+          </a:prstGeom>
+        </p:spPr>
+        <p:txBody>
+          <a:bodyPr vert="horz" lIns="91440" tIns="45720" rIns="91440" bIns="45720" rtlCol="0">
+            <a:normAutofit fontScale="70000" lnSpcReduction="20000"/>
+          </a:bodyPr>
+          <a:lstStyle>
+            <a:lvl1pPr marL="0" indent="0" algn="l" defTabSz="914400" rtl="0" eaLnBrk="1" latinLnBrk="0" hangingPunct="1">
+              <a:lnSpc>
+                <a:spcPct val="90000"/>
+              </a:lnSpc>
+              <a:spcBef>
+                <a:spcPts val="1000"/>
+              </a:spcBef>
+              <a:buFont typeface="Arial" panose="020B0604020202020204" pitchFamily="34" charset="0"/>
+              <a:buNone/>
+              <a:defRPr sz="2400" kern="1200">
+                <a:solidFill>
+                  <a:srgbClr val="546D79"/>
+                </a:solidFill>
+                <a:latin typeface="+mn-lt"/>
+                <a:ea typeface="+mn-ea"/>
+                <a:cs typeface="+mn-cs"/>
+              </a:defRPr>
+            </a:lvl1pPr>
+            <a:lvl2pPr marL="685800" indent="-228600" algn="l" defTabSz="914400" rtl="0" eaLnBrk="1" latinLnBrk="0" hangingPunct="1">
+              <a:lnSpc>
+                <a:spcPct val="90000"/>
+              </a:lnSpc>
+              <a:spcBef>
+                <a:spcPts val="500"/>
+              </a:spcBef>
+              <a:buFontTx/>
+              <a:buBlip>
+                <a:blip r:embed="rId4"/>
+              </a:buBlip>
+              <a:defRPr sz="2400" kern="1200" baseline="0">
+                <a:solidFill>
+                  <a:srgbClr val="546D79"/>
+                </a:solidFill>
+                <a:latin typeface="+mn-lt"/>
+                <a:ea typeface="+mn-ea"/>
+                <a:cs typeface="+mn-cs"/>
+              </a:defRPr>
+            </a:lvl2pPr>
+            <a:lvl3pPr marL="1143000" indent="-228600" algn="l" defTabSz="914400" rtl="0" eaLnBrk="1" latinLnBrk="0" hangingPunct="1">
+              <a:lnSpc>
+                <a:spcPct val="90000"/>
+              </a:lnSpc>
+              <a:spcBef>
+                <a:spcPts val="500"/>
+              </a:spcBef>
+              <a:buClr>
+                <a:srgbClr val="39A9DC"/>
+              </a:buClr>
+              <a:buFontTx/>
+              <a:buBlip>
+                <a:blip r:embed="rId4"/>
+              </a:buBlip>
+              <a:defRPr sz="2400" kern="1200" baseline="0">
+                <a:solidFill>
+                  <a:srgbClr val="546D79"/>
+                </a:solidFill>
+                <a:latin typeface="+mn-lt"/>
+                <a:ea typeface="+mn-ea"/>
+                <a:cs typeface="+mn-cs"/>
+              </a:defRPr>
+            </a:lvl3pPr>
+            <a:lvl4pPr marL="1600200" indent="-228600" algn="l" defTabSz="914400" rtl="0" eaLnBrk="1" latinLnBrk="0" hangingPunct="1">
+              <a:lnSpc>
+                <a:spcPct val="90000"/>
+              </a:lnSpc>
+              <a:spcBef>
+                <a:spcPts val="500"/>
+              </a:spcBef>
+              <a:buFontTx/>
+              <a:buBlip>
+                <a:blip r:embed="rId4"/>
+              </a:buBlip>
+              <a:defRPr sz="2400" kern="1200">
+                <a:solidFill>
+                  <a:srgbClr val="546D79"/>
+                </a:solidFill>
+                <a:latin typeface="+mn-lt"/>
+                <a:ea typeface="+mn-ea"/>
+                <a:cs typeface="+mn-cs"/>
+              </a:defRPr>
+            </a:lvl4pPr>
+            <a:lvl5pPr marL="2057400" indent="-228600" algn="l" defTabSz="914400" rtl="0" eaLnBrk="1" latinLnBrk="0" hangingPunct="1">
+              <a:lnSpc>
+                <a:spcPct val="90000"/>
+              </a:lnSpc>
+              <a:spcBef>
+                <a:spcPts val="500"/>
+              </a:spcBef>
+              <a:buFont typeface="Arial" panose="020B0604020202020204" pitchFamily="34" charset="0"/>
+              <a:buChar char="•"/>
+              <a:defRPr sz="1800" kern="1200">
+                <a:solidFill>
+                  <a:schemeClr val="tx1"/>
+                </a:solidFill>
+                <a:latin typeface="+mn-lt"/>
+                <a:ea typeface="+mn-ea"/>
+                <a:cs typeface="+mn-cs"/>
+              </a:defRPr>
+            </a:lvl5pPr>
+            <a:lvl6pPr marL="2514600" indent="-228600" algn="l" defTabSz="914400" rtl="0" eaLnBrk="1" latinLnBrk="0" hangingPunct="1">
+              <a:lnSpc>
+                <a:spcPct val="90000"/>
+              </a:lnSpc>
+              <a:spcBef>
+                <a:spcPts val="500"/>
+              </a:spcBef>
+              <a:buFont typeface="Arial" panose="020B0604020202020204" pitchFamily="34" charset="0"/>
+              <a:buChar char="•"/>
+              <a:defRPr sz="1800" kern="1200">
+                <a:solidFill>
+                  <a:schemeClr val="tx1"/>
+                </a:solidFill>
+                <a:latin typeface="+mn-lt"/>
+                <a:ea typeface="+mn-ea"/>
+                <a:cs typeface="+mn-cs"/>
+              </a:defRPr>
+            </a:lvl6pPr>
+            <a:lvl7pPr marL="2971800" indent="-228600" algn="l" defTabSz="914400" rtl="0" eaLnBrk="1" latinLnBrk="0" hangingPunct="1">
+              <a:lnSpc>
+                <a:spcPct val="90000"/>
+              </a:lnSpc>
+              <a:spcBef>
+                <a:spcPts val="500"/>
+              </a:spcBef>
+              <a:buFont typeface="Arial" panose="020B0604020202020204" pitchFamily="34" charset="0"/>
+              <a:buChar char="•"/>
+              <a:defRPr sz="1800" kern="1200">
+                <a:solidFill>
+                  <a:schemeClr val="tx1"/>
+                </a:solidFill>
+                <a:latin typeface="+mn-lt"/>
+                <a:ea typeface="+mn-ea"/>
+                <a:cs typeface="+mn-cs"/>
+              </a:defRPr>
+            </a:lvl7pPr>
+            <a:lvl8pPr marL="3429000" indent="-228600" algn="l" defTabSz="914400" rtl="0" eaLnBrk="1" latinLnBrk="0" hangingPunct="1">
+              <a:lnSpc>
+                <a:spcPct val="90000"/>
+              </a:lnSpc>
+              <a:spcBef>
+                <a:spcPts val="500"/>
+              </a:spcBef>
+              <a:buFont typeface="Arial" panose="020B0604020202020204" pitchFamily="34" charset="0"/>
+              <a:buChar char="•"/>
+              <a:defRPr sz="1800" kern="1200">
+                <a:solidFill>
+                  <a:schemeClr val="tx1"/>
+                </a:solidFill>
+                <a:latin typeface="+mn-lt"/>
+                <a:ea typeface="+mn-ea"/>
+                <a:cs typeface="+mn-cs"/>
+              </a:defRPr>
+            </a:lvl8pPr>
+            <a:lvl9pPr marL="3886200" indent="-228600" algn="l" defTabSz="914400" rtl="0" eaLnBrk="1" latinLnBrk="0" hangingPunct="1">
+              <a:lnSpc>
+                <a:spcPct val="90000"/>
+              </a:lnSpc>
+              <a:spcBef>
+                <a:spcPts val="500"/>
+              </a:spcBef>
+              <a:buFont typeface="Arial" panose="020B0604020202020204" pitchFamily="34" charset="0"/>
+              <a:buChar char="•"/>
+              <a:defRPr sz="1800" kern="1200">
+                <a:solidFill>
+                  <a:schemeClr val="tx1"/>
+                </a:solidFill>
+                <a:latin typeface="+mn-lt"/>
+                <a:ea typeface="+mn-ea"/>
+                <a:cs typeface="+mn-cs"/>
+              </a:defRPr>
+            </a:lvl9pPr>
+          </a:lstStyle>
+          <a:p>
+            <a:pPr marL="800100" lvl="2" indent="-342900">
+              <a:buFont typeface="Arial" panose="020B0604020202020204" pitchFamily="34" charset="0"/>
+              <a:buChar char="•"/>
+            </a:pPr>
+            <a:r>
+              <a:rPr lang="fr-FR" dirty="0"/>
+              <a:t>Création d’un test pour vérifier l’apparition d’un message et la désactivation du bouton </a:t>
+            </a:r>
+            <a:r>
+              <a:rPr lang="fr-FR" dirty="0" err="1"/>
+              <a:t>submit</a:t>
+            </a:r>
+            <a:r>
+              <a:rPr lang="fr-FR" dirty="0"/>
+              <a:t> lors de l’</a:t>
+            </a:r>
+            <a:r>
+              <a:rPr lang="fr-FR" dirty="0" err="1"/>
+              <a:t>upload</a:t>
+            </a:r>
+            <a:r>
+              <a:rPr lang="fr-FR" dirty="0"/>
+              <a:t> d’un fichier au mauvais format</a:t>
+            </a:r>
+          </a:p>
+          <a:p>
+            <a:pPr marL="800100" lvl="2" indent="-342900">
+              <a:buFont typeface="Arial" panose="020B0604020202020204" pitchFamily="34" charset="0"/>
+              <a:buChar char="•"/>
+            </a:pPr>
+            <a:r>
+              <a:rPr lang="fr-FR" dirty="0"/>
+              <a:t>Création d’un test pour vérifier la non apparition d’un message et la réactivation du bouton </a:t>
+            </a:r>
+            <a:r>
+              <a:rPr lang="fr-FR" dirty="0" err="1"/>
+              <a:t>submit</a:t>
+            </a:r>
+            <a:r>
+              <a:rPr lang="fr-FR" dirty="0"/>
+              <a:t> lors de l’</a:t>
+            </a:r>
+            <a:r>
+              <a:rPr lang="fr-FR" dirty="0" err="1"/>
+              <a:t>upload</a:t>
+            </a:r>
+            <a:r>
+              <a:rPr lang="fr-FR" dirty="0"/>
+              <a:t> d’un fichier au bon format et l’envoi de la note (retour page bills)</a:t>
+            </a:r>
+          </a:p>
+          <a:p>
+            <a:pPr marL="800100" lvl="2" indent="-342900">
+              <a:buFont typeface="Arial" panose="020B0604020202020204" pitchFamily="34" charset="0"/>
+              <a:buChar char="•"/>
+            </a:pPr>
+            <a:r>
+              <a:rPr lang="fr-FR" dirty="0"/>
+              <a:t>Création d’un test pour post une bill</a:t>
+            </a:r>
+          </a:p>
+        </p:txBody>
+      </p:sp>
       <p:pic>
         <p:nvPicPr>
           <p:cNvPr id="5" name="Image 4">
             <a:extLst>
               <a:ext uri="{FF2B5EF4-FFF2-40B4-BE49-F238E27FC236}">
-                <a16:creationId xmlns:a16="http://schemas.microsoft.com/office/drawing/2014/main" id="{91537114-70E4-6245-3E5A-65E0D7027A19}"/>
+                <a16:creationId xmlns:a16="http://schemas.microsoft.com/office/drawing/2014/main" id="{4E58E656-B519-C36B-B10B-123D3308DEF0}"/>
               </a:ext>
             </a:extLst>
           </p:cNvPr>
@@ -7375,15 +8418,45 @@
           <p:nvPr/>
         </p:nvPicPr>
         <p:blipFill>
-          <a:blip r:embed="rId4"/>
+          <a:blip r:embed="rId5"/>
           <a:stretch>
             <a:fillRect/>
           </a:stretch>
         </p:blipFill>
         <p:spPr>
           <a:xfrm>
-            <a:off x="2480930" y="1972537"/>
-            <a:ext cx="7230139" cy="4486482"/>
+            <a:off x="155575" y="4517496"/>
+            <a:ext cx="7772400" cy="849184"/>
+          </a:xfrm>
+          <a:prstGeom prst="rect">
+            <a:avLst/>
+          </a:prstGeom>
+        </p:spPr>
+      </p:pic>
+      <p:pic>
+        <p:nvPicPr>
+          <p:cNvPr id="8" name="Image 7">
+            <a:extLst>
+              <a:ext uri="{FF2B5EF4-FFF2-40B4-BE49-F238E27FC236}">
+                <a16:creationId xmlns:a16="http://schemas.microsoft.com/office/drawing/2014/main" id="{CD14F674-EA28-A7D7-388E-AD960C1046CE}"/>
+              </a:ext>
+            </a:extLst>
+          </p:cNvPr>
+          <p:cNvPicPr>
+            <a:picLocks noChangeAspect="1"/>
+          </p:cNvPicPr>
+          <p:nvPr/>
+        </p:nvPicPr>
+        <p:blipFill>
+          <a:blip r:embed="rId6"/>
+          <a:stretch>
+            <a:fillRect/>
+          </a:stretch>
+        </p:blipFill>
+        <p:spPr>
+          <a:xfrm>
+            <a:off x="6006353" y="4469943"/>
+            <a:ext cx="6071544" cy="2030620"/>
           </a:xfrm>
           <a:prstGeom prst="rect">
             <a:avLst/>
@@ -7393,7 +8466,7 @@
     </p:spTree>
     <p:extLst>
       <p:ext uri="{BB962C8B-B14F-4D97-AF65-F5344CB8AC3E}">
-        <p14:creationId xmlns:p14="http://schemas.microsoft.com/office/powerpoint/2010/main" val="3330152229"/>
+        <p14:creationId xmlns:p14="http://schemas.microsoft.com/office/powerpoint/2010/main" val="1418223188"/>
       </p:ext>
     </p:extLst>
   </p:cSld>
@@ -7482,6 +8555,21 @@
               <a:rPr lang="fr-FR" dirty="0"/>
               <a:t>Présentation du projet</a:t>
             </a:r>
+          </a:p>
+          <a:p>
+            <a:pPr marL="457200" indent="-457200">
+              <a:buFont typeface="+mj-lt"/>
+              <a:buAutoNum type="arabicPeriod"/>
+            </a:pPr>
+            <a:r>
+              <a:rPr lang="fr-FR" dirty="0"/>
+              <a:t>Présentation du rapport de test </a:t>
+            </a:r>
+            <a:r>
+              <a:rPr lang="fr-FR" dirty="0" err="1"/>
+              <a:t>Jest</a:t>
+            </a:r>
+            <a:endParaRPr lang="fr-FR" dirty="0"/>
           </a:p>
           <a:p>
             <a:pPr marL="457200" indent="-457200">
@@ -7654,7 +8742,23 @@
             </a:pPr>
             <a:r>
               <a:rPr lang="fr-FR" dirty="0"/>
-              <a:t>Création d’un test pour post une bill</a:t>
+              <a:t>Création d’un test pour vérifier l’apparition d’un message et la désactivation du bouton </a:t>
+            </a:r>
+            <a:r>
+              <a:rPr lang="fr-FR" dirty="0" err="1"/>
+              <a:t>submit</a:t>
+            </a:r>
+            <a:r>
+              <a:rPr lang="fr-FR" dirty="0"/>
+              <a:t> lors de l’</a:t>
+            </a:r>
+            <a:r>
+              <a:rPr lang="fr-FR" dirty="0" err="1"/>
+              <a:t>upload</a:t>
+            </a:r>
+            <a:r>
+              <a:rPr lang="fr-FR" dirty="0"/>
+              <a:t> d’un fichier au mauvais format</a:t>
             </a:r>
           </a:p>
         </p:txBody>
@@ -7798,10 +8902,10 @@
       </p:pic>
       <p:pic>
         <p:nvPicPr>
-          <p:cNvPr id="9" name="Image 8">
+          <p:cNvPr id="10" name="Image 9">
             <a:extLst>
               <a:ext uri="{FF2B5EF4-FFF2-40B4-BE49-F238E27FC236}">
-                <a16:creationId xmlns:a16="http://schemas.microsoft.com/office/drawing/2014/main" id="{A7F4D398-8971-5568-DC35-854E0AB1F74D}"/>
+                <a16:creationId xmlns:a16="http://schemas.microsoft.com/office/drawing/2014/main" id="{D5053295-DD6E-1FB4-6D82-C6DA729A39F4}"/>
               </a:ext>
             </a:extLst>
           </p:cNvPr>
@@ -7818,38 +8922,8 @@
         </p:blipFill>
         <p:spPr>
           <a:xfrm>
-            <a:off x="506131" y="1692462"/>
-            <a:ext cx="4460315" cy="5079412"/>
-          </a:xfrm>
-          <a:prstGeom prst="rect">
-            <a:avLst/>
-          </a:prstGeom>
-        </p:spPr>
-      </p:pic>
-      <p:pic>
-        <p:nvPicPr>
-          <p:cNvPr id="10" name="Image 9">
-            <a:extLst>
-              <a:ext uri="{FF2B5EF4-FFF2-40B4-BE49-F238E27FC236}">
-                <a16:creationId xmlns:a16="http://schemas.microsoft.com/office/drawing/2014/main" id="{F529FF93-8DDB-7334-E7A8-09F8B5C304D7}"/>
-              </a:ext>
-            </a:extLst>
-          </p:cNvPr>
-          <p:cNvPicPr>
-            <a:picLocks noChangeAspect="1"/>
-          </p:cNvPicPr>
-          <p:nvPr/>
-        </p:nvPicPr>
-        <p:blipFill>
-          <a:blip r:embed="rId5"/>
-          <a:stretch>
-            <a:fillRect/>
-          </a:stretch>
-        </p:blipFill>
-        <p:spPr>
-          <a:xfrm>
-            <a:off x="5864864" y="2315100"/>
-            <a:ext cx="5950547" cy="2830642"/>
+            <a:off x="1476158" y="1869524"/>
+            <a:ext cx="8904971" cy="4474748"/>
           </a:xfrm>
           <a:prstGeom prst="rect">
             <a:avLst/>
@@ -7859,7 +8933,7 @@
     </p:spTree>
     <p:extLst>
       <p:ext uri="{BB962C8B-B14F-4D97-AF65-F5344CB8AC3E}">
-        <p14:creationId xmlns:p14="http://schemas.microsoft.com/office/powerpoint/2010/main" val="3208742966"/>
+        <p14:creationId xmlns:p14="http://schemas.microsoft.com/office/powerpoint/2010/main" val="3070358742"/>
       </p:ext>
     </p:extLst>
   </p:cSld>
@@ -7908,18 +8982,29 @@
           </a:bodyPr>
           <a:lstStyle/>
           <a:p>
-            <a:pPr marL="0" lvl="1" indent="0">
+            <a:pPr marL="457200" lvl="2" indent="0">
               <a:buNone/>
             </a:pPr>
             <a:r>
               <a:rPr lang="fr-FR" dirty="0"/>
-              <a:t>Réutilisation du code mise en place pour le test du </a:t>
+              <a:t>Création d’un test pour vérifier la non apparition d’un message et la réactivation du bouton </a:t>
             </a:r>
             <a:r>
               <a:rPr lang="fr-FR" dirty="0" err="1"/>
-              <a:t>dashboard</a:t>
-            </a:r>
-            <a:endParaRPr lang="fr-FR" dirty="0"/>
+              <a:t>submit</a:t>
+            </a:r>
+            <a:r>
+              <a:rPr lang="fr-FR" dirty="0"/>
+              <a:t> lors de l’</a:t>
+            </a:r>
+            <a:r>
+              <a:rPr lang="fr-FR" dirty="0" err="1"/>
+              <a:t>upload</a:t>
+            </a:r>
+            <a:r>
+              <a:rPr lang="fr-FR" dirty="0"/>
+              <a:t> d’un fichier au bon format et l’envoi de la note (retour page bills)</a:t>
+            </a:r>
           </a:p>
         </p:txBody>
       </p:sp>
@@ -7978,8 +9063,13 @@
           <a:p>
             <a:r>
               <a:rPr lang="fr-FR" dirty="0"/>
-              <a:t>Test Erreur 404 et 500</a:t>
-            </a:r>
+              <a:t>Container </a:t>
+            </a:r>
+            <a:r>
+              <a:rPr lang="fr-FR" dirty="0" err="1"/>
+              <a:t>NewBill</a:t>
+            </a:r>
+            <a:endParaRPr lang="fr-FR" dirty="0"/>
           </a:p>
         </p:txBody>
       </p:sp>
@@ -8057,10 +9147,10 @@
       </p:pic>
       <p:pic>
         <p:nvPicPr>
-          <p:cNvPr id="7" name="Image 6">
+          <p:cNvPr id="5" name="Image 4">
             <a:extLst>
               <a:ext uri="{FF2B5EF4-FFF2-40B4-BE49-F238E27FC236}">
-                <a16:creationId xmlns:a16="http://schemas.microsoft.com/office/drawing/2014/main" id="{F669315C-74DB-00AF-4284-D08D930774A3}"/>
+                <a16:creationId xmlns:a16="http://schemas.microsoft.com/office/drawing/2014/main" id="{91537114-70E4-6245-3E5A-65E0D7027A19}"/>
               </a:ext>
             </a:extLst>
           </p:cNvPr>
@@ -8077,68 +9167,8 @@
         </p:blipFill>
         <p:spPr>
           <a:xfrm>
-            <a:off x="2857032" y="1313828"/>
-            <a:ext cx="5598459" cy="2574600"/>
-          </a:xfrm>
-          <a:prstGeom prst="rect">
-            <a:avLst/>
-          </a:prstGeom>
-        </p:spPr>
-      </p:pic>
-      <p:pic>
-        <p:nvPicPr>
-          <p:cNvPr id="9" name="Image 8">
-            <a:extLst>
-              <a:ext uri="{FF2B5EF4-FFF2-40B4-BE49-F238E27FC236}">
-                <a16:creationId xmlns:a16="http://schemas.microsoft.com/office/drawing/2014/main" id="{F76C2719-4092-0647-6D2F-45817BCAC21E}"/>
-              </a:ext>
-            </a:extLst>
-          </p:cNvPr>
-          <p:cNvPicPr>
-            <a:picLocks noChangeAspect="1"/>
-          </p:cNvPicPr>
-          <p:nvPr/>
-        </p:nvPicPr>
-        <p:blipFill>
-          <a:blip r:embed="rId5"/>
-          <a:stretch>
-            <a:fillRect/>
-          </a:stretch>
-        </p:blipFill>
-        <p:spPr>
-          <a:xfrm>
-            <a:off x="381000" y="4139263"/>
-            <a:ext cx="4894820" cy="2406208"/>
-          </a:xfrm>
-          <a:prstGeom prst="rect">
-            <a:avLst/>
-          </a:prstGeom>
-        </p:spPr>
-      </p:pic>
-      <p:pic>
-        <p:nvPicPr>
-          <p:cNvPr id="10" name="Image 9">
-            <a:extLst>
-              <a:ext uri="{FF2B5EF4-FFF2-40B4-BE49-F238E27FC236}">
-                <a16:creationId xmlns:a16="http://schemas.microsoft.com/office/drawing/2014/main" id="{7D4073D9-3C2E-4905-0067-089F558F00FC}"/>
-              </a:ext>
-            </a:extLst>
-          </p:cNvPr>
-          <p:cNvPicPr>
-            <a:picLocks noChangeAspect="1"/>
-          </p:cNvPicPr>
-          <p:nvPr/>
-        </p:nvPicPr>
-        <p:blipFill>
-          <a:blip r:embed="rId6"/>
-          <a:stretch>
-            <a:fillRect/>
-          </a:stretch>
-        </p:blipFill>
-        <p:spPr>
-          <a:xfrm>
-            <a:off x="5510970" y="4139262"/>
-            <a:ext cx="5129900" cy="2406207"/>
+            <a:off x="2480930" y="1972537"/>
+            <a:ext cx="7230139" cy="4486482"/>
           </a:xfrm>
           <a:prstGeom prst="rect">
             <a:avLst/>
@@ -8148,7 +9178,7 @@
     </p:spTree>
     <p:extLst>
       <p:ext uri="{BB962C8B-B14F-4D97-AF65-F5344CB8AC3E}">
-        <p14:creationId xmlns:p14="http://schemas.microsoft.com/office/powerpoint/2010/main" val="2989805173"/>
+        <p14:creationId xmlns:p14="http://schemas.microsoft.com/office/powerpoint/2010/main" val="3330152229"/>
       </p:ext>
     </p:extLst>
   </p:cSld>
@@ -8177,24 +9207,18 @@
       </p:grpSpPr>
       <p:sp>
         <p:nvSpPr>
-          <p:cNvPr id="5" name="Espace réservé du texte 4">
-            <a:extLst>
-              <a:ext uri="{FF2B5EF4-FFF2-40B4-BE49-F238E27FC236}">
-                <a16:creationId xmlns:a16="http://schemas.microsoft.com/office/drawing/2014/main" id="{1429D90B-C1BE-6612-1721-060BFB04F520}"/>
-              </a:ext>
-            </a:extLst>
-          </p:cNvPr>
+          <p:cNvPr id="3" name="Espace réservé du texte 2"/>
           <p:cNvSpPr>
             <a:spLocks noGrp="1"/>
           </p:cNvSpPr>
           <p:nvPr>
-            <p:ph type="body" sz="quarter" idx="10"/>
+            <p:ph type="body" sz="quarter" idx="15"/>
           </p:nvPr>
         </p:nvSpPr>
         <p:spPr>
           <a:xfrm>
-            <a:off x="3657599" y="572710"/>
-            <a:ext cx="7244313" cy="3114707"/>
+            <a:off x="0" y="926548"/>
+            <a:ext cx="11312525" cy="1240182"/>
           </a:xfrm>
         </p:spPr>
         <p:txBody>
@@ -8203,22 +9227,217 @@
           </a:bodyPr>
           <a:lstStyle/>
           <a:p>
-            <a:r>
-              <a:rPr lang="fr-FR" sz="6000" b="1" dirty="0">
-                <a:solidFill>
-                  <a:srgbClr val="271A38"/>
-                </a:solidFill>
-                <a:latin typeface="Inter"/>
-              </a:rPr>
-              <a:t>Création du parcours employé</a:t>
+            <a:pPr marL="457200" lvl="2" indent="0">
+              <a:buNone/>
+            </a:pPr>
+            <a:r>
+              <a:rPr lang="fr-FR" dirty="0"/>
+              <a:t>Création d’un test pour post une bill</a:t>
             </a:r>
           </a:p>
         </p:txBody>
       </p:sp>
+      <p:sp>
+        <p:nvSpPr>
+          <p:cNvPr id="4" name="Espace réservé du numéro de diapositive 3"/>
+          <p:cNvSpPr>
+            <a:spLocks noGrp="1"/>
+          </p:cNvSpPr>
+          <p:nvPr>
+            <p:ph type="sldNum" sz="quarter" idx="12"/>
+          </p:nvPr>
+        </p:nvSpPr>
+        <p:spPr/>
+        <p:txBody>
+          <a:bodyPr/>
+          <a:lstStyle/>
+          <a:p>
+            <a:pPr algn="ctr"/>
+            <a:fld id="{D2A31418-1713-4700-81B9-AFE7E79F3A99}" type="slidenum">
+              <a:rPr lang="fr-FR" sz="2800" b="1" smtClean="0">
+                <a:solidFill>
+                  <a:schemeClr val="bg1"/>
+                </a:solidFill>
+              </a:rPr>
+              <a:pPr algn="ctr"/>
+              <a:t>22</a:t>
+            </a:fld>
+            <a:endParaRPr lang="fr-FR" b="1" dirty="0">
+              <a:solidFill>
+                <a:schemeClr val="bg1"/>
+              </a:solidFill>
+            </a:endParaRPr>
+          </a:p>
+        </p:txBody>
+      </p:sp>
+      <p:sp>
+        <p:nvSpPr>
+          <p:cNvPr id="6" name="Espace réservé du texte 5"/>
+          <p:cNvSpPr>
+            <a:spLocks noGrp="1"/>
+          </p:cNvSpPr>
+          <p:nvPr>
+            <p:ph type="body" sz="quarter" idx="17"/>
+          </p:nvPr>
+        </p:nvSpPr>
+        <p:spPr>
+          <a:xfrm>
+            <a:off x="-168965" y="204788"/>
+            <a:ext cx="8096940" cy="942975"/>
+          </a:xfrm>
+        </p:spPr>
+        <p:txBody>
+          <a:bodyPr/>
+          <a:lstStyle/>
+          <a:p>
+            <a:r>
+              <a:rPr lang="fr-FR" dirty="0"/>
+              <a:t>Container </a:t>
+            </a:r>
+            <a:r>
+              <a:rPr lang="fr-FR" dirty="0" err="1"/>
+              <a:t>NewBill</a:t>
+            </a:r>
+            <a:endParaRPr lang="fr-FR" dirty="0"/>
+          </a:p>
+        </p:txBody>
+      </p:sp>
+      <p:pic>
+        <p:nvPicPr>
+          <p:cNvPr id="2" name="Picture 2">
+            <a:extLst>
+              <a:ext uri="{FF2B5EF4-FFF2-40B4-BE49-F238E27FC236}">
+                <a16:creationId xmlns:a16="http://schemas.microsoft.com/office/drawing/2014/main" id="{17615C60-5E06-9DE0-6A42-7B4D96C83B85}"/>
+              </a:ext>
+            </a:extLst>
+          </p:cNvPr>
+          <p:cNvPicPr>
+            <a:picLocks noChangeAspect="1" noChangeArrowheads="1"/>
+          </p:cNvPicPr>
+          <p:nvPr/>
+        </p:nvPicPr>
+        <p:blipFill>
+          <a:blip r:embed="rId2">
+            <a:extLst>
+              <a:ext uri="{BEBA8EAE-BF5A-486C-A8C5-ECC9F3942E4B}">
+                <a14:imgProps xmlns:a14="http://schemas.microsoft.com/office/drawing/2010/main">
+                  <a14:imgLayer r:embed="rId3">
+                    <a14:imgEffect>
+                      <a14:backgroundRemoval t="10000" b="90000" l="10000" r="90000">
+                        <a14:foregroundMark x1="21362" y1="39583" x2="21362" y2="39583"/>
+                        <a14:foregroundMark x1="27230" y1="39583" x2="27230" y2="39583"/>
+                        <a14:foregroundMark x1="20657" y1="45313" x2="20657" y2="45313"/>
+                        <a14:foregroundMark x1="21127" y1="52604" x2="21127" y2="52604"/>
+                        <a14:foregroundMark x1="20892" y1="59896" x2="20892" y2="59896"/>
+                        <a14:foregroundMark x1="28169" y1="58333" x2="28169" y2="58333"/>
+                        <a14:foregroundMark x1="27700" y1="52604" x2="27700" y2="52604"/>
+                        <a14:foregroundMark x1="27230" y1="46354" x2="27230" y2="46354"/>
+                        <a14:foregroundMark x1="42723" y1="45833" x2="42723" y2="45833"/>
+                        <a14:foregroundMark x1="54460" y1="48438" x2="54460" y2="48438"/>
+                        <a14:foregroundMark x1="59624" y1="42188" x2="59624" y2="42188"/>
+                        <a14:foregroundMark x1="64789" y1="39583" x2="64789" y2="39583"/>
+                        <a14:foregroundMark x1="68779" y1="50000" x2="68779" y2="50000"/>
+                        <a14:foregroundMark x1="78873" y1="50521" x2="78873" y2="50521"/>
+                        <a14:foregroundMark x1="54460" y1="36458" x2="54460" y2="36458"/>
+                      </a14:backgroundRemoval>
+                    </a14:imgEffect>
+                  </a14:imgLayer>
+                </a14:imgProps>
+              </a:ext>
+              <a:ext uri="{28A0092B-C50C-407E-A947-70E740481C1C}">
+                <a14:useLocalDpi xmlns:a14="http://schemas.microsoft.com/office/drawing/2010/main" val="0"/>
+              </a:ext>
+            </a:extLst>
+          </a:blip>
+          <a:srcRect/>
+          <a:stretch>
+            <a:fillRect/>
+          </a:stretch>
+        </p:blipFill>
+        <p:spPr bwMode="auto">
+          <a:xfrm>
+            <a:off x="8249477" y="17004"/>
+            <a:ext cx="2320787" cy="1045989"/>
+          </a:xfrm>
+          <a:prstGeom prst="rect">
+            <a:avLst/>
+          </a:prstGeom>
+          <a:noFill/>
+          <a:extLst>
+            <a:ext uri="{909E8E84-426E-40DD-AFC4-6F175D3DCCD1}">
+              <a14:hiddenFill xmlns:a14="http://schemas.microsoft.com/office/drawing/2010/main">
+                <a:solidFill>
+                  <a:srgbClr val="FFFFFF"/>
+                </a:solidFill>
+              </a14:hiddenFill>
+            </a:ext>
+          </a:extLst>
+        </p:spPr>
+      </p:pic>
+      <p:pic>
+        <p:nvPicPr>
+          <p:cNvPr id="9" name="Image 8">
+            <a:extLst>
+              <a:ext uri="{FF2B5EF4-FFF2-40B4-BE49-F238E27FC236}">
+                <a16:creationId xmlns:a16="http://schemas.microsoft.com/office/drawing/2014/main" id="{A7F4D398-8971-5568-DC35-854E0AB1F74D}"/>
+              </a:ext>
+            </a:extLst>
+          </p:cNvPr>
+          <p:cNvPicPr>
+            <a:picLocks noChangeAspect="1"/>
+          </p:cNvPicPr>
+          <p:nvPr/>
+        </p:nvPicPr>
+        <p:blipFill>
+          <a:blip r:embed="rId4"/>
+          <a:stretch>
+            <a:fillRect/>
+          </a:stretch>
+        </p:blipFill>
+        <p:spPr>
+          <a:xfrm>
+            <a:off x="506131" y="1692462"/>
+            <a:ext cx="4460315" cy="5079412"/>
+          </a:xfrm>
+          <a:prstGeom prst="rect">
+            <a:avLst/>
+          </a:prstGeom>
+        </p:spPr>
+      </p:pic>
+      <p:pic>
+        <p:nvPicPr>
+          <p:cNvPr id="10" name="Image 9">
+            <a:extLst>
+              <a:ext uri="{FF2B5EF4-FFF2-40B4-BE49-F238E27FC236}">
+                <a16:creationId xmlns:a16="http://schemas.microsoft.com/office/drawing/2014/main" id="{F529FF93-8DDB-7334-E7A8-09F8B5C304D7}"/>
+              </a:ext>
+            </a:extLst>
+          </p:cNvPr>
+          <p:cNvPicPr>
+            <a:picLocks noChangeAspect="1"/>
+          </p:cNvPicPr>
+          <p:nvPr/>
+        </p:nvPicPr>
+        <p:blipFill>
+          <a:blip r:embed="rId5"/>
+          <a:stretch>
+            <a:fillRect/>
+          </a:stretch>
+        </p:blipFill>
+        <p:spPr>
+          <a:xfrm>
+            <a:off x="5864864" y="2315100"/>
+            <a:ext cx="5950547" cy="2830642"/>
+          </a:xfrm>
+          <a:prstGeom prst="rect">
+            <a:avLst/>
+          </a:prstGeom>
+        </p:spPr>
+      </p:pic>
     </p:spTree>
     <p:extLst>
       <p:ext uri="{BB962C8B-B14F-4D97-AF65-F5344CB8AC3E}">
-        <p14:creationId xmlns:p14="http://schemas.microsoft.com/office/powerpoint/2010/main" val="770047967"/>
+        <p14:creationId xmlns:p14="http://schemas.microsoft.com/office/powerpoint/2010/main" val="3208742966"/>
       </p:ext>
     </p:extLst>
   </p:cSld>
@@ -8257,8 +9476,8 @@
         </p:nvSpPr>
         <p:spPr>
           <a:xfrm>
-            <a:off x="0" y="1522896"/>
-            <a:ext cx="11312525" cy="5408612"/>
+            <a:off x="0" y="926548"/>
+            <a:ext cx="11312525" cy="1240182"/>
           </a:xfrm>
         </p:spPr>
         <p:txBody>
@@ -8267,21 +9486,17 @@
           </a:bodyPr>
           <a:lstStyle/>
           <a:p>
-            <a:pPr marL="457200" lvl="2" indent="0">
-              <a:buNone/>
-            </a:pPr>
-            <a:endParaRPr lang="fr-FR" dirty="0"/>
-          </a:p>
-          <a:p>
-            <a:pPr marL="457200" lvl="2" indent="0">
-              <a:buNone/>
-            </a:pPr>
-            <a:endParaRPr lang="fr-FR" dirty="0"/>
-          </a:p>
-          <a:p>
             <a:pPr marL="0" lvl="1" indent="0">
               <a:buNone/>
             </a:pPr>
+            <a:r>
+              <a:rPr lang="fr-FR" dirty="0"/>
+              <a:t>Réutilisation du code mise en place pour le test du </a:t>
+            </a:r>
+            <a:r>
+              <a:rPr lang="fr-FR" dirty="0" err="1"/>
+              <a:t>dashboard</a:t>
+            </a:r>
             <a:endParaRPr lang="fr-FR" dirty="0"/>
           </a:p>
         </p:txBody>
@@ -8341,7 +9556,7 @@
           <a:p>
             <a:r>
               <a:rPr lang="fr-FR" dirty="0"/>
-              <a:t>Création du parcours employé</a:t>
+              <a:t>Test Erreur 404 et 500</a:t>
             </a:r>
           </a:p>
         </p:txBody>
@@ -8420,10 +9635,10 @@
       </p:pic>
       <p:pic>
         <p:nvPicPr>
-          <p:cNvPr id="5" name="Image 4">
+          <p:cNvPr id="7" name="Image 6">
             <a:extLst>
               <a:ext uri="{FF2B5EF4-FFF2-40B4-BE49-F238E27FC236}">
-                <a16:creationId xmlns:a16="http://schemas.microsoft.com/office/drawing/2014/main" id="{E3806C8B-0DAB-599B-2AE9-D08BD43526B1}"/>
+                <a16:creationId xmlns:a16="http://schemas.microsoft.com/office/drawing/2014/main" id="{F669315C-74DB-00AF-4284-D08D930774A3}"/>
               </a:ext>
             </a:extLst>
           </p:cNvPr>
@@ -8440,8 +9655,68 @@
         </p:blipFill>
         <p:spPr>
           <a:xfrm>
-            <a:off x="1056000" y="1607666"/>
-            <a:ext cx="10080000" cy="5149349"/>
+            <a:off x="2857032" y="1313828"/>
+            <a:ext cx="5598459" cy="2574600"/>
+          </a:xfrm>
+          <a:prstGeom prst="rect">
+            <a:avLst/>
+          </a:prstGeom>
+        </p:spPr>
+      </p:pic>
+      <p:pic>
+        <p:nvPicPr>
+          <p:cNvPr id="9" name="Image 8">
+            <a:extLst>
+              <a:ext uri="{FF2B5EF4-FFF2-40B4-BE49-F238E27FC236}">
+                <a16:creationId xmlns:a16="http://schemas.microsoft.com/office/drawing/2014/main" id="{F76C2719-4092-0647-6D2F-45817BCAC21E}"/>
+              </a:ext>
+            </a:extLst>
+          </p:cNvPr>
+          <p:cNvPicPr>
+            <a:picLocks noChangeAspect="1"/>
+          </p:cNvPicPr>
+          <p:nvPr/>
+        </p:nvPicPr>
+        <p:blipFill>
+          <a:blip r:embed="rId5"/>
+          <a:stretch>
+            <a:fillRect/>
+          </a:stretch>
+        </p:blipFill>
+        <p:spPr>
+          <a:xfrm>
+            <a:off x="381000" y="4139263"/>
+            <a:ext cx="4894820" cy="2406208"/>
+          </a:xfrm>
+          <a:prstGeom prst="rect">
+            <a:avLst/>
+          </a:prstGeom>
+        </p:spPr>
+      </p:pic>
+      <p:pic>
+        <p:nvPicPr>
+          <p:cNvPr id="10" name="Image 9">
+            <a:extLst>
+              <a:ext uri="{FF2B5EF4-FFF2-40B4-BE49-F238E27FC236}">
+                <a16:creationId xmlns:a16="http://schemas.microsoft.com/office/drawing/2014/main" id="{7D4073D9-3C2E-4905-0067-089F558F00FC}"/>
+              </a:ext>
+            </a:extLst>
+          </p:cNvPr>
+          <p:cNvPicPr>
+            <a:picLocks noChangeAspect="1"/>
+          </p:cNvPicPr>
+          <p:nvPr/>
+        </p:nvPicPr>
+        <p:blipFill>
+          <a:blip r:embed="rId6"/>
+          <a:stretch>
+            <a:fillRect/>
+          </a:stretch>
+        </p:blipFill>
+        <p:spPr>
+          <a:xfrm>
+            <a:off x="5510970" y="4139262"/>
+            <a:ext cx="5129900" cy="2406207"/>
           </a:xfrm>
           <a:prstGeom prst="rect">
             <a:avLst/>
@@ -8451,7 +9726,7 @@
     </p:spTree>
     <p:extLst>
       <p:ext uri="{BB962C8B-B14F-4D97-AF65-F5344CB8AC3E}">
-        <p14:creationId xmlns:p14="http://schemas.microsoft.com/office/powerpoint/2010/main" val="2338140749"/>
+        <p14:creationId xmlns:p14="http://schemas.microsoft.com/office/powerpoint/2010/main" val="2989805173"/>
       </p:ext>
     </p:extLst>
   </p:cSld>
@@ -8480,18 +9755,24 @@
       </p:grpSpPr>
       <p:sp>
         <p:nvSpPr>
-          <p:cNvPr id="3" name="Espace réservé du texte 2"/>
+          <p:cNvPr id="5" name="Espace réservé du texte 4">
+            <a:extLst>
+              <a:ext uri="{FF2B5EF4-FFF2-40B4-BE49-F238E27FC236}">
+                <a16:creationId xmlns:a16="http://schemas.microsoft.com/office/drawing/2014/main" id="{1429D90B-C1BE-6612-1721-060BFB04F520}"/>
+              </a:ext>
+            </a:extLst>
+          </p:cNvPr>
           <p:cNvSpPr>
             <a:spLocks noGrp="1"/>
           </p:cNvSpPr>
           <p:nvPr>
-            <p:ph type="body" sz="quarter" idx="15"/>
+            <p:ph type="body" sz="quarter" idx="10"/>
           </p:nvPr>
         </p:nvSpPr>
         <p:spPr>
           <a:xfrm>
-            <a:off x="0" y="1522896"/>
-            <a:ext cx="11312525" cy="5408612"/>
+            <a:off x="3657599" y="572710"/>
+            <a:ext cx="7244313" cy="3114707"/>
           </a:xfrm>
         </p:spPr>
         <p:txBody>
@@ -8500,191 +9781,22 @@
           </a:bodyPr>
           <a:lstStyle/>
           <a:p>
-            <a:pPr marL="457200" lvl="2" indent="0">
-              <a:buNone/>
-            </a:pPr>
-            <a:endParaRPr lang="fr-FR" dirty="0"/>
-          </a:p>
-          <a:p>
-            <a:pPr marL="457200" lvl="2" indent="0">
-              <a:buNone/>
-            </a:pPr>
-            <a:endParaRPr lang="fr-FR" dirty="0"/>
-          </a:p>
-          <a:p>
-            <a:pPr marL="0" lvl="1" indent="0">
-              <a:buNone/>
-            </a:pPr>
-            <a:endParaRPr lang="fr-FR" dirty="0"/>
+            <a:r>
+              <a:rPr lang="fr-FR" sz="6000" b="1" dirty="0">
+                <a:solidFill>
+                  <a:srgbClr val="271A38"/>
+                </a:solidFill>
+                <a:latin typeface="Inter"/>
+              </a:rPr>
+              <a:t>Création du parcours employé</a:t>
+            </a:r>
           </a:p>
         </p:txBody>
       </p:sp>
-      <p:sp>
-        <p:nvSpPr>
-          <p:cNvPr id="4" name="Espace réservé du numéro de diapositive 3"/>
-          <p:cNvSpPr>
-            <a:spLocks noGrp="1"/>
-          </p:cNvSpPr>
-          <p:nvPr>
-            <p:ph type="sldNum" sz="quarter" idx="12"/>
-          </p:nvPr>
-        </p:nvSpPr>
-        <p:spPr/>
-        <p:txBody>
-          <a:bodyPr/>
-          <a:lstStyle/>
-          <a:p>
-            <a:pPr algn="ctr"/>
-            <a:fld id="{D2A31418-1713-4700-81B9-AFE7E79F3A99}" type="slidenum">
-              <a:rPr lang="fr-FR" sz="2800" b="1" smtClean="0">
-                <a:solidFill>
-                  <a:schemeClr val="bg1"/>
-                </a:solidFill>
-              </a:rPr>
-              <a:pPr algn="ctr"/>
-              <a:t>24</a:t>
-            </a:fld>
-            <a:endParaRPr lang="fr-FR" b="1" dirty="0">
-              <a:solidFill>
-                <a:schemeClr val="bg1"/>
-              </a:solidFill>
-            </a:endParaRPr>
-          </a:p>
-        </p:txBody>
-      </p:sp>
-      <p:sp>
-        <p:nvSpPr>
-          <p:cNvPr id="6" name="Espace réservé du texte 5"/>
-          <p:cNvSpPr>
-            <a:spLocks noGrp="1"/>
-          </p:cNvSpPr>
-          <p:nvPr>
-            <p:ph type="body" sz="quarter" idx="17"/>
-          </p:nvPr>
-        </p:nvSpPr>
-        <p:spPr>
-          <a:xfrm>
-            <a:off x="-168965" y="204788"/>
-            <a:ext cx="8096940" cy="942975"/>
-          </a:xfrm>
-        </p:spPr>
-        <p:txBody>
-          <a:bodyPr/>
-          <a:lstStyle/>
-          <a:p>
-            <a:r>
-              <a:rPr lang="fr-FR" dirty="0"/>
-              <a:t>Création du parcours employé</a:t>
-            </a:r>
-          </a:p>
-        </p:txBody>
-      </p:sp>
-      <p:pic>
-        <p:nvPicPr>
-          <p:cNvPr id="2" name="Picture 2">
-            <a:extLst>
-              <a:ext uri="{FF2B5EF4-FFF2-40B4-BE49-F238E27FC236}">
-                <a16:creationId xmlns:a16="http://schemas.microsoft.com/office/drawing/2014/main" id="{17615C60-5E06-9DE0-6A42-7B4D96C83B85}"/>
-              </a:ext>
-            </a:extLst>
-          </p:cNvPr>
-          <p:cNvPicPr>
-            <a:picLocks noChangeAspect="1" noChangeArrowheads="1"/>
-          </p:cNvPicPr>
-          <p:nvPr/>
-        </p:nvPicPr>
-        <p:blipFill>
-          <a:blip r:embed="rId2">
-            <a:extLst>
-              <a:ext uri="{BEBA8EAE-BF5A-486C-A8C5-ECC9F3942E4B}">
-                <a14:imgProps xmlns:a14="http://schemas.microsoft.com/office/drawing/2010/main">
-                  <a14:imgLayer r:embed="rId3">
-                    <a14:imgEffect>
-                      <a14:backgroundRemoval t="10000" b="90000" l="10000" r="90000">
-                        <a14:foregroundMark x1="21362" y1="39583" x2="21362" y2="39583"/>
-                        <a14:foregroundMark x1="27230" y1="39583" x2="27230" y2="39583"/>
-                        <a14:foregroundMark x1="20657" y1="45313" x2="20657" y2="45313"/>
-                        <a14:foregroundMark x1="21127" y1="52604" x2="21127" y2="52604"/>
-                        <a14:foregroundMark x1="20892" y1="59896" x2="20892" y2="59896"/>
-                        <a14:foregroundMark x1="28169" y1="58333" x2="28169" y2="58333"/>
-                        <a14:foregroundMark x1="27700" y1="52604" x2="27700" y2="52604"/>
-                        <a14:foregroundMark x1="27230" y1="46354" x2="27230" y2="46354"/>
-                        <a14:foregroundMark x1="42723" y1="45833" x2="42723" y2="45833"/>
-                        <a14:foregroundMark x1="54460" y1="48438" x2="54460" y2="48438"/>
-                        <a14:foregroundMark x1="59624" y1="42188" x2="59624" y2="42188"/>
-                        <a14:foregroundMark x1="64789" y1="39583" x2="64789" y2="39583"/>
-                        <a14:foregroundMark x1="68779" y1="50000" x2="68779" y2="50000"/>
-                        <a14:foregroundMark x1="78873" y1="50521" x2="78873" y2="50521"/>
-                        <a14:foregroundMark x1="54460" y1="36458" x2="54460" y2="36458"/>
-                      </a14:backgroundRemoval>
-                    </a14:imgEffect>
-                  </a14:imgLayer>
-                </a14:imgProps>
-              </a:ext>
-              <a:ext uri="{28A0092B-C50C-407E-A947-70E740481C1C}">
-                <a14:useLocalDpi xmlns:a14="http://schemas.microsoft.com/office/drawing/2010/main" val="0"/>
-              </a:ext>
-            </a:extLst>
-          </a:blip>
-          <a:srcRect/>
-          <a:stretch>
-            <a:fillRect/>
-          </a:stretch>
-        </p:blipFill>
-        <p:spPr bwMode="auto">
-          <a:xfrm>
-            <a:off x="8249477" y="17004"/>
-            <a:ext cx="2320787" cy="1045989"/>
-          </a:xfrm>
-          <a:prstGeom prst="rect">
-            <a:avLst/>
-          </a:prstGeom>
-          <a:noFill/>
-          <a:extLst>
-            <a:ext uri="{909E8E84-426E-40DD-AFC4-6F175D3DCCD1}">
-              <a14:hiddenFill xmlns:a14="http://schemas.microsoft.com/office/drawing/2010/main">
-                <a:solidFill>
-                  <a:srgbClr val="FFFFFF"/>
-                </a:solidFill>
-              </a14:hiddenFill>
-            </a:ext>
-          </a:extLst>
-        </p:spPr>
-      </p:pic>
-      <p:pic>
-        <p:nvPicPr>
-          <p:cNvPr id="7" name="Image 6">
-            <a:extLst>
-              <a:ext uri="{FF2B5EF4-FFF2-40B4-BE49-F238E27FC236}">
-                <a16:creationId xmlns:a16="http://schemas.microsoft.com/office/drawing/2014/main" id="{7A628390-CD91-19C7-13E8-B51A04D53C18}"/>
-              </a:ext>
-            </a:extLst>
-          </p:cNvPr>
-          <p:cNvPicPr>
-            <a:picLocks noChangeAspect="1"/>
-          </p:cNvPicPr>
-          <p:nvPr/>
-        </p:nvPicPr>
-        <p:blipFill>
-          <a:blip r:embed="rId4"/>
-          <a:stretch>
-            <a:fillRect/>
-          </a:stretch>
-        </p:blipFill>
-        <p:spPr>
-          <a:xfrm>
-            <a:off x="1232525" y="1231148"/>
-            <a:ext cx="10080000" cy="4871006"/>
-          </a:xfrm>
-          <a:prstGeom prst="rect">
-            <a:avLst/>
-          </a:prstGeom>
-        </p:spPr>
-      </p:pic>
     </p:spTree>
     <p:extLst>
       <p:ext uri="{BB962C8B-B14F-4D97-AF65-F5344CB8AC3E}">
-        <p14:creationId xmlns:p14="http://schemas.microsoft.com/office/powerpoint/2010/main" val="3705969326"/>
+        <p14:creationId xmlns:p14="http://schemas.microsoft.com/office/powerpoint/2010/main" val="770047967"/>
       </p:ext>
     </p:extLst>
   </p:cSld>
@@ -8776,6 +9888,472 @@
               </a:rPr>
               <a:pPr algn="ctr"/>
               <a:t>25</a:t>
+            </a:fld>
+            <a:endParaRPr lang="fr-FR" b="1" dirty="0">
+              <a:solidFill>
+                <a:schemeClr val="bg1"/>
+              </a:solidFill>
+            </a:endParaRPr>
+          </a:p>
+        </p:txBody>
+      </p:sp>
+      <p:sp>
+        <p:nvSpPr>
+          <p:cNvPr id="6" name="Espace réservé du texte 5"/>
+          <p:cNvSpPr>
+            <a:spLocks noGrp="1"/>
+          </p:cNvSpPr>
+          <p:nvPr>
+            <p:ph type="body" sz="quarter" idx="17"/>
+          </p:nvPr>
+        </p:nvSpPr>
+        <p:spPr>
+          <a:xfrm>
+            <a:off x="-168965" y="204788"/>
+            <a:ext cx="8096940" cy="942975"/>
+          </a:xfrm>
+        </p:spPr>
+        <p:txBody>
+          <a:bodyPr/>
+          <a:lstStyle/>
+          <a:p>
+            <a:r>
+              <a:rPr lang="fr-FR" dirty="0"/>
+              <a:t>Création du parcours employé</a:t>
+            </a:r>
+          </a:p>
+        </p:txBody>
+      </p:sp>
+      <p:pic>
+        <p:nvPicPr>
+          <p:cNvPr id="2" name="Picture 2">
+            <a:extLst>
+              <a:ext uri="{FF2B5EF4-FFF2-40B4-BE49-F238E27FC236}">
+                <a16:creationId xmlns:a16="http://schemas.microsoft.com/office/drawing/2014/main" id="{17615C60-5E06-9DE0-6A42-7B4D96C83B85}"/>
+              </a:ext>
+            </a:extLst>
+          </p:cNvPr>
+          <p:cNvPicPr>
+            <a:picLocks noChangeAspect="1" noChangeArrowheads="1"/>
+          </p:cNvPicPr>
+          <p:nvPr/>
+        </p:nvPicPr>
+        <p:blipFill>
+          <a:blip r:embed="rId2">
+            <a:extLst>
+              <a:ext uri="{BEBA8EAE-BF5A-486C-A8C5-ECC9F3942E4B}">
+                <a14:imgProps xmlns:a14="http://schemas.microsoft.com/office/drawing/2010/main">
+                  <a14:imgLayer r:embed="rId3">
+                    <a14:imgEffect>
+                      <a14:backgroundRemoval t="10000" b="90000" l="10000" r="90000">
+                        <a14:foregroundMark x1="21362" y1="39583" x2="21362" y2="39583"/>
+                        <a14:foregroundMark x1="27230" y1="39583" x2="27230" y2="39583"/>
+                        <a14:foregroundMark x1="20657" y1="45313" x2="20657" y2="45313"/>
+                        <a14:foregroundMark x1="21127" y1="52604" x2="21127" y2="52604"/>
+                        <a14:foregroundMark x1="20892" y1="59896" x2="20892" y2="59896"/>
+                        <a14:foregroundMark x1="28169" y1="58333" x2="28169" y2="58333"/>
+                        <a14:foregroundMark x1="27700" y1="52604" x2="27700" y2="52604"/>
+                        <a14:foregroundMark x1="27230" y1="46354" x2="27230" y2="46354"/>
+                        <a14:foregroundMark x1="42723" y1="45833" x2="42723" y2="45833"/>
+                        <a14:foregroundMark x1="54460" y1="48438" x2="54460" y2="48438"/>
+                        <a14:foregroundMark x1="59624" y1="42188" x2="59624" y2="42188"/>
+                        <a14:foregroundMark x1="64789" y1="39583" x2="64789" y2="39583"/>
+                        <a14:foregroundMark x1="68779" y1="50000" x2="68779" y2="50000"/>
+                        <a14:foregroundMark x1="78873" y1="50521" x2="78873" y2="50521"/>
+                        <a14:foregroundMark x1="54460" y1="36458" x2="54460" y2="36458"/>
+                      </a14:backgroundRemoval>
+                    </a14:imgEffect>
+                  </a14:imgLayer>
+                </a14:imgProps>
+              </a:ext>
+              <a:ext uri="{28A0092B-C50C-407E-A947-70E740481C1C}">
+                <a14:useLocalDpi xmlns:a14="http://schemas.microsoft.com/office/drawing/2010/main" val="0"/>
+              </a:ext>
+            </a:extLst>
+          </a:blip>
+          <a:srcRect/>
+          <a:stretch>
+            <a:fillRect/>
+          </a:stretch>
+        </p:blipFill>
+        <p:spPr bwMode="auto">
+          <a:xfrm>
+            <a:off x="8249477" y="17004"/>
+            <a:ext cx="2320787" cy="1045989"/>
+          </a:xfrm>
+          <a:prstGeom prst="rect">
+            <a:avLst/>
+          </a:prstGeom>
+          <a:noFill/>
+          <a:extLst>
+            <a:ext uri="{909E8E84-426E-40DD-AFC4-6F175D3DCCD1}">
+              <a14:hiddenFill xmlns:a14="http://schemas.microsoft.com/office/drawing/2010/main">
+                <a:solidFill>
+                  <a:srgbClr val="FFFFFF"/>
+                </a:solidFill>
+              </a14:hiddenFill>
+            </a:ext>
+          </a:extLst>
+        </p:spPr>
+      </p:pic>
+      <p:pic>
+        <p:nvPicPr>
+          <p:cNvPr id="5" name="Image 4">
+            <a:extLst>
+              <a:ext uri="{FF2B5EF4-FFF2-40B4-BE49-F238E27FC236}">
+                <a16:creationId xmlns:a16="http://schemas.microsoft.com/office/drawing/2014/main" id="{E3806C8B-0DAB-599B-2AE9-D08BD43526B1}"/>
+              </a:ext>
+            </a:extLst>
+          </p:cNvPr>
+          <p:cNvPicPr>
+            <a:picLocks noChangeAspect="1"/>
+          </p:cNvPicPr>
+          <p:nvPr/>
+        </p:nvPicPr>
+        <p:blipFill>
+          <a:blip r:embed="rId4"/>
+          <a:stretch>
+            <a:fillRect/>
+          </a:stretch>
+        </p:blipFill>
+        <p:spPr>
+          <a:xfrm>
+            <a:off x="1056000" y="1607666"/>
+            <a:ext cx="10080000" cy="5149349"/>
+          </a:xfrm>
+          <a:prstGeom prst="rect">
+            <a:avLst/>
+          </a:prstGeom>
+        </p:spPr>
+      </p:pic>
+    </p:spTree>
+    <p:extLst>
+      <p:ext uri="{BB962C8B-B14F-4D97-AF65-F5344CB8AC3E}">
+        <p14:creationId xmlns:p14="http://schemas.microsoft.com/office/powerpoint/2010/main" val="2338140749"/>
+      </p:ext>
+    </p:extLst>
+  </p:cSld>
+  <p:clrMapOvr>
+    <a:masterClrMapping/>
+  </p:clrMapOvr>
+</p:sld>
+</file>
+
+<file path=ppt/slides/slide26.xml><?xml version="1.0" encoding="utf-8"?>
+<p:sld xmlns:a="http://schemas.openxmlformats.org/drawingml/2006/main" xmlns:r="http://schemas.openxmlformats.org/officeDocument/2006/relationships" xmlns:p="http://schemas.openxmlformats.org/presentationml/2006/main">
+  <p:cSld>
+    <p:spTree>
+      <p:nvGrpSpPr>
+        <p:cNvPr id="1" name=""/>
+        <p:cNvGrpSpPr/>
+        <p:nvPr/>
+      </p:nvGrpSpPr>
+      <p:grpSpPr>
+        <a:xfrm>
+          <a:off x="0" y="0"/>
+          <a:ext cx="0" cy="0"/>
+          <a:chOff x="0" y="0"/>
+          <a:chExt cx="0" cy="0"/>
+        </a:xfrm>
+      </p:grpSpPr>
+      <p:sp>
+        <p:nvSpPr>
+          <p:cNvPr id="3" name="Espace réservé du texte 2"/>
+          <p:cNvSpPr>
+            <a:spLocks noGrp="1"/>
+          </p:cNvSpPr>
+          <p:nvPr>
+            <p:ph type="body" sz="quarter" idx="15"/>
+          </p:nvPr>
+        </p:nvSpPr>
+        <p:spPr>
+          <a:xfrm>
+            <a:off x="0" y="1522896"/>
+            <a:ext cx="11312525" cy="5408612"/>
+          </a:xfrm>
+        </p:spPr>
+        <p:txBody>
+          <a:bodyPr>
+            <a:normAutofit/>
+          </a:bodyPr>
+          <a:lstStyle/>
+          <a:p>
+            <a:pPr marL="457200" lvl="2" indent="0">
+              <a:buNone/>
+            </a:pPr>
+            <a:endParaRPr lang="fr-FR" dirty="0"/>
+          </a:p>
+          <a:p>
+            <a:pPr marL="457200" lvl="2" indent="0">
+              <a:buNone/>
+            </a:pPr>
+            <a:endParaRPr lang="fr-FR" dirty="0"/>
+          </a:p>
+          <a:p>
+            <a:pPr marL="0" lvl="1" indent="0">
+              <a:buNone/>
+            </a:pPr>
+            <a:endParaRPr lang="fr-FR" dirty="0"/>
+          </a:p>
+        </p:txBody>
+      </p:sp>
+      <p:sp>
+        <p:nvSpPr>
+          <p:cNvPr id="4" name="Espace réservé du numéro de diapositive 3"/>
+          <p:cNvSpPr>
+            <a:spLocks noGrp="1"/>
+          </p:cNvSpPr>
+          <p:nvPr>
+            <p:ph type="sldNum" sz="quarter" idx="12"/>
+          </p:nvPr>
+        </p:nvSpPr>
+        <p:spPr/>
+        <p:txBody>
+          <a:bodyPr/>
+          <a:lstStyle/>
+          <a:p>
+            <a:pPr algn="ctr"/>
+            <a:fld id="{D2A31418-1713-4700-81B9-AFE7E79F3A99}" type="slidenum">
+              <a:rPr lang="fr-FR" sz="2800" b="1" smtClean="0">
+                <a:solidFill>
+                  <a:schemeClr val="bg1"/>
+                </a:solidFill>
+              </a:rPr>
+              <a:pPr algn="ctr"/>
+              <a:t>26</a:t>
+            </a:fld>
+            <a:endParaRPr lang="fr-FR" b="1" dirty="0">
+              <a:solidFill>
+                <a:schemeClr val="bg1"/>
+              </a:solidFill>
+            </a:endParaRPr>
+          </a:p>
+        </p:txBody>
+      </p:sp>
+      <p:sp>
+        <p:nvSpPr>
+          <p:cNvPr id="6" name="Espace réservé du texte 5"/>
+          <p:cNvSpPr>
+            <a:spLocks noGrp="1"/>
+          </p:cNvSpPr>
+          <p:nvPr>
+            <p:ph type="body" sz="quarter" idx="17"/>
+          </p:nvPr>
+        </p:nvSpPr>
+        <p:spPr>
+          <a:xfrm>
+            <a:off x="-168965" y="204788"/>
+            <a:ext cx="8096940" cy="942975"/>
+          </a:xfrm>
+        </p:spPr>
+        <p:txBody>
+          <a:bodyPr/>
+          <a:lstStyle/>
+          <a:p>
+            <a:r>
+              <a:rPr lang="fr-FR" dirty="0"/>
+              <a:t>Création du parcours employé</a:t>
+            </a:r>
+          </a:p>
+        </p:txBody>
+      </p:sp>
+      <p:pic>
+        <p:nvPicPr>
+          <p:cNvPr id="2" name="Picture 2">
+            <a:extLst>
+              <a:ext uri="{FF2B5EF4-FFF2-40B4-BE49-F238E27FC236}">
+                <a16:creationId xmlns:a16="http://schemas.microsoft.com/office/drawing/2014/main" id="{17615C60-5E06-9DE0-6A42-7B4D96C83B85}"/>
+              </a:ext>
+            </a:extLst>
+          </p:cNvPr>
+          <p:cNvPicPr>
+            <a:picLocks noChangeAspect="1" noChangeArrowheads="1"/>
+          </p:cNvPicPr>
+          <p:nvPr/>
+        </p:nvPicPr>
+        <p:blipFill>
+          <a:blip r:embed="rId2">
+            <a:extLst>
+              <a:ext uri="{BEBA8EAE-BF5A-486C-A8C5-ECC9F3942E4B}">
+                <a14:imgProps xmlns:a14="http://schemas.microsoft.com/office/drawing/2010/main">
+                  <a14:imgLayer r:embed="rId3">
+                    <a14:imgEffect>
+                      <a14:backgroundRemoval t="10000" b="90000" l="10000" r="90000">
+                        <a14:foregroundMark x1="21362" y1="39583" x2="21362" y2="39583"/>
+                        <a14:foregroundMark x1="27230" y1="39583" x2="27230" y2="39583"/>
+                        <a14:foregroundMark x1="20657" y1="45313" x2="20657" y2="45313"/>
+                        <a14:foregroundMark x1="21127" y1="52604" x2="21127" y2="52604"/>
+                        <a14:foregroundMark x1="20892" y1="59896" x2="20892" y2="59896"/>
+                        <a14:foregroundMark x1="28169" y1="58333" x2="28169" y2="58333"/>
+                        <a14:foregroundMark x1="27700" y1="52604" x2="27700" y2="52604"/>
+                        <a14:foregroundMark x1="27230" y1="46354" x2="27230" y2="46354"/>
+                        <a14:foregroundMark x1="42723" y1="45833" x2="42723" y2="45833"/>
+                        <a14:foregroundMark x1="54460" y1="48438" x2="54460" y2="48438"/>
+                        <a14:foregroundMark x1="59624" y1="42188" x2="59624" y2="42188"/>
+                        <a14:foregroundMark x1="64789" y1="39583" x2="64789" y2="39583"/>
+                        <a14:foregroundMark x1="68779" y1="50000" x2="68779" y2="50000"/>
+                        <a14:foregroundMark x1="78873" y1="50521" x2="78873" y2="50521"/>
+                        <a14:foregroundMark x1="54460" y1="36458" x2="54460" y2="36458"/>
+                      </a14:backgroundRemoval>
+                    </a14:imgEffect>
+                  </a14:imgLayer>
+                </a14:imgProps>
+              </a:ext>
+              <a:ext uri="{28A0092B-C50C-407E-A947-70E740481C1C}">
+                <a14:useLocalDpi xmlns:a14="http://schemas.microsoft.com/office/drawing/2010/main" val="0"/>
+              </a:ext>
+            </a:extLst>
+          </a:blip>
+          <a:srcRect/>
+          <a:stretch>
+            <a:fillRect/>
+          </a:stretch>
+        </p:blipFill>
+        <p:spPr bwMode="auto">
+          <a:xfrm>
+            <a:off x="8249477" y="17004"/>
+            <a:ext cx="2320787" cy="1045989"/>
+          </a:xfrm>
+          <a:prstGeom prst="rect">
+            <a:avLst/>
+          </a:prstGeom>
+          <a:noFill/>
+          <a:extLst>
+            <a:ext uri="{909E8E84-426E-40DD-AFC4-6F175D3DCCD1}">
+              <a14:hiddenFill xmlns:a14="http://schemas.microsoft.com/office/drawing/2010/main">
+                <a:solidFill>
+                  <a:srgbClr val="FFFFFF"/>
+                </a:solidFill>
+              </a14:hiddenFill>
+            </a:ext>
+          </a:extLst>
+        </p:spPr>
+      </p:pic>
+      <p:pic>
+        <p:nvPicPr>
+          <p:cNvPr id="7" name="Image 6">
+            <a:extLst>
+              <a:ext uri="{FF2B5EF4-FFF2-40B4-BE49-F238E27FC236}">
+                <a16:creationId xmlns:a16="http://schemas.microsoft.com/office/drawing/2014/main" id="{7A628390-CD91-19C7-13E8-B51A04D53C18}"/>
+              </a:ext>
+            </a:extLst>
+          </p:cNvPr>
+          <p:cNvPicPr>
+            <a:picLocks noChangeAspect="1"/>
+          </p:cNvPicPr>
+          <p:nvPr/>
+        </p:nvPicPr>
+        <p:blipFill>
+          <a:blip r:embed="rId4"/>
+          <a:stretch>
+            <a:fillRect/>
+          </a:stretch>
+        </p:blipFill>
+        <p:spPr>
+          <a:xfrm>
+            <a:off x="1232525" y="1231148"/>
+            <a:ext cx="10080000" cy="4871006"/>
+          </a:xfrm>
+          <a:prstGeom prst="rect">
+            <a:avLst/>
+          </a:prstGeom>
+        </p:spPr>
+      </p:pic>
+    </p:spTree>
+    <p:extLst>
+      <p:ext uri="{BB962C8B-B14F-4D97-AF65-F5344CB8AC3E}">
+        <p14:creationId xmlns:p14="http://schemas.microsoft.com/office/powerpoint/2010/main" val="3705969326"/>
+      </p:ext>
+    </p:extLst>
+  </p:cSld>
+  <p:clrMapOvr>
+    <a:masterClrMapping/>
+  </p:clrMapOvr>
+</p:sld>
+</file>
+
+<file path=ppt/slides/slide27.xml><?xml version="1.0" encoding="utf-8"?>
+<p:sld xmlns:a="http://schemas.openxmlformats.org/drawingml/2006/main" xmlns:r="http://schemas.openxmlformats.org/officeDocument/2006/relationships" xmlns:p="http://schemas.openxmlformats.org/presentationml/2006/main">
+  <p:cSld>
+    <p:spTree>
+      <p:nvGrpSpPr>
+        <p:cNvPr id="1" name=""/>
+        <p:cNvGrpSpPr/>
+        <p:nvPr/>
+      </p:nvGrpSpPr>
+      <p:grpSpPr>
+        <a:xfrm>
+          <a:off x="0" y="0"/>
+          <a:ext cx="0" cy="0"/>
+          <a:chOff x="0" y="0"/>
+          <a:chExt cx="0" cy="0"/>
+        </a:xfrm>
+      </p:grpSpPr>
+      <p:sp>
+        <p:nvSpPr>
+          <p:cNvPr id="3" name="Espace réservé du texte 2"/>
+          <p:cNvSpPr>
+            <a:spLocks noGrp="1"/>
+          </p:cNvSpPr>
+          <p:nvPr>
+            <p:ph type="body" sz="quarter" idx="15"/>
+          </p:nvPr>
+        </p:nvSpPr>
+        <p:spPr>
+          <a:xfrm>
+            <a:off x="0" y="1522896"/>
+            <a:ext cx="11312525" cy="5408612"/>
+          </a:xfrm>
+        </p:spPr>
+        <p:txBody>
+          <a:bodyPr>
+            <a:normAutofit/>
+          </a:bodyPr>
+          <a:lstStyle/>
+          <a:p>
+            <a:pPr marL="457200" lvl="2" indent="0">
+              <a:buNone/>
+            </a:pPr>
+            <a:endParaRPr lang="fr-FR" dirty="0"/>
+          </a:p>
+          <a:p>
+            <a:pPr marL="457200" lvl="2" indent="0">
+              <a:buNone/>
+            </a:pPr>
+            <a:endParaRPr lang="fr-FR" dirty="0"/>
+          </a:p>
+          <a:p>
+            <a:pPr marL="0" lvl="1" indent="0">
+              <a:buNone/>
+            </a:pPr>
+            <a:endParaRPr lang="fr-FR" dirty="0"/>
+          </a:p>
+        </p:txBody>
+      </p:sp>
+      <p:sp>
+        <p:nvSpPr>
+          <p:cNvPr id="4" name="Espace réservé du numéro de diapositive 3"/>
+          <p:cNvSpPr>
+            <a:spLocks noGrp="1"/>
+          </p:cNvSpPr>
+          <p:nvPr>
+            <p:ph type="sldNum" sz="quarter" idx="12"/>
+          </p:nvPr>
+        </p:nvSpPr>
+        <p:spPr/>
+        <p:txBody>
+          <a:bodyPr/>
+          <a:lstStyle/>
+          <a:p>
+            <a:pPr algn="ctr"/>
+            <a:fld id="{D2A31418-1713-4700-81B9-AFE7E79F3A99}" type="slidenum">
+              <a:rPr lang="fr-FR" sz="2800" b="1" smtClean="0">
+                <a:solidFill>
+                  <a:schemeClr val="bg1"/>
+                </a:solidFill>
+              </a:rPr>
+              <a:pPr algn="ctr"/>
+              <a:t>27</a:t>
             </a:fld>
             <a:endParaRPr lang="fr-FR" b="1" dirty="0">
               <a:solidFill>
@@ -9339,8 +10917,25 @@
                 <a:effectLst/>
                 <a:latin typeface="Inter"/>
               </a:rPr>
-              <a:t>Présentation des 4 bugs</a:t>
-            </a:r>
+              <a:t>Rapport de test </a:t>
+            </a:r>
+            <a:r>
+              <a:rPr lang="fr-FR" sz="6000" b="1" i="0" dirty="0" err="1">
+                <a:solidFill>
+                  <a:schemeClr val="tx1"/>
+                </a:solidFill>
+                <a:effectLst/>
+                <a:latin typeface="Inter"/>
+              </a:rPr>
+              <a:t>Jest</a:t>
+            </a:r>
+            <a:endParaRPr lang="fr-FR" sz="6000" b="1" i="0" dirty="0">
+              <a:solidFill>
+                <a:schemeClr val="tx1"/>
+              </a:solidFill>
+              <a:effectLst/>
+              <a:latin typeface="Inter"/>
+            </a:endParaRPr>
           </a:p>
         </p:txBody>
       </p:sp>
@@ -9374,6 +10969,799 @@
           <a:chExt cx="0" cy="0"/>
         </a:xfrm>
       </p:grpSpPr>
+      <p:pic>
+        <p:nvPicPr>
+          <p:cNvPr id="9" name="Image 8">
+            <a:extLst>
+              <a:ext uri="{FF2B5EF4-FFF2-40B4-BE49-F238E27FC236}">
+                <a16:creationId xmlns:a16="http://schemas.microsoft.com/office/drawing/2014/main" id="{DE8D2028-33FD-6AF4-4CED-C701FD7CD6A5}"/>
+              </a:ext>
+            </a:extLst>
+          </p:cNvPr>
+          <p:cNvPicPr>
+            <a:picLocks noChangeAspect="1"/>
+          </p:cNvPicPr>
+          <p:nvPr/>
+        </p:nvPicPr>
+        <p:blipFill>
+          <a:blip r:embed="rId2"/>
+          <a:stretch>
+            <a:fillRect/>
+          </a:stretch>
+        </p:blipFill>
+        <p:spPr>
+          <a:xfrm>
+            <a:off x="6090677" y="1644239"/>
+            <a:ext cx="5922634" cy="1355179"/>
+          </a:xfrm>
+          <a:prstGeom prst="rect">
+            <a:avLst/>
+          </a:prstGeom>
+        </p:spPr>
+      </p:pic>
+      <p:sp>
+        <p:nvSpPr>
+          <p:cNvPr id="4" name="Espace réservé du numéro de diapositive 3"/>
+          <p:cNvSpPr>
+            <a:spLocks noGrp="1"/>
+          </p:cNvSpPr>
+          <p:nvPr>
+            <p:ph type="sldNum" sz="quarter" idx="12"/>
+          </p:nvPr>
+        </p:nvSpPr>
+        <p:spPr/>
+        <p:txBody>
+          <a:bodyPr/>
+          <a:lstStyle/>
+          <a:p>
+            <a:pPr algn="ctr"/>
+            <a:fld id="{D2A31418-1713-4700-81B9-AFE7E79F3A99}" type="slidenum">
+              <a:rPr lang="fr-FR" sz="2800" b="1" smtClean="0">
+                <a:solidFill>
+                  <a:schemeClr val="bg1"/>
+                </a:solidFill>
+              </a:rPr>
+              <a:pPr algn="ctr"/>
+              <a:t>6</a:t>
+            </a:fld>
+            <a:endParaRPr lang="fr-FR" b="1" dirty="0">
+              <a:solidFill>
+                <a:schemeClr val="bg1"/>
+              </a:solidFill>
+            </a:endParaRPr>
+          </a:p>
+        </p:txBody>
+      </p:sp>
+      <p:sp>
+        <p:nvSpPr>
+          <p:cNvPr id="6" name="Espace réservé du texte 5"/>
+          <p:cNvSpPr>
+            <a:spLocks noGrp="1"/>
+          </p:cNvSpPr>
+          <p:nvPr>
+            <p:ph type="body" sz="quarter" idx="17"/>
+          </p:nvPr>
+        </p:nvSpPr>
+        <p:spPr/>
+        <p:txBody>
+          <a:bodyPr/>
+          <a:lstStyle/>
+          <a:p>
+            <a:r>
+              <a:rPr lang="fr-FR" dirty="0"/>
+              <a:t>Rapport de test </a:t>
+            </a:r>
+            <a:r>
+              <a:rPr lang="fr-FR" dirty="0" err="1"/>
+              <a:t>Jest</a:t>
+            </a:r>
+            <a:endParaRPr lang="fr-FR" dirty="0"/>
+          </a:p>
+        </p:txBody>
+      </p:sp>
+      <p:pic>
+        <p:nvPicPr>
+          <p:cNvPr id="2" name="Picture 2">
+            <a:extLst>
+              <a:ext uri="{FF2B5EF4-FFF2-40B4-BE49-F238E27FC236}">
+                <a16:creationId xmlns:a16="http://schemas.microsoft.com/office/drawing/2014/main" id="{17615C60-5E06-9DE0-6A42-7B4D96C83B85}"/>
+              </a:ext>
+            </a:extLst>
+          </p:cNvPr>
+          <p:cNvPicPr>
+            <a:picLocks noChangeAspect="1" noChangeArrowheads="1"/>
+          </p:cNvPicPr>
+          <p:nvPr/>
+        </p:nvPicPr>
+        <p:blipFill>
+          <a:blip r:embed="rId3">
+            <a:extLst>
+              <a:ext uri="{BEBA8EAE-BF5A-486C-A8C5-ECC9F3942E4B}">
+                <a14:imgProps xmlns:a14="http://schemas.microsoft.com/office/drawing/2010/main">
+                  <a14:imgLayer r:embed="rId4">
+                    <a14:imgEffect>
+                      <a14:backgroundRemoval t="10000" b="90000" l="10000" r="90000">
+                        <a14:foregroundMark x1="21362" y1="39583" x2="21362" y2="39583"/>
+                        <a14:foregroundMark x1="27230" y1="39583" x2="27230" y2="39583"/>
+                        <a14:foregroundMark x1="20657" y1="45313" x2="20657" y2="45313"/>
+                        <a14:foregroundMark x1="21127" y1="52604" x2="21127" y2="52604"/>
+                        <a14:foregroundMark x1="20892" y1="59896" x2="20892" y2="59896"/>
+                        <a14:foregroundMark x1="28169" y1="58333" x2="28169" y2="58333"/>
+                        <a14:foregroundMark x1="27700" y1="52604" x2="27700" y2="52604"/>
+                        <a14:foregroundMark x1="27230" y1="46354" x2="27230" y2="46354"/>
+                        <a14:foregroundMark x1="42723" y1="45833" x2="42723" y2="45833"/>
+                        <a14:foregroundMark x1="54460" y1="48438" x2="54460" y2="48438"/>
+                        <a14:foregroundMark x1="59624" y1="42188" x2="59624" y2="42188"/>
+                        <a14:foregroundMark x1="64789" y1="39583" x2="64789" y2="39583"/>
+                        <a14:foregroundMark x1="68779" y1="50000" x2="68779" y2="50000"/>
+                        <a14:foregroundMark x1="78873" y1="50521" x2="78873" y2="50521"/>
+                        <a14:foregroundMark x1="54460" y1="36458" x2="54460" y2="36458"/>
+                      </a14:backgroundRemoval>
+                    </a14:imgEffect>
+                  </a14:imgLayer>
+                </a14:imgProps>
+              </a:ext>
+              <a:ext uri="{28A0092B-C50C-407E-A947-70E740481C1C}">
+                <a14:useLocalDpi xmlns:a14="http://schemas.microsoft.com/office/drawing/2010/main" val="0"/>
+              </a:ext>
+            </a:extLst>
+          </a:blip>
+          <a:srcRect/>
+          <a:stretch>
+            <a:fillRect/>
+          </a:stretch>
+        </p:blipFill>
+        <p:spPr bwMode="auto">
+          <a:xfrm>
+            <a:off x="8249477" y="17004"/>
+            <a:ext cx="2320787" cy="1045989"/>
+          </a:xfrm>
+          <a:prstGeom prst="rect">
+            <a:avLst/>
+          </a:prstGeom>
+          <a:noFill/>
+          <a:extLst>
+            <a:ext uri="{909E8E84-426E-40DD-AFC4-6F175D3DCCD1}">
+              <a14:hiddenFill xmlns:a14="http://schemas.microsoft.com/office/drawing/2010/main">
+                <a:solidFill>
+                  <a:srgbClr val="FFFFFF"/>
+                </a:solidFill>
+              </a14:hiddenFill>
+            </a:ext>
+          </a:extLst>
+        </p:spPr>
+      </p:pic>
+      <p:pic>
+        <p:nvPicPr>
+          <p:cNvPr id="5" name="Image 4">
+            <a:extLst>
+              <a:ext uri="{FF2B5EF4-FFF2-40B4-BE49-F238E27FC236}">
+                <a16:creationId xmlns:a16="http://schemas.microsoft.com/office/drawing/2014/main" id="{27D8BB16-AE23-6E89-25DE-93C7A1D1CDC0}"/>
+              </a:ext>
+            </a:extLst>
+          </p:cNvPr>
+          <p:cNvPicPr>
+            <a:picLocks noChangeAspect="1"/>
+          </p:cNvPicPr>
+          <p:nvPr/>
+        </p:nvPicPr>
+        <p:blipFill>
+          <a:blip r:embed="rId5"/>
+          <a:stretch>
+            <a:fillRect/>
+          </a:stretch>
+        </p:blipFill>
+        <p:spPr>
+          <a:xfrm>
+            <a:off x="4571858" y="3214487"/>
+            <a:ext cx="5264371" cy="3757672"/>
+          </a:xfrm>
+          <a:prstGeom prst="rect">
+            <a:avLst/>
+          </a:prstGeom>
+        </p:spPr>
+      </p:pic>
+      <p:pic>
+        <p:nvPicPr>
+          <p:cNvPr id="8" name="Image 7">
+            <a:extLst>
+              <a:ext uri="{FF2B5EF4-FFF2-40B4-BE49-F238E27FC236}">
+                <a16:creationId xmlns:a16="http://schemas.microsoft.com/office/drawing/2014/main" id="{66CDFA03-A938-04A6-6D30-26381DD61A79}"/>
+              </a:ext>
+            </a:extLst>
+          </p:cNvPr>
+          <p:cNvPicPr>
+            <a:picLocks noChangeAspect="1"/>
+          </p:cNvPicPr>
+          <p:nvPr/>
+        </p:nvPicPr>
+        <p:blipFill>
+          <a:blip r:embed="rId6"/>
+          <a:stretch>
+            <a:fillRect/>
+          </a:stretch>
+        </p:blipFill>
+        <p:spPr>
+          <a:xfrm>
+            <a:off x="839132" y="1647723"/>
+            <a:ext cx="4421275" cy="1355180"/>
+          </a:xfrm>
+          <a:prstGeom prst="rect">
+            <a:avLst/>
+          </a:prstGeom>
+        </p:spPr>
+      </p:pic>
+      <p:sp>
+        <p:nvSpPr>
+          <p:cNvPr id="10" name="Espace réservé du texte 1">
+            <a:extLst>
+              <a:ext uri="{FF2B5EF4-FFF2-40B4-BE49-F238E27FC236}">
+                <a16:creationId xmlns:a16="http://schemas.microsoft.com/office/drawing/2014/main" id="{6A204A62-F344-A460-B56C-C7F661DEED87}"/>
+              </a:ext>
+            </a:extLst>
+          </p:cNvPr>
+          <p:cNvSpPr>
+            <a:spLocks noGrp="1"/>
+          </p:cNvSpPr>
+          <p:nvPr>
+            <p:ph type="body" sz="quarter" idx="15"/>
+          </p:nvPr>
+        </p:nvSpPr>
+        <p:spPr>
+          <a:xfrm>
+            <a:off x="762934" y="1062993"/>
+            <a:ext cx="3907678" cy="703054"/>
+          </a:xfrm>
+        </p:spPr>
+        <p:txBody>
+          <a:bodyPr>
+            <a:normAutofit/>
+          </a:bodyPr>
+          <a:lstStyle/>
+          <a:p>
+            <a:r>
+              <a:rPr lang="fr-FR" dirty="0"/>
+              <a:t>Rapport de test </a:t>
+            </a:r>
+            <a:r>
+              <a:rPr lang="fr-FR" dirty="0" err="1"/>
+              <a:t>Jest</a:t>
+            </a:r>
+            <a:r>
+              <a:rPr lang="fr-FR" dirty="0"/>
+              <a:t> </a:t>
+            </a:r>
+            <a:r>
+              <a:rPr lang="fr-FR" dirty="0" err="1"/>
+              <a:t>Bills.js</a:t>
+            </a:r>
+            <a:endParaRPr lang="fr-FR" dirty="0"/>
+          </a:p>
+        </p:txBody>
+      </p:sp>
+      <p:sp>
+        <p:nvSpPr>
+          <p:cNvPr id="11" name="Espace réservé du texte 1">
+            <a:extLst>
+              <a:ext uri="{FF2B5EF4-FFF2-40B4-BE49-F238E27FC236}">
+                <a16:creationId xmlns:a16="http://schemas.microsoft.com/office/drawing/2014/main" id="{07AFB2C7-2C09-CB52-28BF-E954DFD7E9FE}"/>
+              </a:ext>
+            </a:extLst>
+          </p:cNvPr>
+          <p:cNvSpPr txBox="1">
+            <a:spLocks/>
+          </p:cNvSpPr>
+          <p:nvPr/>
+        </p:nvSpPr>
+        <p:spPr>
+          <a:xfrm>
+            <a:off x="6090677" y="1061624"/>
+            <a:ext cx="3907678" cy="703054"/>
+          </a:xfrm>
+          <a:prstGeom prst="rect">
+            <a:avLst/>
+          </a:prstGeom>
+        </p:spPr>
+        <p:txBody>
+          <a:bodyPr vert="horz" lIns="91440" tIns="45720" rIns="91440" bIns="45720" rtlCol="0">
+            <a:normAutofit/>
+          </a:bodyPr>
+          <a:lstStyle>
+            <a:lvl1pPr marL="0" indent="0" algn="l" defTabSz="914400" rtl="0" eaLnBrk="1" latinLnBrk="0" hangingPunct="1">
+              <a:lnSpc>
+                <a:spcPct val="90000"/>
+              </a:lnSpc>
+              <a:spcBef>
+                <a:spcPts val="1000"/>
+              </a:spcBef>
+              <a:buFont typeface="Arial" panose="020B0604020202020204" pitchFamily="34" charset="0"/>
+              <a:buNone/>
+              <a:defRPr sz="2400" kern="1200">
+                <a:solidFill>
+                  <a:srgbClr val="546D79"/>
+                </a:solidFill>
+                <a:latin typeface="+mn-lt"/>
+                <a:ea typeface="+mn-ea"/>
+                <a:cs typeface="+mn-cs"/>
+              </a:defRPr>
+            </a:lvl1pPr>
+            <a:lvl2pPr marL="685800" indent="-228600" algn="l" defTabSz="914400" rtl="0" eaLnBrk="1" latinLnBrk="0" hangingPunct="1">
+              <a:lnSpc>
+                <a:spcPct val="90000"/>
+              </a:lnSpc>
+              <a:spcBef>
+                <a:spcPts val="500"/>
+              </a:spcBef>
+              <a:buFontTx/>
+              <a:buBlip>
+                <a:blip r:embed="rId7"/>
+              </a:buBlip>
+              <a:defRPr sz="2400" kern="1200" baseline="0">
+                <a:solidFill>
+                  <a:srgbClr val="546D79"/>
+                </a:solidFill>
+                <a:latin typeface="+mn-lt"/>
+                <a:ea typeface="+mn-ea"/>
+                <a:cs typeface="+mn-cs"/>
+              </a:defRPr>
+            </a:lvl2pPr>
+            <a:lvl3pPr marL="1143000" indent="-228600" algn="l" defTabSz="914400" rtl="0" eaLnBrk="1" latinLnBrk="0" hangingPunct="1">
+              <a:lnSpc>
+                <a:spcPct val="90000"/>
+              </a:lnSpc>
+              <a:spcBef>
+                <a:spcPts val="500"/>
+              </a:spcBef>
+              <a:buClr>
+                <a:srgbClr val="39A9DC"/>
+              </a:buClr>
+              <a:buFontTx/>
+              <a:buBlip>
+                <a:blip r:embed="rId7"/>
+              </a:buBlip>
+              <a:defRPr sz="2400" kern="1200" baseline="0">
+                <a:solidFill>
+                  <a:srgbClr val="546D79"/>
+                </a:solidFill>
+                <a:latin typeface="+mn-lt"/>
+                <a:ea typeface="+mn-ea"/>
+                <a:cs typeface="+mn-cs"/>
+              </a:defRPr>
+            </a:lvl3pPr>
+            <a:lvl4pPr marL="1600200" indent="-228600" algn="l" defTabSz="914400" rtl="0" eaLnBrk="1" latinLnBrk="0" hangingPunct="1">
+              <a:lnSpc>
+                <a:spcPct val="90000"/>
+              </a:lnSpc>
+              <a:spcBef>
+                <a:spcPts val="500"/>
+              </a:spcBef>
+              <a:buFontTx/>
+              <a:buBlip>
+                <a:blip r:embed="rId7"/>
+              </a:buBlip>
+              <a:defRPr sz="2400" kern="1200">
+                <a:solidFill>
+                  <a:srgbClr val="546D79"/>
+                </a:solidFill>
+                <a:latin typeface="+mn-lt"/>
+                <a:ea typeface="+mn-ea"/>
+                <a:cs typeface="+mn-cs"/>
+              </a:defRPr>
+            </a:lvl4pPr>
+            <a:lvl5pPr marL="2057400" indent="-228600" algn="l" defTabSz="914400" rtl="0" eaLnBrk="1" latinLnBrk="0" hangingPunct="1">
+              <a:lnSpc>
+                <a:spcPct val="90000"/>
+              </a:lnSpc>
+              <a:spcBef>
+                <a:spcPts val="500"/>
+              </a:spcBef>
+              <a:buFont typeface="Arial" panose="020B0604020202020204" pitchFamily="34" charset="0"/>
+              <a:buChar char="•"/>
+              <a:defRPr sz="1800" kern="1200">
+                <a:solidFill>
+                  <a:schemeClr val="tx1"/>
+                </a:solidFill>
+                <a:latin typeface="+mn-lt"/>
+                <a:ea typeface="+mn-ea"/>
+                <a:cs typeface="+mn-cs"/>
+              </a:defRPr>
+            </a:lvl5pPr>
+            <a:lvl6pPr marL="2514600" indent="-228600" algn="l" defTabSz="914400" rtl="0" eaLnBrk="1" latinLnBrk="0" hangingPunct="1">
+              <a:lnSpc>
+                <a:spcPct val="90000"/>
+              </a:lnSpc>
+              <a:spcBef>
+                <a:spcPts val="500"/>
+              </a:spcBef>
+              <a:buFont typeface="Arial" panose="020B0604020202020204" pitchFamily="34" charset="0"/>
+              <a:buChar char="•"/>
+              <a:defRPr sz="1800" kern="1200">
+                <a:solidFill>
+                  <a:schemeClr val="tx1"/>
+                </a:solidFill>
+                <a:latin typeface="+mn-lt"/>
+                <a:ea typeface="+mn-ea"/>
+                <a:cs typeface="+mn-cs"/>
+              </a:defRPr>
+            </a:lvl6pPr>
+            <a:lvl7pPr marL="2971800" indent="-228600" algn="l" defTabSz="914400" rtl="0" eaLnBrk="1" latinLnBrk="0" hangingPunct="1">
+              <a:lnSpc>
+                <a:spcPct val="90000"/>
+              </a:lnSpc>
+              <a:spcBef>
+                <a:spcPts val="500"/>
+              </a:spcBef>
+              <a:buFont typeface="Arial" panose="020B0604020202020204" pitchFamily="34" charset="0"/>
+              <a:buChar char="•"/>
+              <a:defRPr sz="1800" kern="1200">
+                <a:solidFill>
+                  <a:schemeClr val="tx1"/>
+                </a:solidFill>
+                <a:latin typeface="+mn-lt"/>
+                <a:ea typeface="+mn-ea"/>
+                <a:cs typeface="+mn-cs"/>
+              </a:defRPr>
+            </a:lvl7pPr>
+            <a:lvl8pPr marL="3429000" indent="-228600" algn="l" defTabSz="914400" rtl="0" eaLnBrk="1" latinLnBrk="0" hangingPunct="1">
+              <a:lnSpc>
+                <a:spcPct val="90000"/>
+              </a:lnSpc>
+              <a:spcBef>
+                <a:spcPts val="500"/>
+              </a:spcBef>
+              <a:buFont typeface="Arial" panose="020B0604020202020204" pitchFamily="34" charset="0"/>
+              <a:buChar char="•"/>
+              <a:defRPr sz="1800" kern="1200">
+                <a:solidFill>
+                  <a:schemeClr val="tx1"/>
+                </a:solidFill>
+                <a:latin typeface="+mn-lt"/>
+                <a:ea typeface="+mn-ea"/>
+                <a:cs typeface="+mn-cs"/>
+              </a:defRPr>
+            </a:lvl8pPr>
+            <a:lvl9pPr marL="3886200" indent="-228600" algn="l" defTabSz="914400" rtl="0" eaLnBrk="1" latinLnBrk="0" hangingPunct="1">
+              <a:lnSpc>
+                <a:spcPct val="90000"/>
+              </a:lnSpc>
+              <a:spcBef>
+                <a:spcPts val="500"/>
+              </a:spcBef>
+              <a:buFont typeface="Arial" panose="020B0604020202020204" pitchFamily="34" charset="0"/>
+              <a:buChar char="•"/>
+              <a:defRPr sz="1800" kern="1200">
+                <a:solidFill>
+                  <a:schemeClr val="tx1"/>
+                </a:solidFill>
+                <a:latin typeface="+mn-lt"/>
+                <a:ea typeface="+mn-ea"/>
+                <a:cs typeface="+mn-cs"/>
+              </a:defRPr>
+            </a:lvl9pPr>
+          </a:lstStyle>
+          <a:p>
+            <a:r>
+              <a:rPr lang="fr-FR"/>
+              <a:t>Rapport de test Jest Bills.js</a:t>
+            </a:r>
+            <a:endParaRPr lang="fr-FR" dirty="0"/>
+          </a:p>
+        </p:txBody>
+      </p:sp>
+      <p:sp>
+        <p:nvSpPr>
+          <p:cNvPr id="14" name="Espace réservé du texte 1">
+            <a:extLst>
+              <a:ext uri="{FF2B5EF4-FFF2-40B4-BE49-F238E27FC236}">
+                <a16:creationId xmlns:a16="http://schemas.microsoft.com/office/drawing/2014/main" id="{C12C973E-625E-2B92-AB56-EA86D1AC5BCA}"/>
+              </a:ext>
+            </a:extLst>
+          </p:cNvPr>
+          <p:cNvSpPr txBox="1">
+            <a:spLocks/>
+          </p:cNvSpPr>
+          <p:nvPr/>
+        </p:nvSpPr>
+        <p:spPr>
+          <a:xfrm>
+            <a:off x="251337" y="5126057"/>
+            <a:ext cx="5264371" cy="703054"/>
+          </a:xfrm>
+          <a:prstGeom prst="rect">
+            <a:avLst/>
+          </a:prstGeom>
+        </p:spPr>
+        <p:txBody>
+          <a:bodyPr vert="horz" lIns="91440" tIns="45720" rIns="91440" bIns="45720" rtlCol="0">
+            <a:normAutofit/>
+          </a:bodyPr>
+          <a:lstStyle>
+            <a:lvl1pPr marL="0" indent="0" algn="l" defTabSz="914400" rtl="0" eaLnBrk="1" latinLnBrk="0" hangingPunct="1">
+              <a:lnSpc>
+                <a:spcPct val="90000"/>
+              </a:lnSpc>
+              <a:spcBef>
+                <a:spcPts val="1000"/>
+              </a:spcBef>
+              <a:buFont typeface="Arial" panose="020B0604020202020204" pitchFamily="34" charset="0"/>
+              <a:buNone/>
+              <a:defRPr sz="2400" kern="1200">
+                <a:solidFill>
+                  <a:srgbClr val="546D79"/>
+                </a:solidFill>
+                <a:latin typeface="+mn-lt"/>
+                <a:ea typeface="+mn-ea"/>
+                <a:cs typeface="+mn-cs"/>
+              </a:defRPr>
+            </a:lvl1pPr>
+            <a:lvl2pPr marL="685800" indent="-228600" algn="l" defTabSz="914400" rtl="0" eaLnBrk="1" latinLnBrk="0" hangingPunct="1">
+              <a:lnSpc>
+                <a:spcPct val="90000"/>
+              </a:lnSpc>
+              <a:spcBef>
+                <a:spcPts val="500"/>
+              </a:spcBef>
+              <a:buFontTx/>
+              <a:buBlip>
+                <a:blip r:embed="rId7"/>
+              </a:buBlip>
+              <a:defRPr sz="2400" kern="1200" baseline="0">
+                <a:solidFill>
+                  <a:srgbClr val="546D79"/>
+                </a:solidFill>
+                <a:latin typeface="+mn-lt"/>
+                <a:ea typeface="+mn-ea"/>
+                <a:cs typeface="+mn-cs"/>
+              </a:defRPr>
+            </a:lvl2pPr>
+            <a:lvl3pPr marL="1143000" indent="-228600" algn="l" defTabSz="914400" rtl="0" eaLnBrk="1" latinLnBrk="0" hangingPunct="1">
+              <a:lnSpc>
+                <a:spcPct val="90000"/>
+              </a:lnSpc>
+              <a:spcBef>
+                <a:spcPts val="500"/>
+              </a:spcBef>
+              <a:buClr>
+                <a:srgbClr val="39A9DC"/>
+              </a:buClr>
+              <a:buFontTx/>
+              <a:buBlip>
+                <a:blip r:embed="rId7"/>
+              </a:buBlip>
+              <a:defRPr sz="2400" kern="1200" baseline="0">
+                <a:solidFill>
+                  <a:srgbClr val="546D79"/>
+                </a:solidFill>
+                <a:latin typeface="+mn-lt"/>
+                <a:ea typeface="+mn-ea"/>
+                <a:cs typeface="+mn-cs"/>
+              </a:defRPr>
+            </a:lvl3pPr>
+            <a:lvl4pPr marL="1600200" indent="-228600" algn="l" defTabSz="914400" rtl="0" eaLnBrk="1" latinLnBrk="0" hangingPunct="1">
+              <a:lnSpc>
+                <a:spcPct val="90000"/>
+              </a:lnSpc>
+              <a:spcBef>
+                <a:spcPts val="500"/>
+              </a:spcBef>
+              <a:buFontTx/>
+              <a:buBlip>
+                <a:blip r:embed="rId7"/>
+              </a:buBlip>
+              <a:defRPr sz="2400" kern="1200">
+                <a:solidFill>
+                  <a:srgbClr val="546D79"/>
+                </a:solidFill>
+                <a:latin typeface="+mn-lt"/>
+                <a:ea typeface="+mn-ea"/>
+                <a:cs typeface="+mn-cs"/>
+              </a:defRPr>
+            </a:lvl4pPr>
+            <a:lvl5pPr marL="2057400" indent="-228600" algn="l" defTabSz="914400" rtl="0" eaLnBrk="1" latinLnBrk="0" hangingPunct="1">
+              <a:lnSpc>
+                <a:spcPct val="90000"/>
+              </a:lnSpc>
+              <a:spcBef>
+                <a:spcPts val="500"/>
+              </a:spcBef>
+              <a:buFont typeface="Arial" panose="020B0604020202020204" pitchFamily="34" charset="0"/>
+              <a:buChar char="•"/>
+              <a:defRPr sz="1800" kern="1200">
+                <a:solidFill>
+                  <a:schemeClr val="tx1"/>
+                </a:solidFill>
+                <a:latin typeface="+mn-lt"/>
+                <a:ea typeface="+mn-ea"/>
+                <a:cs typeface="+mn-cs"/>
+              </a:defRPr>
+            </a:lvl5pPr>
+            <a:lvl6pPr marL="2514600" indent="-228600" algn="l" defTabSz="914400" rtl="0" eaLnBrk="1" latinLnBrk="0" hangingPunct="1">
+              <a:lnSpc>
+                <a:spcPct val="90000"/>
+              </a:lnSpc>
+              <a:spcBef>
+                <a:spcPts val="500"/>
+              </a:spcBef>
+              <a:buFont typeface="Arial" panose="020B0604020202020204" pitchFamily="34" charset="0"/>
+              <a:buChar char="•"/>
+              <a:defRPr sz="1800" kern="1200">
+                <a:solidFill>
+                  <a:schemeClr val="tx1"/>
+                </a:solidFill>
+                <a:latin typeface="+mn-lt"/>
+                <a:ea typeface="+mn-ea"/>
+                <a:cs typeface="+mn-cs"/>
+              </a:defRPr>
+            </a:lvl6pPr>
+            <a:lvl7pPr marL="2971800" indent="-228600" algn="l" defTabSz="914400" rtl="0" eaLnBrk="1" latinLnBrk="0" hangingPunct="1">
+              <a:lnSpc>
+                <a:spcPct val="90000"/>
+              </a:lnSpc>
+              <a:spcBef>
+                <a:spcPts val="500"/>
+              </a:spcBef>
+              <a:buFont typeface="Arial" panose="020B0604020202020204" pitchFamily="34" charset="0"/>
+              <a:buChar char="•"/>
+              <a:defRPr sz="1800" kern="1200">
+                <a:solidFill>
+                  <a:schemeClr val="tx1"/>
+                </a:solidFill>
+                <a:latin typeface="+mn-lt"/>
+                <a:ea typeface="+mn-ea"/>
+                <a:cs typeface="+mn-cs"/>
+              </a:defRPr>
+            </a:lvl7pPr>
+            <a:lvl8pPr marL="3429000" indent="-228600" algn="l" defTabSz="914400" rtl="0" eaLnBrk="1" latinLnBrk="0" hangingPunct="1">
+              <a:lnSpc>
+                <a:spcPct val="90000"/>
+              </a:lnSpc>
+              <a:spcBef>
+                <a:spcPts val="500"/>
+              </a:spcBef>
+              <a:buFont typeface="Arial" panose="020B0604020202020204" pitchFamily="34" charset="0"/>
+              <a:buChar char="•"/>
+              <a:defRPr sz="1800" kern="1200">
+                <a:solidFill>
+                  <a:schemeClr val="tx1"/>
+                </a:solidFill>
+                <a:latin typeface="+mn-lt"/>
+                <a:ea typeface="+mn-ea"/>
+                <a:cs typeface="+mn-cs"/>
+              </a:defRPr>
+            </a:lvl8pPr>
+            <a:lvl9pPr marL="3886200" indent="-228600" algn="l" defTabSz="914400" rtl="0" eaLnBrk="1" latinLnBrk="0" hangingPunct="1">
+              <a:lnSpc>
+                <a:spcPct val="90000"/>
+              </a:lnSpc>
+              <a:spcBef>
+                <a:spcPts val="500"/>
+              </a:spcBef>
+              <a:buFont typeface="Arial" panose="020B0604020202020204" pitchFamily="34" charset="0"/>
+              <a:buChar char="•"/>
+              <a:defRPr sz="1800" kern="1200">
+                <a:solidFill>
+                  <a:schemeClr val="tx1"/>
+                </a:solidFill>
+                <a:latin typeface="+mn-lt"/>
+                <a:ea typeface="+mn-ea"/>
+                <a:cs typeface="+mn-cs"/>
+              </a:defRPr>
+            </a:lvl9pPr>
+          </a:lstStyle>
+          <a:p>
+            <a:r>
+              <a:rPr lang="fr-FR" dirty="0"/>
+              <a:t>Rapport de couverture </a:t>
+            </a:r>
+            <a:r>
+              <a:rPr lang="fr-FR" dirty="0" err="1"/>
+              <a:t>Jest</a:t>
+            </a:r>
+            <a:endParaRPr lang="fr-FR" dirty="0"/>
+          </a:p>
+        </p:txBody>
+      </p:sp>
+    </p:spTree>
+    <p:extLst>
+      <p:ext uri="{BB962C8B-B14F-4D97-AF65-F5344CB8AC3E}">
+        <p14:creationId xmlns:p14="http://schemas.microsoft.com/office/powerpoint/2010/main" val="3697027069"/>
+      </p:ext>
+    </p:extLst>
+  </p:cSld>
+  <p:clrMapOvr>
+    <a:masterClrMapping/>
+  </p:clrMapOvr>
+</p:sld>
+</file>
+
+<file path=ppt/slides/slide7.xml><?xml version="1.0" encoding="utf-8"?>
+<p:sld xmlns:a="http://schemas.openxmlformats.org/drawingml/2006/main" xmlns:r="http://schemas.openxmlformats.org/officeDocument/2006/relationships" xmlns:p="http://schemas.openxmlformats.org/presentationml/2006/main">
+  <p:cSld>
+    <p:spTree>
+      <p:nvGrpSpPr>
+        <p:cNvPr id="1" name=""/>
+        <p:cNvGrpSpPr/>
+        <p:nvPr/>
+      </p:nvGrpSpPr>
+      <p:grpSpPr>
+        <a:xfrm>
+          <a:off x="0" y="0"/>
+          <a:ext cx="0" cy="0"/>
+          <a:chOff x="0" y="0"/>
+          <a:chExt cx="0" cy="0"/>
+        </a:xfrm>
+      </p:grpSpPr>
+      <p:sp>
+        <p:nvSpPr>
+          <p:cNvPr id="5" name="Espace réservé du texte 4">
+            <a:extLst>
+              <a:ext uri="{FF2B5EF4-FFF2-40B4-BE49-F238E27FC236}">
+                <a16:creationId xmlns:a16="http://schemas.microsoft.com/office/drawing/2014/main" id="{1429D90B-C1BE-6612-1721-060BFB04F520}"/>
+              </a:ext>
+            </a:extLst>
+          </p:cNvPr>
+          <p:cNvSpPr>
+            <a:spLocks noGrp="1"/>
+          </p:cNvSpPr>
+          <p:nvPr>
+            <p:ph type="body" sz="quarter" idx="10"/>
+          </p:nvPr>
+        </p:nvSpPr>
+        <p:spPr>
+          <a:xfrm>
+            <a:off x="3588026" y="383867"/>
+            <a:ext cx="7244313" cy="3114707"/>
+          </a:xfrm>
+        </p:spPr>
+        <p:txBody>
+          <a:bodyPr>
+            <a:normAutofit/>
+          </a:bodyPr>
+          <a:lstStyle/>
+          <a:p>
+            <a:r>
+              <a:rPr lang="fr-FR" sz="6000" b="1" i="0" dirty="0">
+                <a:solidFill>
+                  <a:schemeClr val="tx1"/>
+                </a:solidFill>
+                <a:effectLst/>
+                <a:latin typeface="Inter"/>
+              </a:rPr>
+              <a:t>Présentation des 4 bugs</a:t>
+            </a:r>
+          </a:p>
+        </p:txBody>
+      </p:sp>
+    </p:spTree>
+    <p:extLst>
+      <p:ext uri="{BB962C8B-B14F-4D97-AF65-F5344CB8AC3E}">
+        <p14:creationId xmlns:p14="http://schemas.microsoft.com/office/powerpoint/2010/main" val="185717535"/>
+      </p:ext>
+    </p:extLst>
+  </p:cSld>
+  <p:clrMapOvr>
+    <a:masterClrMapping/>
+  </p:clrMapOvr>
+</p:sld>
+</file>
+
+<file path=ppt/slides/slide8.xml><?xml version="1.0" encoding="utf-8"?>
+<p:sld xmlns:a="http://schemas.openxmlformats.org/drawingml/2006/main" xmlns:r="http://schemas.openxmlformats.org/officeDocument/2006/relationships" xmlns:p="http://schemas.openxmlformats.org/presentationml/2006/main">
+  <p:cSld>
+    <p:spTree>
+      <p:nvGrpSpPr>
+        <p:cNvPr id="1" name=""/>
+        <p:cNvGrpSpPr/>
+        <p:nvPr/>
+      </p:nvGrpSpPr>
+      <p:grpSpPr>
+        <a:xfrm>
+          <a:off x="0" y="0"/>
+          <a:ext cx="0" cy="0"/>
+          <a:chOff x="0" y="0"/>
+          <a:chExt cx="0" cy="0"/>
+        </a:xfrm>
+      </p:grpSpPr>
       <p:sp>
         <p:nvSpPr>
           <p:cNvPr id="2" name="Espace réservé du texte 1">
@@ -9486,7 +11874,7 @@
                 </a:solidFill>
               </a:rPr>
               <a:pPr algn="ctr"/>
-              <a:t>6</a:t>
+              <a:t>8</a:t>
             </a:fld>
             <a:endParaRPr lang="fr-FR" b="1" dirty="0">
               <a:solidFill>
@@ -9609,7 +11997,7 @@
 </p:sld>
 </file>
 
-<file path=ppt/slides/slide7.xml><?xml version="1.0" encoding="utf-8"?>
+<file path=ppt/slides/slide9.xml><?xml version="1.0" encoding="utf-8"?>
 <p:sld xmlns:a="http://schemas.openxmlformats.org/drawingml/2006/main" xmlns:r="http://schemas.openxmlformats.org/officeDocument/2006/relationships" xmlns:p="http://schemas.openxmlformats.org/presentationml/2006/main">
   <p:cSld>
     <p:spTree>
@@ -10237,7 +12625,7 @@
                 </a:solidFill>
               </a:rPr>
               <a:pPr algn="ctr"/>
-              <a:t>7</a:t>
+              <a:t>9</a:t>
             </a:fld>
             <a:endParaRPr lang="fr-FR" b="1" dirty="0">
               <a:solidFill>
@@ -10421,1567 +12809,6 @@
     <p:extLst>
       <p:ext uri="{BB962C8B-B14F-4D97-AF65-F5344CB8AC3E}">
         <p14:creationId xmlns:p14="http://schemas.microsoft.com/office/powerpoint/2010/main" val="1853332241"/>
-      </p:ext>
-    </p:extLst>
-  </p:cSld>
-  <p:clrMapOvr>
-    <a:masterClrMapping/>
-  </p:clrMapOvr>
-</p:sld>
-</file>
-
-<file path=ppt/slides/slide8.xml><?xml version="1.0" encoding="utf-8"?>
-<p:sld xmlns:a="http://schemas.openxmlformats.org/drawingml/2006/main" xmlns:r="http://schemas.openxmlformats.org/officeDocument/2006/relationships" xmlns:p="http://schemas.openxmlformats.org/presentationml/2006/main">
-  <p:cSld>
-    <p:spTree>
-      <p:nvGrpSpPr>
-        <p:cNvPr id="1" name=""/>
-        <p:cNvGrpSpPr/>
-        <p:nvPr/>
-      </p:nvGrpSpPr>
-      <p:grpSpPr>
-        <a:xfrm>
-          <a:off x="0" y="0"/>
-          <a:ext cx="0" cy="0"/>
-          <a:chOff x="0" y="0"/>
-          <a:chExt cx="0" cy="0"/>
-        </a:xfrm>
-      </p:grpSpPr>
-      <p:sp>
-        <p:nvSpPr>
-          <p:cNvPr id="2" name="Espace réservé du texte 1">
-            <a:extLst>
-              <a:ext uri="{FF2B5EF4-FFF2-40B4-BE49-F238E27FC236}">
-                <a16:creationId xmlns:a16="http://schemas.microsoft.com/office/drawing/2014/main" id="{AB22C5B3-911B-6062-4672-FF29B3E09BB7}"/>
-              </a:ext>
-            </a:extLst>
-          </p:cNvPr>
-          <p:cNvSpPr>
-            <a:spLocks noGrp="1"/>
-          </p:cNvSpPr>
-          <p:nvPr>
-            <p:ph type="body" sz="quarter" idx="15"/>
-          </p:nvPr>
-        </p:nvSpPr>
-        <p:spPr>
-          <a:xfrm>
-            <a:off x="139147" y="2961861"/>
-            <a:ext cx="7553738" cy="3224212"/>
-          </a:xfrm>
-        </p:spPr>
-        <p:txBody>
-          <a:bodyPr>
-            <a:normAutofit/>
-          </a:bodyPr>
-          <a:lstStyle/>
-          <a:p>
-            <a:r>
-              <a:rPr lang="fr-FR" sz="1600" b="0" dirty="0">
-                <a:solidFill>
-                  <a:srgbClr val="9CDCFE"/>
-                </a:solidFill>
-                <a:effectLst/>
-                <a:latin typeface="Menlo" panose="020B0609030804020204" pitchFamily="49" charset="0"/>
-              </a:rPr>
-              <a:t>email:</a:t>
-            </a:r>
-            <a:r>
-              <a:rPr lang="fr-FR" sz="1600" b="0" dirty="0">
-                <a:solidFill>
-                  <a:srgbClr val="D4D4D4"/>
-                </a:solidFill>
-                <a:effectLst/>
-                <a:latin typeface="Menlo" panose="020B0609030804020204" pitchFamily="49" charset="0"/>
-              </a:rPr>
-              <a:t> </a:t>
-            </a:r>
-            <a:r>
-              <a:rPr lang="fr-FR" sz="1600" b="0" dirty="0" err="1">
-                <a:solidFill>
-                  <a:srgbClr val="9CDCFE"/>
-                </a:solidFill>
-                <a:effectLst/>
-                <a:latin typeface="Menlo" panose="020B0609030804020204" pitchFamily="49" charset="0"/>
-              </a:rPr>
-              <a:t>e</a:t>
-            </a:r>
-            <a:r>
-              <a:rPr lang="fr-FR" sz="1600" b="0" dirty="0" err="1">
-                <a:solidFill>
-                  <a:srgbClr val="D4D4D4"/>
-                </a:solidFill>
-                <a:effectLst/>
-                <a:latin typeface="Menlo" panose="020B0609030804020204" pitchFamily="49" charset="0"/>
-              </a:rPr>
-              <a:t>.</a:t>
-            </a:r>
-            <a:r>
-              <a:rPr lang="fr-FR" sz="1600" b="0" dirty="0" err="1">
-                <a:solidFill>
-                  <a:srgbClr val="9CDCFE"/>
-                </a:solidFill>
-                <a:effectLst/>
-                <a:latin typeface="Menlo" panose="020B0609030804020204" pitchFamily="49" charset="0"/>
-              </a:rPr>
-              <a:t>target</a:t>
-            </a:r>
-            <a:r>
-              <a:rPr lang="fr-FR" sz="1600" b="0" dirty="0" err="1">
-                <a:solidFill>
-                  <a:srgbClr val="D4D4D4"/>
-                </a:solidFill>
-                <a:effectLst/>
-                <a:latin typeface="Menlo" panose="020B0609030804020204" pitchFamily="49" charset="0"/>
-              </a:rPr>
-              <a:t>.</a:t>
-            </a:r>
-            <a:r>
-              <a:rPr lang="fr-FR" sz="1600" b="0" dirty="0" err="1">
-                <a:solidFill>
-                  <a:srgbClr val="DCDCAA"/>
-                </a:solidFill>
-                <a:effectLst/>
-                <a:latin typeface="Menlo" panose="020B0609030804020204" pitchFamily="49" charset="0"/>
-              </a:rPr>
-              <a:t>querySelector</a:t>
-            </a:r>
-            <a:r>
-              <a:rPr lang="fr-FR" sz="1600" b="0" dirty="0">
-                <a:solidFill>
-                  <a:srgbClr val="D4D4D4"/>
-                </a:solidFill>
-                <a:effectLst/>
-                <a:latin typeface="Menlo" panose="020B0609030804020204" pitchFamily="49" charset="0"/>
-              </a:rPr>
-              <a:t>(</a:t>
-            </a:r>
-            <a:r>
-              <a:rPr lang="fr-FR" sz="1600" b="0" dirty="0">
-                <a:solidFill>
-                  <a:srgbClr val="CE9178"/>
-                </a:solidFill>
-                <a:effectLst/>
-                <a:latin typeface="Menlo" panose="020B0609030804020204" pitchFamily="49" charset="0"/>
-              </a:rPr>
-              <a:t>`input[data-</a:t>
-            </a:r>
-            <a:r>
-              <a:rPr lang="fr-FR" sz="1600" b="0" dirty="0" err="1">
-                <a:solidFill>
-                  <a:srgbClr val="CE9178"/>
-                </a:solidFill>
-                <a:effectLst/>
-                <a:latin typeface="Menlo" panose="020B0609030804020204" pitchFamily="49" charset="0"/>
-              </a:rPr>
-              <a:t>testid</a:t>
-            </a:r>
-            <a:r>
-              <a:rPr lang="fr-FR" sz="1600" b="0" dirty="0">
-                <a:solidFill>
-                  <a:srgbClr val="CE9178"/>
-                </a:solidFill>
-                <a:effectLst/>
-                <a:latin typeface="Menlo" panose="020B0609030804020204" pitchFamily="49" charset="0"/>
-              </a:rPr>
-              <a:t>="</a:t>
-            </a:r>
-            <a:r>
-              <a:rPr lang="fr-FR" sz="1600" b="0" dirty="0" err="1">
-                <a:solidFill>
-                  <a:srgbClr val="CE9178"/>
-                </a:solidFill>
-                <a:effectLst/>
-                <a:latin typeface="Menlo" panose="020B0609030804020204" pitchFamily="49" charset="0"/>
-              </a:rPr>
-              <a:t>employee</a:t>
-            </a:r>
-            <a:r>
-              <a:rPr lang="fr-FR" sz="1600" b="0" dirty="0">
-                <a:solidFill>
-                  <a:srgbClr val="CE9178"/>
-                </a:solidFill>
-                <a:effectLst/>
-                <a:latin typeface="Menlo" panose="020B0609030804020204" pitchFamily="49" charset="0"/>
-              </a:rPr>
-              <a:t>-email-input"]`</a:t>
-            </a:r>
-            <a:r>
-              <a:rPr lang="fr-FR" sz="1600" b="0" dirty="0">
-                <a:solidFill>
-                  <a:srgbClr val="D4D4D4"/>
-                </a:solidFill>
-                <a:effectLst/>
-                <a:latin typeface="Menlo" panose="020B0609030804020204" pitchFamily="49" charset="0"/>
-              </a:rPr>
-              <a:t>).</a:t>
-            </a:r>
-            <a:r>
-              <a:rPr lang="fr-FR" sz="1600" b="0" dirty="0">
-                <a:solidFill>
-                  <a:srgbClr val="9CDCFE"/>
-                </a:solidFill>
-                <a:effectLst/>
-                <a:latin typeface="Menlo" panose="020B0609030804020204" pitchFamily="49" charset="0"/>
-              </a:rPr>
-              <a:t>value</a:t>
-            </a:r>
-            <a:r>
-              <a:rPr lang="fr-FR" sz="1600" b="0" dirty="0">
-                <a:solidFill>
-                  <a:srgbClr val="D4D4D4"/>
-                </a:solidFill>
-                <a:effectLst/>
-                <a:latin typeface="Menlo" panose="020B0609030804020204" pitchFamily="49" charset="0"/>
-              </a:rPr>
-              <a:t>,</a:t>
-            </a:r>
-          </a:p>
-          <a:p>
-            <a:r>
-              <a:rPr lang="fr-FR" sz="1600" b="0" dirty="0" err="1">
-                <a:solidFill>
-                  <a:srgbClr val="9CDCFE"/>
-                </a:solidFill>
-                <a:effectLst/>
-                <a:latin typeface="Menlo" panose="020B0609030804020204" pitchFamily="49" charset="0"/>
-              </a:rPr>
-              <a:t>password</a:t>
-            </a:r>
-            <a:r>
-              <a:rPr lang="fr-FR" sz="1600" b="0" dirty="0">
-                <a:solidFill>
-                  <a:srgbClr val="9CDCFE"/>
-                </a:solidFill>
-                <a:effectLst/>
-                <a:latin typeface="Menlo" panose="020B0609030804020204" pitchFamily="49" charset="0"/>
-              </a:rPr>
-              <a:t>:</a:t>
-            </a:r>
-            <a:r>
-              <a:rPr lang="fr-FR" sz="1600" b="0" dirty="0">
-                <a:solidFill>
-                  <a:srgbClr val="D4D4D4"/>
-                </a:solidFill>
-                <a:effectLst/>
-                <a:latin typeface="Menlo" panose="020B0609030804020204" pitchFamily="49" charset="0"/>
-              </a:rPr>
-              <a:t> </a:t>
-            </a:r>
-            <a:r>
-              <a:rPr lang="fr-FR" sz="1600" b="0" dirty="0" err="1">
-                <a:solidFill>
-                  <a:srgbClr val="9CDCFE"/>
-                </a:solidFill>
-                <a:effectLst/>
-                <a:latin typeface="Menlo" panose="020B0609030804020204" pitchFamily="49" charset="0"/>
-              </a:rPr>
-              <a:t>e</a:t>
-            </a:r>
-            <a:r>
-              <a:rPr lang="fr-FR" sz="1600" b="0" dirty="0" err="1">
-                <a:solidFill>
-                  <a:srgbClr val="D4D4D4"/>
-                </a:solidFill>
-                <a:effectLst/>
-                <a:latin typeface="Menlo" panose="020B0609030804020204" pitchFamily="49" charset="0"/>
-              </a:rPr>
-              <a:t>.</a:t>
-            </a:r>
-            <a:r>
-              <a:rPr lang="fr-FR" sz="1600" b="0" dirty="0" err="1">
-                <a:solidFill>
-                  <a:srgbClr val="9CDCFE"/>
-                </a:solidFill>
-                <a:effectLst/>
-                <a:latin typeface="Menlo" panose="020B0609030804020204" pitchFamily="49" charset="0"/>
-              </a:rPr>
-              <a:t>target</a:t>
-            </a:r>
-            <a:r>
-              <a:rPr lang="fr-FR" sz="1600" b="0" dirty="0" err="1">
-                <a:solidFill>
-                  <a:srgbClr val="D4D4D4"/>
-                </a:solidFill>
-                <a:effectLst/>
-                <a:latin typeface="Menlo" panose="020B0609030804020204" pitchFamily="49" charset="0"/>
-              </a:rPr>
-              <a:t>.</a:t>
-            </a:r>
-            <a:r>
-              <a:rPr lang="fr-FR" sz="1600" b="0" dirty="0" err="1">
-                <a:solidFill>
-                  <a:srgbClr val="DCDCAA"/>
-                </a:solidFill>
-                <a:effectLst/>
-                <a:latin typeface="Menlo" panose="020B0609030804020204" pitchFamily="49" charset="0"/>
-              </a:rPr>
-              <a:t>querySelector</a:t>
-            </a:r>
-            <a:r>
-              <a:rPr lang="fr-FR" sz="1600" b="0" dirty="0">
-                <a:solidFill>
-                  <a:srgbClr val="D4D4D4"/>
-                </a:solidFill>
-                <a:effectLst/>
-                <a:latin typeface="Menlo" panose="020B0609030804020204" pitchFamily="49" charset="0"/>
-              </a:rPr>
-              <a:t>(</a:t>
-            </a:r>
-            <a:r>
-              <a:rPr lang="fr-FR" sz="1600" b="0" dirty="0">
-                <a:solidFill>
-                  <a:srgbClr val="CE9178"/>
-                </a:solidFill>
-                <a:effectLst/>
-                <a:latin typeface="Menlo" panose="020B0609030804020204" pitchFamily="49" charset="0"/>
-              </a:rPr>
-              <a:t>`input[data-</a:t>
-            </a:r>
-            <a:r>
-              <a:rPr lang="fr-FR" sz="1600" b="0" dirty="0" err="1">
-                <a:solidFill>
-                  <a:srgbClr val="CE9178"/>
-                </a:solidFill>
-                <a:effectLst/>
-                <a:latin typeface="Menlo" panose="020B0609030804020204" pitchFamily="49" charset="0"/>
-              </a:rPr>
-              <a:t>testid</a:t>
-            </a:r>
-            <a:r>
-              <a:rPr lang="fr-FR" sz="1600" b="0" dirty="0">
-                <a:solidFill>
-                  <a:srgbClr val="CE9178"/>
-                </a:solidFill>
-                <a:effectLst/>
-                <a:latin typeface="Menlo" panose="020B0609030804020204" pitchFamily="49" charset="0"/>
-              </a:rPr>
-              <a:t>="</a:t>
-            </a:r>
-            <a:r>
-              <a:rPr lang="fr-FR" sz="1600" b="0" dirty="0" err="1">
-                <a:solidFill>
-                  <a:srgbClr val="CE9178"/>
-                </a:solidFill>
-                <a:effectLst/>
-                <a:latin typeface="Menlo" panose="020B0609030804020204" pitchFamily="49" charset="0"/>
-              </a:rPr>
-              <a:t>employee</a:t>
-            </a:r>
-            <a:r>
-              <a:rPr lang="fr-FR" sz="1600" b="0" dirty="0">
-                <a:solidFill>
-                  <a:srgbClr val="CE9178"/>
-                </a:solidFill>
-                <a:effectLst/>
-                <a:latin typeface="Menlo" panose="020B0609030804020204" pitchFamily="49" charset="0"/>
-              </a:rPr>
-              <a:t>-</a:t>
-            </a:r>
-            <a:r>
-              <a:rPr lang="fr-FR" sz="1600" b="0" dirty="0" err="1">
-                <a:solidFill>
-                  <a:srgbClr val="CE9178"/>
-                </a:solidFill>
-                <a:effectLst/>
-                <a:latin typeface="Menlo" panose="020B0609030804020204" pitchFamily="49" charset="0"/>
-              </a:rPr>
-              <a:t>password</a:t>
-            </a:r>
-            <a:r>
-              <a:rPr lang="fr-FR" sz="1600" b="0" dirty="0">
-                <a:solidFill>
-                  <a:srgbClr val="CE9178"/>
-                </a:solidFill>
-                <a:effectLst/>
-                <a:latin typeface="Menlo" panose="020B0609030804020204" pitchFamily="49" charset="0"/>
-              </a:rPr>
-              <a:t>-input"]`</a:t>
-            </a:r>
-            <a:r>
-              <a:rPr lang="fr-FR" sz="1600" b="0" dirty="0">
-                <a:solidFill>
-                  <a:srgbClr val="D4D4D4"/>
-                </a:solidFill>
-                <a:effectLst/>
-                <a:latin typeface="Menlo" panose="020B0609030804020204" pitchFamily="49" charset="0"/>
-              </a:rPr>
-              <a:t>).</a:t>
-            </a:r>
-            <a:r>
-              <a:rPr lang="fr-FR" sz="1600" b="0" dirty="0">
-                <a:solidFill>
-                  <a:srgbClr val="9CDCFE"/>
-                </a:solidFill>
-                <a:effectLst/>
-                <a:latin typeface="Menlo" panose="020B0609030804020204" pitchFamily="49" charset="0"/>
-              </a:rPr>
-              <a:t>value</a:t>
-            </a:r>
-            <a:r>
-              <a:rPr lang="fr-FR" sz="1600" b="0" dirty="0">
-                <a:solidFill>
-                  <a:srgbClr val="D4D4D4"/>
-                </a:solidFill>
-                <a:effectLst/>
-                <a:latin typeface="Menlo" panose="020B0609030804020204" pitchFamily="49" charset="0"/>
-              </a:rPr>
-              <a:t>,</a:t>
-            </a:r>
-          </a:p>
-          <a:p>
-            <a:endParaRPr lang="fr-FR" b="0" dirty="0">
-              <a:solidFill>
-                <a:srgbClr val="D4D4D4"/>
-              </a:solidFill>
-              <a:effectLst/>
-              <a:latin typeface="Menlo" panose="020B0609030804020204" pitchFamily="49" charset="0"/>
-            </a:endParaRPr>
-          </a:p>
-          <a:p>
-            <a:r>
-              <a:rPr lang="fr-FR" sz="1600" b="0" dirty="0">
-                <a:solidFill>
-                  <a:srgbClr val="9CDCFE"/>
-                </a:solidFill>
-                <a:effectLst/>
-                <a:latin typeface="Menlo" panose="020B0609030804020204" pitchFamily="49" charset="0"/>
-              </a:rPr>
-              <a:t>email:</a:t>
-            </a:r>
-            <a:r>
-              <a:rPr lang="fr-FR" sz="1600" b="0" dirty="0">
-                <a:solidFill>
-                  <a:srgbClr val="D4D4D4"/>
-                </a:solidFill>
-                <a:effectLst/>
-                <a:latin typeface="Menlo" panose="020B0609030804020204" pitchFamily="49" charset="0"/>
-              </a:rPr>
-              <a:t> </a:t>
-            </a:r>
-            <a:r>
-              <a:rPr lang="fr-FR" sz="1600" b="0" dirty="0" err="1">
-                <a:solidFill>
-                  <a:srgbClr val="9CDCFE"/>
-                </a:solidFill>
-                <a:effectLst/>
-                <a:latin typeface="Menlo" panose="020B0609030804020204" pitchFamily="49" charset="0"/>
-              </a:rPr>
-              <a:t>e</a:t>
-            </a:r>
-            <a:r>
-              <a:rPr lang="fr-FR" sz="1600" b="0" dirty="0" err="1">
-                <a:solidFill>
-                  <a:srgbClr val="D4D4D4"/>
-                </a:solidFill>
-                <a:effectLst/>
-                <a:latin typeface="Menlo" panose="020B0609030804020204" pitchFamily="49" charset="0"/>
-              </a:rPr>
-              <a:t>.</a:t>
-            </a:r>
-            <a:r>
-              <a:rPr lang="fr-FR" sz="1600" b="0" dirty="0" err="1">
-                <a:solidFill>
-                  <a:srgbClr val="9CDCFE"/>
-                </a:solidFill>
-                <a:effectLst/>
-                <a:latin typeface="Menlo" panose="020B0609030804020204" pitchFamily="49" charset="0"/>
-              </a:rPr>
-              <a:t>target</a:t>
-            </a:r>
-            <a:r>
-              <a:rPr lang="fr-FR" sz="1600" b="0" dirty="0" err="1">
-                <a:solidFill>
-                  <a:srgbClr val="D4D4D4"/>
-                </a:solidFill>
-                <a:effectLst/>
-                <a:latin typeface="Menlo" panose="020B0609030804020204" pitchFamily="49" charset="0"/>
-              </a:rPr>
-              <a:t>.</a:t>
-            </a:r>
-            <a:r>
-              <a:rPr lang="fr-FR" sz="1600" b="0" dirty="0" err="1">
-                <a:solidFill>
-                  <a:srgbClr val="DCDCAA"/>
-                </a:solidFill>
-                <a:effectLst/>
-                <a:latin typeface="Menlo" panose="020B0609030804020204" pitchFamily="49" charset="0"/>
-              </a:rPr>
-              <a:t>querySelector</a:t>
-            </a:r>
-            <a:r>
-              <a:rPr lang="fr-FR" sz="1600" b="0" dirty="0">
-                <a:solidFill>
-                  <a:srgbClr val="D4D4D4"/>
-                </a:solidFill>
-                <a:effectLst/>
-                <a:latin typeface="Menlo" panose="020B0609030804020204" pitchFamily="49" charset="0"/>
-              </a:rPr>
-              <a:t>(</a:t>
-            </a:r>
-            <a:r>
-              <a:rPr lang="fr-FR" sz="1600" b="0" dirty="0">
-                <a:solidFill>
-                  <a:srgbClr val="CE9178"/>
-                </a:solidFill>
-                <a:effectLst/>
-                <a:latin typeface="Menlo" panose="020B0609030804020204" pitchFamily="49" charset="0"/>
-              </a:rPr>
-              <a:t>`input[data-</a:t>
-            </a:r>
-            <a:r>
-              <a:rPr lang="fr-FR" sz="1600" b="0" dirty="0" err="1">
-                <a:solidFill>
-                  <a:srgbClr val="CE9178"/>
-                </a:solidFill>
-                <a:effectLst/>
-                <a:latin typeface="Menlo" panose="020B0609030804020204" pitchFamily="49" charset="0"/>
-              </a:rPr>
-              <a:t>testid</a:t>
-            </a:r>
-            <a:r>
-              <a:rPr lang="fr-FR" sz="1600" b="0" dirty="0">
-                <a:solidFill>
-                  <a:srgbClr val="CE9178"/>
-                </a:solidFill>
-                <a:effectLst/>
-                <a:latin typeface="Menlo" panose="020B0609030804020204" pitchFamily="49" charset="0"/>
-              </a:rPr>
-              <a:t>="admin-email-input"]`</a:t>
-            </a:r>
-            <a:r>
-              <a:rPr lang="fr-FR" sz="1600" b="0" dirty="0">
-                <a:solidFill>
-                  <a:srgbClr val="D4D4D4"/>
-                </a:solidFill>
-                <a:effectLst/>
-                <a:latin typeface="Menlo" panose="020B0609030804020204" pitchFamily="49" charset="0"/>
-              </a:rPr>
-              <a:t>).</a:t>
-            </a:r>
-            <a:r>
-              <a:rPr lang="fr-FR" sz="1600" b="0" dirty="0">
-                <a:solidFill>
-                  <a:srgbClr val="9CDCFE"/>
-                </a:solidFill>
-                <a:effectLst/>
-                <a:latin typeface="Menlo" panose="020B0609030804020204" pitchFamily="49" charset="0"/>
-              </a:rPr>
-              <a:t>value</a:t>
-            </a:r>
-            <a:r>
-              <a:rPr lang="fr-FR" sz="1600" b="0" dirty="0">
-                <a:solidFill>
-                  <a:srgbClr val="D4D4D4"/>
-                </a:solidFill>
-                <a:effectLst/>
-                <a:latin typeface="Menlo" panose="020B0609030804020204" pitchFamily="49" charset="0"/>
-              </a:rPr>
-              <a:t>,</a:t>
-            </a:r>
-          </a:p>
-          <a:p>
-            <a:r>
-              <a:rPr lang="fr-FR" sz="1600" b="0" dirty="0" err="1">
-                <a:solidFill>
-                  <a:srgbClr val="9CDCFE"/>
-                </a:solidFill>
-                <a:effectLst/>
-                <a:latin typeface="Menlo" panose="020B0609030804020204" pitchFamily="49" charset="0"/>
-              </a:rPr>
-              <a:t>password</a:t>
-            </a:r>
-            <a:r>
-              <a:rPr lang="fr-FR" sz="1600" b="0" dirty="0">
-                <a:solidFill>
-                  <a:srgbClr val="9CDCFE"/>
-                </a:solidFill>
-                <a:effectLst/>
-                <a:latin typeface="Menlo" panose="020B0609030804020204" pitchFamily="49" charset="0"/>
-              </a:rPr>
-              <a:t>:</a:t>
-            </a:r>
-            <a:r>
-              <a:rPr lang="fr-FR" sz="1600" b="0" dirty="0">
-                <a:solidFill>
-                  <a:srgbClr val="D4D4D4"/>
-                </a:solidFill>
-                <a:effectLst/>
-                <a:latin typeface="Menlo" panose="020B0609030804020204" pitchFamily="49" charset="0"/>
-              </a:rPr>
-              <a:t> </a:t>
-            </a:r>
-            <a:r>
-              <a:rPr lang="fr-FR" sz="1600" b="0" dirty="0" err="1">
-                <a:solidFill>
-                  <a:srgbClr val="9CDCFE"/>
-                </a:solidFill>
-                <a:effectLst/>
-                <a:latin typeface="Menlo" panose="020B0609030804020204" pitchFamily="49" charset="0"/>
-              </a:rPr>
-              <a:t>e</a:t>
-            </a:r>
-            <a:r>
-              <a:rPr lang="fr-FR" sz="1600" b="0" dirty="0" err="1">
-                <a:solidFill>
-                  <a:srgbClr val="D4D4D4"/>
-                </a:solidFill>
-                <a:effectLst/>
-                <a:latin typeface="Menlo" panose="020B0609030804020204" pitchFamily="49" charset="0"/>
-              </a:rPr>
-              <a:t>.</a:t>
-            </a:r>
-            <a:r>
-              <a:rPr lang="fr-FR" sz="1600" b="0" dirty="0" err="1">
-                <a:solidFill>
-                  <a:srgbClr val="9CDCFE"/>
-                </a:solidFill>
-                <a:effectLst/>
-                <a:latin typeface="Menlo" panose="020B0609030804020204" pitchFamily="49" charset="0"/>
-              </a:rPr>
-              <a:t>target</a:t>
-            </a:r>
-            <a:r>
-              <a:rPr lang="fr-FR" sz="1600" b="0" dirty="0" err="1">
-                <a:solidFill>
-                  <a:srgbClr val="D4D4D4"/>
-                </a:solidFill>
-                <a:effectLst/>
-                <a:latin typeface="Menlo" panose="020B0609030804020204" pitchFamily="49" charset="0"/>
-              </a:rPr>
-              <a:t>.</a:t>
-            </a:r>
-            <a:r>
-              <a:rPr lang="fr-FR" sz="1600" b="0" dirty="0" err="1">
-                <a:solidFill>
-                  <a:srgbClr val="DCDCAA"/>
-                </a:solidFill>
-                <a:effectLst/>
-                <a:latin typeface="Menlo" panose="020B0609030804020204" pitchFamily="49" charset="0"/>
-              </a:rPr>
-              <a:t>querySelector</a:t>
-            </a:r>
-            <a:r>
-              <a:rPr lang="fr-FR" sz="1600" b="0" dirty="0">
-                <a:solidFill>
-                  <a:srgbClr val="D4D4D4"/>
-                </a:solidFill>
-                <a:effectLst/>
-                <a:latin typeface="Menlo" panose="020B0609030804020204" pitchFamily="49" charset="0"/>
-              </a:rPr>
-              <a:t>(</a:t>
-            </a:r>
-            <a:r>
-              <a:rPr lang="fr-FR" sz="1600" b="0" dirty="0">
-                <a:solidFill>
-                  <a:srgbClr val="CE9178"/>
-                </a:solidFill>
-                <a:effectLst/>
-                <a:latin typeface="Menlo" panose="020B0609030804020204" pitchFamily="49" charset="0"/>
-              </a:rPr>
-              <a:t>`input[data-</a:t>
-            </a:r>
-            <a:r>
-              <a:rPr lang="fr-FR" sz="1600" b="0" dirty="0" err="1">
-                <a:solidFill>
-                  <a:srgbClr val="CE9178"/>
-                </a:solidFill>
-                <a:effectLst/>
-                <a:latin typeface="Menlo" panose="020B0609030804020204" pitchFamily="49" charset="0"/>
-              </a:rPr>
-              <a:t>testid</a:t>
-            </a:r>
-            <a:r>
-              <a:rPr lang="fr-FR" sz="1600" b="0" dirty="0">
-                <a:solidFill>
-                  <a:srgbClr val="CE9178"/>
-                </a:solidFill>
-                <a:effectLst/>
-                <a:latin typeface="Menlo" panose="020B0609030804020204" pitchFamily="49" charset="0"/>
-              </a:rPr>
-              <a:t>="admin-</a:t>
-            </a:r>
-            <a:r>
-              <a:rPr lang="fr-FR" sz="1600" b="0" dirty="0" err="1">
-                <a:solidFill>
-                  <a:srgbClr val="CE9178"/>
-                </a:solidFill>
-                <a:effectLst/>
-                <a:latin typeface="Menlo" panose="020B0609030804020204" pitchFamily="49" charset="0"/>
-              </a:rPr>
-              <a:t>password</a:t>
-            </a:r>
-            <a:r>
-              <a:rPr lang="fr-FR" sz="1600" b="0" dirty="0">
-                <a:solidFill>
-                  <a:srgbClr val="CE9178"/>
-                </a:solidFill>
-                <a:effectLst/>
-                <a:latin typeface="Menlo" panose="020B0609030804020204" pitchFamily="49" charset="0"/>
-              </a:rPr>
-              <a:t>-input"]`</a:t>
-            </a:r>
-            <a:r>
-              <a:rPr lang="fr-FR" sz="1600" b="0" dirty="0">
-                <a:solidFill>
-                  <a:srgbClr val="D4D4D4"/>
-                </a:solidFill>
-                <a:effectLst/>
-                <a:latin typeface="Menlo" panose="020B0609030804020204" pitchFamily="49" charset="0"/>
-              </a:rPr>
-              <a:t>).</a:t>
-            </a:r>
-            <a:r>
-              <a:rPr lang="fr-FR" sz="1600" b="0" dirty="0">
-                <a:solidFill>
-                  <a:srgbClr val="9CDCFE"/>
-                </a:solidFill>
-                <a:effectLst/>
-                <a:latin typeface="Menlo" panose="020B0609030804020204" pitchFamily="49" charset="0"/>
-              </a:rPr>
-              <a:t>value</a:t>
-            </a:r>
-            <a:r>
-              <a:rPr lang="fr-FR" sz="1600" b="0" dirty="0">
-                <a:solidFill>
-                  <a:srgbClr val="D4D4D4"/>
-                </a:solidFill>
-                <a:effectLst/>
-                <a:latin typeface="Menlo" panose="020B0609030804020204" pitchFamily="49" charset="0"/>
-              </a:rPr>
-              <a:t>,</a:t>
-            </a:r>
-          </a:p>
-          <a:p>
-            <a:pPr>
-              <a:lnSpc>
-                <a:spcPct val="100000"/>
-              </a:lnSpc>
-            </a:pPr>
-            <a:endParaRPr lang="fr-FR" sz="2400" dirty="0"/>
-          </a:p>
-          <a:p>
-            <a:pPr marL="342900" indent="-342900">
-              <a:lnSpc>
-                <a:spcPct val="100000"/>
-              </a:lnSpc>
-              <a:buFont typeface="Arial" panose="020B0604020202020204" pitchFamily="34" charset="0"/>
-              <a:buChar char="•"/>
-            </a:pPr>
-            <a:endParaRPr lang="fr-FR" sz="2400" dirty="0"/>
-          </a:p>
-          <a:p>
-            <a:pPr>
-              <a:lnSpc>
-                <a:spcPct val="100000"/>
-              </a:lnSpc>
-            </a:pPr>
-            <a:endParaRPr lang="fr-FR" sz="3000" dirty="0"/>
-          </a:p>
-          <a:p>
-            <a:pPr marL="457200" indent="-457200">
-              <a:buFont typeface="+mj-lt"/>
-              <a:buAutoNum type="arabicPeriod"/>
-            </a:pPr>
-            <a:endParaRPr lang="fr-FR" dirty="0"/>
-          </a:p>
-        </p:txBody>
-      </p:sp>
-      <p:sp>
-        <p:nvSpPr>
-          <p:cNvPr id="3" name="Espace réservé du numéro de diapositive 2">
-            <a:extLst>
-              <a:ext uri="{FF2B5EF4-FFF2-40B4-BE49-F238E27FC236}">
-                <a16:creationId xmlns:a16="http://schemas.microsoft.com/office/drawing/2014/main" id="{2B89D54C-48EC-0D5F-26B8-7F9E0910704D}"/>
-              </a:ext>
-            </a:extLst>
-          </p:cNvPr>
-          <p:cNvSpPr>
-            <a:spLocks noGrp="1"/>
-          </p:cNvSpPr>
-          <p:nvPr>
-            <p:ph type="sldNum" sz="quarter" idx="12"/>
-          </p:nvPr>
-        </p:nvSpPr>
-        <p:spPr/>
-        <p:txBody>
-          <a:bodyPr/>
-          <a:lstStyle/>
-          <a:p>
-            <a:pPr algn="ctr"/>
-            <a:fld id="{D2A31418-1713-4700-81B9-AFE7E79F3A99}" type="slidenum">
-              <a:rPr lang="fr-FR" sz="2800" b="1" smtClean="0">
-                <a:solidFill>
-                  <a:schemeClr val="bg1"/>
-                </a:solidFill>
-              </a:rPr>
-              <a:pPr algn="ctr"/>
-              <a:t>8</a:t>
-            </a:fld>
-            <a:endParaRPr lang="fr-FR" b="1" dirty="0">
-              <a:solidFill>
-                <a:schemeClr val="bg1"/>
-              </a:solidFill>
-            </a:endParaRPr>
-          </a:p>
-        </p:txBody>
-      </p:sp>
-      <p:sp>
-        <p:nvSpPr>
-          <p:cNvPr id="4" name="Espace réservé du texte 3">
-            <a:extLst>
-              <a:ext uri="{FF2B5EF4-FFF2-40B4-BE49-F238E27FC236}">
-                <a16:creationId xmlns:a16="http://schemas.microsoft.com/office/drawing/2014/main" id="{4DFE6111-D752-4C54-7640-383CC9CB73C8}"/>
-              </a:ext>
-            </a:extLst>
-          </p:cNvPr>
-          <p:cNvSpPr>
-            <a:spLocks noGrp="1"/>
-          </p:cNvSpPr>
-          <p:nvPr>
-            <p:ph type="body" sz="quarter" idx="17"/>
-          </p:nvPr>
-        </p:nvSpPr>
-        <p:spPr>
-          <a:xfrm>
-            <a:off x="418274" y="15945"/>
-            <a:ext cx="7048500" cy="942975"/>
-          </a:xfrm>
-        </p:spPr>
-        <p:txBody>
-          <a:bodyPr/>
-          <a:lstStyle/>
-          <a:p>
-            <a:pPr>
-              <a:lnSpc>
-                <a:spcPct val="150000"/>
-              </a:lnSpc>
-            </a:pPr>
-            <a:r>
-              <a:rPr lang="fr-FR" sz="4000" dirty="0"/>
-              <a:t>anomalie de login ADMIN</a:t>
-            </a:r>
-          </a:p>
-        </p:txBody>
-      </p:sp>
-      <p:pic>
-        <p:nvPicPr>
-          <p:cNvPr id="5" name="Picture 2">
-            <a:extLst>
-              <a:ext uri="{FF2B5EF4-FFF2-40B4-BE49-F238E27FC236}">
-                <a16:creationId xmlns:a16="http://schemas.microsoft.com/office/drawing/2014/main" id="{A6651D3A-6BA0-7CBB-4E84-B4C0257C6737}"/>
-              </a:ext>
-            </a:extLst>
-          </p:cNvPr>
-          <p:cNvPicPr>
-            <a:picLocks noChangeAspect="1" noChangeArrowheads="1"/>
-          </p:cNvPicPr>
-          <p:nvPr/>
-        </p:nvPicPr>
-        <p:blipFill>
-          <a:blip r:embed="rId2">
-            <a:extLst>
-              <a:ext uri="{BEBA8EAE-BF5A-486C-A8C5-ECC9F3942E4B}">
-                <a14:imgProps xmlns:a14="http://schemas.microsoft.com/office/drawing/2010/main">
-                  <a14:imgLayer r:embed="rId3">
-                    <a14:imgEffect>
-                      <a14:backgroundRemoval t="10000" b="90000" l="10000" r="90000">
-                        <a14:foregroundMark x1="21362" y1="39583" x2="21362" y2="39583"/>
-                        <a14:foregroundMark x1="27230" y1="39583" x2="27230" y2="39583"/>
-                        <a14:foregroundMark x1="20657" y1="45313" x2="20657" y2="45313"/>
-                        <a14:foregroundMark x1="21127" y1="52604" x2="21127" y2="52604"/>
-                        <a14:foregroundMark x1="20892" y1="59896" x2="20892" y2="59896"/>
-                        <a14:foregroundMark x1="28169" y1="58333" x2="28169" y2="58333"/>
-                        <a14:foregroundMark x1="27700" y1="52604" x2="27700" y2="52604"/>
-                        <a14:foregroundMark x1="27230" y1="46354" x2="27230" y2="46354"/>
-                        <a14:foregroundMark x1="42723" y1="45833" x2="42723" y2="45833"/>
-                        <a14:foregroundMark x1="54460" y1="48438" x2="54460" y2="48438"/>
-                        <a14:foregroundMark x1="59624" y1="42188" x2="59624" y2="42188"/>
-                        <a14:foregroundMark x1="64789" y1="39583" x2="64789" y2="39583"/>
-                        <a14:foregroundMark x1="68779" y1="50000" x2="68779" y2="50000"/>
-                        <a14:foregroundMark x1="78873" y1="50521" x2="78873" y2="50521"/>
-                        <a14:foregroundMark x1="54460" y1="36458" x2="54460" y2="36458"/>
-                      </a14:backgroundRemoval>
-                    </a14:imgEffect>
-                  </a14:imgLayer>
-                </a14:imgProps>
-              </a:ext>
-              <a:ext uri="{28A0092B-C50C-407E-A947-70E740481C1C}">
-                <a14:useLocalDpi xmlns:a14="http://schemas.microsoft.com/office/drawing/2010/main" val="0"/>
-              </a:ext>
-            </a:extLst>
-          </a:blip>
-          <a:srcRect/>
-          <a:stretch>
-            <a:fillRect/>
-          </a:stretch>
-        </p:blipFill>
-        <p:spPr bwMode="auto">
-          <a:xfrm>
-            <a:off x="8249477" y="17004"/>
-            <a:ext cx="2320787" cy="1045989"/>
-          </a:xfrm>
-          <a:prstGeom prst="rect">
-            <a:avLst/>
-          </a:prstGeom>
-          <a:noFill/>
-          <a:extLst>
-            <a:ext uri="{909E8E84-426E-40DD-AFC4-6F175D3DCCD1}">
-              <a14:hiddenFill xmlns:a14="http://schemas.microsoft.com/office/drawing/2010/main">
-                <a:solidFill>
-                  <a:srgbClr val="FFFFFF"/>
-                </a:solidFill>
-              </a14:hiddenFill>
-            </a:ext>
-          </a:extLst>
-        </p:spPr>
-      </p:pic>
-      <p:pic>
-        <p:nvPicPr>
-          <p:cNvPr id="7" name="Image 6">
-            <a:extLst>
-              <a:ext uri="{FF2B5EF4-FFF2-40B4-BE49-F238E27FC236}">
-                <a16:creationId xmlns:a16="http://schemas.microsoft.com/office/drawing/2014/main" id="{736178D3-38AC-8CEB-4A14-F300DDA9753A}"/>
-              </a:ext>
-            </a:extLst>
-          </p:cNvPr>
-          <p:cNvPicPr>
-            <a:picLocks noChangeAspect="1"/>
-          </p:cNvPicPr>
-          <p:nvPr/>
-        </p:nvPicPr>
-        <p:blipFill>
-          <a:blip r:embed="rId4"/>
-          <a:stretch>
-            <a:fillRect/>
-          </a:stretch>
-        </p:blipFill>
-        <p:spPr>
-          <a:xfrm>
-            <a:off x="7803322" y="1860479"/>
-            <a:ext cx="4570896" cy="4176853"/>
-          </a:xfrm>
-          <a:prstGeom prst="rect">
-            <a:avLst/>
-          </a:prstGeom>
-        </p:spPr>
-      </p:pic>
-      <p:sp>
-        <p:nvSpPr>
-          <p:cNvPr id="8" name="Espace réservé du texte 1">
-            <a:extLst>
-              <a:ext uri="{FF2B5EF4-FFF2-40B4-BE49-F238E27FC236}">
-                <a16:creationId xmlns:a16="http://schemas.microsoft.com/office/drawing/2014/main" id="{A7944711-98BE-EF19-C5A3-3F0FCBF6ABE3}"/>
-              </a:ext>
-            </a:extLst>
-          </p:cNvPr>
-          <p:cNvSpPr txBox="1">
-            <a:spLocks/>
-          </p:cNvSpPr>
-          <p:nvPr/>
-        </p:nvSpPr>
-        <p:spPr>
-          <a:xfrm>
-            <a:off x="139148" y="1244599"/>
-            <a:ext cx="12235069" cy="5408612"/>
-          </a:xfrm>
-          <a:prstGeom prst="rect">
-            <a:avLst/>
-          </a:prstGeom>
-        </p:spPr>
-        <p:txBody>
-          <a:bodyPr vert="horz" lIns="91440" tIns="45720" rIns="91440" bIns="45720" rtlCol="0">
-            <a:normAutofit/>
-          </a:bodyPr>
-          <a:lstStyle>
-            <a:lvl1pPr marL="0" indent="0" algn="l" defTabSz="914400" rtl="0" eaLnBrk="1" latinLnBrk="0" hangingPunct="1">
-              <a:lnSpc>
-                <a:spcPct val="90000"/>
-              </a:lnSpc>
-              <a:spcBef>
-                <a:spcPts val="1000"/>
-              </a:spcBef>
-              <a:buFont typeface="Arial" panose="020B0604020202020204" pitchFamily="34" charset="0"/>
-              <a:buNone/>
-              <a:defRPr sz="2400" kern="1200">
-                <a:solidFill>
-                  <a:srgbClr val="546D79"/>
-                </a:solidFill>
-                <a:latin typeface="+mn-lt"/>
-                <a:ea typeface="+mn-ea"/>
-                <a:cs typeface="+mn-cs"/>
-              </a:defRPr>
-            </a:lvl1pPr>
-            <a:lvl2pPr marL="685800" indent="-228600" algn="l" defTabSz="914400" rtl="0" eaLnBrk="1" latinLnBrk="0" hangingPunct="1">
-              <a:lnSpc>
-                <a:spcPct val="90000"/>
-              </a:lnSpc>
-              <a:spcBef>
-                <a:spcPts val="500"/>
-              </a:spcBef>
-              <a:buFontTx/>
-              <a:buBlip>
-                <a:blip r:embed="rId5"/>
-              </a:buBlip>
-              <a:defRPr sz="2400" kern="1200" baseline="0">
-                <a:solidFill>
-                  <a:srgbClr val="546D79"/>
-                </a:solidFill>
-                <a:latin typeface="+mn-lt"/>
-                <a:ea typeface="+mn-ea"/>
-                <a:cs typeface="+mn-cs"/>
-              </a:defRPr>
-            </a:lvl2pPr>
-            <a:lvl3pPr marL="1143000" indent="-228600" algn="l" defTabSz="914400" rtl="0" eaLnBrk="1" latinLnBrk="0" hangingPunct="1">
-              <a:lnSpc>
-                <a:spcPct val="90000"/>
-              </a:lnSpc>
-              <a:spcBef>
-                <a:spcPts val="500"/>
-              </a:spcBef>
-              <a:buClr>
-                <a:srgbClr val="39A9DC"/>
-              </a:buClr>
-              <a:buFontTx/>
-              <a:buBlip>
-                <a:blip r:embed="rId5"/>
-              </a:buBlip>
-              <a:defRPr sz="2400" kern="1200" baseline="0">
-                <a:solidFill>
-                  <a:srgbClr val="546D79"/>
-                </a:solidFill>
-                <a:latin typeface="+mn-lt"/>
-                <a:ea typeface="+mn-ea"/>
-                <a:cs typeface="+mn-cs"/>
-              </a:defRPr>
-            </a:lvl3pPr>
-            <a:lvl4pPr marL="1600200" indent="-228600" algn="l" defTabSz="914400" rtl="0" eaLnBrk="1" latinLnBrk="0" hangingPunct="1">
-              <a:lnSpc>
-                <a:spcPct val="90000"/>
-              </a:lnSpc>
-              <a:spcBef>
-                <a:spcPts val="500"/>
-              </a:spcBef>
-              <a:buFontTx/>
-              <a:buBlip>
-                <a:blip r:embed="rId5"/>
-              </a:buBlip>
-              <a:defRPr sz="2400" kern="1200">
-                <a:solidFill>
-                  <a:srgbClr val="546D79"/>
-                </a:solidFill>
-                <a:latin typeface="+mn-lt"/>
-                <a:ea typeface="+mn-ea"/>
-                <a:cs typeface="+mn-cs"/>
-              </a:defRPr>
-            </a:lvl4pPr>
-            <a:lvl5pPr marL="2057400" indent="-228600" algn="l" defTabSz="914400" rtl="0" eaLnBrk="1" latinLnBrk="0" hangingPunct="1">
-              <a:lnSpc>
-                <a:spcPct val="90000"/>
-              </a:lnSpc>
-              <a:spcBef>
-                <a:spcPts val="500"/>
-              </a:spcBef>
-              <a:buFont typeface="Arial" panose="020B0604020202020204" pitchFamily="34" charset="0"/>
-              <a:buChar char="•"/>
-              <a:defRPr sz="1800" kern="1200">
-                <a:solidFill>
-                  <a:schemeClr val="tx1"/>
-                </a:solidFill>
-                <a:latin typeface="+mn-lt"/>
-                <a:ea typeface="+mn-ea"/>
-                <a:cs typeface="+mn-cs"/>
-              </a:defRPr>
-            </a:lvl5pPr>
-            <a:lvl6pPr marL="2514600" indent="-228600" algn="l" defTabSz="914400" rtl="0" eaLnBrk="1" latinLnBrk="0" hangingPunct="1">
-              <a:lnSpc>
-                <a:spcPct val="90000"/>
-              </a:lnSpc>
-              <a:spcBef>
-                <a:spcPts val="500"/>
-              </a:spcBef>
-              <a:buFont typeface="Arial" panose="020B0604020202020204" pitchFamily="34" charset="0"/>
-              <a:buChar char="•"/>
-              <a:defRPr sz="1800" kern="1200">
-                <a:solidFill>
-                  <a:schemeClr val="tx1"/>
-                </a:solidFill>
-                <a:latin typeface="+mn-lt"/>
-                <a:ea typeface="+mn-ea"/>
-                <a:cs typeface="+mn-cs"/>
-              </a:defRPr>
-            </a:lvl6pPr>
-            <a:lvl7pPr marL="2971800" indent="-228600" algn="l" defTabSz="914400" rtl="0" eaLnBrk="1" latinLnBrk="0" hangingPunct="1">
-              <a:lnSpc>
-                <a:spcPct val="90000"/>
-              </a:lnSpc>
-              <a:spcBef>
-                <a:spcPts val="500"/>
-              </a:spcBef>
-              <a:buFont typeface="Arial" panose="020B0604020202020204" pitchFamily="34" charset="0"/>
-              <a:buChar char="•"/>
-              <a:defRPr sz="1800" kern="1200">
-                <a:solidFill>
-                  <a:schemeClr val="tx1"/>
-                </a:solidFill>
-                <a:latin typeface="+mn-lt"/>
-                <a:ea typeface="+mn-ea"/>
-                <a:cs typeface="+mn-cs"/>
-              </a:defRPr>
-            </a:lvl7pPr>
-            <a:lvl8pPr marL="3429000" indent="-228600" algn="l" defTabSz="914400" rtl="0" eaLnBrk="1" latinLnBrk="0" hangingPunct="1">
-              <a:lnSpc>
-                <a:spcPct val="90000"/>
-              </a:lnSpc>
-              <a:spcBef>
-                <a:spcPts val="500"/>
-              </a:spcBef>
-              <a:buFont typeface="Arial" panose="020B0604020202020204" pitchFamily="34" charset="0"/>
-              <a:buChar char="•"/>
-              <a:defRPr sz="1800" kern="1200">
-                <a:solidFill>
-                  <a:schemeClr val="tx1"/>
-                </a:solidFill>
-                <a:latin typeface="+mn-lt"/>
-                <a:ea typeface="+mn-ea"/>
-                <a:cs typeface="+mn-cs"/>
-              </a:defRPr>
-            </a:lvl8pPr>
-            <a:lvl9pPr marL="3886200" indent="-228600" algn="l" defTabSz="914400" rtl="0" eaLnBrk="1" latinLnBrk="0" hangingPunct="1">
-              <a:lnSpc>
-                <a:spcPct val="90000"/>
-              </a:lnSpc>
-              <a:spcBef>
-                <a:spcPts val="500"/>
-              </a:spcBef>
-              <a:buFont typeface="Arial" panose="020B0604020202020204" pitchFamily="34" charset="0"/>
-              <a:buChar char="•"/>
-              <a:defRPr sz="1800" kern="1200">
-                <a:solidFill>
-                  <a:schemeClr val="tx1"/>
-                </a:solidFill>
-                <a:latin typeface="+mn-lt"/>
-                <a:ea typeface="+mn-ea"/>
-                <a:cs typeface="+mn-cs"/>
-              </a:defRPr>
-            </a:lvl9pPr>
-          </a:lstStyle>
-          <a:p>
-            <a:pPr>
-              <a:lnSpc>
-                <a:spcPct val="100000"/>
-              </a:lnSpc>
-            </a:pPr>
-            <a:r>
-              <a:rPr lang="fr-FR" dirty="0"/>
-              <a:t>Lorsque qu’un administrateur souhaite se connecter sur sa vue,  une fois le mail et le </a:t>
-            </a:r>
-            <a:r>
-              <a:rPr lang="fr-FR" dirty="0" err="1"/>
-              <a:t>mdp</a:t>
-            </a:r>
-            <a:r>
-              <a:rPr lang="fr-FR" dirty="0"/>
-              <a:t> saisie rien ne se passe. </a:t>
-            </a:r>
-          </a:p>
-          <a:p>
-            <a:pPr>
-              <a:lnSpc>
-                <a:spcPct val="100000"/>
-              </a:lnSpc>
-            </a:pPr>
-            <a:r>
-              <a:rPr lang="fr-FR" dirty="0"/>
-              <a:t>Pour corriger il faut remplacer :</a:t>
-            </a:r>
-          </a:p>
-        </p:txBody>
-      </p:sp>
-    </p:spTree>
-    <p:extLst>
-      <p:ext uri="{BB962C8B-B14F-4D97-AF65-F5344CB8AC3E}">
-        <p14:creationId xmlns:p14="http://schemas.microsoft.com/office/powerpoint/2010/main" val="4083013375"/>
-      </p:ext>
-    </p:extLst>
-  </p:cSld>
-  <p:clrMapOvr>
-    <a:masterClrMapping/>
-  </p:clrMapOvr>
-</p:sld>
-</file>
-
-<file path=ppt/slides/slide9.xml><?xml version="1.0" encoding="utf-8"?>
-<p:sld xmlns:a="http://schemas.openxmlformats.org/drawingml/2006/main" xmlns:r="http://schemas.openxmlformats.org/officeDocument/2006/relationships" xmlns:p="http://schemas.openxmlformats.org/presentationml/2006/main">
-  <p:cSld>
-    <p:spTree>
-      <p:nvGrpSpPr>
-        <p:cNvPr id="1" name=""/>
-        <p:cNvGrpSpPr/>
-        <p:nvPr/>
-      </p:nvGrpSpPr>
-      <p:grpSpPr>
-        <a:xfrm>
-          <a:off x="0" y="0"/>
-          <a:ext cx="0" cy="0"/>
-          <a:chOff x="0" y="0"/>
-          <a:chExt cx="0" cy="0"/>
-        </a:xfrm>
-      </p:grpSpPr>
-      <p:sp>
-        <p:nvSpPr>
-          <p:cNvPr id="2" name="Espace réservé du texte 1">
-            <a:extLst>
-              <a:ext uri="{FF2B5EF4-FFF2-40B4-BE49-F238E27FC236}">
-                <a16:creationId xmlns:a16="http://schemas.microsoft.com/office/drawing/2014/main" id="{AB22C5B3-911B-6062-4672-FF29B3E09BB7}"/>
-              </a:ext>
-            </a:extLst>
-          </p:cNvPr>
-          <p:cNvSpPr>
-            <a:spLocks noGrp="1"/>
-          </p:cNvSpPr>
-          <p:nvPr>
-            <p:ph type="body" sz="quarter" idx="15"/>
-          </p:nvPr>
-        </p:nvSpPr>
-        <p:spPr>
-          <a:xfrm>
-            <a:off x="139149" y="1244600"/>
-            <a:ext cx="11450514" cy="5408612"/>
-          </a:xfrm>
-        </p:spPr>
-        <p:txBody>
-          <a:bodyPr>
-            <a:normAutofit/>
-          </a:bodyPr>
-          <a:lstStyle/>
-          <a:p>
-            <a:pPr>
-              <a:lnSpc>
-                <a:spcPct val="100000"/>
-              </a:lnSpc>
-            </a:pPr>
-            <a:r>
-              <a:rPr lang="fr-FR" dirty="0"/>
-              <a:t>Lorsqu’un salarié dépose un justificatif, il n’est pas restreint qu’en au type de celui-ci. Hors si il n’est pas une image, cela occasionne des anomalies pour l’affichage de l’image et du nom du fichier.</a:t>
-            </a:r>
-          </a:p>
-          <a:p>
-            <a:pPr>
-              <a:lnSpc>
-                <a:spcPct val="100000"/>
-              </a:lnSpc>
-            </a:pPr>
-            <a:br>
-              <a:rPr lang="fr-FR" sz="2400" dirty="0"/>
-            </a:br>
-            <a:r>
-              <a:rPr lang="fr-FR" sz="2400" dirty="0"/>
-              <a:t>Pour cela : </a:t>
-            </a:r>
-          </a:p>
-          <a:p>
-            <a:pPr>
-              <a:lnSpc>
-                <a:spcPct val="100000"/>
-              </a:lnSpc>
-            </a:pPr>
-            <a:r>
-              <a:rPr lang="fr-FR" dirty="0"/>
-              <a:t>Dans la construction du formulaire</a:t>
-            </a:r>
-            <a:endParaRPr lang="fr-FR" sz="2400" dirty="0"/>
-          </a:p>
-          <a:p>
-            <a:pPr>
-              <a:lnSpc>
-                <a:spcPct val="100000"/>
-              </a:lnSpc>
-            </a:pPr>
-            <a:r>
-              <a:rPr lang="fr-FR" sz="1800" b="0" dirty="0">
-                <a:solidFill>
-                  <a:srgbClr val="CE9178"/>
-                </a:solidFill>
-                <a:effectLst/>
-                <a:latin typeface="Menlo" panose="020B0609030804020204" pitchFamily="49" charset="0"/>
-              </a:rPr>
-              <a:t>&lt;input </a:t>
-            </a:r>
-            <a:r>
-              <a:rPr lang="fr-FR" sz="1800" b="0" dirty="0" err="1">
-                <a:solidFill>
-                  <a:srgbClr val="CE9178"/>
-                </a:solidFill>
-                <a:effectLst/>
-                <a:latin typeface="Menlo" panose="020B0609030804020204" pitchFamily="49" charset="0"/>
-              </a:rPr>
-              <a:t>required</a:t>
-            </a:r>
-            <a:r>
-              <a:rPr lang="fr-FR" sz="1800" b="0" dirty="0">
-                <a:solidFill>
-                  <a:srgbClr val="CE9178"/>
-                </a:solidFill>
-                <a:effectLst/>
-                <a:latin typeface="Menlo" panose="020B0609030804020204" pitchFamily="49" charset="0"/>
-              </a:rPr>
-              <a:t> type="file" class="</a:t>
-            </a:r>
-            <a:r>
-              <a:rPr lang="fr-FR" sz="1800" b="0" dirty="0" err="1">
-                <a:solidFill>
-                  <a:srgbClr val="CE9178"/>
-                </a:solidFill>
-                <a:effectLst/>
-                <a:latin typeface="Menlo" panose="020B0609030804020204" pitchFamily="49" charset="0"/>
-              </a:rPr>
-              <a:t>form</a:t>
-            </a:r>
-            <a:r>
-              <a:rPr lang="fr-FR" sz="1800" b="0" dirty="0">
-                <a:solidFill>
-                  <a:srgbClr val="CE9178"/>
-                </a:solidFill>
-                <a:effectLst/>
-                <a:latin typeface="Menlo" panose="020B0609030804020204" pitchFamily="49" charset="0"/>
-              </a:rPr>
-              <a:t>-control </a:t>
-            </a:r>
-            <a:r>
-              <a:rPr lang="fr-FR" sz="1800" b="0" dirty="0" err="1">
-                <a:solidFill>
-                  <a:srgbClr val="CE9178"/>
-                </a:solidFill>
-                <a:effectLst/>
-                <a:latin typeface="Menlo" panose="020B0609030804020204" pitchFamily="49" charset="0"/>
-              </a:rPr>
-              <a:t>blue</a:t>
-            </a:r>
-            <a:r>
-              <a:rPr lang="fr-FR" sz="1800" b="0" dirty="0">
-                <a:solidFill>
-                  <a:srgbClr val="CE9178"/>
-                </a:solidFill>
-                <a:effectLst/>
-                <a:latin typeface="Menlo" panose="020B0609030804020204" pitchFamily="49" charset="0"/>
-              </a:rPr>
-              <a:t>-border" data-</a:t>
-            </a:r>
-            <a:r>
-              <a:rPr lang="fr-FR" sz="1800" b="0" dirty="0" err="1">
-                <a:solidFill>
-                  <a:srgbClr val="CE9178"/>
-                </a:solidFill>
-                <a:effectLst/>
-                <a:latin typeface="Menlo" panose="020B0609030804020204" pitchFamily="49" charset="0"/>
-              </a:rPr>
-              <a:t>testid</a:t>
-            </a:r>
-            <a:r>
-              <a:rPr lang="fr-FR" sz="1800" b="0" dirty="0">
-                <a:solidFill>
-                  <a:srgbClr val="CE9178"/>
-                </a:solidFill>
-                <a:effectLst/>
-                <a:latin typeface="Menlo" panose="020B0609030804020204" pitchFamily="49" charset="0"/>
-              </a:rPr>
-              <a:t>="file" </a:t>
-            </a:r>
-            <a:r>
-              <a:rPr lang="fr-FR" sz="1800" b="1" u="sng" dirty="0" err="1">
-                <a:solidFill>
-                  <a:srgbClr val="CE9178"/>
-                </a:solidFill>
-                <a:effectLst/>
-                <a:latin typeface="Menlo" panose="020B0609030804020204" pitchFamily="49" charset="0"/>
-              </a:rPr>
-              <a:t>accept</a:t>
-            </a:r>
-            <a:r>
-              <a:rPr lang="fr-FR" sz="1800" b="1" u="sng" dirty="0">
-                <a:solidFill>
-                  <a:srgbClr val="CE9178"/>
-                </a:solidFill>
-                <a:effectLst/>
-                <a:latin typeface="Menlo" panose="020B0609030804020204" pitchFamily="49" charset="0"/>
-              </a:rPr>
-              <a:t>="image/*"</a:t>
-            </a:r>
-            <a:r>
-              <a:rPr lang="fr-FR" sz="1800" b="0" dirty="0">
-                <a:solidFill>
-                  <a:srgbClr val="CE9178"/>
-                </a:solidFill>
-                <a:effectLst/>
-                <a:latin typeface="Menlo" panose="020B0609030804020204" pitchFamily="49" charset="0"/>
-              </a:rPr>
-              <a:t>/&gt;</a:t>
-            </a:r>
-            <a:endParaRPr lang="fr-FR" dirty="0"/>
-          </a:p>
-          <a:p>
-            <a:pPr>
-              <a:lnSpc>
-                <a:spcPct val="100000"/>
-              </a:lnSpc>
-            </a:pPr>
-            <a:endParaRPr lang="fr-FR" sz="2400" dirty="0"/>
-          </a:p>
-        </p:txBody>
-      </p:sp>
-      <p:sp>
-        <p:nvSpPr>
-          <p:cNvPr id="3" name="Espace réservé du numéro de diapositive 2">
-            <a:extLst>
-              <a:ext uri="{FF2B5EF4-FFF2-40B4-BE49-F238E27FC236}">
-                <a16:creationId xmlns:a16="http://schemas.microsoft.com/office/drawing/2014/main" id="{2B89D54C-48EC-0D5F-26B8-7F9E0910704D}"/>
-              </a:ext>
-            </a:extLst>
-          </p:cNvPr>
-          <p:cNvSpPr>
-            <a:spLocks noGrp="1"/>
-          </p:cNvSpPr>
-          <p:nvPr>
-            <p:ph type="sldNum" sz="quarter" idx="12"/>
-          </p:nvPr>
-        </p:nvSpPr>
-        <p:spPr/>
-        <p:txBody>
-          <a:bodyPr/>
-          <a:lstStyle/>
-          <a:p>
-            <a:pPr algn="ctr"/>
-            <a:fld id="{D2A31418-1713-4700-81B9-AFE7E79F3A99}" type="slidenum">
-              <a:rPr lang="fr-FR" sz="2800" b="1" smtClean="0">
-                <a:solidFill>
-                  <a:schemeClr val="bg1"/>
-                </a:solidFill>
-              </a:rPr>
-              <a:pPr algn="ctr"/>
-              <a:t>9</a:t>
-            </a:fld>
-            <a:endParaRPr lang="fr-FR" b="1" dirty="0">
-              <a:solidFill>
-                <a:schemeClr val="bg1"/>
-              </a:solidFill>
-            </a:endParaRPr>
-          </a:p>
-        </p:txBody>
-      </p:sp>
-      <p:sp>
-        <p:nvSpPr>
-          <p:cNvPr id="4" name="Espace réservé du texte 3">
-            <a:extLst>
-              <a:ext uri="{FF2B5EF4-FFF2-40B4-BE49-F238E27FC236}">
-                <a16:creationId xmlns:a16="http://schemas.microsoft.com/office/drawing/2014/main" id="{4DFE6111-D752-4C54-7640-383CC9CB73C8}"/>
-              </a:ext>
-            </a:extLst>
-          </p:cNvPr>
-          <p:cNvSpPr>
-            <a:spLocks noGrp="1"/>
-          </p:cNvSpPr>
-          <p:nvPr>
-            <p:ph type="body" sz="quarter" idx="17"/>
-          </p:nvPr>
-        </p:nvSpPr>
-        <p:spPr>
-          <a:xfrm>
-            <a:off x="418273" y="15945"/>
-            <a:ext cx="7831203" cy="942975"/>
-          </a:xfrm>
-        </p:spPr>
-        <p:txBody>
-          <a:bodyPr/>
-          <a:lstStyle/>
-          <a:p>
-            <a:pPr>
-              <a:lnSpc>
-                <a:spcPct val="150000"/>
-              </a:lnSpc>
-            </a:pPr>
-            <a:r>
-              <a:rPr lang="fr-FR" sz="4000" dirty="0"/>
-              <a:t>Justificatif uniquement image</a:t>
-            </a:r>
-          </a:p>
-        </p:txBody>
-      </p:sp>
-      <p:pic>
-        <p:nvPicPr>
-          <p:cNvPr id="5" name="Picture 2">
-            <a:extLst>
-              <a:ext uri="{FF2B5EF4-FFF2-40B4-BE49-F238E27FC236}">
-                <a16:creationId xmlns:a16="http://schemas.microsoft.com/office/drawing/2014/main" id="{A6651D3A-6BA0-7CBB-4E84-B4C0257C6737}"/>
-              </a:ext>
-            </a:extLst>
-          </p:cNvPr>
-          <p:cNvPicPr>
-            <a:picLocks noChangeAspect="1" noChangeArrowheads="1"/>
-          </p:cNvPicPr>
-          <p:nvPr/>
-        </p:nvPicPr>
-        <p:blipFill>
-          <a:blip r:embed="rId2">
-            <a:extLst>
-              <a:ext uri="{BEBA8EAE-BF5A-486C-A8C5-ECC9F3942E4B}">
-                <a14:imgProps xmlns:a14="http://schemas.microsoft.com/office/drawing/2010/main">
-                  <a14:imgLayer r:embed="rId3">
-                    <a14:imgEffect>
-                      <a14:backgroundRemoval t="10000" b="90000" l="10000" r="90000">
-                        <a14:foregroundMark x1="21362" y1="39583" x2="21362" y2="39583"/>
-                        <a14:foregroundMark x1="27230" y1="39583" x2="27230" y2="39583"/>
-                        <a14:foregroundMark x1="20657" y1="45313" x2="20657" y2="45313"/>
-                        <a14:foregroundMark x1="21127" y1="52604" x2="21127" y2="52604"/>
-                        <a14:foregroundMark x1="20892" y1="59896" x2="20892" y2="59896"/>
-                        <a14:foregroundMark x1="28169" y1="58333" x2="28169" y2="58333"/>
-                        <a14:foregroundMark x1="27700" y1="52604" x2="27700" y2="52604"/>
-                        <a14:foregroundMark x1="27230" y1="46354" x2="27230" y2="46354"/>
-                        <a14:foregroundMark x1="42723" y1="45833" x2="42723" y2="45833"/>
-                        <a14:foregroundMark x1="54460" y1="48438" x2="54460" y2="48438"/>
-                        <a14:foregroundMark x1="59624" y1="42188" x2="59624" y2="42188"/>
-                        <a14:foregroundMark x1="64789" y1="39583" x2="64789" y2="39583"/>
-                        <a14:foregroundMark x1="68779" y1="50000" x2="68779" y2="50000"/>
-                        <a14:foregroundMark x1="78873" y1="50521" x2="78873" y2="50521"/>
-                        <a14:foregroundMark x1="54460" y1="36458" x2="54460" y2="36458"/>
-                      </a14:backgroundRemoval>
-                    </a14:imgEffect>
-                  </a14:imgLayer>
-                </a14:imgProps>
-              </a:ext>
-              <a:ext uri="{28A0092B-C50C-407E-A947-70E740481C1C}">
-                <a14:useLocalDpi xmlns:a14="http://schemas.microsoft.com/office/drawing/2010/main" val="0"/>
-              </a:ext>
-            </a:extLst>
-          </a:blip>
-          <a:srcRect/>
-          <a:stretch>
-            <a:fillRect/>
-          </a:stretch>
-        </p:blipFill>
-        <p:spPr bwMode="auto">
-          <a:xfrm>
-            <a:off x="8249477" y="17004"/>
-            <a:ext cx="2320787" cy="1045989"/>
-          </a:xfrm>
-          <a:prstGeom prst="rect">
-            <a:avLst/>
-          </a:prstGeom>
-          <a:noFill/>
-          <a:extLst>
-            <a:ext uri="{909E8E84-426E-40DD-AFC4-6F175D3DCCD1}">
-              <a14:hiddenFill xmlns:a14="http://schemas.microsoft.com/office/drawing/2010/main">
-                <a:solidFill>
-                  <a:srgbClr val="FFFFFF"/>
-                </a:solidFill>
-              </a14:hiddenFill>
-            </a:ext>
-          </a:extLst>
-        </p:spPr>
-      </p:pic>
-    </p:spTree>
-    <p:extLst>
-      <p:ext uri="{BB962C8B-B14F-4D97-AF65-F5344CB8AC3E}">
-        <p14:creationId xmlns:p14="http://schemas.microsoft.com/office/powerpoint/2010/main" val="3213611534"/>
       </p:ext>
     </p:extLst>
   </p:cSld>

--- a/Rendu/Support Prez OPC 9.pptx
+++ b/Rendu/Support Prez OPC 9.pptx
@@ -223,7 +223,7 @@
           <a:p>
             <a:fld id="{650B98A8-F180-40CF-BF30-2EC54DA043DF}" type="datetimeFigureOut">
               <a:rPr lang="fr-FR" smtClean="0"/>
-              <a:t>07/12/2022</a:t>
+              <a:t>12/12/2022</a:t>
             </a:fld>
             <a:endParaRPr lang="fr-FR"/>
           </a:p>
@@ -1882,7 +1882,7 @@
           <a:p>
             <a:fld id="{BF0BFECF-4F0F-413E-BF29-FC8C36CE0F7A}" type="datetime1">
               <a:rPr lang="fr-FR" smtClean="0"/>
-              <a:t>07/12/2022</a:t>
+              <a:t>12/12/2022</a:t>
             </a:fld>
             <a:endParaRPr lang="fr-FR"/>
           </a:p>
@@ -2344,7 +2344,7 @@
                   <a:schemeClr val="tx1"/>
                 </a:solidFill>
               </a:rPr>
-              <a:t>mercredi 7 décembre 2022</a:t>
+              <a:t>lundi 12 décembre 2022</a:t>
             </a:fld>
             <a:endParaRPr lang="fr-FR" sz="4000" b="1" dirty="0">
               <a:solidFill>
@@ -3624,7 +3624,7 @@
             </a:pPr>
             <a:r>
               <a:rPr lang="fr-FR" dirty="0"/>
-              <a:t>Dans la construction du formulaire</a:t>
+              <a:t>Première possibilité HMTL Uniquement:</a:t>
             </a:r>
             <a:endParaRPr lang="fr-FR" sz="2400" dirty="0"/>
           </a:p>
@@ -4532,35 +4532,6 @@
           </a:p>
         </p:txBody>
       </p:sp>
-      <p:pic>
-        <p:nvPicPr>
-          <p:cNvPr id="9" name="Image 8">
-            <a:extLst>
-              <a:ext uri="{FF2B5EF4-FFF2-40B4-BE49-F238E27FC236}">
-                <a16:creationId xmlns:a16="http://schemas.microsoft.com/office/drawing/2014/main" id="{98CC8107-6E4D-A9FF-DB6C-37249268DC86}"/>
-              </a:ext>
-            </a:extLst>
-          </p:cNvPr>
-          <p:cNvPicPr>
-            <a:picLocks noChangeAspect="1"/>
-          </p:cNvPicPr>
-          <p:nvPr/>
-        </p:nvPicPr>
-        <p:blipFill rotWithShape="1">
-          <a:blip r:embed="rId5"/>
-          <a:srcRect r="25575"/>
-          <a:stretch/>
-        </p:blipFill>
-        <p:spPr>
-          <a:xfrm>
-            <a:off x="6407426" y="1829172"/>
-            <a:ext cx="5784574" cy="4671391"/>
-          </a:xfrm>
-          <a:prstGeom prst="rect">
-            <a:avLst/>
-          </a:prstGeom>
-        </p:spPr>
-      </p:pic>
       <p:sp>
         <p:nvSpPr>
           <p:cNvPr id="10" name="Espace réservé du texte 1">
@@ -4586,7 +4557,7 @@
         </p:spPr>
         <p:txBody>
           <a:bodyPr vert="horz" lIns="91440" tIns="45720" rIns="91440" bIns="45720" rtlCol="0">
-            <a:normAutofit fontScale="92500" lnSpcReduction="20000"/>
+            <a:normAutofit/>
           </a:bodyPr>
           <a:lstStyle>
             <a:lvl1pPr marL="0" indent="0" algn="l" defTabSz="914400" rtl="0" eaLnBrk="1" latinLnBrk="0" hangingPunct="1">
@@ -4767,21 +4738,40 @@
                 <a:spcPct val="100000"/>
               </a:lnSpc>
             </a:pPr>
-            <a:r>
-              <a:rPr lang="fr-FR" dirty="0"/>
-              <a:t>Correction d’un bug qui créer une </a:t>
-            </a:r>
-            <a:r>
-              <a:rPr lang="fr-FR" dirty="0" err="1"/>
-              <a:t>Ndf</a:t>
-            </a:r>
-            <a:r>
-              <a:rPr lang="fr-FR" dirty="0"/>
-              <a:t> lors chargement un document</a:t>
-            </a:r>
+            <a:endParaRPr lang="fr-FR" dirty="0"/>
           </a:p>
         </p:txBody>
       </p:sp>
+      <p:pic>
+        <p:nvPicPr>
+          <p:cNvPr id="6" name="Image 5">
+            <a:extLst>
+              <a:ext uri="{FF2B5EF4-FFF2-40B4-BE49-F238E27FC236}">
+                <a16:creationId xmlns:a16="http://schemas.microsoft.com/office/drawing/2014/main" id="{515C4D78-EAE5-B25E-D926-F8AAA9083C39}"/>
+              </a:ext>
+            </a:extLst>
+          </p:cNvPr>
+          <p:cNvPicPr>
+            <a:picLocks noChangeAspect="1"/>
+          </p:cNvPicPr>
+          <p:nvPr/>
+        </p:nvPicPr>
+        <p:blipFill>
+          <a:blip r:embed="rId5"/>
+          <a:stretch>
+            <a:fillRect/>
+          </a:stretch>
+        </p:blipFill>
+        <p:spPr>
+          <a:xfrm>
+            <a:off x="6059558" y="1738227"/>
+            <a:ext cx="6132442" cy="5017452"/>
+          </a:xfrm>
+          <a:prstGeom prst="rect">
+            <a:avLst/>
+          </a:prstGeom>
+        </p:spPr>
+      </p:pic>
     </p:spTree>
     <p:extLst>
       <p:ext uri="{BB962C8B-B14F-4D97-AF65-F5344CB8AC3E}">
@@ -5507,6 +5497,12 @@
           <a:p>
             <a:r>
               <a:rPr lang="fr-FR" dirty="0"/>
+              <a:t>Passage de :</a:t>
+            </a:r>
+          </a:p>
+          <a:p>
+            <a:r>
+              <a:rPr lang="fr-FR" dirty="0"/>
               <a:t> </a:t>
             </a:r>
           </a:p>
@@ -5516,6 +5512,17 @@
               <a:buChar char="•"/>
             </a:pPr>
             <a:endParaRPr lang="fr-FR" dirty="0"/>
+          </a:p>
+          <a:p>
+            <a:pPr>
+              <a:lnSpc>
+                <a:spcPct val="100000"/>
+              </a:lnSpc>
+            </a:pPr>
+            <a:r>
+              <a:rPr lang="fr-FR" dirty="0"/>
+              <a:t>A :</a:t>
+            </a:r>
           </a:p>
           <a:p>
             <a:pPr>
@@ -5525,996 +5532,68 @@
             </a:pPr>
             <a:endParaRPr lang="fr-FR" dirty="0"/>
           </a:p>
-          <a:p>
-            <a:pPr>
-              <a:lnSpc>
-                <a:spcPct val="100000"/>
-              </a:lnSpc>
-            </a:pPr>
-            <a:endParaRPr lang="fr-FR" dirty="0"/>
-          </a:p>
         </p:txBody>
       </p:sp>
-      <p:sp>
-        <p:nvSpPr>
-          <p:cNvPr id="6" name="ZoneTexte 5">
+      <p:pic>
+        <p:nvPicPr>
+          <p:cNvPr id="10" name="Image 9">
             <a:extLst>
               <a:ext uri="{FF2B5EF4-FFF2-40B4-BE49-F238E27FC236}">
-                <a16:creationId xmlns:a16="http://schemas.microsoft.com/office/drawing/2014/main" id="{1C43E1A9-049D-9A83-764E-8415FBCF14EC}"/>
+                <a16:creationId xmlns:a16="http://schemas.microsoft.com/office/drawing/2014/main" id="{C1C5FADC-87F3-C829-52EB-E5FE62465E16}"/>
               </a:ext>
             </a:extLst>
           </p:cNvPr>
-          <p:cNvSpPr txBox="1"/>
+          <p:cNvPicPr>
+            <a:picLocks noChangeAspect="1"/>
+          </p:cNvPicPr>
           <p:nvPr/>
-        </p:nvSpPr>
+        </p:nvPicPr>
+        <p:blipFill>
+          <a:blip r:embed="rId5"/>
+          <a:stretch>
+            <a:fillRect/>
+          </a:stretch>
+        </p:blipFill>
         <p:spPr>
           <a:xfrm>
-            <a:off x="146602" y="2804636"/>
-            <a:ext cx="12045398" cy="1200329"/>
+            <a:off x="2298700" y="2640371"/>
+            <a:ext cx="7594600" cy="825500"/>
           </a:xfrm>
           <a:prstGeom prst="rect">
             <a:avLst/>
           </a:prstGeom>
-          <a:noFill/>
-        </p:spPr>
-        <p:txBody>
-          <a:bodyPr wrap="square">
-            <a:spAutoFit/>
-          </a:bodyPr>
-          <a:lstStyle/>
-          <a:p>
-            <a:r>
-              <a:rPr lang="fr-FR" b="1" u="sng" dirty="0" err="1">
-                <a:solidFill>
-                  <a:srgbClr val="9CDCFE"/>
-                </a:solidFill>
-                <a:effectLst/>
-                <a:latin typeface="Menlo" panose="020B0609030804020204" pitchFamily="49" charset="0"/>
-              </a:rPr>
-              <a:t>bills</a:t>
-            </a:r>
-            <a:r>
-              <a:rPr lang="fr-FR" b="1" u="sng" dirty="0" err="1">
-                <a:solidFill>
-                  <a:srgbClr val="D4D4D4"/>
-                </a:solidFill>
-                <a:effectLst/>
-                <a:latin typeface="Menlo" panose="020B0609030804020204" pitchFamily="49" charset="0"/>
-              </a:rPr>
-              <a:t>.</a:t>
-            </a:r>
-            <a:r>
-              <a:rPr lang="fr-FR" b="1" u="sng" dirty="0" err="1">
-                <a:solidFill>
-                  <a:srgbClr val="DCDCAA"/>
-                </a:solidFill>
-                <a:effectLst/>
-                <a:latin typeface="Menlo" panose="020B0609030804020204" pitchFamily="49" charset="0"/>
-              </a:rPr>
-              <a:t>forEach</a:t>
-            </a:r>
-            <a:r>
-              <a:rPr lang="fr-FR" b="1" u="sng" dirty="0">
-                <a:solidFill>
-                  <a:srgbClr val="D4D4D4"/>
-                </a:solidFill>
-                <a:effectLst/>
-                <a:latin typeface="Menlo" panose="020B0609030804020204" pitchFamily="49" charset="0"/>
-              </a:rPr>
-              <a:t>(</a:t>
-            </a:r>
-            <a:r>
-              <a:rPr lang="fr-FR" b="1" u="sng" dirty="0">
-                <a:solidFill>
-                  <a:srgbClr val="9CDCFE"/>
-                </a:solidFill>
-                <a:effectLst/>
-                <a:latin typeface="Menlo" panose="020B0609030804020204" pitchFamily="49" charset="0"/>
-              </a:rPr>
-              <a:t>bill</a:t>
-            </a:r>
-            <a:r>
-              <a:rPr lang="fr-FR" b="1" u="sng" dirty="0">
-                <a:solidFill>
-                  <a:srgbClr val="D4D4D4"/>
-                </a:solidFill>
-                <a:effectLst/>
-                <a:latin typeface="Menlo" panose="020B0609030804020204" pitchFamily="49" charset="0"/>
-              </a:rPr>
-              <a:t> </a:t>
-            </a:r>
-            <a:r>
-              <a:rPr lang="fr-FR" b="1" u="sng" dirty="0">
-                <a:solidFill>
-                  <a:srgbClr val="569CD6"/>
-                </a:solidFill>
-                <a:effectLst/>
-                <a:latin typeface="Menlo" panose="020B0609030804020204" pitchFamily="49" charset="0"/>
-              </a:rPr>
-              <a:t>=&gt;</a:t>
-            </a:r>
-            <a:r>
-              <a:rPr lang="fr-FR" b="1" u="sng" dirty="0">
-                <a:solidFill>
-                  <a:srgbClr val="D4D4D4"/>
-                </a:solidFill>
-                <a:effectLst/>
-                <a:latin typeface="Menlo" panose="020B0609030804020204" pitchFamily="49" charset="0"/>
-              </a:rPr>
-              <a:t> {</a:t>
-            </a:r>
-          </a:p>
-          <a:p>
-            <a:r>
-              <a:rPr lang="fr-FR" b="0" dirty="0" err="1">
-                <a:solidFill>
-                  <a:srgbClr val="569CD6"/>
-                </a:solidFill>
-                <a:effectLst/>
-                <a:latin typeface="Menlo" panose="020B0609030804020204" pitchFamily="49" charset="0"/>
-              </a:rPr>
-              <a:t>this</a:t>
-            </a:r>
-            <a:r>
-              <a:rPr lang="fr-FR" b="0" dirty="0" err="1">
-                <a:solidFill>
-                  <a:srgbClr val="D4D4D4"/>
-                </a:solidFill>
-                <a:effectLst/>
-                <a:latin typeface="Menlo" panose="020B0609030804020204" pitchFamily="49" charset="0"/>
-              </a:rPr>
-              <a:t>.</a:t>
-            </a:r>
-            <a:r>
-              <a:rPr lang="fr-FR" b="0" dirty="0" err="1">
-                <a:solidFill>
-                  <a:srgbClr val="9CDCFE"/>
-                </a:solidFill>
-                <a:effectLst/>
-                <a:latin typeface="Menlo" panose="020B0609030804020204" pitchFamily="49" charset="0"/>
-              </a:rPr>
-              <a:t>document</a:t>
-            </a:r>
-            <a:r>
-              <a:rPr lang="fr-FR" b="0" dirty="0" err="1">
-                <a:solidFill>
-                  <a:srgbClr val="D4D4D4"/>
-                </a:solidFill>
-                <a:effectLst/>
-                <a:latin typeface="Menlo" panose="020B0609030804020204" pitchFamily="49" charset="0"/>
-              </a:rPr>
-              <a:t>.</a:t>
-            </a:r>
-            <a:r>
-              <a:rPr lang="fr-FR" b="0" dirty="0" err="1">
-                <a:solidFill>
-                  <a:srgbClr val="DCDCAA"/>
-                </a:solidFill>
-                <a:effectLst/>
-                <a:latin typeface="Menlo" panose="020B0609030804020204" pitchFamily="49" charset="0"/>
-              </a:rPr>
-              <a:t>getElementById</a:t>
-            </a:r>
-            <a:r>
-              <a:rPr lang="fr-FR" b="0" dirty="0">
-                <a:solidFill>
-                  <a:srgbClr val="D4D4D4"/>
-                </a:solidFill>
-                <a:effectLst/>
-                <a:latin typeface="Menlo" panose="020B0609030804020204" pitchFamily="49" charset="0"/>
-              </a:rPr>
-              <a:t>(</a:t>
-            </a:r>
-            <a:r>
-              <a:rPr lang="fr-FR" b="0" dirty="0">
-                <a:solidFill>
-                  <a:srgbClr val="CE9178"/>
-                </a:solidFill>
-                <a:effectLst/>
-                <a:latin typeface="Menlo" panose="020B0609030804020204" pitchFamily="49" charset="0"/>
-              </a:rPr>
-              <a:t>`open-bill</a:t>
-            </a:r>
-            <a:r>
-              <a:rPr lang="fr-FR" b="0" dirty="0">
-                <a:solidFill>
-                  <a:srgbClr val="569CD6"/>
-                </a:solidFill>
-                <a:effectLst/>
-                <a:latin typeface="Menlo" panose="020B0609030804020204" pitchFamily="49" charset="0"/>
-              </a:rPr>
-              <a:t>${</a:t>
-            </a:r>
-            <a:r>
-              <a:rPr lang="fr-FR" b="0" dirty="0" err="1">
-                <a:solidFill>
-                  <a:srgbClr val="9CDCFE"/>
-                </a:solidFill>
-                <a:effectLst/>
-                <a:latin typeface="Menlo" panose="020B0609030804020204" pitchFamily="49" charset="0"/>
-              </a:rPr>
-              <a:t>bill</a:t>
-            </a:r>
-            <a:r>
-              <a:rPr lang="fr-FR" b="0" dirty="0" err="1">
-                <a:solidFill>
-                  <a:srgbClr val="D4D4D4"/>
-                </a:solidFill>
-                <a:effectLst/>
-                <a:latin typeface="Menlo" panose="020B0609030804020204" pitchFamily="49" charset="0"/>
-              </a:rPr>
-              <a:t>.</a:t>
-            </a:r>
-            <a:r>
-              <a:rPr lang="fr-FR" b="0" dirty="0" err="1">
-                <a:solidFill>
-                  <a:srgbClr val="9CDCFE"/>
-                </a:solidFill>
-                <a:effectLst/>
-                <a:latin typeface="Menlo" panose="020B0609030804020204" pitchFamily="49" charset="0"/>
-              </a:rPr>
-              <a:t>id</a:t>
-            </a:r>
-            <a:r>
-              <a:rPr lang="fr-FR" b="0" dirty="0">
-                <a:solidFill>
-                  <a:srgbClr val="569CD6"/>
-                </a:solidFill>
-                <a:effectLst/>
-                <a:latin typeface="Menlo" panose="020B0609030804020204" pitchFamily="49" charset="0"/>
-              </a:rPr>
-              <a:t>}</a:t>
-            </a:r>
-            <a:r>
-              <a:rPr lang="fr-FR" b="0" dirty="0">
-                <a:solidFill>
-                  <a:srgbClr val="CE9178"/>
-                </a:solidFill>
-                <a:effectLst/>
-                <a:latin typeface="Menlo" panose="020B0609030804020204" pitchFamily="49" charset="0"/>
-              </a:rPr>
-              <a:t>`</a:t>
-            </a:r>
-            <a:r>
-              <a:rPr lang="fr-FR" b="0" dirty="0">
-                <a:solidFill>
-                  <a:srgbClr val="D4D4D4"/>
-                </a:solidFill>
-                <a:effectLst/>
-                <a:latin typeface="Menlo" panose="020B0609030804020204" pitchFamily="49" charset="0"/>
-              </a:rPr>
-              <a:t>).</a:t>
-            </a:r>
-            <a:r>
-              <a:rPr lang="fr-FR" b="0" dirty="0" err="1">
-                <a:solidFill>
-                  <a:srgbClr val="DCDCAA"/>
-                </a:solidFill>
-                <a:effectLst/>
-                <a:latin typeface="Menlo" panose="020B0609030804020204" pitchFamily="49" charset="0"/>
-              </a:rPr>
-              <a:t>addEventListener</a:t>
-            </a:r>
-            <a:r>
-              <a:rPr lang="fr-FR" b="0" dirty="0">
-                <a:solidFill>
-                  <a:srgbClr val="D4D4D4"/>
-                </a:solidFill>
-                <a:effectLst/>
-                <a:latin typeface="Menlo" panose="020B0609030804020204" pitchFamily="49" charset="0"/>
-              </a:rPr>
-              <a:t>(</a:t>
-            </a:r>
-            <a:r>
-              <a:rPr lang="fr-FR" b="0" dirty="0">
-                <a:solidFill>
-                  <a:srgbClr val="CE9178"/>
-                </a:solidFill>
-                <a:effectLst/>
-                <a:latin typeface="Menlo" panose="020B0609030804020204" pitchFamily="49" charset="0"/>
-              </a:rPr>
-              <a:t>"click"</a:t>
-            </a:r>
-            <a:r>
-              <a:rPr lang="fr-FR" b="0" dirty="0">
-                <a:solidFill>
-                  <a:srgbClr val="D4D4D4"/>
-                </a:solidFill>
-                <a:effectLst/>
-                <a:latin typeface="Menlo" panose="020B0609030804020204" pitchFamily="49" charset="0"/>
-              </a:rPr>
-              <a:t>,(</a:t>
-            </a:r>
-            <a:r>
-              <a:rPr lang="fr-FR" b="0" dirty="0">
-                <a:solidFill>
-                  <a:srgbClr val="9CDCFE"/>
-                </a:solidFill>
-                <a:effectLst/>
-                <a:latin typeface="Menlo" panose="020B0609030804020204" pitchFamily="49" charset="0"/>
-              </a:rPr>
-              <a:t>e</a:t>
-            </a:r>
-            <a:r>
-              <a:rPr lang="fr-FR" b="0" dirty="0">
-                <a:solidFill>
-                  <a:srgbClr val="D4D4D4"/>
-                </a:solidFill>
-                <a:effectLst/>
-                <a:latin typeface="Menlo" panose="020B0609030804020204" pitchFamily="49" charset="0"/>
-              </a:rPr>
-              <a:t>) </a:t>
-            </a:r>
-            <a:r>
-              <a:rPr lang="fr-FR" b="0" dirty="0">
-                <a:solidFill>
-                  <a:srgbClr val="569CD6"/>
-                </a:solidFill>
-                <a:effectLst/>
-                <a:latin typeface="Menlo" panose="020B0609030804020204" pitchFamily="49" charset="0"/>
-              </a:rPr>
-              <a:t>=&gt;</a:t>
-            </a:r>
-            <a:r>
-              <a:rPr lang="fr-FR" b="0" dirty="0">
-                <a:solidFill>
-                  <a:srgbClr val="D4D4D4"/>
-                </a:solidFill>
-                <a:effectLst/>
-                <a:latin typeface="Menlo" panose="020B0609030804020204" pitchFamily="49" charset="0"/>
-              </a:rPr>
-              <a:t> </a:t>
-            </a:r>
-            <a:r>
-              <a:rPr lang="fr-FR" b="0" dirty="0" err="1">
-                <a:solidFill>
-                  <a:srgbClr val="569CD6"/>
-                </a:solidFill>
-                <a:effectLst/>
-                <a:latin typeface="Menlo" panose="020B0609030804020204" pitchFamily="49" charset="0"/>
-              </a:rPr>
-              <a:t>this</a:t>
-            </a:r>
-            <a:r>
-              <a:rPr lang="fr-FR" b="0" dirty="0" err="1">
-                <a:solidFill>
-                  <a:srgbClr val="D4D4D4"/>
-                </a:solidFill>
-                <a:effectLst/>
-                <a:latin typeface="Menlo" panose="020B0609030804020204" pitchFamily="49" charset="0"/>
-              </a:rPr>
-              <a:t>.</a:t>
-            </a:r>
-            <a:r>
-              <a:rPr lang="fr-FR" b="0" dirty="0" err="1">
-                <a:solidFill>
-                  <a:srgbClr val="DCDCAA"/>
-                </a:solidFill>
-                <a:effectLst/>
-                <a:latin typeface="Menlo" panose="020B0609030804020204" pitchFamily="49" charset="0"/>
-              </a:rPr>
-              <a:t>handleEditTicket</a:t>
-            </a:r>
-            <a:r>
-              <a:rPr lang="fr-FR" b="0" dirty="0">
-                <a:solidFill>
-                  <a:srgbClr val="D4D4D4"/>
-                </a:solidFill>
-                <a:effectLst/>
-                <a:latin typeface="Menlo" panose="020B0609030804020204" pitchFamily="49" charset="0"/>
-              </a:rPr>
-              <a:t>(</a:t>
-            </a:r>
-            <a:r>
-              <a:rPr lang="fr-FR" b="0" dirty="0">
-                <a:solidFill>
-                  <a:srgbClr val="9CDCFE"/>
-                </a:solidFill>
-                <a:effectLst/>
-                <a:latin typeface="Menlo" panose="020B0609030804020204" pitchFamily="49" charset="0"/>
-              </a:rPr>
-              <a:t>e</a:t>
-            </a:r>
-            <a:r>
-              <a:rPr lang="fr-FR" b="0" dirty="0">
-                <a:solidFill>
-                  <a:srgbClr val="D4D4D4"/>
-                </a:solidFill>
-                <a:effectLst/>
-                <a:latin typeface="Menlo" panose="020B0609030804020204" pitchFamily="49" charset="0"/>
-              </a:rPr>
-              <a:t>, </a:t>
-            </a:r>
-            <a:r>
-              <a:rPr lang="fr-FR" b="0" dirty="0">
-                <a:solidFill>
-                  <a:srgbClr val="9CDCFE"/>
-                </a:solidFill>
-                <a:effectLst/>
-                <a:latin typeface="Menlo" panose="020B0609030804020204" pitchFamily="49" charset="0"/>
-              </a:rPr>
-              <a:t>bill</a:t>
-            </a:r>
-            <a:r>
-              <a:rPr lang="fr-FR" b="0" dirty="0">
-                <a:solidFill>
-                  <a:srgbClr val="D4D4D4"/>
-                </a:solidFill>
-                <a:effectLst/>
-                <a:latin typeface="Menlo" panose="020B0609030804020204" pitchFamily="49" charset="0"/>
-              </a:rPr>
-              <a:t>, </a:t>
-            </a:r>
-            <a:r>
-              <a:rPr lang="fr-FR" b="0" dirty="0">
-                <a:solidFill>
-                  <a:srgbClr val="9CDCFE"/>
-                </a:solidFill>
-                <a:effectLst/>
-                <a:latin typeface="Menlo" panose="020B0609030804020204" pitchFamily="49" charset="0"/>
-              </a:rPr>
-              <a:t>bills</a:t>
-            </a:r>
-            <a:r>
-              <a:rPr lang="fr-FR" b="0" dirty="0">
-                <a:solidFill>
-                  <a:srgbClr val="D4D4D4"/>
-                </a:solidFill>
-                <a:effectLst/>
-                <a:latin typeface="Menlo" panose="020B0609030804020204" pitchFamily="49" charset="0"/>
-              </a:rPr>
-              <a:t>))</a:t>
-            </a:r>
-          </a:p>
-          <a:p>
-            <a:r>
-              <a:rPr lang="fr-FR" b="0" dirty="0">
-                <a:solidFill>
-                  <a:srgbClr val="D4D4D4"/>
-                </a:solidFill>
-                <a:effectLst/>
-                <a:latin typeface="Menlo" panose="020B0609030804020204" pitchFamily="49" charset="0"/>
-              </a:rPr>
-              <a:t>})</a:t>
-            </a:r>
-          </a:p>
-        </p:txBody>
-      </p:sp>
-      <p:sp>
-        <p:nvSpPr>
-          <p:cNvPr id="9" name="ZoneTexte 8">
+        </p:spPr>
+      </p:pic>
+      <p:pic>
+        <p:nvPicPr>
+          <p:cNvPr id="12" name="Image 11">
             <a:extLst>
               <a:ext uri="{FF2B5EF4-FFF2-40B4-BE49-F238E27FC236}">
-                <a16:creationId xmlns:a16="http://schemas.microsoft.com/office/drawing/2014/main" id="{458778C9-4064-1B2C-A2C5-D5C27BE11967}"/>
+                <a16:creationId xmlns:a16="http://schemas.microsoft.com/office/drawing/2014/main" id="{58930185-783C-D1ED-52EF-E260D289504B}"/>
               </a:ext>
             </a:extLst>
           </p:cNvPr>
-          <p:cNvSpPr txBox="1"/>
+          <p:cNvPicPr>
+            <a:picLocks noChangeAspect="1"/>
+          </p:cNvPicPr>
           <p:nvPr/>
-        </p:nvSpPr>
+        </p:nvPicPr>
+        <p:blipFill>
+          <a:blip r:embed="rId6"/>
+          <a:stretch>
+            <a:fillRect/>
+          </a:stretch>
+        </p:blipFill>
         <p:spPr>
           <a:xfrm>
-            <a:off x="146601" y="4332713"/>
-            <a:ext cx="11595461" cy="1200329"/>
+            <a:off x="2298700" y="4218090"/>
+            <a:ext cx="7772400" cy="1835303"/>
           </a:xfrm>
           <a:prstGeom prst="rect">
             <a:avLst/>
           </a:prstGeom>
-          <a:noFill/>
-        </p:spPr>
-        <p:txBody>
-          <a:bodyPr wrap="square">
-            <a:spAutoFit/>
-          </a:bodyPr>
-          <a:lstStyle/>
-          <a:p>
-            <a:r>
-              <a:rPr lang="fr-FR" b="1" u="sng" dirty="0" err="1">
-                <a:solidFill>
-                  <a:srgbClr val="DCDCAA"/>
-                </a:solidFill>
-                <a:effectLst/>
-                <a:latin typeface="Menlo" panose="020B0609030804020204" pitchFamily="49" charset="0"/>
-              </a:rPr>
-              <a:t>filteredBills</a:t>
-            </a:r>
-            <a:r>
-              <a:rPr lang="fr-FR" b="1" u="sng" dirty="0">
-                <a:solidFill>
-                  <a:srgbClr val="D4D4D4"/>
-                </a:solidFill>
-                <a:effectLst/>
-                <a:latin typeface="Menlo" panose="020B0609030804020204" pitchFamily="49" charset="0"/>
-              </a:rPr>
-              <a:t>(</a:t>
-            </a:r>
-            <a:r>
-              <a:rPr lang="fr-FR" b="1" u="sng" dirty="0">
-                <a:solidFill>
-                  <a:srgbClr val="9CDCFE"/>
-                </a:solidFill>
-                <a:effectLst/>
-                <a:latin typeface="Menlo" panose="020B0609030804020204" pitchFamily="49" charset="0"/>
-              </a:rPr>
-              <a:t>bills</a:t>
-            </a:r>
-            <a:r>
-              <a:rPr lang="fr-FR" b="1" u="sng" dirty="0">
-                <a:solidFill>
-                  <a:srgbClr val="D4D4D4"/>
-                </a:solidFill>
-                <a:effectLst/>
-                <a:latin typeface="Menlo" panose="020B0609030804020204" pitchFamily="49" charset="0"/>
-              </a:rPr>
-              <a:t>, </a:t>
-            </a:r>
-            <a:r>
-              <a:rPr lang="fr-FR" b="1" u="sng" dirty="0" err="1">
-                <a:solidFill>
-                  <a:srgbClr val="DCDCAA"/>
-                </a:solidFill>
-                <a:effectLst/>
-                <a:latin typeface="Menlo" panose="020B0609030804020204" pitchFamily="49" charset="0"/>
-              </a:rPr>
-              <a:t>getStatus</a:t>
-            </a:r>
-            <a:r>
-              <a:rPr lang="fr-FR" b="1" u="sng" dirty="0">
-                <a:solidFill>
-                  <a:srgbClr val="D4D4D4"/>
-                </a:solidFill>
-                <a:effectLst/>
-                <a:latin typeface="Menlo" panose="020B0609030804020204" pitchFamily="49" charset="0"/>
-              </a:rPr>
-              <a:t>(</a:t>
-            </a:r>
-            <a:r>
-              <a:rPr lang="fr-FR" b="1" u="sng" dirty="0" err="1">
-                <a:solidFill>
-                  <a:srgbClr val="569CD6"/>
-                </a:solidFill>
-                <a:effectLst/>
-                <a:latin typeface="Menlo" panose="020B0609030804020204" pitchFamily="49" charset="0"/>
-              </a:rPr>
-              <a:t>this</a:t>
-            </a:r>
-            <a:r>
-              <a:rPr lang="fr-FR" b="1" u="sng" dirty="0" err="1">
-                <a:solidFill>
-                  <a:srgbClr val="D4D4D4"/>
-                </a:solidFill>
-                <a:effectLst/>
-                <a:latin typeface="Menlo" panose="020B0609030804020204" pitchFamily="49" charset="0"/>
-              </a:rPr>
-              <a:t>.</a:t>
-            </a:r>
-            <a:r>
-              <a:rPr lang="fr-FR" b="1" u="sng" dirty="0" err="1">
-                <a:solidFill>
-                  <a:srgbClr val="9CDCFE"/>
-                </a:solidFill>
-                <a:effectLst/>
-                <a:latin typeface="Menlo" panose="020B0609030804020204" pitchFamily="49" charset="0"/>
-              </a:rPr>
-              <a:t>index</a:t>
-            </a:r>
-            <a:r>
-              <a:rPr lang="fr-FR" b="1" u="sng" dirty="0">
-                <a:solidFill>
-                  <a:srgbClr val="D4D4D4"/>
-                </a:solidFill>
-                <a:effectLst/>
-                <a:latin typeface="Menlo" panose="020B0609030804020204" pitchFamily="49" charset="0"/>
-              </a:rPr>
-              <a:t>)).</a:t>
-            </a:r>
-            <a:r>
-              <a:rPr lang="fr-FR" b="1" u="sng" dirty="0" err="1">
-                <a:solidFill>
-                  <a:srgbClr val="DCDCAA"/>
-                </a:solidFill>
-                <a:effectLst/>
-                <a:latin typeface="Menlo" panose="020B0609030804020204" pitchFamily="49" charset="0"/>
-              </a:rPr>
-              <a:t>forEach</a:t>
-            </a:r>
-            <a:r>
-              <a:rPr lang="fr-FR" b="1" u="sng" dirty="0">
-                <a:solidFill>
-                  <a:srgbClr val="D4D4D4"/>
-                </a:solidFill>
-                <a:effectLst/>
-                <a:latin typeface="Menlo" panose="020B0609030804020204" pitchFamily="49" charset="0"/>
-              </a:rPr>
-              <a:t>(</a:t>
-            </a:r>
-            <a:r>
-              <a:rPr lang="fr-FR" b="1" u="sng" dirty="0">
-                <a:solidFill>
-                  <a:srgbClr val="9CDCFE"/>
-                </a:solidFill>
-                <a:effectLst/>
-                <a:latin typeface="Menlo" panose="020B0609030804020204" pitchFamily="49" charset="0"/>
-              </a:rPr>
-              <a:t>bill</a:t>
-            </a:r>
-            <a:r>
-              <a:rPr lang="fr-FR" b="1" u="sng" dirty="0">
-                <a:solidFill>
-                  <a:srgbClr val="D4D4D4"/>
-                </a:solidFill>
-                <a:effectLst/>
-                <a:latin typeface="Menlo" panose="020B0609030804020204" pitchFamily="49" charset="0"/>
-              </a:rPr>
-              <a:t> </a:t>
-            </a:r>
-            <a:r>
-              <a:rPr lang="fr-FR" b="1" u="sng" dirty="0">
-                <a:solidFill>
-                  <a:srgbClr val="569CD6"/>
-                </a:solidFill>
-                <a:effectLst/>
-                <a:latin typeface="Menlo" panose="020B0609030804020204" pitchFamily="49" charset="0"/>
-              </a:rPr>
-              <a:t>=&gt;</a:t>
-            </a:r>
-            <a:r>
-              <a:rPr lang="fr-FR" b="1" u="sng" dirty="0">
-                <a:solidFill>
-                  <a:srgbClr val="D4D4D4"/>
-                </a:solidFill>
-                <a:effectLst/>
-                <a:latin typeface="Menlo" panose="020B0609030804020204" pitchFamily="49" charset="0"/>
-              </a:rPr>
-              <a:t> </a:t>
-            </a:r>
-            <a:r>
-              <a:rPr lang="fr-FR" b="0" dirty="0">
-                <a:solidFill>
-                  <a:srgbClr val="D4D4D4"/>
-                </a:solidFill>
-                <a:effectLst/>
-                <a:latin typeface="Menlo" panose="020B0609030804020204" pitchFamily="49" charset="0"/>
-              </a:rPr>
-              <a:t>{</a:t>
-            </a:r>
-          </a:p>
-          <a:p>
-            <a:r>
-              <a:rPr lang="fr-FR" b="0" dirty="0" err="1">
-                <a:solidFill>
-                  <a:srgbClr val="569CD6"/>
-                </a:solidFill>
-                <a:effectLst/>
-                <a:latin typeface="Menlo" panose="020B0609030804020204" pitchFamily="49" charset="0"/>
-              </a:rPr>
-              <a:t>this</a:t>
-            </a:r>
-            <a:r>
-              <a:rPr lang="fr-FR" b="0" dirty="0" err="1">
-                <a:solidFill>
-                  <a:srgbClr val="D4D4D4"/>
-                </a:solidFill>
-                <a:effectLst/>
-                <a:latin typeface="Menlo" panose="020B0609030804020204" pitchFamily="49" charset="0"/>
-              </a:rPr>
-              <a:t>.</a:t>
-            </a:r>
-            <a:r>
-              <a:rPr lang="fr-FR" b="0" dirty="0" err="1">
-                <a:solidFill>
-                  <a:srgbClr val="9CDCFE"/>
-                </a:solidFill>
-                <a:effectLst/>
-                <a:latin typeface="Menlo" panose="020B0609030804020204" pitchFamily="49" charset="0"/>
-              </a:rPr>
-              <a:t>document</a:t>
-            </a:r>
-            <a:r>
-              <a:rPr lang="fr-FR" b="0" dirty="0" err="1">
-                <a:solidFill>
-                  <a:srgbClr val="D4D4D4"/>
-                </a:solidFill>
-                <a:effectLst/>
-                <a:latin typeface="Menlo" panose="020B0609030804020204" pitchFamily="49" charset="0"/>
-              </a:rPr>
-              <a:t>.</a:t>
-            </a:r>
-            <a:r>
-              <a:rPr lang="fr-FR" b="0" dirty="0" err="1">
-                <a:solidFill>
-                  <a:srgbClr val="DCDCAA"/>
-                </a:solidFill>
-                <a:effectLst/>
-                <a:latin typeface="Menlo" panose="020B0609030804020204" pitchFamily="49" charset="0"/>
-              </a:rPr>
-              <a:t>getElementById</a:t>
-            </a:r>
-            <a:r>
-              <a:rPr lang="fr-FR" b="0" dirty="0">
-                <a:solidFill>
-                  <a:srgbClr val="D4D4D4"/>
-                </a:solidFill>
-                <a:effectLst/>
-                <a:latin typeface="Menlo" panose="020B0609030804020204" pitchFamily="49" charset="0"/>
-              </a:rPr>
-              <a:t>(</a:t>
-            </a:r>
-            <a:r>
-              <a:rPr lang="fr-FR" b="0" dirty="0">
-                <a:solidFill>
-                  <a:srgbClr val="CE9178"/>
-                </a:solidFill>
-                <a:effectLst/>
-                <a:latin typeface="Menlo" panose="020B0609030804020204" pitchFamily="49" charset="0"/>
-              </a:rPr>
-              <a:t>`open-bill</a:t>
-            </a:r>
-            <a:r>
-              <a:rPr lang="fr-FR" b="0" dirty="0">
-                <a:solidFill>
-                  <a:srgbClr val="569CD6"/>
-                </a:solidFill>
-                <a:effectLst/>
-                <a:latin typeface="Menlo" panose="020B0609030804020204" pitchFamily="49" charset="0"/>
-              </a:rPr>
-              <a:t>${</a:t>
-            </a:r>
-            <a:r>
-              <a:rPr lang="fr-FR" b="0" dirty="0" err="1">
-                <a:solidFill>
-                  <a:srgbClr val="9CDCFE"/>
-                </a:solidFill>
-                <a:effectLst/>
-                <a:latin typeface="Menlo" panose="020B0609030804020204" pitchFamily="49" charset="0"/>
-              </a:rPr>
-              <a:t>bill</a:t>
-            </a:r>
-            <a:r>
-              <a:rPr lang="fr-FR" b="0" dirty="0" err="1">
-                <a:solidFill>
-                  <a:srgbClr val="D4D4D4"/>
-                </a:solidFill>
-                <a:effectLst/>
-                <a:latin typeface="Menlo" panose="020B0609030804020204" pitchFamily="49" charset="0"/>
-              </a:rPr>
-              <a:t>.</a:t>
-            </a:r>
-            <a:r>
-              <a:rPr lang="fr-FR" b="0" dirty="0" err="1">
-                <a:solidFill>
-                  <a:srgbClr val="9CDCFE"/>
-                </a:solidFill>
-                <a:effectLst/>
-                <a:latin typeface="Menlo" panose="020B0609030804020204" pitchFamily="49" charset="0"/>
-              </a:rPr>
-              <a:t>id</a:t>
-            </a:r>
-            <a:r>
-              <a:rPr lang="fr-FR" b="0" dirty="0">
-                <a:solidFill>
-                  <a:srgbClr val="569CD6"/>
-                </a:solidFill>
-                <a:effectLst/>
-                <a:latin typeface="Menlo" panose="020B0609030804020204" pitchFamily="49" charset="0"/>
-              </a:rPr>
-              <a:t>}</a:t>
-            </a:r>
-            <a:r>
-              <a:rPr lang="fr-FR" b="0" dirty="0">
-                <a:solidFill>
-                  <a:srgbClr val="CE9178"/>
-                </a:solidFill>
-                <a:effectLst/>
-                <a:latin typeface="Menlo" panose="020B0609030804020204" pitchFamily="49" charset="0"/>
-              </a:rPr>
-              <a:t>`</a:t>
-            </a:r>
-            <a:r>
-              <a:rPr lang="fr-FR" b="0" dirty="0">
-                <a:solidFill>
-                  <a:srgbClr val="D4D4D4"/>
-                </a:solidFill>
-                <a:effectLst/>
-                <a:latin typeface="Menlo" panose="020B0609030804020204" pitchFamily="49" charset="0"/>
-              </a:rPr>
-              <a:t>).</a:t>
-            </a:r>
-            <a:r>
-              <a:rPr lang="fr-FR" b="0" dirty="0" err="1">
-                <a:solidFill>
-                  <a:srgbClr val="DCDCAA"/>
-                </a:solidFill>
-                <a:effectLst/>
-                <a:latin typeface="Menlo" panose="020B0609030804020204" pitchFamily="49" charset="0"/>
-              </a:rPr>
-              <a:t>addEventListener</a:t>
-            </a:r>
-            <a:r>
-              <a:rPr lang="fr-FR" b="0" dirty="0">
-                <a:solidFill>
-                  <a:srgbClr val="D4D4D4"/>
-                </a:solidFill>
-                <a:effectLst/>
-                <a:latin typeface="Menlo" panose="020B0609030804020204" pitchFamily="49" charset="0"/>
-              </a:rPr>
-              <a:t>(</a:t>
-            </a:r>
-            <a:r>
-              <a:rPr lang="fr-FR" b="0" dirty="0">
-                <a:solidFill>
-                  <a:srgbClr val="CE9178"/>
-                </a:solidFill>
-                <a:effectLst/>
-                <a:latin typeface="Menlo" panose="020B0609030804020204" pitchFamily="49" charset="0"/>
-              </a:rPr>
-              <a:t>"click"</a:t>
-            </a:r>
-            <a:r>
-              <a:rPr lang="fr-FR" b="0" dirty="0">
-                <a:solidFill>
-                  <a:srgbClr val="D4D4D4"/>
-                </a:solidFill>
-                <a:effectLst/>
-                <a:latin typeface="Menlo" panose="020B0609030804020204" pitchFamily="49" charset="0"/>
-              </a:rPr>
-              <a:t>,(</a:t>
-            </a:r>
-            <a:r>
-              <a:rPr lang="fr-FR" b="0" dirty="0">
-                <a:solidFill>
-                  <a:srgbClr val="9CDCFE"/>
-                </a:solidFill>
-                <a:effectLst/>
-                <a:latin typeface="Menlo" panose="020B0609030804020204" pitchFamily="49" charset="0"/>
-              </a:rPr>
-              <a:t>e</a:t>
-            </a:r>
-            <a:r>
-              <a:rPr lang="fr-FR" b="0" dirty="0">
-                <a:solidFill>
-                  <a:srgbClr val="D4D4D4"/>
-                </a:solidFill>
-                <a:effectLst/>
-                <a:latin typeface="Menlo" panose="020B0609030804020204" pitchFamily="49" charset="0"/>
-              </a:rPr>
-              <a:t>) </a:t>
-            </a:r>
-            <a:r>
-              <a:rPr lang="fr-FR" b="0" dirty="0">
-                <a:solidFill>
-                  <a:srgbClr val="569CD6"/>
-                </a:solidFill>
-                <a:effectLst/>
-                <a:latin typeface="Menlo" panose="020B0609030804020204" pitchFamily="49" charset="0"/>
-              </a:rPr>
-              <a:t>=&gt;</a:t>
-            </a:r>
-            <a:r>
-              <a:rPr lang="fr-FR" b="0" dirty="0">
-                <a:solidFill>
-                  <a:srgbClr val="D4D4D4"/>
-                </a:solidFill>
-                <a:effectLst/>
-                <a:latin typeface="Menlo" panose="020B0609030804020204" pitchFamily="49" charset="0"/>
-              </a:rPr>
-              <a:t> </a:t>
-            </a:r>
-            <a:r>
-              <a:rPr lang="fr-FR" b="0" dirty="0" err="1">
-                <a:solidFill>
-                  <a:srgbClr val="569CD6"/>
-                </a:solidFill>
-                <a:effectLst/>
-                <a:latin typeface="Menlo" panose="020B0609030804020204" pitchFamily="49" charset="0"/>
-              </a:rPr>
-              <a:t>this</a:t>
-            </a:r>
-            <a:r>
-              <a:rPr lang="fr-FR" b="0" dirty="0" err="1">
-                <a:solidFill>
-                  <a:srgbClr val="D4D4D4"/>
-                </a:solidFill>
-                <a:effectLst/>
-                <a:latin typeface="Menlo" panose="020B0609030804020204" pitchFamily="49" charset="0"/>
-              </a:rPr>
-              <a:t>.</a:t>
-            </a:r>
-            <a:r>
-              <a:rPr lang="fr-FR" b="0" dirty="0" err="1">
-                <a:solidFill>
-                  <a:srgbClr val="DCDCAA"/>
-                </a:solidFill>
-                <a:effectLst/>
-                <a:latin typeface="Menlo" panose="020B0609030804020204" pitchFamily="49" charset="0"/>
-              </a:rPr>
-              <a:t>handleEditTicket</a:t>
-            </a:r>
-            <a:r>
-              <a:rPr lang="fr-FR" b="0" dirty="0">
-                <a:solidFill>
-                  <a:srgbClr val="D4D4D4"/>
-                </a:solidFill>
-                <a:effectLst/>
-                <a:latin typeface="Menlo" panose="020B0609030804020204" pitchFamily="49" charset="0"/>
-              </a:rPr>
-              <a:t>(</a:t>
-            </a:r>
-            <a:r>
-              <a:rPr lang="fr-FR" b="0" dirty="0">
-                <a:solidFill>
-                  <a:srgbClr val="9CDCFE"/>
-                </a:solidFill>
-                <a:effectLst/>
-                <a:latin typeface="Menlo" panose="020B0609030804020204" pitchFamily="49" charset="0"/>
-              </a:rPr>
-              <a:t>e</a:t>
-            </a:r>
-            <a:r>
-              <a:rPr lang="fr-FR" b="0" dirty="0">
-                <a:solidFill>
-                  <a:srgbClr val="D4D4D4"/>
-                </a:solidFill>
-                <a:effectLst/>
-                <a:latin typeface="Menlo" panose="020B0609030804020204" pitchFamily="49" charset="0"/>
-              </a:rPr>
-              <a:t>, </a:t>
-            </a:r>
-            <a:r>
-              <a:rPr lang="fr-FR" b="0" dirty="0">
-                <a:solidFill>
-                  <a:srgbClr val="9CDCFE"/>
-                </a:solidFill>
-                <a:effectLst/>
-                <a:latin typeface="Menlo" panose="020B0609030804020204" pitchFamily="49" charset="0"/>
-              </a:rPr>
-              <a:t>bill</a:t>
-            </a:r>
-            <a:r>
-              <a:rPr lang="fr-FR" b="0" dirty="0">
-                <a:solidFill>
-                  <a:srgbClr val="D4D4D4"/>
-                </a:solidFill>
-                <a:effectLst/>
-                <a:latin typeface="Menlo" panose="020B0609030804020204" pitchFamily="49" charset="0"/>
-              </a:rPr>
-              <a:t>, </a:t>
-            </a:r>
-            <a:r>
-              <a:rPr lang="fr-FR" b="0" dirty="0">
-                <a:solidFill>
-                  <a:srgbClr val="9CDCFE"/>
-                </a:solidFill>
-                <a:effectLst/>
-                <a:latin typeface="Menlo" panose="020B0609030804020204" pitchFamily="49" charset="0"/>
-              </a:rPr>
-              <a:t>bills</a:t>
-            </a:r>
-            <a:r>
-              <a:rPr lang="fr-FR" b="0" dirty="0">
-                <a:solidFill>
-                  <a:srgbClr val="D4D4D4"/>
-                </a:solidFill>
-                <a:effectLst/>
-                <a:latin typeface="Menlo" panose="020B0609030804020204" pitchFamily="49" charset="0"/>
-              </a:rPr>
-              <a:t>))</a:t>
-            </a:r>
-          </a:p>
-          <a:p>
-            <a:r>
-              <a:rPr lang="fr-FR" b="0" dirty="0">
-                <a:solidFill>
-                  <a:srgbClr val="D4D4D4"/>
-                </a:solidFill>
-                <a:effectLst/>
-                <a:latin typeface="Menlo" panose="020B0609030804020204" pitchFamily="49" charset="0"/>
-              </a:rPr>
-              <a:t>})</a:t>
-            </a:r>
-          </a:p>
-        </p:txBody>
-      </p:sp>
+        </p:spPr>
+      </p:pic>
     </p:spTree>
     <p:extLst>
       <p:ext uri="{BB962C8B-B14F-4D97-AF65-F5344CB8AC3E}">
@@ -7090,171 +6169,6 @@
             <a:pPr marL="457200" lvl="2" indent="0">
               <a:buNone/>
             </a:pPr>
-            <a:r>
-              <a:rPr lang="fr-FR" sz="2000" b="0" dirty="0" err="1">
-                <a:solidFill>
-                  <a:srgbClr val="DCDCAA"/>
-                </a:solidFill>
-                <a:effectLst/>
-                <a:latin typeface="Menlo" panose="020B0609030804020204" pitchFamily="49" charset="0"/>
-              </a:rPr>
-              <a:t>expect</a:t>
-            </a:r>
-            <a:r>
-              <a:rPr lang="fr-FR" sz="2000" b="0" dirty="0">
-                <a:solidFill>
-                  <a:srgbClr val="D4D4D4"/>
-                </a:solidFill>
-                <a:effectLst/>
-                <a:latin typeface="Menlo" panose="020B0609030804020204" pitchFamily="49" charset="0"/>
-              </a:rPr>
-              <a:t>(</a:t>
-            </a:r>
-            <a:r>
-              <a:rPr lang="fr-FR" sz="2000" b="0" dirty="0" err="1">
-                <a:solidFill>
-                  <a:srgbClr val="4FC1FF"/>
-                </a:solidFill>
-                <a:effectLst/>
-                <a:latin typeface="Menlo" panose="020B0609030804020204" pitchFamily="49" charset="0"/>
-              </a:rPr>
-              <a:t>windowIcon</a:t>
-            </a:r>
-            <a:r>
-              <a:rPr lang="fr-FR" sz="2000" b="0" dirty="0" err="1">
-                <a:solidFill>
-                  <a:srgbClr val="D4D4D4"/>
-                </a:solidFill>
-                <a:effectLst/>
-                <a:latin typeface="Menlo" panose="020B0609030804020204" pitchFamily="49" charset="0"/>
-              </a:rPr>
-              <a:t>.</a:t>
-            </a:r>
-            <a:r>
-              <a:rPr lang="fr-FR" sz="2000" b="0" dirty="0" err="1">
-                <a:solidFill>
-                  <a:srgbClr val="4FC1FF"/>
-                </a:solidFill>
-                <a:effectLst/>
-                <a:latin typeface="Menlo" panose="020B0609030804020204" pitchFamily="49" charset="0"/>
-              </a:rPr>
-              <a:t>classList</a:t>
-            </a:r>
-            <a:r>
-              <a:rPr lang="fr-FR" sz="2000" b="0" dirty="0" err="1">
-                <a:solidFill>
-                  <a:srgbClr val="D4D4D4"/>
-                </a:solidFill>
-                <a:effectLst/>
-                <a:latin typeface="Menlo" panose="020B0609030804020204" pitchFamily="49" charset="0"/>
-              </a:rPr>
-              <a:t>.</a:t>
-            </a:r>
-            <a:r>
-              <a:rPr lang="fr-FR" sz="2000" b="0" dirty="0" err="1">
-                <a:solidFill>
-                  <a:srgbClr val="DCDCAA"/>
-                </a:solidFill>
-                <a:effectLst/>
-                <a:latin typeface="Menlo" panose="020B0609030804020204" pitchFamily="49" charset="0"/>
-              </a:rPr>
-              <a:t>contains</a:t>
-            </a:r>
-            <a:r>
-              <a:rPr lang="fr-FR" sz="2000" b="0" dirty="0">
-                <a:solidFill>
-                  <a:srgbClr val="D4D4D4"/>
-                </a:solidFill>
-                <a:effectLst/>
-                <a:latin typeface="Menlo" panose="020B0609030804020204" pitchFamily="49" charset="0"/>
-              </a:rPr>
-              <a:t>(</a:t>
-            </a:r>
-            <a:r>
-              <a:rPr lang="fr-FR" sz="2000" b="0" dirty="0">
-                <a:solidFill>
-                  <a:srgbClr val="CE9178"/>
-                </a:solidFill>
-                <a:effectLst/>
-                <a:latin typeface="Menlo" panose="020B0609030804020204" pitchFamily="49" charset="0"/>
-              </a:rPr>
-              <a:t>"active-</a:t>
-            </a:r>
-            <a:r>
-              <a:rPr lang="fr-FR" sz="2000" b="0" dirty="0" err="1">
-                <a:solidFill>
-                  <a:srgbClr val="CE9178"/>
-                </a:solidFill>
-                <a:effectLst/>
-                <a:latin typeface="Menlo" panose="020B0609030804020204" pitchFamily="49" charset="0"/>
-              </a:rPr>
-              <a:t>icon</a:t>
-            </a:r>
-            <a:r>
-              <a:rPr lang="fr-FR" sz="2000" b="0" dirty="0">
-                <a:solidFill>
-                  <a:srgbClr val="CE9178"/>
-                </a:solidFill>
-                <a:effectLst/>
-                <a:latin typeface="Menlo" panose="020B0609030804020204" pitchFamily="49" charset="0"/>
-              </a:rPr>
-              <a:t>"</a:t>
-            </a:r>
-            <a:r>
-              <a:rPr lang="fr-FR" sz="2000" b="0" dirty="0">
-                <a:solidFill>
-                  <a:srgbClr val="D4D4D4"/>
-                </a:solidFill>
-                <a:effectLst/>
-                <a:latin typeface="Menlo" panose="020B0609030804020204" pitchFamily="49" charset="0"/>
-              </a:rPr>
-              <a:t>)).</a:t>
-            </a:r>
-            <a:r>
-              <a:rPr lang="fr-FR" sz="2000" b="0" dirty="0" err="1">
-                <a:solidFill>
-                  <a:srgbClr val="DCDCAA"/>
-                </a:solidFill>
-                <a:effectLst/>
-                <a:latin typeface="Menlo" panose="020B0609030804020204" pitchFamily="49" charset="0"/>
-              </a:rPr>
-              <a:t>toBe</a:t>
-            </a:r>
-            <a:r>
-              <a:rPr lang="fr-FR" sz="2000" b="0" dirty="0">
-                <a:solidFill>
-                  <a:srgbClr val="D4D4D4"/>
-                </a:solidFill>
-                <a:effectLst/>
-                <a:latin typeface="Menlo" panose="020B0609030804020204" pitchFamily="49" charset="0"/>
-              </a:rPr>
-              <a:t>(</a:t>
-            </a:r>
-            <a:r>
-              <a:rPr lang="fr-FR" sz="2000" b="0" dirty="0" err="1">
-                <a:solidFill>
-                  <a:srgbClr val="569CD6"/>
-                </a:solidFill>
-                <a:effectLst/>
-                <a:latin typeface="Menlo" panose="020B0609030804020204" pitchFamily="49" charset="0"/>
-              </a:rPr>
-              <a:t>true</a:t>
-            </a:r>
-            <a:r>
-              <a:rPr lang="fr-FR" sz="2000" b="0" dirty="0">
-                <a:solidFill>
-                  <a:srgbClr val="D4D4D4"/>
-                </a:solidFill>
-                <a:effectLst/>
-                <a:latin typeface="Menlo" panose="020B0609030804020204" pitchFamily="49" charset="0"/>
-              </a:rPr>
-              <a:t>);</a:t>
-            </a:r>
-          </a:p>
-          <a:p>
-            <a:pPr marL="457200" lvl="2" indent="0">
-              <a:buNone/>
-            </a:pPr>
             <a:endParaRPr lang="fr-FR" b="0" dirty="0">
               <a:solidFill>
                 <a:srgbClr val="CE9178"/>
@@ -7432,6 +6346,72 @@
               </a14:hiddenFill>
             </a:ext>
           </a:extLst>
+        </p:spPr>
+      </p:pic>
+      <p:pic>
+        <p:nvPicPr>
+          <p:cNvPr id="5" name="Image 4">
+            <a:extLst>
+              <a:ext uri="{FF2B5EF4-FFF2-40B4-BE49-F238E27FC236}">
+                <a16:creationId xmlns:a16="http://schemas.microsoft.com/office/drawing/2014/main" id="{89763F11-50A0-7F6B-F813-F53B771C56C7}"/>
+              </a:ext>
+            </a:extLst>
+          </p:cNvPr>
+          <p:cNvPicPr>
+            <a:picLocks noChangeAspect="1"/>
+          </p:cNvPicPr>
+          <p:nvPr/>
+        </p:nvPicPr>
+        <p:blipFill>
+          <a:blip r:embed="rId4"/>
+          <a:stretch>
+            <a:fillRect/>
+          </a:stretch>
+        </p:blipFill>
+        <p:spPr>
+          <a:xfrm>
+            <a:off x="879475" y="3143045"/>
+            <a:ext cx="8685883" cy="285955"/>
+          </a:xfrm>
+          <a:prstGeom prst="rect">
+            <a:avLst/>
+          </a:prstGeom>
+        </p:spPr>
+      </p:pic>
+      <p:pic>
+        <p:nvPicPr>
+          <p:cNvPr id="8" name="Image 7">
+            <a:extLst>
+              <a:ext uri="{FF2B5EF4-FFF2-40B4-BE49-F238E27FC236}">
+                <a16:creationId xmlns:a16="http://schemas.microsoft.com/office/drawing/2014/main" id="{04BB8FDA-573A-5129-D4D1-DAB956E16492}"/>
+              </a:ext>
+            </a:extLst>
+          </p:cNvPr>
+          <p:cNvPicPr>
+            <a:picLocks noChangeAspect="1"/>
+          </p:cNvPicPr>
+          <p:nvPr/>
+        </p:nvPicPr>
+        <p:blipFill>
+          <a:blip r:embed="rId5">
+            <a:extLst>
+              <a:ext uri="{28A0092B-C50C-407E-A947-70E740481C1C}">
+                <a14:useLocalDpi xmlns:a14="http://schemas.microsoft.com/office/drawing/2010/main" val="0"/>
+              </a:ext>
+            </a:extLst>
+          </a:blip>
+          <a:stretch>
+            <a:fillRect/>
+          </a:stretch>
+        </p:blipFill>
+        <p:spPr>
+          <a:xfrm>
+            <a:off x="1458656" y="4227202"/>
+            <a:ext cx="7772400" cy="862601"/>
+          </a:xfrm>
+          <a:prstGeom prst="rect">
+            <a:avLst/>
+          </a:prstGeom>
         </p:spPr>
       </p:pic>
     </p:spTree>
@@ -10969,36 +9949,6 @@
           <a:chExt cx="0" cy="0"/>
         </a:xfrm>
       </p:grpSpPr>
-      <p:pic>
-        <p:nvPicPr>
-          <p:cNvPr id="9" name="Image 8">
-            <a:extLst>
-              <a:ext uri="{FF2B5EF4-FFF2-40B4-BE49-F238E27FC236}">
-                <a16:creationId xmlns:a16="http://schemas.microsoft.com/office/drawing/2014/main" id="{DE8D2028-33FD-6AF4-4CED-C701FD7CD6A5}"/>
-              </a:ext>
-            </a:extLst>
-          </p:cNvPr>
-          <p:cNvPicPr>
-            <a:picLocks noChangeAspect="1"/>
-          </p:cNvPicPr>
-          <p:nvPr/>
-        </p:nvPicPr>
-        <p:blipFill>
-          <a:blip r:embed="rId2"/>
-          <a:stretch>
-            <a:fillRect/>
-          </a:stretch>
-        </p:blipFill>
-        <p:spPr>
-          <a:xfrm>
-            <a:off x="6090677" y="1644239"/>
-            <a:ext cx="5922634" cy="1355179"/>
-          </a:xfrm>
-          <a:prstGeom prst="rect">
-            <a:avLst/>
-          </a:prstGeom>
-        </p:spPr>
-      </p:pic>
       <p:sp>
         <p:nvSpPr>
           <p:cNvPr id="4" name="Espace réservé du numéro de diapositive 3"/>
@@ -11074,11 +10024,11 @@
           <p:nvPr/>
         </p:nvPicPr>
         <p:blipFill>
-          <a:blip r:embed="rId3">
+          <a:blip r:embed="rId2">
             <a:extLst>
               <a:ext uri="{BEBA8EAE-BF5A-486C-A8C5-ECC9F3942E4B}">
                 <a14:imgProps xmlns:a14="http://schemas.microsoft.com/office/drawing/2010/main">
-                  <a14:imgLayer r:embed="rId4">
+                  <a14:imgLayer r:embed="rId3">
                     <a14:imgEffect>
                       <a14:backgroundRemoval t="10000" b="90000" l="10000" r="90000">
                         <a14:foregroundMark x1="21362" y1="39583" x2="21362" y2="39583"/>
@@ -11131,66 +10081,6 @@
           </a:extLst>
         </p:spPr>
       </p:pic>
-      <p:pic>
-        <p:nvPicPr>
-          <p:cNvPr id="5" name="Image 4">
-            <a:extLst>
-              <a:ext uri="{FF2B5EF4-FFF2-40B4-BE49-F238E27FC236}">
-                <a16:creationId xmlns:a16="http://schemas.microsoft.com/office/drawing/2014/main" id="{27D8BB16-AE23-6E89-25DE-93C7A1D1CDC0}"/>
-              </a:ext>
-            </a:extLst>
-          </p:cNvPr>
-          <p:cNvPicPr>
-            <a:picLocks noChangeAspect="1"/>
-          </p:cNvPicPr>
-          <p:nvPr/>
-        </p:nvPicPr>
-        <p:blipFill>
-          <a:blip r:embed="rId5"/>
-          <a:stretch>
-            <a:fillRect/>
-          </a:stretch>
-        </p:blipFill>
-        <p:spPr>
-          <a:xfrm>
-            <a:off x="4571858" y="3214487"/>
-            <a:ext cx="5264371" cy="3757672"/>
-          </a:xfrm>
-          <a:prstGeom prst="rect">
-            <a:avLst/>
-          </a:prstGeom>
-        </p:spPr>
-      </p:pic>
-      <p:pic>
-        <p:nvPicPr>
-          <p:cNvPr id="8" name="Image 7">
-            <a:extLst>
-              <a:ext uri="{FF2B5EF4-FFF2-40B4-BE49-F238E27FC236}">
-                <a16:creationId xmlns:a16="http://schemas.microsoft.com/office/drawing/2014/main" id="{66CDFA03-A938-04A6-6D30-26381DD61A79}"/>
-              </a:ext>
-            </a:extLst>
-          </p:cNvPr>
-          <p:cNvPicPr>
-            <a:picLocks noChangeAspect="1"/>
-          </p:cNvPicPr>
-          <p:nvPr/>
-        </p:nvPicPr>
-        <p:blipFill>
-          <a:blip r:embed="rId6"/>
-          <a:stretch>
-            <a:fillRect/>
-          </a:stretch>
-        </p:blipFill>
-        <p:spPr>
-          <a:xfrm>
-            <a:off x="839132" y="1647723"/>
-            <a:ext cx="4421275" cy="1355180"/>
-          </a:xfrm>
-          <a:prstGeom prst="rect">
-            <a:avLst/>
-          </a:prstGeom>
-        </p:spPr>
-      </p:pic>
       <p:sp>
         <p:nvSpPr>
           <p:cNvPr id="10" name="Espace réservé du texte 1">
@@ -11256,7 +10146,7 @@
         <p:spPr>
           <a:xfrm>
             <a:off x="6090677" y="1061624"/>
-            <a:ext cx="3907678" cy="703054"/>
+            <a:ext cx="4421274" cy="703054"/>
           </a:xfrm>
           <a:prstGeom prst="rect">
             <a:avLst/>
@@ -11294,7 +10184,7 @@
               </a:spcBef>
               <a:buFontTx/>
               <a:buBlip>
-                <a:blip r:embed="rId7"/>
+                <a:blip r:embed="rId4"/>
               </a:buBlip>
               <a:defRPr sz="2400" kern="1200" baseline="0">
                 <a:solidFill>
@@ -11317,7 +10207,7 @@
               </a:buClr>
               <a:buFontTx/>
               <a:buBlip>
-                <a:blip r:embed="rId7"/>
+                <a:blip r:embed="rId4"/>
               </a:buBlip>
               <a:defRPr sz="2400" kern="1200" baseline="0">
                 <a:solidFill>
@@ -11337,7 +10227,7 @@
               </a:spcBef>
               <a:buFontTx/>
               <a:buBlip>
-                <a:blip r:embed="rId7"/>
+                <a:blip r:embed="rId4"/>
               </a:buBlip>
               <a:defRPr sz="2400" kern="1200">
                 <a:solidFill>
@@ -11441,8 +10331,20 @@
           </a:lstStyle>
           <a:p>
             <a:r>
-              <a:rPr lang="fr-FR"/>
-              <a:t>Rapport de test Jest Bills.js</a:t>
+              <a:rPr lang="fr-FR" dirty="0"/>
+              <a:t>Rapport de test </a:t>
+            </a:r>
+            <a:r>
+              <a:rPr lang="fr-FR" dirty="0" err="1"/>
+              <a:t>Jest</a:t>
+            </a:r>
+            <a:r>
+              <a:rPr lang="fr-FR" dirty="0"/>
+              <a:t> </a:t>
+            </a:r>
+            <a:r>
+              <a:rPr lang="fr-FR" dirty="0" err="1"/>
+              <a:t>NewBill.js</a:t>
             </a:r>
             <a:endParaRPr lang="fr-FR" dirty="0"/>
           </a:p>
@@ -11503,7 +10405,7 @@
               </a:spcBef>
               <a:buFontTx/>
               <a:buBlip>
-                <a:blip r:embed="rId7"/>
+                <a:blip r:embed="rId4"/>
               </a:buBlip>
               <a:defRPr sz="2400" kern="1200" baseline="0">
                 <a:solidFill>
@@ -11526,7 +10428,7 @@
               </a:buClr>
               <a:buFontTx/>
               <a:buBlip>
-                <a:blip r:embed="rId7"/>
+                <a:blip r:embed="rId4"/>
               </a:buBlip>
               <a:defRPr sz="2400" kern="1200" baseline="0">
                 <a:solidFill>
@@ -11546,7 +10448,7 @@
               </a:spcBef>
               <a:buFontTx/>
               <a:buBlip>
-                <a:blip r:embed="rId7"/>
+                <a:blip r:embed="rId4"/>
               </a:buBlip>
               <a:defRPr sz="2400" kern="1200">
                 <a:solidFill>
@@ -11661,6 +10563,96 @@
           </a:p>
         </p:txBody>
       </p:sp>
+      <p:pic>
+        <p:nvPicPr>
+          <p:cNvPr id="3" name="Image 2">
+            <a:extLst>
+              <a:ext uri="{FF2B5EF4-FFF2-40B4-BE49-F238E27FC236}">
+                <a16:creationId xmlns:a16="http://schemas.microsoft.com/office/drawing/2014/main" id="{5958B467-6F89-E7BF-87CB-6884CA7A0DDE}"/>
+              </a:ext>
+            </a:extLst>
+          </p:cNvPr>
+          <p:cNvPicPr>
+            <a:picLocks noChangeAspect="1"/>
+          </p:cNvPicPr>
+          <p:nvPr/>
+        </p:nvPicPr>
+        <p:blipFill>
+          <a:blip r:embed="rId5"/>
+          <a:stretch>
+            <a:fillRect/>
+          </a:stretch>
+        </p:blipFill>
+        <p:spPr>
+          <a:xfrm>
+            <a:off x="6090677" y="1504173"/>
+            <a:ext cx="5128098" cy="1579971"/>
+          </a:xfrm>
+          <a:prstGeom prst="rect">
+            <a:avLst/>
+          </a:prstGeom>
+        </p:spPr>
+      </p:pic>
+      <p:pic>
+        <p:nvPicPr>
+          <p:cNvPr id="7" name="Image 6">
+            <a:extLst>
+              <a:ext uri="{FF2B5EF4-FFF2-40B4-BE49-F238E27FC236}">
+                <a16:creationId xmlns:a16="http://schemas.microsoft.com/office/drawing/2014/main" id="{3CCCB06E-2CE9-9459-AD76-523E017FB979}"/>
+              </a:ext>
+            </a:extLst>
+          </p:cNvPr>
+          <p:cNvPicPr>
+            <a:picLocks noChangeAspect="1"/>
+          </p:cNvPicPr>
+          <p:nvPr/>
+        </p:nvPicPr>
+        <p:blipFill>
+          <a:blip r:embed="rId6"/>
+          <a:stretch>
+            <a:fillRect/>
+          </a:stretch>
+        </p:blipFill>
+        <p:spPr>
+          <a:xfrm>
+            <a:off x="762934" y="1504173"/>
+            <a:ext cx="4319063" cy="1581847"/>
+          </a:xfrm>
+          <a:prstGeom prst="rect">
+            <a:avLst/>
+          </a:prstGeom>
+        </p:spPr>
+      </p:pic>
+      <p:pic>
+        <p:nvPicPr>
+          <p:cNvPr id="13" name="Image 12">
+            <a:extLst>
+              <a:ext uri="{FF2B5EF4-FFF2-40B4-BE49-F238E27FC236}">
+                <a16:creationId xmlns:a16="http://schemas.microsoft.com/office/drawing/2014/main" id="{5DA8A6A9-E354-87A1-03E5-D0FB4DEEF680}"/>
+              </a:ext>
+            </a:extLst>
+          </p:cNvPr>
+          <p:cNvPicPr>
+            <a:picLocks noChangeAspect="1"/>
+          </p:cNvPicPr>
+          <p:nvPr/>
+        </p:nvPicPr>
+        <p:blipFill>
+          <a:blip r:embed="rId7"/>
+          <a:stretch>
+            <a:fillRect/>
+          </a:stretch>
+        </p:blipFill>
+        <p:spPr>
+          <a:xfrm>
+            <a:off x="4400294" y="3136900"/>
+            <a:ext cx="5398345" cy="3721100"/>
+          </a:xfrm>
+          <a:prstGeom prst="rect">
+            <a:avLst/>
+          </a:prstGeom>
+        </p:spPr>
+      </p:pic>
     </p:spTree>
     <p:extLst>
       <p:ext uri="{BB962C8B-B14F-4D97-AF65-F5344CB8AC3E}">
@@ -12212,7 +11204,7 @@
               </a:lnSpc>
             </a:pPr>
             <a:r>
-              <a:rPr lang="fr-FR" sz="1600" b="0" dirty="0" err="1">
+              <a:rPr lang="fr-FR" sz="1600" b="0" dirty="0">
                 <a:solidFill>
                   <a:srgbClr val="569CD6"/>
                 </a:solidFill>
@@ -12232,7 +11224,7 @@
               <a:t> </a:t>
             </a:r>
             <a:r>
-              <a:rPr lang="fr-FR" sz="1600" b="0" dirty="0" err="1">
+              <a:rPr lang="fr-FR" sz="1600" b="0" dirty="0">
                 <a:solidFill>
                   <a:srgbClr val="DCDCAA"/>
                 </a:solidFill>
@@ -12413,7 +11405,7 @@
               <a:t> </a:t>
             </a:r>
             <a:r>
-              <a:rPr lang="fr-FR" sz="1600" b="0" dirty="0" err="1">
+              <a:rPr lang="fr-FR" sz="1600" b="0" dirty="0">
                 <a:solidFill>
                   <a:srgbClr val="569CD6"/>
                 </a:solidFill>
@@ -12433,7 +11425,7 @@
               <a:t> </a:t>
             </a:r>
             <a:r>
-              <a:rPr lang="fr-FR" sz="1600" b="0" dirty="0" err="1">
+              <a:rPr lang="fr-FR" sz="1600" b="0" dirty="0">
                 <a:solidFill>
                   <a:srgbClr val="DCDCAA"/>
                 </a:solidFill>
